--- a/figures/Figures.pptx
+++ b/figures/Figures.pptx
@@ -7,6 +7,7 @@
   <p:sldIdLst>
     <p:sldId id="257" r:id="rId2"/>
     <p:sldId id="258" r:id="rId3"/>
+    <p:sldId id="259" r:id="rId4"/>
   </p:sldIdLst>
   <p:sldSz cx="9144000" cy="6858000" type="letter"/>
   <p:notesSz cx="9601200" cy="7315200"/>
@@ -4331,8 +4332,8 @@
         </p:nvSpPr>
         <p:spPr>
           <a:xfrm>
-            <a:off x="913330" y="1526775"/>
-            <a:ext cx="3786238" cy="3970318"/>
+            <a:off x="913330" y="799056"/>
+            <a:ext cx="3786238" cy="5078314"/>
           </a:xfrm>
           <a:prstGeom prst="rect">
             <a:avLst/>
@@ -4372,22 +4373,45 @@
               </a:tabLst>
             </a:pPr>
             <a:r>
-              <a:rPr lang="en-US" sz="1800" dirty="0">
-                <a:solidFill>
-                  <a:srgbClr val="000000"/>
-                </a:solidFill>
-                <a:latin typeface="Courier"/>
-                <a:cs typeface="Courier"/>
-              </a:rPr>
-              <a:t>List&lt;Integer&gt; list = </a:t>
-            </a:r>
-            <a:endParaRPr lang="en-US" sz="1800" dirty="0" smtClean="0">
-              <a:solidFill>
-                <a:srgbClr val="000000"/>
-              </a:solidFill>
-              <a:latin typeface="Courier"/>
-              <a:cs typeface="Courier"/>
-            </a:endParaRPr>
+              <a:rPr lang="en-US" sz="1800" b="1" dirty="0">
+                <a:solidFill>
+                  <a:srgbClr val="008000"/>
+                </a:solidFill>
+                <a:latin typeface="Courier"/>
+                <a:cs typeface="Courier"/>
+              </a:rPr>
+              <a:t>/</a:t>
+            </a:r>
+            <a:r>
+              <a:rPr lang="en-US" sz="1800" b="1" dirty="0" smtClean="0">
+                <a:solidFill>
+                  <a:srgbClr val="008000"/>
+                </a:solidFill>
+                <a:latin typeface="Courier"/>
+                <a:cs typeface="Courier"/>
+              </a:rPr>
+              <a:t>/ </a:t>
+            </a:r>
+            <a:r>
+              <a:rPr lang="en-US" sz="1800" b="1" dirty="0" err="1" smtClean="0">
+                <a:solidFill>
+                  <a:srgbClr val="008000"/>
+                </a:solidFill>
+                <a:latin typeface="Courier"/>
+                <a:cs typeface="Courier"/>
+              </a:rPr>
+              <a:t>ArrayList</a:t>
+            </a:r>
+            <a:r>
+              <a:rPr lang="en-US" sz="1800" b="1" dirty="0" smtClean="0">
+                <a:solidFill>
+                  <a:srgbClr val="008000"/>
+                </a:solidFill>
+                <a:latin typeface="Courier"/>
+                <a:cs typeface="Courier"/>
+              </a:rPr>
+              <a:t> of symbolic</a:t>
+            </a:r>
           </a:p>
           <a:p>
             <a:pPr>
@@ -4417,182 +4441,14 @@
               </a:tabLst>
             </a:pPr>
             <a:r>
-              <a:rPr lang="en-US" sz="1800" b="1" dirty="0">
-                <a:solidFill>
-                  <a:srgbClr val="000000"/>
-                </a:solidFill>
-                <a:latin typeface="Courier"/>
-                <a:cs typeface="Courier"/>
-              </a:rPr>
-              <a:t> </a:t>
-            </a:r>
-            <a:r>
               <a:rPr lang="en-US" sz="1800" b="1" dirty="0" smtClean="0">
                 <a:solidFill>
-                  <a:srgbClr val="000000"/>
-                </a:solidFill>
-                <a:latin typeface="Courier"/>
-                <a:cs typeface="Courier"/>
-              </a:rPr>
-              <a:t> </a:t>
-            </a:r>
-            <a:r>
-              <a:rPr lang="en-US" sz="1800" b="1" dirty="0" smtClean="0">
-                <a:solidFill>
-                  <a:srgbClr val="000080"/>
-                </a:solidFill>
-                <a:latin typeface="Courier"/>
-                <a:cs typeface="Courier"/>
-              </a:rPr>
-              <a:t>new </a:t>
-            </a:r>
-            <a:r>
-              <a:rPr lang="en-US" sz="1800" dirty="0" err="1">
-                <a:solidFill>
-                  <a:srgbClr val="000000"/>
-                </a:solidFill>
-                <a:latin typeface="Courier"/>
-                <a:cs typeface="Courier"/>
-              </a:rPr>
-              <a:t>ArrayList</a:t>
-            </a:r>
-            <a:r>
-              <a:rPr lang="en-US" sz="1800" dirty="0">
-                <a:solidFill>
-                  <a:srgbClr val="000000"/>
-                </a:solidFill>
-                <a:latin typeface="Courier"/>
-                <a:cs typeface="Courier"/>
-              </a:rPr>
-              <a:t>&lt;&gt;(</a:t>
-            </a:r>
-            <a:r>
-              <a:rPr lang="en-US" sz="1800" dirty="0">
-                <a:solidFill>
-                  <a:srgbClr val="0000FF"/>
-                </a:solidFill>
-                <a:latin typeface="Courier"/>
-                <a:cs typeface="Courier"/>
-              </a:rPr>
-              <a:t>200</a:t>
-            </a:r>
-            <a:r>
-              <a:rPr lang="en-US" sz="1800" dirty="0">
-                <a:solidFill>
-                  <a:srgbClr val="000000"/>
-                </a:solidFill>
-                <a:latin typeface="Courier"/>
-                <a:cs typeface="Courier"/>
-              </a:rPr>
-              <a:t>);</a:t>
-            </a:r>
-            <a:br>
-              <a:rPr lang="en-US" sz="1800" dirty="0">
-                <a:solidFill>
-                  <a:srgbClr val="000000"/>
-                </a:solidFill>
-                <a:latin typeface="Courier"/>
-                <a:cs typeface="Courier"/>
-              </a:rPr>
-            </a:br>
-            <a:r>
-              <a:rPr lang="en-US" sz="1800" dirty="0">
-                <a:solidFill>
-                  <a:srgbClr val="000000"/>
-                </a:solidFill>
-                <a:latin typeface="Courier"/>
-                <a:cs typeface="Courier"/>
-              </a:rPr>
-              <a:t>...</a:t>
-            </a:r>
-            <a:br>
-              <a:rPr lang="en-US" sz="1800" dirty="0">
-                <a:solidFill>
-                  <a:srgbClr val="000000"/>
-                </a:solidFill>
-                <a:latin typeface="Courier"/>
-                <a:cs typeface="Courier"/>
-              </a:rPr>
-            </a:br>
-            <a:r>
-              <a:rPr lang="en-US" sz="1800" b="1" dirty="0">
-                <a:solidFill>
-                  <a:srgbClr val="000080"/>
-                </a:solidFill>
-                <a:latin typeface="Courier"/>
-                <a:cs typeface="Courier"/>
-              </a:rPr>
-              <a:t>for </a:t>
-            </a:r>
-            <a:r>
-              <a:rPr lang="en-US" sz="1800" dirty="0">
-                <a:solidFill>
-                  <a:srgbClr val="000000"/>
-                </a:solidFill>
-                <a:latin typeface="Courier"/>
-                <a:cs typeface="Courier"/>
-              </a:rPr>
-              <a:t>(</a:t>
-            </a:r>
-            <a:r>
-              <a:rPr lang="en-US" sz="1800" b="1" dirty="0" err="1">
-                <a:solidFill>
-                  <a:srgbClr val="000080"/>
-                </a:solidFill>
-                <a:latin typeface="Courier"/>
-                <a:cs typeface="Courier"/>
-              </a:rPr>
-              <a:t>int</a:t>
-            </a:r>
-            <a:r>
-              <a:rPr lang="en-US" sz="1800" b="1" dirty="0">
-                <a:solidFill>
-                  <a:srgbClr val="000080"/>
-                </a:solidFill>
-                <a:latin typeface="Courier"/>
-                <a:cs typeface="Courier"/>
-              </a:rPr>
-              <a:t> </a:t>
-            </a:r>
-            <a:r>
-              <a:rPr lang="en-US" sz="1800" dirty="0" err="1">
-                <a:solidFill>
-                  <a:srgbClr val="000000"/>
-                </a:solidFill>
-                <a:latin typeface="Courier"/>
-                <a:cs typeface="Courier"/>
-              </a:rPr>
-              <a:t>i</a:t>
-            </a:r>
-            <a:r>
-              <a:rPr lang="en-US" sz="1800" dirty="0">
-                <a:solidFill>
-                  <a:srgbClr val="000000"/>
-                </a:solidFill>
-                <a:latin typeface="Courier"/>
-                <a:cs typeface="Courier"/>
-              </a:rPr>
-              <a:t> = </a:t>
-            </a:r>
-            <a:r>
-              <a:rPr lang="en-US" sz="1800" dirty="0">
-                <a:solidFill>
-                  <a:srgbClr val="0000FF"/>
-                </a:solidFill>
-                <a:latin typeface="Courier"/>
-                <a:cs typeface="Courier"/>
-              </a:rPr>
-              <a:t>0</a:t>
-            </a:r>
-            <a:r>
-              <a:rPr lang="en-US" sz="1800" dirty="0">
-                <a:solidFill>
-                  <a:srgbClr val="000000"/>
-                </a:solidFill>
-                <a:latin typeface="Courier"/>
-                <a:cs typeface="Courier"/>
-              </a:rPr>
-              <a:t>; </a:t>
+                  <a:srgbClr val="008000"/>
+                </a:solidFill>
+                <a:latin typeface="Courier"/>
+                <a:cs typeface="Courier"/>
+              </a:rPr>
+              <a:t>// integers</a:t>
             </a:r>
             <a:endParaRPr lang="en-US" sz="1800" dirty="0" smtClean="0">
               <a:solidFill>
@@ -4630,16 +4486,6 @@
               </a:tabLst>
             </a:pPr>
             <a:r>
-              <a:rPr lang="en-US" sz="1800" dirty="0">
-                <a:solidFill>
-                  <a:srgbClr val="000000"/>
-                </a:solidFill>
-                <a:latin typeface="Courier"/>
-                <a:cs typeface="Courier"/>
-              </a:rPr>
-              <a:t> </a:t>
-            </a:r>
-            <a:r>
               <a:rPr lang="en-US" sz="1800" dirty="0" smtClean="0">
                 <a:solidFill>
                   <a:srgbClr val="000000"/>
@@ -4647,57 +4493,17 @@
                 <a:latin typeface="Courier"/>
                 <a:cs typeface="Courier"/>
               </a:rPr>
-              <a:t>    </a:t>
-            </a:r>
-            <a:r>
-              <a:rPr lang="en-US" sz="1800" dirty="0" err="1" smtClean="0">
-                <a:solidFill>
-                  <a:srgbClr val="000000"/>
-                </a:solidFill>
-                <a:latin typeface="Courier"/>
-                <a:cs typeface="Courier"/>
-              </a:rPr>
-              <a:t>i</a:t>
-            </a:r>
-            <a:r>
-              <a:rPr lang="en-US" sz="1800" dirty="0" smtClean="0">
-                <a:solidFill>
-                  <a:srgbClr val="000000"/>
-                </a:solidFill>
-                <a:latin typeface="Courier"/>
-                <a:cs typeface="Courier"/>
-              </a:rPr>
-              <a:t> </a:t>
-            </a:r>
-            <a:r>
-              <a:rPr lang="en-US" sz="1800" dirty="0">
-                <a:solidFill>
-                  <a:srgbClr val="000000"/>
-                </a:solidFill>
-                <a:latin typeface="Courier"/>
-                <a:cs typeface="Courier"/>
-              </a:rPr>
-              <a:t>&lt; </a:t>
-            </a:r>
-            <a:r>
-              <a:rPr lang="en-US" sz="1800" dirty="0" err="1">
-                <a:solidFill>
-                  <a:srgbClr val="000000"/>
-                </a:solidFill>
-                <a:latin typeface="Courier"/>
-                <a:cs typeface="Courier"/>
-              </a:rPr>
-              <a:t>list.size</a:t>
-            </a:r>
-            <a:r>
-              <a:rPr lang="en-US" sz="1800" dirty="0">
-                <a:solidFill>
-                  <a:srgbClr val="000000"/>
-                </a:solidFill>
-                <a:latin typeface="Courier"/>
-                <a:cs typeface="Courier"/>
-              </a:rPr>
-              <a:t>(); </a:t>
+              <a:t>List</a:t>
+            </a:r>
+            <a:r>
+              <a:rPr lang="en-US" sz="1800" dirty="0">
+                <a:solidFill>
+                  <a:srgbClr val="000000"/>
+                </a:solidFill>
+                <a:latin typeface="Courier"/>
+                <a:cs typeface="Courier"/>
+              </a:rPr>
+              <a:t>&lt;Integer&gt; list = </a:t>
             </a:r>
             <a:endParaRPr lang="en-US" sz="1800" dirty="0" smtClean="0">
               <a:solidFill>
@@ -4735,7 +4541,7 @@
               </a:tabLst>
             </a:pPr>
             <a:r>
-              <a:rPr lang="en-US" sz="1800" dirty="0">
+              <a:rPr lang="en-US" sz="1800" b="1" dirty="0">
                 <a:solidFill>
                   <a:srgbClr val="000000"/>
                 </a:solidFill>
@@ -4745,17 +4551,135 @@
               <a:t> </a:t>
             </a:r>
             <a:r>
-              <a:rPr lang="en-US" sz="1800" dirty="0" smtClean="0">
-                <a:solidFill>
-                  <a:srgbClr val="000000"/>
-                </a:solidFill>
-                <a:latin typeface="Courier"/>
-                <a:cs typeface="Courier"/>
-              </a:rPr>
-              <a:t>    </a:t>
-            </a:r>
-            <a:r>
-              <a:rPr lang="en-US" sz="1800" dirty="0" err="1" smtClean="0">
+              <a:rPr lang="en-US" sz="1800" b="1" dirty="0" smtClean="0">
+                <a:solidFill>
+                  <a:srgbClr val="000000"/>
+                </a:solidFill>
+                <a:latin typeface="Courier"/>
+                <a:cs typeface="Courier"/>
+              </a:rPr>
+              <a:t> </a:t>
+            </a:r>
+            <a:r>
+              <a:rPr lang="en-US" sz="1800" b="1" dirty="0" smtClean="0">
+                <a:solidFill>
+                  <a:srgbClr val="000080"/>
+                </a:solidFill>
+                <a:latin typeface="Courier"/>
+                <a:cs typeface="Courier"/>
+              </a:rPr>
+              <a:t>new </a:t>
+            </a:r>
+            <a:r>
+              <a:rPr lang="en-US" sz="1800" dirty="0" err="1">
+                <a:solidFill>
+                  <a:srgbClr val="000000"/>
+                </a:solidFill>
+                <a:latin typeface="Courier"/>
+                <a:cs typeface="Courier"/>
+              </a:rPr>
+              <a:t>ArrayList</a:t>
+            </a:r>
+            <a:r>
+              <a:rPr lang="en-US" sz="1800" dirty="0">
+                <a:solidFill>
+                  <a:srgbClr val="000000"/>
+                </a:solidFill>
+                <a:latin typeface="Courier"/>
+                <a:cs typeface="Courier"/>
+              </a:rPr>
+              <a:t>&lt;&gt;(</a:t>
+            </a:r>
+            <a:r>
+              <a:rPr lang="en-US" sz="1800" dirty="0">
+                <a:solidFill>
+                  <a:srgbClr val="0000FF"/>
+                </a:solidFill>
+                <a:latin typeface="Courier"/>
+                <a:cs typeface="Courier"/>
+              </a:rPr>
+              <a:t>200</a:t>
+            </a:r>
+            <a:r>
+              <a:rPr lang="en-US" sz="1800" dirty="0">
+                <a:solidFill>
+                  <a:srgbClr val="000000"/>
+                </a:solidFill>
+                <a:latin typeface="Courier"/>
+                <a:cs typeface="Courier"/>
+              </a:rPr>
+              <a:t>);</a:t>
+            </a:r>
+            <a:br>
+              <a:rPr lang="en-US" sz="1800" dirty="0">
+                <a:solidFill>
+                  <a:srgbClr val="000000"/>
+                </a:solidFill>
+                <a:latin typeface="Courier"/>
+                <a:cs typeface="Courier"/>
+              </a:rPr>
+            </a:br>
+            <a:r>
+              <a:rPr lang="en-US" sz="1800" dirty="0">
+                <a:solidFill>
+                  <a:srgbClr val="000000"/>
+                </a:solidFill>
+                <a:latin typeface="Courier"/>
+                <a:cs typeface="Courier"/>
+              </a:rPr>
+              <a:t>...</a:t>
+            </a:r>
+            <a:br>
+              <a:rPr lang="en-US" sz="1800" dirty="0">
+                <a:solidFill>
+                  <a:srgbClr val="000000"/>
+                </a:solidFill>
+                <a:latin typeface="Courier"/>
+                <a:cs typeface="Courier"/>
+              </a:rPr>
+            </a:br>
+            <a:r>
+              <a:rPr lang="en-US" sz="1800" b="1" dirty="0">
+                <a:solidFill>
+                  <a:srgbClr val="000080"/>
+                </a:solidFill>
+                <a:latin typeface="Courier"/>
+                <a:cs typeface="Courier"/>
+              </a:rPr>
+              <a:t>for </a:t>
+            </a:r>
+            <a:r>
+              <a:rPr lang="en-US" sz="1800" dirty="0">
+                <a:solidFill>
+                  <a:srgbClr val="000000"/>
+                </a:solidFill>
+                <a:latin typeface="Courier"/>
+                <a:cs typeface="Courier"/>
+              </a:rPr>
+              <a:t>(</a:t>
+            </a:r>
+            <a:r>
+              <a:rPr lang="en-US" sz="1800" b="1" dirty="0" err="1">
+                <a:solidFill>
+                  <a:srgbClr val="000080"/>
+                </a:solidFill>
+                <a:latin typeface="Courier"/>
+                <a:cs typeface="Courier"/>
+              </a:rPr>
+              <a:t>int</a:t>
+            </a:r>
+            <a:r>
+              <a:rPr lang="en-US" sz="1800" b="1" dirty="0">
+                <a:solidFill>
+                  <a:srgbClr val="000080"/>
+                </a:solidFill>
+                <a:latin typeface="Courier"/>
+                <a:cs typeface="Courier"/>
+              </a:rPr>
+              <a:t> </a:t>
+            </a:r>
+            <a:r>
+              <a:rPr lang="en-US" sz="1800" dirty="0" err="1">
                 <a:solidFill>
                   <a:srgbClr val="000000"/>
                 </a:solidFill>
@@ -4772,46 +4696,7 @@
                 <a:latin typeface="Courier"/>
                 <a:cs typeface="Courier"/>
               </a:rPr>
-              <a:t>++) {</a:t>
-            </a:r>
-            <a:br>
-              <a:rPr lang="en-US" sz="1800" dirty="0">
-                <a:solidFill>
-                  <a:srgbClr val="000000"/>
-                </a:solidFill>
-                <a:latin typeface="Courier"/>
-                <a:cs typeface="Courier"/>
-              </a:rPr>
-            </a:br>
-            <a:r>
-              <a:rPr lang="en-US" sz="1800" dirty="0">
-                <a:solidFill>
-                  <a:srgbClr val="000000"/>
-                </a:solidFill>
-                <a:latin typeface="Courier"/>
-                <a:cs typeface="Courier"/>
-              </a:rPr>
-              <a:t>    </a:t>
-            </a:r>
-            <a:r>
-              <a:rPr lang="en-US" sz="1800" b="1" dirty="0">
-                <a:solidFill>
-                  <a:srgbClr val="000080"/>
-                </a:solidFill>
-                <a:latin typeface="Courier"/>
-                <a:cs typeface="Courier"/>
-              </a:rPr>
-              <a:t>if </a:t>
-            </a:r>
-            <a:r>
-              <a:rPr lang="en-US" sz="1800" dirty="0">
-                <a:solidFill>
-                  <a:srgbClr val="000000"/>
-                </a:solidFill>
-                <a:latin typeface="Courier"/>
-                <a:cs typeface="Courier"/>
-              </a:rPr>
-              <a:t>(i%</a:t>
+              <a:t> = </a:t>
             </a:r>
             <a:r>
               <a:rPr lang="en-US" sz="1800" dirty="0">
@@ -4821,37 +4706,17 @@
                 <a:latin typeface="Courier"/>
                 <a:cs typeface="Courier"/>
               </a:rPr>
-              <a:t>2 </a:t>
-            </a:r>
-            <a:r>
-              <a:rPr lang="en-US" sz="1800" dirty="0">
-                <a:solidFill>
-                  <a:srgbClr val="000000"/>
-                </a:solidFill>
-                <a:latin typeface="Courier"/>
-                <a:cs typeface="Courier"/>
-              </a:rPr>
-              <a:t>== </a:t>
-            </a:r>
-            <a:r>
-              <a:rPr lang="en-US" sz="1800" dirty="0">
-                <a:solidFill>
-                  <a:srgbClr val="0000FF"/>
-                </a:solidFill>
-                <a:latin typeface="Courier"/>
-                <a:cs typeface="Courier"/>
-              </a:rPr>
-              <a:t>0 </a:t>
-            </a:r>
-            <a:r>
-              <a:rPr lang="en-US" sz="1800" dirty="0">
-                <a:solidFill>
-                  <a:srgbClr val="000000"/>
-                </a:solidFill>
-                <a:latin typeface="Courier"/>
-                <a:cs typeface="Courier"/>
-              </a:rPr>
-              <a:t>&amp;&amp; </a:t>
+              <a:t>0</a:t>
+            </a:r>
+            <a:r>
+              <a:rPr lang="en-US" sz="1800" dirty="0">
+                <a:solidFill>
+                  <a:srgbClr val="000000"/>
+                </a:solidFill>
+                <a:latin typeface="Courier"/>
+                <a:cs typeface="Courier"/>
+              </a:rPr>
+              <a:t>; </a:t>
             </a:r>
             <a:endParaRPr lang="en-US" sz="1800" dirty="0" smtClean="0">
               <a:solidFill>
@@ -4906,6 +4771,401 @@
                 <a:latin typeface="Courier"/>
                 <a:cs typeface="Courier"/>
               </a:rPr>
+              <a:t>    </a:t>
+            </a:r>
+            <a:r>
+              <a:rPr lang="en-US" sz="1800" dirty="0" err="1" smtClean="0">
+                <a:solidFill>
+                  <a:srgbClr val="000000"/>
+                </a:solidFill>
+                <a:latin typeface="Courier"/>
+                <a:cs typeface="Courier"/>
+              </a:rPr>
+              <a:t>i</a:t>
+            </a:r>
+            <a:r>
+              <a:rPr lang="en-US" sz="1800" dirty="0" smtClean="0">
+                <a:solidFill>
+                  <a:srgbClr val="000000"/>
+                </a:solidFill>
+                <a:latin typeface="Courier"/>
+                <a:cs typeface="Courier"/>
+              </a:rPr>
+              <a:t> </a:t>
+            </a:r>
+            <a:r>
+              <a:rPr lang="en-US" sz="1800" dirty="0">
+                <a:solidFill>
+                  <a:srgbClr val="000000"/>
+                </a:solidFill>
+                <a:latin typeface="Courier"/>
+                <a:cs typeface="Courier"/>
+              </a:rPr>
+              <a:t>&lt; </a:t>
+            </a:r>
+            <a:r>
+              <a:rPr lang="en-US" sz="1800" dirty="0" err="1">
+                <a:solidFill>
+                  <a:srgbClr val="000000"/>
+                </a:solidFill>
+                <a:latin typeface="Courier"/>
+                <a:cs typeface="Courier"/>
+              </a:rPr>
+              <a:t>list.size</a:t>
+            </a:r>
+            <a:r>
+              <a:rPr lang="en-US" sz="1800" dirty="0">
+                <a:solidFill>
+                  <a:srgbClr val="000000"/>
+                </a:solidFill>
+                <a:latin typeface="Courier"/>
+                <a:cs typeface="Courier"/>
+              </a:rPr>
+              <a:t>(); </a:t>
+            </a:r>
+            <a:endParaRPr lang="en-US" sz="1800" dirty="0" smtClean="0">
+              <a:solidFill>
+                <a:srgbClr val="000000"/>
+              </a:solidFill>
+              <a:latin typeface="Courier"/>
+              <a:cs typeface="Courier"/>
+            </a:endParaRPr>
+          </a:p>
+          <a:p>
+            <a:pPr>
+              <a:spcBef>
+                <a:spcPts val="0"/>
+              </a:spcBef>
+              <a:spcAft>
+                <a:spcPts val="0"/>
+              </a:spcAft>
+              <a:tabLst>
+                <a:tab pos="581660" algn="l"/>
+                <a:tab pos="1163320" algn="l"/>
+                <a:tab pos="1744980" algn="l"/>
+                <a:tab pos="2326640" algn="l"/>
+                <a:tab pos="2908300" algn="l"/>
+                <a:tab pos="3489960" algn="l"/>
+                <a:tab pos="4071620" algn="l"/>
+                <a:tab pos="4653280" algn="l"/>
+                <a:tab pos="5234940" algn="l"/>
+                <a:tab pos="5816600" algn="l"/>
+                <a:tab pos="6398260" algn="l"/>
+                <a:tab pos="6979920" algn="l"/>
+                <a:tab pos="7561580" algn="l"/>
+                <a:tab pos="8143240" algn="l"/>
+                <a:tab pos="8724900" algn="l"/>
+                <a:tab pos="9306560" algn="l"/>
+              </a:tabLst>
+            </a:pPr>
+            <a:r>
+              <a:rPr lang="en-US" sz="1800" dirty="0">
+                <a:solidFill>
+                  <a:srgbClr val="000000"/>
+                </a:solidFill>
+                <a:latin typeface="Courier"/>
+                <a:cs typeface="Courier"/>
+              </a:rPr>
+              <a:t> </a:t>
+            </a:r>
+            <a:r>
+              <a:rPr lang="en-US" sz="1800" dirty="0" smtClean="0">
+                <a:solidFill>
+                  <a:srgbClr val="000000"/>
+                </a:solidFill>
+                <a:latin typeface="Courier"/>
+                <a:cs typeface="Courier"/>
+              </a:rPr>
+              <a:t>    </a:t>
+            </a:r>
+            <a:r>
+              <a:rPr lang="en-US" sz="1800" dirty="0" err="1" smtClean="0">
+                <a:solidFill>
+                  <a:srgbClr val="000000"/>
+                </a:solidFill>
+                <a:latin typeface="Courier"/>
+                <a:cs typeface="Courier"/>
+              </a:rPr>
+              <a:t>i</a:t>
+            </a:r>
+            <a:r>
+              <a:rPr lang="en-US" sz="1800" dirty="0">
+                <a:solidFill>
+                  <a:srgbClr val="000000"/>
+                </a:solidFill>
+                <a:latin typeface="Courier"/>
+                <a:cs typeface="Courier"/>
+              </a:rPr>
+              <a:t>++) </a:t>
+            </a:r>
+            <a:r>
+              <a:rPr lang="en-US" sz="1800" dirty="0" smtClean="0">
+                <a:solidFill>
+                  <a:srgbClr val="000000"/>
+                </a:solidFill>
+                <a:latin typeface="Courier"/>
+                <a:cs typeface="Courier"/>
+              </a:rPr>
+              <a:t>{</a:t>
+            </a:r>
+          </a:p>
+          <a:p>
+            <a:pPr>
+              <a:spcBef>
+                <a:spcPts val="0"/>
+              </a:spcBef>
+              <a:spcAft>
+                <a:spcPts val="0"/>
+              </a:spcAft>
+              <a:tabLst>
+                <a:tab pos="581660" algn="l"/>
+                <a:tab pos="1163320" algn="l"/>
+                <a:tab pos="1744980" algn="l"/>
+                <a:tab pos="2326640" algn="l"/>
+                <a:tab pos="2908300" algn="l"/>
+                <a:tab pos="3489960" algn="l"/>
+                <a:tab pos="4071620" algn="l"/>
+                <a:tab pos="4653280" algn="l"/>
+                <a:tab pos="5234940" algn="l"/>
+                <a:tab pos="5816600" algn="l"/>
+                <a:tab pos="6398260" algn="l"/>
+                <a:tab pos="6979920" algn="l"/>
+                <a:tab pos="7561580" algn="l"/>
+                <a:tab pos="8143240" algn="l"/>
+                <a:tab pos="8724900" algn="l"/>
+                <a:tab pos="9306560" algn="l"/>
+              </a:tabLst>
+            </a:pPr>
+            <a:r>
+              <a:rPr lang="en-US" sz="1800" b="1" dirty="0" smtClean="0">
+                <a:solidFill>
+                  <a:srgbClr val="008000"/>
+                </a:solidFill>
+                <a:latin typeface="Courier"/>
+                <a:cs typeface="Courier"/>
+              </a:rPr>
+              <a:t>// </a:t>
+            </a:r>
+            <a:r>
+              <a:rPr lang="en-US" sz="1800" b="1" dirty="0" err="1" smtClean="0">
+                <a:solidFill>
+                  <a:srgbClr val="008000"/>
+                </a:solidFill>
+                <a:latin typeface="Courier"/>
+                <a:cs typeface="Courier"/>
+              </a:rPr>
+              <a:t>list.get</a:t>
+            </a:r>
+            <a:r>
+              <a:rPr lang="en-US" sz="1800" b="1" dirty="0" smtClean="0">
+                <a:solidFill>
+                  <a:srgbClr val="008000"/>
+                </a:solidFill>
+                <a:latin typeface="Courier"/>
+                <a:cs typeface="Courier"/>
+              </a:rPr>
+              <a:t>(</a:t>
+            </a:r>
+            <a:r>
+              <a:rPr lang="en-US" sz="1800" b="1" dirty="0" err="1" smtClean="0">
+                <a:solidFill>
+                  <a:srgbClr val="008000"/>
+                </a:solidFill>
+                <a:latin typeface="Courier"/>
+                <a:cs typeface="Courier"/>
+              </a:rPr>
+              <a:t>i</a:t>
+            </a:r>
+            <a:r>
+              <a:rPr lang="en-US" sz="1800" b="1" dirty="0" smtClean="0">
+                <a:solidFill>
+                  <a:srgbClr val="008000"/>
+                </a:solidFill>
+                <a:latin typeface="Courier"/>
+                <a:cs typeface="Courier"/>
+              </a:rPr>
+              <a:t>) returns</a:t>
+            </a:r>
+          </a:p>
+          <a:p>
+            <a:pPr>
+              <a:spcBef>
+                <a:spcPts val="0"/>
+              </a:spcBef>
+              <a:spcAft>
+                <a:spcPts val="0"/>
+              </a:spcAft>
+              <a:tabLst>
+                <a:tab pos="581660" algn="l"/>
+                <a:tab pos="1163320" algn="l"/>
+                <a:tab pos="1744980" algn="l"/>
+                <a:tab pos="2326640" algn="l"/>
+                <a:tab pos="2908300" algn="l"/>
+                <a:tab pos="3489960" algn="l"/>
+                <a:tab pos="4071620" algn="l"/>
+                <a:tab pos="4653280" algn="l"/>
+                <a:tab pos="5234940" algn="l"/>
+                <a:tab pos="5816600" algn="l"/>
+                <a:tab pos="6398260" algn="l"/>
+                <a:tab pos="6979920" algn="l"/>
+                <a:tab pos="7561580" algn="l"/>
+                <a:tab pos="8143240" algn="l"/>
+                <a:tab pos="8724900" algn="l"/>
+                <a:tab pos="9306560" algn="l"/>
+              </a:tabLst>
+            </a:pPr>
+            <a:r>
+              <a:rPr lang="en-US" sz="1800" b="1" dirty="0" smtClean="0">
+                <a:solidFill>
+                  <a:srgbClr val="008000"/>
+                </a:solidFill>
+                <a:latin typeface="Courier"/>
+                <a:cs typeface="Courier"/>
+              </a:rPr>
+              <a:t>// a symbolic integer </a:t>
+            </a:r>
+            <a:r>
+              <a:rPr lang="en-US" sz="1800" dirty="0">
+                <a:solidFill>
+                  <a:srgbClr val="000000"/>
+                </a:solidFill>
+                <a:latin typeface="Courier"/>
+                <a:cs typeface="Courier"/>
+              </a:rPr>
+              <a:t/>
+            </a:r>
+            <a:br>
+              <a:rPr lang="en-US" sz="1800" dirty="0">
+                <a:solidFill>
+                  <a:srgbClr val="000000"/>
+                </a:solidFill>
+                <a:latin typeface="Courier"/>
+                <a:cs typeface="Courier"/>
+              </a:rPr>
+            </a:br>
+            <a:r>
+              <a:rPr lang="en-US" sz="1800" dirty="0">
+                <a:solidFill>
+                  <a:srgbClr val="000000"/>
+                </a:solidFill>
+                <a:latin typeface="Courier"/>
+                <a:cs typeface="Courier"/>
+              </a:rPr>
+              <a:t>    </a:t>
+            </a:r>
+            <a:r>
+              <a:rPr lang="en-US" sz="1800" b="1" dirty="0">
+                <a:solidFill>
+                  <a:srgbClr val="000080"/>
+                </a:solidFill>
+                <a:latin typeface="Courier"/>
+                <a:cs typeface="Courier"/>
+              </a:rPr>
+              <a:t>if </a:t>
+            </a:r>
+            <a:r>
+              <a:rPr lang="en-US" sz="1800" dirty="0">
+                <a:solidFill>
+                  <a:srgbClr val="000000"/>
+                </a:solidFill>
+                <a:latin typeface="Courier"/>
+                <a:cs typeface="Courier"/>
+              </a:rPr>
+              <a:t>(i%</a:t>
+            </a:r>
+            <a:r>
+              <a:rPr lang="en-US" sz="1800" dirty="0">
+                <a:solidFill>
+                  <a:srgbClr val="0000FF"/>
+                </a:solidFill>
+                <a:latin typeface="Courier"/>
+                <a:cs typeface="Courier"/>
+              </a:rPr>
+              <a:t>2 </a:t>
+            </a:r>
+            <a:r>
+              <a:rPr lang="en-US" sz="1800" dirty="0">
+                <a:solidFill>
+                  <a:srgbClr val="000000"/>
+                </a:solidFill>
+                <a:latin typeface="Courier"/>
+                <a:cs typeface="Courier"/>
+              </a:rPr>
+              <a:t>== </a:t>
+            </a:r>
+            <a:r>
+              <a:rPr lang="en-US" sz="1800" dirty="0">
+                <a:solidFill>
+                  <a:srgbClr val="0000FF"/>
+                </a:solidFill>
+                <a:latin typeface="Courier"/>
+                <a:cs typeface="Courier"/>
+              </a:rPr>
+              <a:t>0 </a:t>
+            </a:r>
+            <a:r>
+              <a:rPr lang="en-US" sz="1800" dirty="0">
+                <a:solidFill>
+                  <a:srgbClr val="000000"/>
+                </a:solidFill>
+                <a:latin typeface="Courier"/>
+                <a:cs typeface="Courier"/>
+              </a:rPr>
+              <a:t>&amp;&amp; </a:t>
+            </a:r>
+            <a:endParaRPr lang="en-US" sz="1800" dirty="0" smtClean="0">
+              <a:solidFill>
+                <a:srgbClr val="000000"/>
+              </a:solidFill>
+              <a:latin typeface="Courier"/>
+              <a:cs typeface="Courier"/>
+            </a:endParaRPr>
+          </a:p>
+          <a:p>
+            <a:pPr>
+              <a:spcBef>
+                <a:spcPts val="0"/>
+              </a:spcBef>
+              <a:spcAft>
+                <a:spcPts val="0"/>
+              </a:spcAft>
+              <a:tabLst>
+                <a:tab pos="581660" algn="l"/>
+                <a:tab pos="1163320" algn="l"/>
+                <a:tab pos="1744980" algn="l"/>
+                <a:tab pos="2326640" algn="l"/>
+                <a:tab pos="2908300" algn="l"/>
+                <a:tab pos="3489960" algn="l"/>
+                <a:tab pos="4071620" algn="l"/>
+                <a:tab pos="4653280" algn="l"/>
+                <a:tab pos="5234940" algn="l"/>
+                <a:tab pos="5816600" algn="l"/>
+                <a:tab pos="6398260" algn="l"/>
+                <a:tab pos="6979920" algn="l"/>
+                <a:tab pos="7561580" algn="l"/>
+                <a:tab pos="8143240" algn="l"/>
+                <a:tab pos="8724900" algn="l"/>
+                <a:tab pos="9306560" algn="l"/>
+              </a:tabLst>
+            </a:pPr>
+            <a:r>
+              <a:rPr lang="en-US" sz="1800" dirty="0">
+                <a:solidFill>
+                  <a:srgbClr val="000000"/>
+                </a:solidFill>
+                <a:latin typeface="Courier"/>
+                <a:cs typeface="Courier"/>
+              </a:rPr>
+              <a:t> </a:t>
+            </a:r>
+            <a:r>
+              <a:rPr lang="en-US" sz="1800" dirty="0" smtClean="0">
+                <a:solidFill>
+                  <a:srgbClr val="000000"/>
+                </a:solidFill>
+                <a:latin typeface="Courier"/>
+                <a:cs typeface="Courier"/>
+              </a:rPr>
               <a:t>       </a:t>
             </a:r>
             <a:r>
@@ -4959,7 +5219,7 @@
               <a:t>42</a:t>
             </a:r>
             <a:r>
-              <a:rPr lang="en-US" sz="1800" dirty="0">
+              <a:rPr lang="en-US" sz="1800" dirty="0" smtClean="0">
                 <a:solidFill>
                   <a:srgbClr val="000000"/>
                 </a:solidFill>
@@ -4967,6 +5227,16 @@
                 <a:cs typeface="Courier"/>
               </a:rPr>
               <a:t>)</a:t>
+            </a:r>
+            <a:r>
+              <a:rPr lang="en-US" sz="1800" dirty="0">
+                <a:solidFill>
+                  <a:srgbClr val="000000"/>
+                </a:solidFill>
+                <a:latin typeface="Courier"/>
+                <a:cs typeface="Courier"/>
+              </a:rPr>
+              <a:t/>
             </a:r>
             <a:br>
               <a:rPr lang="en-US" sz="1800" dirty="0">
@@ -6289,10 +6559,2685 @@
           </a:p>
         </p:txBody>
       </p:sp>
+      <p:sp>
+        <p:nvSpPr>
+          <p:cNvPr id="46" name="TextBox 45"/>
+          <p:cNvSpPr txBox="1"/>
+          <p:nvPr/>
+        </p:nvSpPr>
+        <p:spPr>
+          <a:xfrm>
+            <a:off x="3781753" y="2568405"/>
+            <a:ext cx="487408" cy="369332"/>
+          </a:xfrm>
+          <a:prstGeom prst="rect">
+            <a:avLst/>
+          </a:prstGeom>
+          <a:noFill/>
+        </p:spPr>
+        <p:txBody>
+          <a:bodyPr wrap="none" rtlCol="0">
+            <a:spAutoFit/>
+          </a:bodyPr>
+          <a:lstStyle/>
+          <a:p>
+            <a:r>
+              <a:rPr lang="en-US" sz="1800" dirty="0" smtClean="0">
+                <a:solidFill>
+                  <a:srgbClr val="FF0000"/>
+                </a:solidFill>
+              </a:rPr>
+              <a:t>(1)</a:t>
+            </a:r>
+            <a:endParaRPr lang="en-US" sz="1800" dirty="0">
+              <a:solidFill>
+                <a:srgbClr val="FF0000"/>
+              </a:solidFill>
+            </a:endParaRPr>
+          </a:p>
+        </p:txBody>
+      </p:sp>
+      <p:sp>
+        <p:nvSpPr>
+          <p:cNvPr id="47" name="TextBox 46"/>
+          <p:cNvSpPr txBox="1"/>
+          <p:nvPr/>
+        </p:nvSpPr>
+        <p:spPr>
+          <a:xfrm>
+            <a:off x="4319470" y="2735074"/>
+            <a:ext cx="487408" cy="369332"/>
+          </a:xfrm>
+          <a:prstGeom prst="rect">
+            <a:avLst/>
+          </a:prstGeom>
+          <a:noFill/>
+        </p:spPr>
+        <p:txBody>
+          <a:bodyPr wrap="none" rtlCol="0">
+            <a:spAutoFit/>
+          </a:bodyPr>
+          <a:lstStyle/>
+          <a:p>
+            <a:r>
+              <a:rPr lang="en-US" sz="1800" dirty="0" smtClean="0">
+                <a:solidFill>
+                  <a:srgbClr val="FF0000"/>
+                </a:solidFill>
+              </a:rPr>
+              <a:t>(2)</a:t>
+            </a:r>
+            <a:endParaRPr lang="en-US" sz="1800" dirty="0">
+              <a:solidFill>
+                <a:srgbClr val="FF0000"/>
+              </a:solidFill>
+            </a:endParaRPr>
+          </a:p>
+        </p:txBody>
+      </p:sp>
+      <p:sp>
+        <p:nvSpPr>
+          <p:cNvPr id="48" name="TextBox 47"/>
+          <p:cNvSpPr txBox="1"/>
+          <p:nvPr/>
+        </p:nvSpPr>
+        <p:spPr>
+          <a:xfrm>
+            <a:off x="5199691" y="2568405"/>
+            <a:ext cx="487408" cy="369332"/>
+          </a:xfrm>
+          <a:prstGeom prst="rect">
+            <a:avLst/>
+          </a:prstGeom>
+          <a:noFill/>
+        </p:spPr>
+        <p:txBody>
+          <a:bodyPr wrap="none" rtlCol="0">
+            <a:spAutoFit/>
+          </a:bodyPr>
+          <a:lstStyle/>
+          <a:p>
+            <a:r>
+              <a:rPr lang="en-US" sz="1800" dirty="0" smtClean="0">
+                <a:solidFill>
+                  <a:srgbClr val="FF0000"/>
+                </a:solidFill>
+              </a:rPr>
+              <a:t>(3)</a:t>
+            </a:r>
+            <a:endParaRPr lang="en-US" sz="1800" dirty="0">
+              <a:solidFill>
+                <a:srgbClr val="FF0000"/>
+              </a:solidFill>
+            </a:endParaRPr>
+          </a:p>
+        </p:txBody>
+      </p:sp>
     </p:spTree>
     <p:extLst>
       <p:ext uri="{BB962C8B-B14F-4D97-AF65-F5344CB8AC3E}">
         <p14:creationId xmlns:p14="http://schemas.microsoft.com/office/powerpoint/2010/main" val="3584940521"/>
+      </p:ext>
+    </p:extLst>
+  </p:cSld>
+  <p:clrMapOvr>
+    <a:masterClrMapping/>
+  </p:clrMapOvr>
+  <p:transition xmlns:p14="http://schemas.microsoft.com/office/powerpoint/2010/main">
+    <p:fade/>
+  </p:transition>
+</p:sld>
+</file>
+
+<file path=ppt/slides/slide3.xml><?xml version="1.0" encoding="utf-8"?>
+<p:sld xmlns:a="http://schemas.openxmlformats.org/drawingml/2006/main" xmlns:r="http://schemas.openxmlformats.org/officeDocument/2006/relationships" xmlns:p="http://schemas.openxmlformats.org/presentationml/2006/main">
+  <p:cSld>
+    <p:spTree>
+      <p:nvGrpSpPr>
+        <p:cNvPr id="1" name=""/>
+        <p:cNvGrpSpPr/>
+        <p:nvPr/>
+      </p:nvGrpSpPr>
+      <p:grpSpPr>
+        <a:xfrm>
+          <a:off x="0" y="0"/>
+          <a:ext cx="0" cy="0"/>
+          <a:chOff x="0" y="0"/>
+          <a:chExt cx="0" cy="0"/>
+        </a:xfrm>
+      </p:grpSpPr>
+      <p:sp>
+        <p:nvSpPr>
+          <p:cNvPr id="4" name="Slide Number Placeholder 3"/>
+          <p:cNvSpPr>
+            <a:spLocks noGrp="1"/>
+          </p:cNvSpPr>
+          <p:nvPr>
+            <p:ph type="sldNum" sz="quarter" idx="10"/>
+          </p:nvPr>
+        </p:nvSpPr>
+        <p:spPr/>
+        <p:txBody>
+          <a:bodyPr/>
+          <a:lstStyle/>
+          <a:p>
+            <a:pPr>
+              <a:defRPr/>
+            </a:pPr>
+            <a:fld id="{04115896-62BD-42FA-A8CE-89F8BA03C882}" type="slidenum">
+              <a:rPr lang="ko-KR" altLang="en-US" smtClean="0"/>
+              <a:pPr>
+                <a:defRPr/>
+              </a:pPr>
+              <a:t>3</a:t>
+            </a:fld>
+            <a:endParaRPr lang="en-US" altLang="ko-KR" dirty="0"/>
+          </a:p>
+        </p:txBody>
+      </p:sp>
+      <p:sp>
+        <p:nvSpPr>
+          <p:cNvPr id="22" name="TextBox 21"/>
+          <p:cNvSpPr txBox="1"/>
+          <p:nvPr/>
+        </p:nvSpPr>
+        <p:spPr>
+          <a:xfrm>
+            <a:off x="613639" y="513676"/>
+            <a:ext cx="3786238" cy="5572296"/>
+          </a:xfrm>
+          <a:prstGeom prst="rect">
+            <a:avLst/>
+          </a:prstGeom>
+          <a:noFill/>
+        </p:spPr>
+        <p:txBody>
+          <a:bodyPr wrap="none" rtlCol="0">
+            <a:spAutoFit/>
+          </a:bodyPr>
+          <a:lstStyle/>
+          <a:p>
+            <a:pPr>
+              <a:lnSpc>
+                <a:spcPct val="110000"/>
+              </a:lnSpc>
+              <a:spcBef>
+                <a:spcPts val="0"/>
+              </a:spcBef>
+              <a:spcAft>
+                <a:spcPts val="0"/>
+              </a:spcAft>
+              <a:tabLst>
+                <a:tab pos="581660" algn="l"/>
+                <a:tab pos="1163320" algn="l"/>
+                <a:tab pos="1744980" algn="l"/>
+                <a:tab pos="2326640" algn="l"/>
+                <a:tab pos="2908300" algn="l"/>
+                <a:tab pos="3489960" algn="l"/>
+                <a:tab pos="4071620" algn="l"/>
+                <a:tab pos="4653280" algn="l"/>
+                <a:tab pos="5234940" algn="l"/>
+                <a:tab pos="5816600" algn="l"/>
+                <a:tab pos="6398260" algn="l"/>
+                <a:tab pos="6979920" algn="l"/>
+                <a:tab pos="7561580" algn="l"/>
+                <a:tab pos="8143240" algn="l"/>
+                <a:tab pos="8724900" algn="l"/>
+                <a:tab pos="9306560" algn="l"/>
+              </a:tabLst>
+            </a:pPr>
+            <a:r>
+              <a:rPr lang="en-US" sz="1800" b="1" dirty="0">
+                <a:solidFill>
+                  <a:srgbClr val="008000"/>
+                </a:solidFill>
+                <a:latin typeface="Courier"/>
+                <a:cs typeface="Courier"/>
+              </a:rPr>
+              <a:t>/</a:t>
+            </a:r>
+            <a:r>
+              <a:rPr lang="en-US" sz="1800" b="1" dirty="0" smtClean="0">
+                <a:solidFill>
+                  <a:srgbClr val="008000"/>
+                </a:solidFill>
+                <a:latin typeface="Courier"/>
+                <a:cs typeface="Courier"/>
+              </a:rPr>
+              <a:t>/ </a:t>
+            </a:r>
+            <a:r>
+              <a:rPr lang="en-US" sz="1800" b="1" dirty="0" err="1" smtClean="0">
+                <a:solidFill>
+                  <a:srgbClr val="008000"/>
+                </a:solidFill>
+                <a:latin typeface="Courier"/>
+                <a:cs typeface="Courier"/>
+              </a:rPr>
+              <a:t>ArrayList</a:t>
+            </a:r>
+            <a:r>
+              <a:rPr lang="en-US" sz="1800" b="1" dirty="0" smtClean="0">
+                <a:solidFill>
+                  <a:srgbClr val="008000"/>
+                </a:solidFill>
+                <a:latin typeface="Courier"/>
+                <a:cs typeface="Courier"/>
+              </a:rPr>
+              <a:t> of symbolic</a:t>
+            </a:r>
+          </a:p>
+          <a:p>
+            <a:pPr>
+              <a:lnSpc>
+                <a:spcPct val="110000"/>
+              </a:lnSpc>
+              <a:spcBef>
+                <a:spcPts val="0"/>
+              </a:spcBef>
+              <a:spcAft>
+                <a:spcPts val="0"/>
+              </a:spcAft>
+              <a:tabLst>
+                <a:tab pos="581660" algn="l"/>
+                <a:tab pos="1163320" algn="l"/>
+                <a:tab pos="1744980" algn="l"/>
+                <a:tab pos="2326640" algn="l"/>
+                <a:tab pos="2908300" algn="l"/>
+                <a:tab pos="3489960" algn="l"/>
+                <a:tab pos="4071620" algn="l"/>
+                <a:tab pos="4653280" algn="l"/>
+                <a:tab pos="5234940" algn="l"/>
+                <a:tab pos="5816600" algn="l"/>
+                <a:tab pos="6398260" algn="l"/>
+                <a:tab pos="6979920" algn="l"/>
+                <a:tab pos="7561580" algn="l"/>
+                <a:tab pos="8143240" algn="l"/>
+                <a:tab pos="8724900" algn="l"/>
+                <a:tab pos="9306560" algn="l"/>
+              </a:tabLst>
+            </a:pPr>
+            <a:r>
+              <a:rPr lang="en-US" sz="1800" b="1" dirty="0" smtClean="0">
+                <a:solidFill>
+                  <a:srgbClr val="008000"/>
+                </a:solidFill>
+                <a:latin typeface="Courier"/>
+                <a:cs typeface="Courier"/>
+              </a:rPr>
+              <a:t>// integers</a:t>
+            </a:r>
+            <a:endParaRPr lang="en-US" sz="1800" dirty="0" smtClean="0">
+              <a:solidFill>
+                <a:srgbClr val="000000"/>
+              </a:solidFill>
+              <a:latin typeface="Courier"/>
+              <a:cs typeface="Courier"/>
+            </a:endParaRPr>
+          </a:p>
+          <a:p>
+            <a:pPr>
+              <a:lnSpc>
+                <a:spcPct val="110000"/>
+              </a:lnSpc>
+              <a:spcBef>
+                <a:spcPts val="0"/>
+              </a:spcBef>
+              <a:spcAft>
+                <a:spcPts val="0"/>
+              </a:spcAft>
+              <a:tabLst>
+                <a:tab pos="581660" algn="l"/>
+                <a:tab pos="1163320" algn="l"/>
+                <a:tab pos="1744980" algn="l"/>
+                <a:tab pos="2326640" algn="l"/>
+                <a:tab pos="2908300" algn="l"/>
+                <a:tab pos="3489960" algn="l"/>
+                <a:tab pos="4071620" algn="l"/>
+                <a:tab pos="4653280" algn="l"/>
+                <a:tab pos="5234940" algn="l"/>
+                <a:tab pos="5816600" algn="l"/>
+                <a:tab pos="6398260" algn="l"/>
+                <a:tab pos="6979920" algn="l"/>
+                <a:tab pos="7561580" algn="l"/>
+                <a:tab pos="8143240" algn="l"/>
+                <a:tab pos="8724900" algn="l"/>
+                <a:tab pos="9306560" algn="l"/>
+              </a:tabLst>
+            </a:pPr>
+            <a:r>
+              <a:rPr lang="en-US" sz="1800" dirty="0" smtClean="0">
+                <a:solidFill>
+                  <a:srgbClr val="000000"/>
+                </a:solidFill>
+                <a:latin typeface="Courier"/>
+                <a:cs typeface="Courier"/>
+              </a:rPr>
+              <a:t>List</a:t>
+            </a:r>
+            <a:r>
+              <a:rPr lang="en-US" sz="1800" dirty="0">
+                <a:solidFill>
+                  <a:srgbClr val="000000"/>
+                </a:solidFill>
+                <a:latin typeface="Courier"/>
+                <a:cs typeface="Courier"/>
+              </a:rPr>
+              <a:t>&lt;Integer&gt; list = </a:t>
+            </a:r>
+            <a:endParaRPr lang="en-US" sz="1800" dirty="0" smtClean="0">
+              <a:solidFill>
+                <a:srgbClr val="000000"/>
+              </a:solidFill>
+              <a:latin typeface="Courier"/>
+              <a:cs typeface="Courier"/>
+            </a:endParaRPr>
+          </a:p>
+          <a:p>
+            <a:pPr>
+              <a:lnSpc>
+                <a:spcPct val="110000"/>
+              </a:lnSpc>
+              <a:spcBef>
+                <a:spcPts val="0"/>
+              </a:spcBef>
+              <a:spcAft>
+                <a:spcPts val="0"/>
+              </a:spcAft>
+              <a:tabLst>
+                <a:tab pos="581660" algn="l"/>
+                <a:tab pos="1163320" algn="l"/>
+                <a:tab pos="1744980" algn="l"/>
+                <a:tab pos="2326640" algn="l"/>
+                <a:tab pos="2908300" algn="l"/>
+                <a:tab pos="3489960" algn="l"/>
+                <a:tab pos="4071620" algn="l"/>
+                <a:tab pos="4653280" algn="l"/>
+                <a:tab pos="5234940" algn="l"/>
+                <a:tab pos="5816600" algn="l"/>
+                <a:tab pos="6398260" algn="l"/>
+                <a:tab pos="6979920" algn="l"/>
+                <a:tab pos="7561580" algn="l"/>
+                <a:tab pos="8143240" algn="l"/>
+                <a:tab pos="8724900" algn="l"/>
+                <a:tab pos="9306560" algn="l"/>
+              </a:tabLst>
+            </a:pPr>
+            <a:r>
+              <a:rPr lang="en-US" sz="1800" b="1" dirty="0">
+                <a:solidFill>
+                  <a:srgbClr val="000000"/>
+                </a:solidFill>
+                <a:latin typeface="Courier"/>
+                <a:cs typeface="Courier"/>
+              </a:rPr>
+              <a:t> </a:t>
+            </a:r>
+            <a:r>
+              <a:rPr lang="en-US" sz="1800" b="1" dirty="0" smtClean="0">
+                <a:solidFill>
+                  <a:srgbClr val="000000"/>
+                </a:solidFill>
+                <a:latin typeface="Courier"/>
+                <a:cs typeface="Courier"/>
+              </a:rPr>
+              <a:t> </a:t>
+            </a:r>
+            <a:r>
+              <a:rPr lang="en-US" sz="1800" b="1" dirty="0" smtClean="0">
+                <a:solidFill>
+                  <a:srgbClr val="000080"/>
+                </a:solidFill>
+                <a:latin typeface="Courier"/>
+                <a:cs typeface="Courier"/>
+              </a:rPr>
+              <a:t>new </a:t>
+            </a:r>
+            <a:r>
+              <a:rPr lang="en-US" sz="1800" dirty="0" err="1">
+                <a:solidFill>
+                  <a:srgbClr val="000000"/>
+                </a:solidFill>
+                <a:latin typeface="Courier"/>
+                <a:cs typeface="Courier"/>
+              </a:rPr>
+              <a:t>ArrayList</a:t>
+            </a:r>
+            <a:r>
+              <a:rPr lang="en-US" sz="1800" dirty="0">
+                <a:solidFill>
+                  <a:srgbClr val="000000"/>
+                </a:solidFill>
+                <a:latin typeface="Courier"/>
+                <a:cs typeface="Courier"/>
+              </a:rPr>
+              <a:t>&lt;&gt;(</a:t>
+            </a:r>
+            <a:r>
+              <a:rPr lang="en-US" sz="1800" dirty="0">
+                <a:solidFill>
+                  <a:srgbClr val="0000FF"/>
+                </a:solidFill>
+                <a:latin typeface="Courier"/>
+                <a:cs typeface="Courier"/>
+              </a:rPr>
+              <a:t>200</a:t>
+            </a:r>
+            <a:r>
+              <a:rPr lang="en-US" sz="1800" dirty="0">
+                <a:solidFill>
+                  <a:srgbClr val="000000"/>
+                </a:solidFill>
+                <a:latin typeface="Courier"/>
+                <a:cs typeface="Courier"/>
+              </a:rPr>
+              <a:t>);</a:t>
+            </a:r>
+            <a:br>
+              <a:rPr lang="en-US" sz="1800" dirty="0">
+                <a:solidFill>
+                  <a:srgbClr val="000000"/>
+                </a:solidFill>
+                <a:latin typeface="Courier"/>
+                <a:cs typeface="Courier"/>
+              </a:rPr>
+            </a:br>
+            <a:r>
+              <a:rPr lang="en-US" sz="1800" dirty="0">
+                <a:solidFill>
+                  <a:srgbClr val="000000"/>
+                </a:solidFill>
+                <a:latin typeface="Courier"/>
+                <a:cs typeface="Courier"/>
+              </a:rPr>
+              <a:t>...</a:t>
+            </a:r>
+            <a:br>
+              <a:rPr lang="en-US" sz="1800" dirty="0">
+                <a:solidFill>
+                  <a:srgbClr val="000000"/>
+                </a:solidFill>
+                <a:latin typeface="Courier"/>
+                <a:cs typeface="Courier"/>
+              </a:rPr>
+            </a:br>
+            <a:r>
+              <a:rPr lang="en-US" sz="1800" b="1" dirty="0">
+                <a:solidFill>
+                  <a:srgbClr val="000080"/>
+                </a:solidFill>
+                <a:latin typeface="Courier"/>
+                <a:cs typeface="Courier"/>
+              </a:rPr>
+              <a:t>for </a:t>
+            </a:r>
+            <a:r>
+              <a:rPr lang="en-US" sz="1800" dirty="0">
+                <a:solidFill>
+                  <a:srgbClr val="000000"/>
+                </a:solidFill>
+                <a:latin typeface="Courier"/>
+                <a:cs typeface="Courier"/>
+              </a:rPr>
+              <a:t>(</a:t>
+            </a:r>
+            <a:r>
+              <a:rPr lang="en-US" sz="1800" b="1" dirty="0" err="1">
+                <a:solidFill>
+                  <a:srgbClr val="000080"/>
+                </a:solidFill>
+                <a:latin typeface="Courier"/>
+                <a:cs typeface="Courier"/>
+              </a:rPr>
+              <a:t>int</a:t>
+            </a:r>
+            <a:r>
+              <a:rPr lang="en-US" sz="1800" b="1" dirty="0">
+                <a:solidFill>
+                  <a:srgbClr val="000080"/>
+                </a:solidFill>
+                <a:latin typeface="Courier"/>
+                <a:cs typeface="Courier"/>
+              </a:rPr>
+              <a:t> </a:t>
+            </a:r>
+            <a:r>
+              <a:rPr lang="en-US" sz="1800" dirty="0" err="1">
+                <a:solidFill>
+                  <a:srgbClr val="000000"/>
+                </a:solidFill>
+                <a:latin typeface="Courier"/>
+                <a:cs typeface="Courier"/>
+              </a:rPr>
+              <a:t>i</a:t>
+            </a:r>
+            <a:r>
+              <a:rPr lang="en-US" sz="1800" dirty="0">
+                <a:solidFill>
+                  <a:srgbClr val="000000"/>
+                </a:solidFill>
+                <a:latin typeface="Courier"/>
+                <a:cs typeface="Courier"/>
+              </a:rPr>
+              <a:t> = </a:t>
+            </a:r>
+            <a:r>
+              <a:rPr lang="en-US" sz="1800" dirty="0">
+                <a:solidFill>
+                  <a:srgbClr val="0000FF"/>
+                </a:solidFill>
+                <a:latin typeface="Courier"/>
+                <a:cs typeface="Courier"/>
+              </a:rPr>
+              <a:t>0</a:t>
+            </a:r>
+            <a:r>
+              <a:rPr lang="en-US" sz="1800" dirty="0">
+                <a:solidFill>
+                  <a:srgbClr val="000000"/>
+                </a:solidFill>
+                <a:latin typeface="Courier"/>
+                <a:cs typeface="Courier"/>
+              </a:rPr>
+              <a:t>; </a:t>
+            </a:r>
+            <a:endParaRPr lang="en-US" sz="1800" dirty="0" smtClean="0">
+              <a:solidFill>
+                <a:srgbClr val="000000"/>
+              </a:solidFill>
+              <a:latin typeface="Courier"/>
+              <a:cs typeface="Courier"/>
+            </a:endParaRPr>
+          </a:p>
+          <a:p>
+            <a:pPr>
+              <a:lnSpc>
+                <a:spcPct val="110000"/>
+              </a:lnSpc>
+              <a:spcBef>
+                <a:spcPts val="0"/>
+              </a:spcBef>
+              <a:spcAft>
+                <a:spcPts val="0"/>
+              </a:spcAft>
+              <a:tabLst>
+                <a:tab pos="581660" algn="l"/>
+                <a:tab pos="1163320" algn="l"/>
+                <a:tab pos="1744980" algn="l"/>
+                <a:tab pos="2326640" algn="l"/>
+                <a:tab pos="2908300" algn="l"/>
+                <a:tab pos="3489960" algn="l"/>
+                <a:tab pos="4071620" algn="l"/>
+                <a:tab pos="4653280" algn="l"/>
+                <a:tab pos="5234940" algn="l"/>
+                <a:tab pos="5816600" algn="l"/>
+                <a:tab pos="6398260" algn="l"/>
+                <a:tab pos="6979920" algn="l"/>
+                <a:tab pos="7561580" algn="l"/>
+                <a:tab pos="8143240" algn="l"/>
+                <a:tab pos="8724900" algn="l"/>
+                <a:tab pos="9306560" algn="l"/>
+              </a:tabLst>
+            </a:pPr>
+            <a:r>
+              <a:rPr lang="en-US" sz="1800" dirty="0">
+                <a:solidFill>
+                  <a:srgbClr val="000000"/>
+                </a:solidFill>
+                <a:latin typeface="Courier"/>
+                <a:cs typeface="Courier"/>
+              </a:rPr>
+              <a:t> </a:t>
+            </a:r>
+            <a:r>
+              <a:rPr lang="en-US" sz="1800" dirty="0" smtClean="0">
+                <a:solidFill>
+                  <a:srgbClr val="000000"/>
+                </a:solidFill>
+                <a:latin typeface="Courier"/>
+                <a:cs typeface="Courier"/>
+              </a:rPr>
+              <a:t>    </a:t>
+            </a:r>
+            <a:r>
+              <a:rPr lang="en-US" sz="1800" dirty="0" err="1" smtClean="0">
+                <a:solidFill>
+                  <a:srgbClr val="000000"/>
+                </a:solidFill>
+                <a:latin typeface="Courier"/>
+                <a:cs typeface="Courier"/>
+              </a:rPr>
+              <a:t>i</a:t>
+            </a:r>
+            <a:r>
+              <a:rPr lang="en-US" sz="1800" dirty="0" smtClean="0">
+                <a:solidFill>
+                  <a:srgbClr val="000000"/>
+                </a:solidFill>
+                <a:latin typeface="Courier"/>
+                <a:cs typeface="Courier"/>
+              </a:rPr>
+              <a:t> </a:t>
+            </a:r>
+            <a:r>
+              <a:rPr lang="en-US" sz="1800" dirty="0">
+                <a:solidFill>
+                  <a:srgbClr val="000000"/>
+                </a:solidFill>
+                <a:latin typeface="Courier"/>
+                <a:cs typeface="Courier"/>
+              </a:rPr>
+              <a:t>&lt; </a:t>
+            </a:r>
+            <a:r>
+              <a:rPr lang="en-US" sz="1800" dirty="0" err="1">
+                <a:solidFill>
+                  <a:srgbClr val="000000"/>
+                </a:solidFill>
+                <a:latin typeface="Courier"/>
+                <a:cs typeface="Courier"/>
+              </a:rPr>
+              <a:t>list.size</a:t>
+            </a:r>
+            <a:r>
+              <a:rPr lang="en-US" sz="1800" dirty="0">
+                <a:solidFill>
+                  <a:srgbClr val="000000"/>
+                </a:solidFill>
+                <a:latin typeface="Courier"/>
+                <a:cs typeface="Courier"/>
+              </a:rPr>
+              <a:t>(); </a:t>
+            </a:r>
+            <a:endParaRPr lang="en-US" sz="1800" dirty="0" smtClean="0">
+              <a:solidFill>
+                <a:srgbClr val="000000"/>
+              </a:solidFill>
+              <a:latin typeface="Courier"/>
+              <a:cs typeface="Courier"/>
+            </a:endParaRPr>
+          </a:p>
+          <a:p>
+            <a:pPr>
+              <a:lnSpc>
+                <a:spcPct val="110000"/>
+              </a:lnSpc>
+              <a:spcBef>
+                <a:spcPts val="0"/>
+              </a:spcBef>
+              <a:spcAft>
+                <a:spcPts val="0"/>
+              </a:spcAft>
+              <a:tabLst>
+                <a:tab pos="581660" algn="l"/>
+                <a:tab pos="1163320" algn="l"/>
+                <a:tab pos="1744980" algn="l"/>
+                <a:tab pos="2326640" algn="l"/>
+                <a:tab pos="2908300" algn="l"/>
+                <a:tab pos="3489960" algn="l"/>
+                <a:tab pos="4071620" algn="l"/>
+                <a:tab pos="4653280" algn="l"/>
+                <a:tab pos="5234940" algn="l"/>
+                <a:tab pos="5816600" algn="l"/>
+                <a:tab pos="6398260" algn="l"/>
+                <a:tab pos="6979920" algn="l"/>
+                <a:tab pos="7561580" algn="l"/>
+                <a:tab pos="8143240" algn="l"/>
+                <a:tab pos="8724900" algn="l"/>
+                <a:tab pos="9306560" algn="l"/>
+              </a:tabLst>
+            </a:pPr>
+            <a:r>
+              <a:rPr lang="en-US" sz="1800" dirty="0">
+                <a:solidFill>
+                  <a:srgbClr val="000000"/>
+                </a:solidFill>
+                <a:latin typeface="Courier"/>
+                <a:cs typeface="Courier"/>
+              </a:rPr>
+              <a:t> </a:t>
+            </a:r>
+            <a:r>
+              <a:rPr lang="en-US" sz="1800" dirty="0" smtClean="0">
+                <a:solidFill>
+                  <a:srgbClr val="000000"/>
+                </a:solidFill>
+                <a:latin typeface="Courier"/>
+                <a:cs typeface="Courier"/>
+              </a:rPr>
+              <a:t>    </a:t>
+            </a:r>
+            <a:r>
+              <a:rPr lang="en-US" sz="1800" dirty="0" err="1" smtClean="0">
+                <a:solidFill>
+                  <a:srgbClr val="000000"/>
+                </a:solidFill>
+                <a:latin typeface="Courier"/>
+                <a:cs typeface="Courier"/>
+              </a:rPr>
+              <a:t>i</a:t>
+            </a:r>
+            <a:r>
+              <a:rPr lang="en-US" sz="1800" dirty="0">
+                <a:solidFill>
+                  <a:srgbClr val="000000"/>
+                </a:solidFill>
+                <a:latin typeface="Courier"/>
+                <a:cs typeface="Courier"/>
+              </a:rPr>
+              <a:t>++) </a:t>
+            </a:r>
+            <a:r>
+              <a:rPr lang="en-US" sz="1800" dirty="0" smtClean="0">
+                <a:solidFill>
+                  <a:srgbClr val="000000"/>
+                </a:solidFill>
+                <a:latin typeface="Courier"/>
+                <a:cs typeface="Courier"/>
+              </a:rPr>
+              <a:t>{</a:t>
+            </a:r>
+          </a:p>
+          <a:p>
+            <a:pPr>
+              <a:lnSpc>
+                <a:spcPct val="110000"/>
+              </a:lnSpc>
+              <a:spcBef>
+                <a:spcPts val="0"/>
+              </a:spcBef>
+              <a:spcAft>
+                <a:spcPts val="0"/>
+              </a:spcAft>
+              <a:tabLst>
+                <a:tab pos="581660" algn="l"/>
+                <a:tab pos="1163320" algn="l"/>
+                <a:tab pos="1744980" algn="l"/>
+                <a:tab pos="2326640" algn="l"/>
+                <a:tab pos="2908300" algn="l"/>
+                <a:tab pos="3489960" algn="l"/>
+                <a:tab pos="4071620" algn="l"/>
+                <a:tab pos="4653280" algn="l"/>
+                <a:tab pos="5234940" algn="l"/>
+                <a:tab pos="5816600" algn="l"/>
+                <a:tab pos="6398260" algn="l"/>
+                <a:tab pos="6979920" algn="l"/>
+                <a:tab pos="7561580" algn="l"/>
+                <a:tab pos="8143240" algn="l"/>
+                <a:tab pos="8724900" algn="l"/>
+                <a:tab pos="9306560" algn="l"/>
+              </a:tabLst>
+            </a:pPr>
+            <a:r>
+              <a:rPr lang="en-US" sz="1800" b="1" dirty="0" smtClean="0">
+                <a:solidFill>
+                  <a:srgbClr val="008000"/>
+                </a:solidFill>
+                <a:latin typeface="Courier"/>
+                <a:cs typeface="Courier"/>
+              </a:rPr>
+              <a:t>// </a:t>
+            </a:r>
+            <a:r>
+              <a:rPr lang="en-US" sz="1800" b="1" dirty="0" err="1" smtClean="0">
+                <a:solidFill>
+                  <a:srgbClr val="008000"/>
+                </a:solidFill>
+                <a:latin typeface="Courier"/>
+                <a:cs typeface="Courier"/>
+              </a:rPr>
+              <a:t>list.get</a:t>
+            </a:r>
+            <a:r>
+              <a:rPr lang="en-US" sz="1800" b="1" dirty="0" smtClean="0">
+                <a:solidFill>
+                  <a:srgbClr val="008000"/>
+                </a:solidFill>
+                <a:latin typeface="Courier"/>
+                <a:cs typeface="Courier"/>
+              </a:rPr>
+              <a:t>(</a:t>
+            </a:r>
+            <a:r>
+              <a:rPr lang="en-US" sz="1800" b="1" dirty="0" err="1" smtClean="0">
+                <a:solidFill>
+                  <a:srgbClr val="008000"/>
+                </a:solidFill>
+                <a:latin typeface="Courier"/>
+                <a:cs typeface="Courier"/>
+              </a:rPr>
+              <a:t>i</a:t>
+            </a:r>
+            <a:r>
+              <a:rPr lang="en-US" sz="1800" b="1" dirty="0" smtClean="0">
+                <a:solidFill>
+                  <a:srgbClr val="008000"/>
+                </a:solidFill>
+                <a:latin typeface="Courier"/>
+                <a:cs typeface="Courier"/>
+              </a:rPr>
+              <a:t>) returns</a:t>
+            </a:r>
+          </a:p>
+          <a:p>
+            <a:pPr>
+              <a:lnSpc>
+                <a:spcPct val="110000"/>
+              </a:lnSpc>
+              <a:spcBef>
+                <a:spcPts val="0"/>
+              </a:spcBef>
+              <a:spcAft>
+                <a:spcPts val="0"/>
+              </a:spcAft>
+              <a:tabLst>
+                <a:tab pos="581660" algn="l"/>
+                <a:tab pos="1163320" algn="l"/>
+                <a:tab pos="1744980" algn="l"/>
+                <a:tab pos="2326640" algn="l"/>
+                <a:tab pos="2908300" algn="l"/>
+                <a:tab pos="3489960" algn="l"/>
+                <a:tab pos="4071620" algn="l"/>
+                <a:tab pos="4653280" algn="l"/>
+                <a:tab pos="5234940" algn="l"/>
+                <a:tab pos="5816600" algn="l"/>
+                <a:tab pos="6398260" algn="l"/>
+                <a:tab pos="6979920" algn="l"/>
+                <a:tab pos="7561580" algn="l"/>
+                <a:tab pos="8143240" algn="l"/>
+                <a:tab pos="8724900" algn="l"/>
+                <a:tab pos="9306560" algn="l"/>
+              </a:tabLst>
+            </a:pPr>
+            <a:r>
+              <a:rPr lang="en-US" sz="1800" b="1" dirty="0" smtClean="0">
+                <a:solidFill>
+                  <a:srgbClr val="008000"/>
+                </a:solidFill>
+                <a:latin typeface="Courier"/>
+                <a:cs typeface="Courier"/>
+              </a:rPr>
+              <a:t>// symbolic integer </a:t>
+            </a:r>
+            <a:r>
+              <a:rPr lang="en-US" sz="1800" dirty="0">
+                <a:solidFill>
+                  <a:srgbClr val="000000"/>
+                </a:solidFill>
+                <a:latin typeface="Courier"/>
+                <a:cs typeface="Courier"/>
+              </a:rPr>
+              <a:t/>
+            </a:r>
+            <a:br>
+              <a:rPr lang="en-US" sz="1800" dirty="0">
+                <a:solidFill>
+                  <a:srgbClr val="000000"/>
+                </a:solidFill>
+                <a:latin typeface="Courier"/>
+                <a:cs typeface="Courier"/>
+              </a:rPr>
+            </a:br>
+            <a:r>
+              <a:rPr lang="en-US" sz="1800" dirty="0">
+                <a:solidFill>
+                  <a:srgbClr val="000000"/>
+                </a:solidFill>
+                <a:latin typeface="Courier"/>
+                <a:cs typeface="Courier"/>
+              </a:rPr>
+              <a:t>    </a:t>
+            </a:r>
+            <a:r>
+              <a:rPr lang="en-US" sz="1800" b="1" dirty="0">
+                <a:solidFill>
+                  <a:srgbClr val="000080"/>
+                </a:solidFill>
+                <a:latin typeface="Courier"/>
+                <a:cs typeface="Courier"/>
+              </a:rPr>
+              <a:t>if </a:t>
+            </a:r>
+            <a:r>
+              <a:rPr lang="en-US" sz="1800" dirty="0">
+                <a:solidFill>
+                  <a:srgbClr val="000000"/>
+                </a:solidFill>
+                <a:latin typeface="Courier"/>
+                <a:cs typeface="Courier"/>
+              </a:rPr>
+              <a:t>(i%</a:t>
+            </a:r>
+            <a:r>
+              <a:rPr lang="en-US" sz="1800" dirty="0">
+                <a:solidFill>
+                  <a:srgbClr val="0000FF"/>
+                </a:solidFill>
+                <a:latin typeface="Courier"/>
+                <a:cs typeface="Courier"/>
+              </a:rPr>
+              <a:t>2 </a:t>
+            </a:r>
+            <a:r>
+              <a:rPr lang="en-US" sz="1800" dirty="0">
+                <a:solidFill>
+                  <a:srgbClr val="000000"/>
+                </a:solidFill>
+                <a:latin typeface="Courier"/>
+                <a:cs typeface="Courier"/>
+              </a:rPr>
+              <a:t>== </a:t>
+            </a:r>
+            <a:r>
+              <a:rPr lang="en-US" sz="1800" dirty="0">
+                <a:solidFill>
+                  <a:srgbClr val="0000FF"/>
+                </a:solidFill>
+                <a:latin typeface="Courier"/>
+                <a:cs typeface="Courier"/>
+              </a:rPr>
+              <a:t>0 </a:t>
+            </a:r>
+            <a:r>
+              <a:rPr lang="en-US" sz="1800" dirty="0">
+                <a:solidFill>
+                  <a:srgbClr val="000000"/>
+                </a:solidFill>
+                <a:latin typeface="Courier"/>
+                <a:cs typeface="Courier"/>
+              </a:rPr>
+              <a:t>&amp;&amp; </a:t>
+            </a:r>
+            <a:endParaRPr lang="en-US" sz="1800" dirty="0" smtClean="0">
+              <a:solidFill>
+                <a:srgbClr val="000000"/>
+              </a:solidFill>
+              <a:latin typeface="Courier"/>
+              <a:cs typeface="Courier"/>
+            </a:endParaRPr>
+          </a:p>
+          <a:p>
+            <a:pPr>
+              <a:lnSpc>
+                <a:spcPct val="110000"/>
+              </a:lnSpc>
+              <a:spcBef>
+                <a:spcPts val="0"/>
+              </a:spcBef>
+              <a:spcAft>
+                <a:spcPts val="0"/>
+              </a:spcAft>
+              <a:tabLst>
+                <a:tab pos="581660" algn="l"/>
+                <a:tab pos="1163320" algn="l"/>
+                <a:tab pos="1744980" algn="l"/>
+                <a:tab pos="2326640" algn="l"/>
+                <a:tab pos="2908300" algn="l"/>
+                <a:tab pos="3489960" algn="l"/>
+                <a:tab pos="4071620" algn="l"/>
+                <a:tab pos="4653280" algn="l"/>
+                <a:tab pos="5234940" algn="l"/>
+                <a:tab pos="5816600" algn="l"/>
+                <a:tab pos="6398260" algn="l"/>
+                <a:tab pos="6979920" algn="l"/>
+                <a:tab pos="7561580" algn="l"/>
+                <a:tab pos="8143240" algn="l"/>
+                <a:tab pos="8724900" algn="l"/>
+                <a:tab pos="9306560" algn="l"/>
+              </a:tabLst>
+            </a:pPr>
+            <a:r>
+              <a:rPr lang="en-US" sz="1800" dirty="0">
+                <a:solidFill>
+                  <a:srgbClr val="000000"/>
+                </a:solidFill>
+                <a:latin typeface="Courier"/>
+                <a:cs typeface="Courier"/>
+              </a:rPr>
+              <a:t> </a:t>
+            </a:r>
+            <a:r>
+              <a:rPr lang="en-US" sz="1800" dirty="0" smtClean="0">
+                <a:solidFill>
+                  <a:srgbClr val="000000"/>
+                </a:solidFill>
+                <a:latin typeface="Courier"/>
+                <a:cs typeface="Courier"/>
+              </a:rPr>
+              <a:t>       </a:t>
+            </a:r>
+            <a:r>
+              <a:rPr lang="en-US" sz="1800" dirty="0" err="1" smtClean="0">
+                <a:solidFill>
+                  <a:srgbClr val="000000"/>
+                </a:solidFill>
+                <a:latin typeface="Courier"/>
+                <a:cs typeface="Courier"/>
+              </a:rPr>
+              <a:t>list.get</a:t>
+            </a:r>
+            <a:r>
+              <a:rPr lang="en-US" sz="1800" dirty="0">
+                <a:solidFill>
+                  <a:srgbClr val="000000"/>
+                </a:solidFill>
+                <a:latin typeface="Courier"/>
+                <a:cs typeface="Courier"/>
+              </a:rPr>
+              <a:t>(</a:t>
+            </a:r>
+            <a:r>
+              <a:rPr lang="en-US" sz="1800" dirty="0" err="1">
+                <a:solidFill>
+                  <a:srgbClr val="000000"/>
+                </a:solidFill>
+                <a:latin typeface="Courier"/>
+                <a:cs typeface="Courier"/>
+              </a:rPr>
+              <a:t>i</a:t>
+            </a:r>
+            <a:r>
+              <a:rPr lang="en-US" sz="1800" dirty="0">
+                <a:solidFill>
+                  <a:srgbClr val="000000"/>
+                </a:solidFill>
+                <a:latin typeface="Courier"/>
+                <a:cs typeface="Courier"/>
+              </a:rPr>
+              <a:t>) == </a:t>
+            </a:r>
+            <a:r>
+              <a:rPr lang="en-US" sz="1800" dirty="0">
+                <a:solidFill>
+                  <a:srgbClr val="0000FF"/>
+                </a:solidFill>
+                <a:latin typeface="Courier"/>
+                <a:cs typeface="Courier"/>
+              </a:rPr>
+              <a:t>42</a:t>
+            </a:r>
+            <a:r>
+              <a:rPr lang="en-US" sz="1800" dirty="0" smtClean="0">
+                <a:solidFill>
+                  <a:srgbClr val="000000"/>
+                </a:solidFill>
+                <a:latin typeface="Courier"/>
+                <a:cs typeface="Courier"/>
+              </a:rPr>
+              <a:t>)</a:t>
+            </a:r>
+            <a:r>
+              <a:rPr lang="en-US" sz="1800" dirty="0">
+                <a:solidFill>
+                  <a:srgbClr val="000000"/>
+                </a:solidFill>
+                <a:latin typeface="Courier"/>
+                <a:cs typeface="Courier"/>
+              </a:rPr>
+              <a:t/>
+            </a:r>
+            <a:br>
+              <a:rPr lang="en-US" sz="1800" dirty="0">
+                <a:solidFill>
+                  <a:srgbClr val="000000"/>
+                </a:solidFill>
+                <a:latin typeface="Courier"/>
+                <a:cs typeface="Courier"/>
+              </a:rPr>
+            </a:br>
+            <a:r>
+              <a:rPr lang="en-US" sz="1800" dirty="0">
+                <a:solidFill>
+                  <a:srgbClr val="000000"/>
+                </a:solidFill>
+                <a:latin typeface="Courier"/>
+                <a:cs typeface="Courier"/>
+              </a:rPr>
+              <a:t>        </a:t>
+            </a:r>
+            <a:r>
+              <a:rPr lang="en-US" sz="1800" b="1" dirty="0">
+                <a:solidFill>
+                  <a:srgbClr val="660E7A"/>
+                </a:solidFill>
+                <a:latin typeface="Courier"/>
+                <a:cs typeface="Courier"/>
+              </a:rPr>
+              <a:t>count</a:t>
+            </a:r>
+            <a:r>
+              <a:rPr lang="en-US" sz="1800" dirty="0">
+                <a:solidFill>
+                  <a:srgbClr val="000000"/>
+                </a:solidFill>
+                <a:latin typeface="Courier"/>
+                <a:cs typeface="Courier"/>
+              </a:rPr>
+              <a:t>++;</a:t>
+            </a:r>
+            <a:br>
+              <a:rPr lang="en-US" sz="1800" dirty="0">
+                <a:solidFill>
+                  <a:srgbClr val="000000"/>
+                </a:solidFill>
+                <a:latin typeface="Courier"/>
+                <a:cs typeface="Courier"/>
+              </a:rPr>
+            </a:br>
+            <a:r>
+              <a:rPr lang="en-US" sz="1800" dirty="0">
+                <a:solidFill>
+                  <a:srgbClr val="000000"/>
+                </a:solidFill>
+                <a:latin typeface="Courier"/>
+                <a:cs typeface="Courier"/>
+              </a:rPr>
+              <a:t>    ...</a:t>
+            </a:r>
+            <a:br>
+              <a:rPr lang="en-US" sz="1800" dirty="0">
+                <a:solidFill>
+                  <a:srgbClr val="000000"/>
+                </a:solidFill>
+                <a:latin typeface="Courier"/>
+                <a:cs typeface="Courier"/>
+              </a:rPr>
+            </a:br>
+            <a:r>
+              <a:rPr lang="en-US" sz="1800" dirty="0">
+                <a:solidFill>
+                  <a:srgbClr val="000000"/>
+                </a:solidFill>
+                <a:latin typeface="Courier"/>
+                <a:cs typeface="Courier"/>
+              </a:rPr>
+              <a:t>}</a:t>
+            </a:r>
+            <a:br>
+              <a:rPr lang="en-US" sz="1800" dirty="0">
+                <a:solidFill>
+                  <a:srgbClr val="000000"/>
+                </a:solidFill>
+                <a:latin typeface="Courier"/>
+                <a:cs typeface="Courier"/>
+              </a:rPr>
+            </a:br>
+            <a:r>
+              <a:rPr lang="en-US" sz="1800" b="1" dirty="0">
+                <a:solidFill>
+                  <a:srgbClr val="000080"/>
+                </a:solidFill>
+                <a:latin typeface="Courier"/>
+                <a:cs typeface="Courier"/>
+              </a:rPr>
+              <a:t>if </a:t>
+            </a:r>
+            <a:r>
+              <a:rPr lang="en-US" sz="1800" dirty="0">
+                <a:solidFill>
+                  <a:srgbClr val="000000"/>
+                </a:solidFill>
+                <a:latin typeface="Courier"/>
+                <a:cs typeface="Courier"/>
+              </a:rPr>
+              <a:t>(</a:t>
+            </a:r>
+            <a:r>
+              <a:rPr lang="en-US" sz="1800" b="1" dirty="0">
+                <a:solidFill>
+                  <a:srgbClr val="660E7A"/>
+                </a:solidFill>
+                <a:latin typeface="Courier"/>
+                <a:cs typeface="Courier"/>
+              </a:rPr>
+              <a:t>count </a:t>
+            </a:r>
+            <a:r>
+              <a:rPr lang="en-US" sz="1800" dirty="0">
+                <a:solidFill>
+                  <a:srgbClr val="000000"/>
+                </a:solidFill>
+                <a:latin typeface="Courier"/>
+                <a:cs typeface="Courier"/>
+              </a:rPr>
+              <a:t>== </a:t>
+            </a:r>
+            <a:r>
+              <a:rPr lang="en-US" sz="1800" dirty="0">
+                <a:solidFill>
+                  <a:srgbClr val="0000FF"/>
+                </a:solidFill>
+                <a:latin typeface="Courier"/>
+                <a:cs typeface="Courier"/>
+              </a:rPr>
+              <a:t>75</a:t>
+            </a:r>
+            <a:r>
+              <a:rPr lang="en-US" sz="1800" dirty="0">
+                <a:solidFill>
+                  <a:srgbClr val="000000"/>
+                </a:solidFill>
+                <a:latin typeface="Courier"/>
+                <a:cs typeface="Courier"/>
+              </a:rPr>
+              <a:t>) {</a:t>
+            </a:r>
+            <a:br>
+              <a:rPr lang="en-US" sz="1800" dirty="0">
+                <a:solidFill>
+                  <a:srgbClr val="000000"/>
+                </a:solidFill>
+                <a:latin typeface="Courier"/>
+                <a:cs typeface="Courier"/>
+              </a:rPr>
+            </a:br>
+            <a:r>
+              <a:rPr lang="en-US" sz="1800" dirty="0">
+                <a:solidFill>
+                  <a:srgbClr val="000000"/>
+                </a:solidFill>
+                <a:latin typeface="Courier"/>
+                <a:cs typeface="Courier"/>
+              </a:rPr>
+              <a:t>    </a:t>
+            </a:r>
+            <a:r>
+              <a:rPr lang="en-US" sz="1800" b="1" dirty="0" smtClean="0">
+                <a:solidFill>
+                  <a:srgbClr val="008000"/>
+                </a:solidFill>
+                <a:latin typeface="Courier"/>
+                <a:cs typeface="Courier"/>
+              </a:rPr>
+              <a:t>//bug</a:t>
+            </a:r>
+          </a:p>
+          <a:p>
+            <a:pPr>
+              <a:lnSpc>
+                <a:spcPct val="110000"/>
+              </a:lnSpc>
+              <a:spcBef>
+                <a:spcPts val="0"/>
+              </a:spcBef>
+              <a:spcAft>
+                <a:spcPts val="0"/>
+              </a:spcAft>
+              <a:tabLst>
+                <a:tab pos="581660" algn="l"/>
+                <a:tab pos="1163320" algn="l"/>
+                <a:tab pos="1744980" algn="l"/>
+                <a:tab pos="2326640" algn="l"/>
+                <a:tab pos="2908300" algn="l"/>
+                <a:tab pos="3489960" algn="l"/>
+                <a:tab pos="4071620" algn="l"/>
+                <a:tab pos="4653280" algn="l"/>
+                <a:tab pos="5234940" algn="l"/>
+                <a:tab pos="5816600" algn="l"/>
+                <a:tab pos="6398260" algn="l"/>
+                <a:tab pos="6979920" algn="l"/>
+                <a:tab pos="7561580" algn="l"/>
+                <a:tab pos="8143240" algn="l"/>
+                <a:tab pos="8724900" algn="l"/>
+                <a:tab pos="9306560" algn="l"/>
+              </a:tabLst>
+            </a:pPr>
+            <a:r>
+              <a:rPr lang="en-US" sz="1800" dirty="0" smtClean="0">
+                <a:solidFill>
+                  <a:srgbClr val="000000"/>
+                </a:solidFill>
+                <a:latin typeface="Courier"/>
+                <a:cs typeface="Courier"/>
+              </a:rPr>
+              <a:t>}</a:t>
+            </a:r>
+            <a:r>
+              <a:rPr lang="en-US" sz="1800" dirty="0" smtClean="0">
+                <a:latin typeface="Courier"/>
+                <a:cs typeface="Courier"/>
+              </a:rPr>
+              <a:t> </a:t>
+            </a:r>
+            <a:endParaRPr lang="en-US" sz="1800" dirty="0">
+              <a:latin typeface="Courier"/>
+              <a:ea typeface="ＭＳ 明朝"/>
+              <a:cs typeface="Courier"/>
+            </a:endParaRPr>
+          </a:p>
+        </p:txBody>
+      </p:sp>
+      <p:sp>
+        <p:nvSpPr>
+          <p:cNvPr id="24" name="TextBox 23"/>
+          <p:cNvSpPr txBox="1"/>
+          <p:nvPr/>
+        </p:nvSpPr>
+        <p:spPr>
+          <a:xfrm>
+            <a:off x="5904665" y="1027362"/>
+            <a:ext cx="2123974" cy="646331"/>
+          </a:xfrm>
+          <a:prstGeom prst="rect">
+            <a:avLst/>
+          </a:prstGeom>
+          <a:noFill/>
+        </p:spPr>
+        <p:txBody>
+          <a:bodyPr wrap="none" rtlCol="0">
+            <a:spAutoFit/>
+          </a:bodyPr>
+          <a:lstStyle/>
+          <a:p>
+            <a:pPr algn="ctr"/>
+            <a:r>
+              <a:rPr lang="en-US" sz="1800" dirty="0">
+                <a:solidFill>
+                  <a:srgbClr val="000000"/>
+                </a:solidFill>
+                <a:latin typeface="Courier"/>
+                <a:cs typeface="Courier"/>
+              </a:rPr>
+              <a:t>List</a:t>
+            </a:r>
+            <a:r>
+              <a:rPr lang="en-US" sz="1800" dirty="0" smtClean="0">
+                <a:solidFill>
+                  <a:srgbClr val="000000"/>
+                </a:solidFill>
+                <a:latin typeface="Courier"/>
+                <a:cs typeface="Courier"/>
+              </a:rPr>
+              <a:t>&lt;</a:t>
+            </a:r>
+            <a:r>
+              <a:rPr lang="en-US" sz="1800" dirty="0" smtClean="0">
+                <a:solidFill>
+                  <a:srgbClr val="20999D"/>
+                </a:solidFill>
+                <a:latin typeface="Courier"/>
+                <a:cs typeface="Courier"/>
+              </a:rPr>
+              <a:t>Integer</a:t>
+            </a:r>
+            <a:r>
+              <a:rPr lang="en-US" sz="1800" dirty="0" smtClean="0">
+                <a:solidFill>
+                  <a:srgbClr val="000000"/>
+                </a:solidFill>
+                <a:latin typeface="Courier"/>
+                <a:cs typeface="Courier"/>
+              </a:rPr>
+              <a:t>&gt;.</a:t>
+            </a:r>
+          </a:p>
+          <a:p>
+            <a:pPr algn="ctr"/>
+            <a:r>
+              <a:rPr lang="en-US" sz="1800" dirty="0" smtClean="0">
+                <a:solidFill>
+                  <a:srgbClr val="000000"/>
+                </a:solidFill>
+                <a:latin typeface="Courier"/>
+                <a:cs typeface="Courier"/>
+              </a:rPr>
+              <a:t>get</a:t>
+            </a:r>
+            <a:r>
+              <a:rPr lang="en-US" sz="1800" dirty="0">
+                <a:solidFill>
+                  <a:srgbClr val="000000"/>
+                </a:solidFill>
+                <a:latin typeface="Courier"/>
+                <a:cs typeface="Courier"/>
+              </a:rPr>
+              <a:t>(</a:t>
+            </a:r>
+            <a:r>
+              <a:rPr lang="en-US" sz="1800" dirty="0" err="1">
+                <a:solidFill>
+                  <a:srgbClr val="000000"/>
+                </a:solidFill>
+                <a:latin typeface="Courier"/>
+                <a:cs typeface="Courier"/>
+              </a:rPr>
+              <a:t>i</a:t>
+            </a:r>
+            <a:r>
+              <a:rPr lang="en-US" sz="1800" dirty="0">
+                <a:solidFill>
+                  <a:srgbClr val="000000"/>
+                </a:solidFill>
+                <a:latin typeface="Courier"/>
+                <a:cs typeface="Courier"/>
+              </a:rPr>
+              <a:t>)</a:t>
+            </a:r>
+            <a:r>
+              <a:rPr lang="en-US" sz="1800" dirty="0">
+                <a:latin typeface="Courier"/>
+                <a:cs typeface="Courier"/>
+              </a:rPr>
+              <a:t> </a:t>
+            </a:r>
+            <a:endParaRPr lang="en-US" sz="1800" dirty="0" smtClean="0">
+              <a:latin typeface="Courier"/>
+              <a:cs typeface="Courier"/>
+            </a:endParaRPr>
+          </a:p>
+        </p:txBody>
+      </p:sp>
+      <p:sp>
+        <p:nvSpPr>
+          <p:cNvPr id="25" name="TextBox 24"/>
+          <p:cNvSpPr txBox="1"/>
+          <p:nvPr/>
+        </p:nvSpPr>
+        <p:spPr>
+          <a:xfrm>
+            <a:off x="5558360" y="2001144"/>
+            <a:ext cx="2816584" cy="646331"/>
+          </a:xfrm>
+          <a:prstGeom prst="rect">
+            <a:avLst/>
+          </a:prstGeom>
+          <a:noFill/>
+        </p:spPr>
+        <p:txBody>
+          <a:bodyPr wrap="none" rtlCol="0">
+            <a:spAutoFit/>
+          </a:bodyPr>
+          <a:lstStyle/>
+          <a:p>
+            <a:pPr algn="ctr"/>
+            <a:r>
+              <a:rPr lang="en-US" sz="1800" dirty="0" err="1" smtClean="0">
+                <a:solidFill>
+                  <a:srgbClr val="000000"/>
+                </a:solidFill>
+                <a:latin typeface="Courier"/>
+                <a:cs typeface="Courier"/>
+              </a:rPr>
+              <a:t>ArrayList</a:t>
+            </a:r>
+            <a:r>
+              <a:rPr lang="en-US" sz="1800" dirty="0" smtClean="0">
+                <a:solidFill>
+                  <a:srgbClr val="000000"/>
+                </a:solidFill>
+                <a:latin typeface="Courier"/>
+                <a:cs typeface="Courier"/>
+              </a:rPr>
+              <a:t>&lt;</a:t>
+            </a:r>
+            <a:r>
+              <a:rPr lang="en-US" sz="1800" dirty="0" smtClean="0">
+                <a:solidFill>
+                  <a:srgbClr val="20999D"/>
+                </a:solidFill>
+                <a:latin typeface="Courier"/>
+                <a:cs typeface="Courier"/>
+              </a:rPr>
+              <a:t>Integer</a:t>
+            </a:r>
+            <a:r>
+              <a:rPr lang="en-US" sz="1800" dirty="0" smtClean="0">
+                <a:solidFill>
+                  <a:srgbClr val="000000"/>
+                </a:solidFill>
+                <a:latin typeface="Courier"/>
+                <a:cs typeface="Courier"/>
+              </a:rPr>
+              <a:t>&gt;.</a:t>
+            </a:r>
+          </a:p>
+          <a:p>
+            <a:pPr algn="ctr"/>
+            <a:r>
+              <a:rPr lang="en-US" sz="1800" dirty="0" smtClean="0">
+                <a:solidFill>
+                  <a:srgbClr val="000000"/>
+                </a:solidFill>
+                <a:latin typeface="Courier"/>
+                <a:cs typeface="Courier"/>
+              </a:rPr>
+              <a:t>get</a:t>
+            </a:r>
+            <a:r>
+              <a:rPr lang="en-US" sz="1800" dirty="0">
+                <a:solidFill>
+                  <a:srgbClr val="000000"/>
+                </a:solidFill>
+                <a:latin typeface="Courier"/>
+                <a:cs typeface="Courier"/>
+              </a:rPr>
+              <a:t>(</a:t>
+            </a:r>
+            <a:r>
+              <a:rPr lang="en-US" sz="1800" dirty="0" err="1">
+                <a:solidFill>
+                  <a:srgbClr val="000000"/>
+                </a:solidFill>
+                <a:latin typeface="Courier"/>
+                <a:cs typeface="Courier"/>
+              </a:rPr>
+              <a:t>i</a:t>
+            </a:r>
+            <a:r>
+              <a:rPr lang="en-US" sz="1800" dirty="0">
+                <a:solidFill>
+                  <a:srgbClr val="000000"/>
+                </a:solidFill>
+                <a:latin typeface="Courier"/>
+                <a:cs typeface="Courier"/>
+              </a:rPr>
+              <a:t>)</a:t>
+            </a:r>
+            <a:r>
+              <a:rPr lang="en-US" sz="1800" dirty="0">
+                <a:latin typeface="Courier"/>
+                <a:cs typeface="Courier"/>
+              </a:rPr>
+              <a:t> </a:t>
+            </a:r>
+            <a:endParaRPr lang="en-US" sz="1800" dirty="0" smtClean="0">
+              <a:latin typeface="Courier"/>
+              <a:cs typeface="Courier"/>
+            </a:endParaRPr>
+          </a:p>
+        </p:txBody>
+      </p:sp>
+      <p:sp>
+        <p:nvSpPr>
+          <p:cNvPr id="26" name="TextBox 25"/>
+          <p:cNvSpPr txBox="1"/>
+          <p:nvPr/>
+        </p:nvSpPr>
+        <p:spPr>
+          <a:xfrm>
+            <a:off x="5040616" y="3109563"/>
+            <a:ext cx="1985452" cy="646331"/>
+          </a:xfrm>
+          <a:prstGeom prst="rect">
+            <a:avLst/>
+          </a:prstGeom>
+          <a:noFill/>
+        </p:spPr>
+        <p:txBody>
+          <a:bodyPr wrap="none" rtlCol="0">
+            <a:spAutoFit/>
+          </a:bodyPr>
+          <a:lstStyle/>
+          <a:p>
+            <a:pPr algn="ctr"/>
+            <a:r>
+              <a:rPr lang="en-US" sz="1800" dirty="0" err="1" smtClean="0">
+                <a:solidFill>
+                  <a:srgbClr val="000000"/>
+                </a:solidFill>
+                <a:latin typeface="Courier"/>
+                <a:cs typeface="Courier"/>
+              </a:rPr>
+              <a:t>ArrayList</a:t>
+            </a:r>
+            <a:r>
+              <a:rPr lang="en-US" sz="1800" dirty="0" smtClean="0">
+                <a:solidFill>
+                  <a:srgbClr val="000000"/>
+                </a:solidFill>
+                <a:latin typeface="Courier"/>
+                <a:cs typeface="Courier"/>
+              </a:rPr>
+              <a:t>&lt;</a:t>
+            </a:r>
+            <a:r>
+              <a:rPr lang="en-US" sz="1800" dirty="0" smtClean="0">
+                <a:solidFill>
+                  <a:srgbClr val="20999D"/>
+                </a:solidFill>
+                <a:latin typeface="Courier"/>
+                <a:cs typeface="Courier"/>
+              </a:rPr>
+              <a:t>E</a:t>
+            </a:r>
+            <a:r>
+              <a:rPr lang="en-US" sz="1800" dirty="0" smtClean="0">
+                <a:solidFill>
+                  <a:srgbClr val="000000"/>
+                </a:solidFill>
+                <a:latin typeface="Courier"/>
+                <a:cs typeface="Courier"/>
+              </a:rPr>
+              <a:t>&gt;.</a:t>
+            </a:r>
+          </a:p>
+          <a:p>
+            <a:pPr algn="ctr"/>
+            <a:r>
+              <a:rPr lang="en-US" sz="1800" dirty="0" err="1" smtClean="0">
+                <a:solidFill>
+                  <a:srgbClr val="000000"/>
+                </a:solidFill>
+                <a:latin typeface="Courier"/>
+                <a:cs typeface="Courier"/>
+              </a:rPr>
+              <a:t>rangeCheck</a:t>
+            </a:r>
+            <a:r>
+              <a:rPr lang="en-US" sz="1800" dirty="0" smtClean="0">
+                <a:solidFill>
+                  <a:srgbClr val="000000"/>
+                </a:solidFill>
+                <a:latin typeface="Courier"/>
+                <a:cs typeface="Courier"/>
+              </a:rPr>
+              <a:t>(</a:t>
+            </a:r>
+            <a:r>
+              <a:rPr lang="en-US" sz="1800" dirty="0" err="1">
+                <a:solidFill>
+                  <a:srgbClr val="000000"/>
+                </a:solidFill>
+                <a:latin typeface="Courier"/>
+                <a:cs typeface="Courier"/>
+              </a:rPr>
+              <a:t>i</a:t>
+            </a:r>
+            <a:r>
+              <a:rPr lang="en-US" sz="1800" dirty="0" smtClean="0">
+                <a:solidFill>
+                  <a:srgbClr val="000000"/>
+                </a:solidFill>
+                <a:latin typeface="Courier"/>
+                <a:cs typeface="Courier"/>
+              </a:rPr>
+              <a:t>)</a:t>
+            </a:r>
+            <a:endParaRPr lang="en-US" sz="1800" dirty="0" smtClean="0">
+              <a:latin typeface="Courier"/>
+              <a:cs typeface="Courier"/>
+            </a:endParaRPr>
+          </a:p>
+        </p:txBody>
+      </p:sp>
+      <p:sp>
+        <p:nvSpPr>
+          <p:cNvPr id="27" name="TextBox 26"/>
+          <p:cNvSpPr txBox="1"/>
+          <p:nvPr/>
+        </p:nvSpPr>
+        <p:spPr>
+          <a:xfrm>
+            <a:off x="4971355" y="3995064"/>
+            <a:ext cx="2123974" cy="646331"/>
+          </a:xfrm>
+          <a:prstGeom prst="rect">
+            <a:avLst/>
+          </a:prstGeom>
+          <a:noFill/>
+        </p:spPr>
+        <p:txBody>
+          <a:bodyPr wrap="none" rtlCol="0">
+            <a:spAutoFit/>
+          </a:bodyPr>
+          <a:lstStyle/>
+          <a:p>
+            <a:pPr algn="ctr"/>
+            <a:r>
+              <a:rPr lang="en-US" sz="1800" dirty="0" err="1" smtClean="0">
+                <a:solidFill>
+                  <a:srgbClr val="000000"/>
+                </a:solidFill>
+                <a:latin typeface="Courier"/>
+                <a:cs typeface="Courier"/>
+              </a:rPr>
+              <a:t>ArrayList</a:t>
+            </a:r>
+            <a:r>
+              <a:rPr lang="en-US" sz="1800" dirty="0" smtClean="0">
+                <a:solidFill>
+                  <a:srgbClr val="000000"/>
+                </a:solidFill>
+                <a:latin typeface="Courier"/>
+                <a:cs typeface="Courier"/>
+              </a:rPr>
+              <a:t>&lt;</a:t>
+            </a:r>
+            <a:r>
+              <a:rPr lang="en-US" sz="1800" dirty="0" smtClean="0">
+                <a:solidFill>
+                  <a:srgbClr val="20999D"/>
+                </a:solidFill>
+                <a:latin typeface="Courier"/>
+                <a:cs typeface="Courier"/>
+              </a:rPr>
+              <a:t>E</a:t>
+            </a:r>
+            <a:r>
+              <a:rPr lang="en-US" sz="1800" dirty="0" smtClean="0">
+                <a:solidFill>
+                  <a:srgbClr val="000000"/>
+                </a:solidFill>
+                <a:latin typeface="Courier"/>
+                <a:cs typeface="Courier"/>
+              </a:rPr>
+              <a:t>&gt;.</a:t>
+            </a:r>
+          </a:p>
+          <a:p>
+            <a:pPr algn="ctr"/>
+            <a:r>
+              <a:rPr lang="en-US" sz="1800" dirty="0" err="1" smtClean="0">
+                <a:solidFill>
+                  <a:srgbClr val="000000"/>
+                </a:solidFill>
+                <a:latin typeface="Courier"/>
+                <a:cs typeface="Courier"/>
+              </a:rPr>
+              <a:t>elementData</a:t>
+            </a:r>
+            <a:r>
+              <a:rPr lang="en-US" sz="1800" dirty="0" smtClean="0">
+                <a:solidFill>
+                  <a:srgbClr val="000000"/>
+                </a:solidFill>
+                <a:latin typeface="Courier"/>
+                <a:cs typeface="Courier"/>
+              </a:rPr>
+              <a:t>(</a:t>
+            </a:r>
+            <a:r>
+              <a:rPr lang="en-US" sz="1800" dirty="0" err="1" smtClean="0">
+                <a:solidFill>
+                  <a:srgbClr val="000000"/>
+                </a:solidFill>
+                <a:latin typeface="Courier"/>
+                <a:cs typeface="Courier"/>
+              </a:rPr>
+              <a:t>i</a:t>
+            </a:r>
+            <a:r>
+              <a:rPr lang="en-US" sz="1800" dirty="0" smtClean="0">
+                <a:solidFill>
+                  <a:srgbClr val="000000"/>
+                </a:solidFill>
+                <a:latin typeface="Courier"/>
+                <a:cs typeface="Courier"/>
+              </a:rPr>
+              <a:t>)</a:t>
+            </a:r>
+            <a:endParaRPr lang="en-US" sz="1800" dirty="0" smtClean="0">
+              <a:latin typeface="Courier"/>
+              <a:cs typeface="Courier"/>
+            </a:endParaRPr>
+          </a:p>
+        </p:txBody>
+      </p:sp>
+      <p:sp>
+        <p:nvSpPr>
+          <p:cNvPr id="28" name="TextBox 27"/>
+          <p:cNvSpPr txBox="1"/>
+          <p:nvPr/>
+        </p:nvSpPr>
+        <p:spPr>
+          <a:xfrm>
+            <a:off x="4971355" y="5322311"/>
+            <a:ext cx="2123974" cy="646331"/>
+          </a:xfrm>
+          <a:prstGeom prst="rect">
+            <a:avLst/>
+          </a:prstGeom>
+          <a:noFill/>
+        </p:spPr>
+        <p:txBody>
+          <a:bodyPr wrap="none" rtlCol="0">
+            <a:spAutoFit/>
+          </a:bodyPr>
+          <a:lstStyle/>
+          <a:p>
+            <a:pPr algn="ctr"/>
+            <a:r>
+              <a:rPr lang="en-US" sz="1800" dirty="0" err="1">
+                <a:solidFill>
+                  <a:srgbClr val="000000"/>
+                </a:solidFill>
+                <a:latin typeface="Courier"/>
+                <a:cs typeface="Courier"/>
+              </a:rPr>
+              <a:t>ArrayList</a:t>
+            </a:r>
+            <a:r>
+              <a:rPr lang="en-US" sz="1800" dirty="0">
+                <a:solidFill>
+                  <a:srgbClr val="000000"/>
+                </a:solidFill>
+                <a:latin typeface="Courier"/>
+                <a:cs typeface="Courier"/>
+              </a:rPr>
+              <a:t>&lt;</a:t>
+            </a:r>
+            <a:r>
+              <a:rPr lang="en-US" sz="1800" dirty="0">
+                <a:solidFill>
+                  <a:srgbClr val="20999D"/>
+                </a:solidFill>
+                <a:latin typeface="Courier"/>
+                <a:cs typeface="Courier"/>
+              </a:rPr>
+              <a:t>E</a:t>
+            </a:r>
+            <a:r>
+              <a:rPr lang="en-US" sz="1800" dirty="0" smtClean="0">
+                <a:solidFill>
+                  <a:srgbClr val="000000"/>
+                </a:solidFill>
+                <a:latin typeface="Courier"/>
+                <a:cs typeface="Courier"/>
+              </a:rPr>
+              <a:t>&gt;.</a:t>
+            </a:r>
+          </a:p>
+          <a:p>
+            <a:pPr algn="ctr"/>
+            <a:r>
+              <a:rPr lang="en-US" sz="1800" b="1" dirty="0" err="1" smtClean="0">
+                <a:solidFill>
+                  <a:srgbClr val="660E7A"/>
+                </a:solidFill>
+                <a:latin typeface="Courier"/>
+                <a:cs typeface="Courier"/>
+              </a:rPr>
+              <a:t>elementData</a:t>
+            </a:r>
+            <a:r>
+              <a:rPr lang="en-US" sz="1800" dirty="0">
+                <a:solidFill>
+                  <a:srgbClr val="000000"/>
+                </a:solidFill>
+                <a:latin typeface="Courier"/>
+                <a:cs typeface="Courier"/>
+              </a:rPr>
+              <a:t>[</a:t>
+            </a:r>
+            <a:r>
+              <a:rPr lang="en-US" sz="1800" dirty="0" err="1" smtClean="0">
+                <a:solidFill>
+                  <a:srgbClr val="000000"/>
+                </a:solidFill>
+                <a:latin typeface="Courier"/>
+                <a:cs typeface="Courier"/>
+              </a:rPr>
+              <a:t>i</a:t>
+            </a:r>
+            <a:r>
+              <a:rPr lang="en-US" sz="1800" dirty="0" smtClean="0">
+                <a:solidFill>
+                  <a:srgbClr val="000000"/>
+                </a:solidFill>
+                <a:latin typeface="Courier"/>
+                <a:cs typeface="Courier"/>
+              </a:rPr>
+              <a:t>]</a:t>
+            </a:r>
+            <a:endParaRPr lang="en-US" sz="1800" dirty="0">
+              <a:latin typeface="Courier"/>
+              <a:cs typeface="Courier"/>
+            </a:endParaRPr>
+          </a:p>
+        </p:txBody>
+      </p:sp>
+      <p:sp>
+        <p:nvSpPr>
+          <p:cNvPr id="29" name="TextBox 28"/>
+          <p:cNvSpPr txBox="1"/>
+          <p:nvPr/>
+        </p:nvSpPr>
+        <p:spPr>
+          <a:xfrm>
+            <a:off x="7281591" y="3109563"/>
+            <a:ext cx="1569886" cy="646331"/>
+          </a:xfrm>
+          <a:prstGeom prst="rect">
+            <a:avLst/>
+          </a:prstGeom>
+          <a:noFill/>
+        </p:spPr>
+        <p:txBody>
+          <a:bodyPr wrap="none" rtlCol="0">
+            <a:spAutoFit/>
+          </a:bodyPr>
+          <a:lstStyle/>
+          <a:p>
+            <a:pPr algn="ctr"/>
+            <a:r>
+              <a:rPr lang="en-US" sz="1800" dirty="0">
+                <a:solidFill>
+                  <a:srgbClr val="000000"/>
+                </a:solidFill>
+                <a:latin typeface="Courier"/>
+                <a:cs typeface="Courier"/>
+              </a:rPr>
+              <a:t>Integer</a:t>
+            </a:r>
+            <a:r>
+              <a:rPr lang="en-US" sz="1800" dirty="0" smtClean="0">
+                <a:solidFill>
+                  <a:srgbClr val="000000"/>
+                </a:solidFill>
+                <a:latin typeface="Courier"/>
+                <a:cs typeface="Courier"/>
+              </a:rPr>
+              <a:t>.</a:t>
+            </a:r>
+          </a:p>
+          <a:p>
+            <a:pPr algn="ctr"/>
+            <a:r>
+              <a:rPr lang="en-US" sz="1800" dirty="0" err="1" smtClean="0">
+                <a:solidFill>
+                  <a:srgbClr val="000000"/>
+                </a:solidFill>
+                <a:latin typeface="Courier"/>
+                <a:cs typeface="Courier"/>
+              </a:rPr>
+              <a:t>intValue</a:t>
+            </a:r>
+            <a:r>
+              <a:rPr lang="en-US" sz="1800" dirty="0">
+                <a:solidFill>
+                  <a:srgbClr val="000000"/>
+                </a:solidFill>
+                <a:latin typeface="Courier"/>
+                <a:cs typeface="Courier"/>
+              </a:rPr>
+              <a:t>(</a:t>
+            </a:r>
+            <a:r>
+              <a:rPr lang="en-US" sz="1800" dirty="0" smtClean="0">
+                <a:solidFill>
+                  <a:srgbClr val="000000"/>
+                </a:solidFill>
+                <a:latin typeface="Courier"/>
+                <a:cs typeface="Courier"/>
+              </a:rPr>
+              <a:t>)</a:t>
+            </a:r>
+            <a:endParaRPr lang="en-US" sz="1800" dirty="0">
+              <a:latin typeface="Courier"/>
+              <a:cs typeface="Courier"/>
+            </a:endParaRPr>
+          </a:p>
+        </p:txBody>
+      </p:sp>
+      <p:sp>
+        <p:nvSpPr>
+          <p:cNvPr id="30" name="TextBox 29"/>
+          <p:cNvSpPr txBox="1"/>
+          <p:nvPr/>
+        </p:nvSpPr>
+        <p:spPr>
+          <a:xfrm>
+            <a:off x="7420113" y="3995064"/>
+            <a:ext cx="1292842" cy="646331"/>
+          </a:xfrm>
+          <a:prstGeom prst="rect">
+            <a:avLst/>
+          </a:prstGeom>
+          <a:noFill/>
+        </p:spPr>
+        <p:txBody>
+          <a:bodyPr wrap="none" rtlCol="0">
+            <a:spAutoFit/>
+          </a:bodyPr>
+          <a:lstStyle/>
+          <a:p>
+            <a:pPr algn="ctr"/>
+            <a:r>
+              <a:rPr lang="en-US" sz="1800" dirty="0" smtClean="0">
+                <a:solidFill>
+                  <a:srgbClr val="000000"/>
+                </a:solidFill>
+                <a:latin typeface="Courier"/>
+                <a:cs typeface="Courier"/>
+              </a:rPr>
+              <a:t>Integer.</a:t>
+            </a:r>
+          </a:p>
+          <a:p>
+            <a:pPr algn="ctr"/>
+            <a:r>
+              <a:rPr lang="en-US" sz="1800" b="1" dirty="0" smtClean="0">
+                <a:solidFill>
+                  <a:srgbClr val="660E7A"/>
+                </a:solidFill>
+                <a:latin typeface="Courier"/>
+                <a:cs typeface="Courier"/>
+              </a:rPr>
+              <a:t>value</a:t>
+            </a:r>
+            <a:endParaRPr lang="en-US" sz="1800" dirty="0">
+              <a:latin typeface="Courier"/>
+              <a:cs typeface="Courier"/>
+            </a:endParaRPr>
+          </a:p>
+        </p:txBody>
+      </p:sp>
+      <p:cxnSp>
+        <p:nvCxnSpPr>
+          <p:cNvPr id="31" name="Straight Arrow Connector 30"/>
+          <p:cNvCxnSpPr>
+            <a:stCxn id="24" idx="2"/>
+            <a:endCxn id="25" idx="0"/>
+          </p:cNvCxnSpPr>
+          <p:nvPr/>
+        </p:nvCxnSpPr>
+        <p:spPr bwMode="auto">
+          <a:xfrm>
+            <a:off x="6966652" y="1673693"/>
+            <a:ext cx="0" cy="327451"/>
+          </a:xfrm>
+          <a:prstGeom prst="straightConnector1">
+            <a:avLst/>
+          </a:prstGeom>
+          <a:noFill/>
+          <a:ln w="6350" cap="flat" cmpd="sng" algn="ctr">
+            <a:solidFill>
+              <a:schemeClr val="tx1"/>
+            </a:solidFill>
+            <a:prstDash val="solid"/>
+            <a:round/>
+            <a:headEnd type="none" w="med" len="med"/>
+            <a:tailEnd type="arrow"/>
+          </a:ln>
+          <a:effectLst/>
+        </p:spPr>
+      </p:cxnSp>
+      <p:cxnSp>
+        <p:nvCxnSpPr>
+          <p:cNvPr id="32" name="Straight Arrow Connector 31"/>
+          <p:cNvCxnSpPr>
+            <a:stCxn id="25" idx="2"/>
+            <a:endCxn id="26" idx="0"/>
+          </p:cNvCxnSpPr>
+          <p:nvPr/>
+        </p:nvCxnSpPr>
+        <p:spPr bwMode="auto">
+          <a:xfrm flipH="1">
+            <a:off x="6033342" y="2647475"/>
+            <a:ext cx="933310" cy="462088"/>
+          </a:xfrm>
+          <a:prstGeom prst="straightConnector1">
+            <a:avLst/>
+          </a:prstGeom>
+          <a:noFill/>
+          <a:ln w="6350" cap="flat" cmpd="sng" algn="ctr">
+            <a:solidFill>
+              <a:srgbClr val="000000"/>
+            </a:solidFill>
+            <a:prstDash val="solid"/>
+            <a:round/>
+            <a:headEnd type="none" w="med" len="med"/>
+            <a:tailEnd type="arrow"/>
+          </a:ln>
+          <a:effectLst/>
+        </p:spPr>
+      </p:cxnSp>
+      <p:cxnSp>
+        <p:nvCxnSpPr>
+          <p:cNvPr id="33" name="Straight Arrow Connector 32"/>
+          <p:cNvCxnSpPr>
+            <a:stCxn id="27" idx="2"/>
+            <a:endCxn id="28" idx="0"/>
+          </p:cNvCxnSpPr>
+          <p:nvPr/>
+        </p:nvCxnSpPr>
+        <p:spPr bwMode="auto">
+          <a:xfrm>
+            <a:off x="6033342" y="4641395"/>
+            <a:ext cx="0" cy="680916"/>
+          </a:xfrm>
+          <a:prstGeom prst="straightConnector1">
+            <a:avLst/>
+          </a:prstGeom>
+          <a:noFill/>
+          <a:ln w="6350" cap="flat" cmpd="sng" algn="ctr">
+            <a:solidFill>
+              <a:schemeClr val="tx1"/>
+            </a:solidFill>
+            <a:prstDash val="solid"/>
+            <a:round/>
+            <a:headEnd type="none" w="med" len="med"/>
+            <a:tailEnd type="arrow"/>
+          </a:ln>
+          <a:effectLst/>
+        </p:spPr>
+      </p:cxnSp>
+      <p:cxnSp>
+        <p:nvCxnSpPr>
+          <p:cNvPr id="34" name="Straight Arrow Connector 33"/>
+          <p:cNvCxnSpPr>
+            <a:stCxn id="29" idx="2"/>
+            <a:endCxn id="30" idx="0"/>
+          </p:cNvCxnSpPr>
+          <p:nvPr/>
+        </p:nvCxnSpPr>
+        <p:spPr bwMode="auto">
+          <a:xfrm>
+            <a:off x="8066534" y="3755894"/>
+            <a:ext cx="0" cy="239170"/>
+          </a:xfrm>
+          <a:prstGeom prst="straightConnector1">
+            <a:avLst/>
+          </a:prstGeom>
+          <a:noFill/>
+          <a:ln w="6350" cap="flat" cmpd="sng" algn="ctr">
+            <a:solidFill>
+              <a:schemeClr val="tx1"/>
+            </a:solidFill>
+            <a:prstDash val="solid"/>
+            <a:round/>
+            <a:headEnd type="none" w="med" len="med"/>
+            <a:tailEnd type="arrow"/>
+          </a:ln>
+          <a:effectLst/>
+        </p:spPr>
+      </p:cxnSp>
+      <p:cxnSp>
+        <p:nvCxnSpPr>
+          <p:cNvPr id="35" name="Straight Arrow Connector 34"/>
+          <p:cNvCxnSpPr>
+            <a:endCxn id="24" idx="0"/>
+          </p:cNvCxnSpPr>
+          <p:nvPr/>
+        </p:nvCxnSpPr>
+        <p:spPr bwMode="auto">
+          <a:xfrm>
+            <a:off x="6966652" y="651216"/>
+            <a:ext cx="0" cy="376146"/>
+          </a:xfrm>
+          <a:prstGeom prst="straightConnector1">
+            <a:avLst/>
+          </a:prstGeom>
+          <a:noFill/>
+          <a:ln w="6350" cap="flat" cmpd="sng" algn="ctr">
+            <a:solidFill>
+              <a:schemeClr val="tx1"/>
+            </a:solidFill>
+            <a:prstDash val="solid"/>
+            <a:round/>
+            <a:headEnd type="none" w="med" len="med"/>
+            <a:tailEnd type="arrow"/>
+          </a:ln>
+          <a:effectLst/>
+        </p:spPr>
+      </p:cxnSp>
+      <p:cxnSp>
+        <p:nvCxnSpPr>
+          <p:cNvPr id="36" name="Straight Arrow Connector 35"/>
+          <p:cNvCxnSpPr>
+            <a:stCxn id="30" idx="2"/>
+          </p:cNvCxnSpPr>
+          <p:nvPr/>
+        </p:nvCxnSpPr>
+        <p:spPr bwMode="auto">
+          <a:xfrm>
+            <a:off x="8066534" y="4641395"/>
+            <a:ext cx="0" cy="523954"/>
+          </a:xfrm>
+          <a:prstGeom prst="straightConnector1">
+            <a:avLst/>
+          </a:prstGeom>
+          <a:noFill/>
+          <a:ln w="6350" cap="flat" cmpd="sng" algn="ctr">
+            <a:solidFill>
+              <a:schemeClr val="tx1"/>
+            </a:solidFill>
+            <a:prstDash val="solid"/>
+            <a:round/>
+            <a:headEnd type="none" w="med" len="med"/>
+            <a:tailEnd type="arrow"/>
+          </a:ln>
+          <a:effectLst/>
+        </p:spPr>
+      </p:cxnSp>
+      <p:cxnSp>
+        <p:nvCxnSpPr>
+          <p:cNvPr id="37" name="Straight Arrow Connector 36"/>
+          <p:cNvCxnSpPr>
+            <a:stCxn id="25" idx="2"/>
+            <a:endCxn id="29" idx="0"/>
+          </p:cNvCxnSpPr>
+          <p:nvPr/>
+        </p:nvCxnSpPr>
+        <p:spPr bwMode="auto">
+          <a:xfrm>
+            <a:off x="6966652" y="2647475"/>
+            <a:ext cx="1099882" cy="462088"/>
+          </a:xfrm>
+          <a:prstGeom prst="straightConnector1">
+            <a:avLst/>
+          </a:prstGeom>
+          <a:noFill/>
+          <a:ln w="6350" cap="flat" cmpd="sng" algn="ctr">
+            <a:solidFill>
+              <a:srgbClr val="000000"/>
+            </a:solidFill>
+            <a:prstDash val="solid"/>
+            <a:round/>
+            <a:headEnd type="none" w="med" len="med"/>
+            <a:tailEnd type="arrow"/>
+          </a:ln>
+          <a:effectLst/>
+        </p:spPr>
+      </p:cxnSp>
+      <p:sp>
+        <p:nvSpPr>
+          <p:cNvPr id="38" name="Freeform 37"/>
+          <p:cNvSpPr/>
+          <p:nvPr/>
+        </p:nvSpPr>
+        <p:spPr>
+          <a:xfrm>
+            <a:off x="6037681" y="2668288"/>
+            <a:ext cx="1154177" cy="1369817"/>
+          </a:xfrm>
+          <a:custGeom>
+            <a:avLst/>
+            <a:gdLst>
+              <a:gd name="connsiteX0" fmla="*/ 927600 w 1154177"/>
+              <a:gd name="connsiteY0" fmla="*/ 0 h 1369817"/>
+              <a:gd name="connsiteX1" fmla="*/ 1141662 w 1154177"/>
+              <a:gd name="connsiteY1" fmla="*/ 984556 h 1369817"/>
+              <a:gd name="connsiteX2" fmla="*/ 599372 w 1154177"/>
+              <a:gd name="connsiteY2" fmla="*/ 1241396 h 1369817"/>
+              <a:gd name="connsiteX3" fmla="*/ 0 w 1154177"/>
+              <a:gd name="connsiteY3" fmla="*/ 1369817 h 1369817"/>
+            </a:gdLst>
+            <a:ahLst/>
+            <a:cxnLst>
+              <a:cxn ang="0">
+                <a:pos x="connsiteX0" y="connsiteY0"/>
+              </a:cxn>
+              <a:cxn ang="0">
+                <a:pos x="connsiteX1" y="connsiteY1"/>
+              </a:cxn>
+              <a:cxn ang="0">
+                <a:pos x="connsiteX2" y="connsiteY2"/>
+              </a:cxn>
+              <a:cxn ang="0">
+                <a:pos x="connsiteX3" y="connsiteY3"/>
+              </a:cxn>
+            </a:cxnLst>
+            <a:rect l="l" t="t" r="r" b="b"/>
+            <a:pathLst>
+              <a:path w="1154177" h="1369817">
+                <a:moveTo>
+                  <a:pt x="927600" y="0"/>
+                </a:moveTo>
+                <a:cubicBezTo>
+                  <a:pt x="1061983" y="388828"/>
+                  <a:pt x="1196367" y="777657"/>
+                  <a:pt x="1141662" y="984556"/>
+                </a:cubicBezTo>
+                <a:cubicBezTo>
+                  <a:pt x="1086957" y="1191455"/>
+                  <a:pt x="789649" y="1177186"/>
+                  <a:pt x="599372" y="1241396"/>
+                </a:cubicBezTo>
+                <a:cubicBezTo>
+                  <a:pt x="409095" y="1305606"/>
+                  <a:pt x="0" y="1369817"/>
+                  <a:pt x="0" y="1369817"/>
+                </a:cubicBezTo>
+              </a:path>
+            </a:pathLst>
+          </a:custGeom>
+          <a:ln>
+            <a:solidFill>
+              <a:srgbClr val="000000"/>
+            </a:solidFill>
+            <a:headEnd type="none"/>
+            <a:tailEnd type="arrow"/>
+          </a:ln>
+        </p:spPr>
+        <p:txBody>
+          <a:bodyPr vert="horz" wrap="square" lIns="91440" tIns="45720" rIns="91440" bIns="45720" numCol="1" rtlCol="0" anchor="t" anchorCtr="0" compatLnSpc="1">
+            <a:prstTxWarp prst="textNoShape">
+              <a:avLst/>
+            </a:prstTxWarp>
+            <a:spAutoFit/>
+          </a:bodyPr>
+          <a:lstStyle/>
+          <a:p>
+            <a:pPr marL="0" marR="0" indent="0" algn="ctr" defTabSz="914400" rtl="0" eaLnBrk="1" fontAlgn="base" latinLnBrk="0" hangingPunct="1">
+              <a:lnSpc>
+                <a:spcPct val="100000"/>
+              </a:lnSpc>
+              <a:spcBef>
+                <a:spcPct val="50000"/>
+              </a:spcBef>
+              <a:spcAft>
+                <a:spcPct val="0"/>
+              </a:spcAft>
+              <a:buClrTx/>
+              <a:buSzTx/>
+              <a:buFontTx/>
+              <a:buNone/>
+              <a:tabLst/>
+            </a:pPr>
+            <a:endParaRPr kumimoji="0" lang="en-US" sz="1200" b="0" i="0" u="none" strike="noStrike" cap="none" normalizeH="0" baseline="0" smtClean="0">
+              <a:ln>
+                <a:noFill/>
+              </a:ln>
+              <a:solidFill>
+                <a:schemeClr val="tx1"/>
+              </a:solidFill>
+              <a:effectLst/>
+              <a:latin typeface="Tahoma" pitchFamily="34" charset="0"/>
+            </a:endParaRPr>
+          </a:p>
+        </p:txBody>
+      </p:sp>
+      <p:sp>
+        <p:nvSpPr>
+          <p:cNvPr id="39" name="TextBox 38"/>
+          <p:cNvSpPr txBox="1"/>
+          <p:nvPr/>
+        </p:nvSpPr>
+        <p:spPr>
+          <a:xfrm>
+            <a:off x="6094761" y="2568405"/>
+            <a:ext cx="487408" cy="369332"/>
+          </a:xfrm>
+          <a:prstGeom prst="rect">
+            <a:avLst/>
+          </a:prstGeom>
+          <a:noFill/>
+        </p:spPr>
+        <p:txBody>
+          <a:bodyPr wrap="none" rtlCol="0">
+            <a:spAutoFit/>
+          </a:bodyPr>
+          <a:lstStyle/>
+          <a:p>
+            <a:r>
+              <a:rPr lang="en-US" sz="1800" dirty="0" smtClean="0">
+                <a:solidFill>
+                  <a:srgbClr val="FF0000"/>
+                </a:solidFill>
+              </a:rPr>
+              <a:t>(1)</a:t>
+            </a:r>
+            <a:endParaRPr lang="en-US" sz="1800" dirty="0">
+              <a:solidFill>
+                <a:srgbClr val="FF0000"/>
+              </a:solidFill>
+            </a:endParaRPr>
+          </a:p>
+        </p:txBody>
+      </p:sp>
+      <p:sp>
+        <p:nvSpPr>
+          <p:cNvPr id="40" name="TextBox 39"/>
+          <p:cNvSpPr txBox="1"/>
+          <p:nvPr/>
+        </p:nvSpPr>
+        <p:spPr>
+          <a:xfrm>
+            <a:off x="6632478" y="2735074"/>
+            <a:ext cx="487408" cy="369332"/>
+          </a:xfrm>
+          <a:prstGeom prst="rect">
+            <a:avLst/>
+          </a:prstGeom>
+          <a:noFill/>
+        </p:spPr>
+        <p:txBody>
+          <a:bodyPr wrap="none" rtlCol="0">
+            <a:spAutoFit/>
+          </a:bodyPr>
+          <a:lstStyle/>
+          <a:p>
+            <a:r>
+              <a:rPr lang="en-US" sz="1800" dirty="0" smtClean="0">
+                <a:solidFill>
+                  <a:srgbClr val="FF0000"/>
+                </a:solidFill>
+              </a:rPr>
+              <a:t>(2)</a:t>
+            </a:r>
+            <a:endParaRPr lang="en-US" sz="1800" dirty="0">
+              <a:solidFill>
+                <a:srgbClr val="FF0000"/>
+              </a:solidFill>
+            </a:endParaRPr>
+          </a:p>
+        </p:txBody>
+      </p:sp>
+      <p:sp>
+        <p:nvSpPr>
+          <p:cNvPr id="41" name="TextBox 40"/>
+          <p:cNvSpPr txBox="1"/>
+          <p:nvPr/>
+        </p:nvSpPr>
+        <p:spPr>
+          <a:xfrm>
+            <a:off x="7512699" y="2568405"/>
+            <a:ext cx="487408" cy="369332"/>
+          </a:xfrm>
+          <a:prstGeom prst="rect">
+            <a:avLst/>
+          </a:prstGeom>
+          <a:noFill/>
+        </p:spPr>
+        <p:txBody>
+          <a:bodyPr wrap="none" rtlCol="0">
+            <a:spAutoFit/>
+          </a:bodyPr>
+          <a:lstStyle/>
+          <a:p>
+            <a:r>
+              <a:rPr lang="en-US" sz="1800" dirty="0" smtClean="0">
+                <a:solidFill>
+                  <a:srgbClr val="FF0000"/>
+                </a:solidFill>
+              </a:rPr>
+              <a:t>(3)</a:t>
+            </a:r>
+            <a:endParaRPr lang="en-US" sz="1800" dirty="0">
+              <a:solidFill>
+                <a:srgbClr val="FF0000"/>
+              </a:solidFill>
+            </a:endParaRPr>
+          </a:p>
+        </p:txBody>
+      </p:sp>
+      <p:sp>
+        <p:nvSpPr>
+          <p:cNvPr id="43" name="Rectangle 42"/>
+          <p:cNvSpPr/>
+          <p:nvPr/>
+        </p:nvSpPr>
+        <p:spPr bwMode="auto">
+          <a:xfrm>
+            <a:off x="1655411" y="3866643"/>
+            <a:ext cx="1741033" cy="399764"/>
+          </a:xfrm>
+          <a:prstGeom prst="rect">
+            <a:avLst/>
+          </a:prstGeom>
+          <a:noFill/>
+          <a:ln w="9525" cap="flat" cmpd="sng" algn="ctr">
+            <a:solidFill>
+              <a:schemeClr val="accent6"/>
+            </a:solidFill>
+            <a:prstDash val="solid"/>
+            <a:round/>
+            <a:headEnd type="none" w="med" len="med"/>
+            <a:tailEnd type="none" w="med" len="med"/>
+          </a:ln>
+          <a:effectLst/>
+        </p:spPr>
+        <p:txBody>
+          <a:bodyPr vert="horz" wrap="square" lIns="91440" tIns="45720" rIns="91440" bIns="45720" numCol="1" rtlCol="0" anchor="t" anchorCtr="0" compatLnSpc="1">
+            <a:prstTxWarp prst="textNoShape">
+              <a:avLst/>
+            </a:prstTxWarp>
+            <a:spAutoFit/>
+          </a:bodyPr>
+          <a:lstStyle/>
+          <a:p>
+            <a:pPr marL="0" marR="0" indent="0" algn="ctr" defTabSz="914400" rtl="0" eaLnBrk="1" fontAlgn="base" latinLnBrk="0" hangingPunct="1">
+              <a:lnSpc>
+                <a:spcPct val="100000"/>
+              </a:lnSpc>
+              <a:spcBef>
+                <a:spcPct val="50000"/>
+              </a:spcBef>
+              <a:spcAft>
+                <a:spcPct val="0"/>
+              </a:spcAft>
+              <a:buClrTx/>
+              <a:buSzTx/>
+              <a:buFontTx/>
+              <a:buNone/>
+              <a:tabLst/>
+            </a:pPr>
+            <a:endParaRPr kumimoji="0" lang="en-US" sz="1200" b="0" i="0" u="none" strike="noStrike" cap="none" normalizeH="0" baseline="0" smtClean="0">
+              <a:ln>
+                <a:noFill/>
+              </a:ln>
+              <a:solidFill>
+                <a:schemeClr val="tx1"/>
+              </a:solidFill>
+              <a:effectLst/>
+              <a:latin typeface="Tahoma" pitchFamily="34" charset="0"/>
+            </a:endParaRPr>
+          </a:p>
+        </p:txBody>
+      </p:sp>
+      <p:sp>
+        <p:nvSpPr>
+          <p:cNvPr id="44" name="Rectangle 43"/>
+          <p:cNvSpPr/>
+          <p:nvPr/>
+        </p:nvSpPr>
+        <p:spPr bwMode="auto">
+          <a:xfrm>
+            <a:off x="4951961" y="622678"/>
+            <a:ext cx="3999413" cy="5463294"/>
+          </a:xfrm>
+          <a:prstGeom prst="rect">
+            <a:avLst/>
+          </a:prstGeom>
+          <a:noFill/>
+          <a:ln w="9525" cap="flat" cmpd="sng" algn="ctr">
+            <a:solidFill>
+              <a:srgbClr val="C00000"/>
+            </a:solidFill>
+            <a:prstDash val="solid"/>
+            <a:round/>
+            <a:headEnd type="none" w="med" len="med"/>
+            <a:tailEnd type="none" w="med" len="med"/>
+          </a:ln>
+          <a:effectLst/>
+        </p:spPr>
+        <p:txBody>
+          <a:bodyPr vert="horz" wrap="square" lIns="91440" tIns="45720" rIns="91440" bIns="45720" numCol="1" rtlCol="0" anchor="t" anchorCtr="0" compatLnSpc="1">
+            <a:prstTxWarp prst="textNoShape">
+              <a:avLst/>
+            </a:prstTxWarp>
+            <a:noAutofit/>
+          </a:bodyPr>
+          <a:lstStyle/>
+          <a:p>
+            <a:pPr marL="0" marR="0" indent="0" algn="ctr" defTabSz="914400" rtl="0" eaLnBrk="1" fontAlgn="base" latinLnBrk="0" hangingPunct="1">
+              <a:lnSpc>
+                <a:spcPct val="100000"/>
+              </a:lnSpc>
+              <a:spcBef>
+                <a:spcPct val="50000"/>
+              </a:spcBef>
+              <a:spcAft>
+                <a:spcPct val="0"/>
+              </a:spcAft>
+              <a:buClrTx/>
+              <a:buSzTx/>
+              <a:buFontTx/>
+              <a:buNone/>
+              <a:tabLst/>
+            </a:pPr>
+            <a:endParaRPr kumimoji="0" lang="en-US" sz="1200" b="0" i="0" u="none" strike="noStrike" cap="none" normalizeH="0" baseline="0" smtClean="0">
+              <a:ln>
+                <a:noFill/>
+              </a:ln>
+              <a:solidFill>
+                <a:schemeClr val="tx1"/>
+              </a:solidFill>
+              <a:effectLst/>
+              <a:latin typeface="Tahoma" pitchFamily="34" charset="0"/>
+            </a:endParaRPr>
+          </a:p>
+        </p:txBody>
+      </p:sp>
+      <p:cxnSp>
+        <p:nvCxnSpPr>
+          <p:cNvPr id="46" name="Straight Arrow Connector 45"/>
+          <p:cNvCxnSpPr/>
+          <p:nvPr/>
+        </p:nvCxnSpPr>
+        <p:spPr bwMode="auto">
+          <a:xfrm flipV="1">
+            <a:off x="3396444" y="651216"/>
+            <a:ext cx="1574911" cy="3215428"/>
+          </a:xfrm>
+          <a:prstGeom prst="straightConnector1">
+            <a:avLst/>
+          </a:prstGeom>
+          <a:noFill/>
+          <a:ln w="9525" cap="flat" cmpd="sng" algn="ctr">
+            <a:solidFill>
+              <a:srgbClr val="C00000"/>
+            </a:solidFill>
+            <a:prstDash val="solid"/>
+            <a:round/>
+            <a:headEnd type="none" w="med" len="med"/>
+            <a:tailEnd type="arrow"/>
+          </a:ln>
+          <a:effectLst/>
+        </p:spPr>
+      </p:cxnSp>
+      <p:cxnSp>
+        <p:nvCxnSpPr>
+          <p:cNvPr id="48" name="Straight Arrow Connector 47"/>
+          <p:cNvCxnSpPr/>
+          <p:nvPr/>
+        </p:nvCxnSpPr>
+        <p:spPr bwMode="auto">
+          <a:xfrm>
+            <a:off x="3396444" y="4266407"/>
+            <a:ext cx="1574911" cy="1702235"/>
+          </a:xfrm>
+          <a:prstGeom prst="straightConnector1">
+            <a:avLst/>
+          </a:prstGeom>
+          <a:noFill/>
+          <a:ln w="9525" cap="flat" cmpd="sng" algn="ctr">
+            <a:solidFill>
+              <a:srgbClr val="C00000"/>
+            </a:solidFill>
+            <a:prstDash val="solid"/>
+            <a:round/>
+            <a:headEnd type="none" w="med" len="med"/>
+            <a:tailEnd type="arrow"/>
+          </a:ln>
+          <a:effectLst/>
+        </p:spPr>
+      </p:cxnSp>
+    </p:spTree>
+    <p:extLst>
+      <p:ext uri="{BB962C8B-B14F-4D97-AF65-F5344CB8AC3E}">
+        <p14:creationId xmlns:p14="http://schemas.microsoft.com/office/powerpoint/2010/main" val="5467138"/>
       </p:ext>
     </p:extLst>
   </p:cSld>

--- a/figures/Figures.pptx
+++ b/figures/Figures.pptx
@@ -7915,7 +7915,7 @@
         </p:nvSpPr>
         <p:spPr>
           <a:xfrm>
-            <a:off x="5904665" y="1027362"/>
+            <a:off x="5889680" y="856134"/>
             <a:ext cx="2123974" cy="646331"/>
           </a:xfrm>
           <a:prstGeom prst="rect">
@@ -8035,7 +8035,7 @@
         </p:nvSpPr>
         <p:spPr>
           <a:xfrm>
-            <a:off x="5558360" y="2001144"/>
+            <a:off x="5543375" y="1829916"/>
             <a:ext cx="2816584" cy="646331"/>
           </a:xfrm>
           <a:prstGeom prst="rect">
@@ -8155,8 +8155,8 @@
         </p:nvSpPr>
         <p:spPr>
           <a:xfrm>
-            <a:off x="5040616" y="3109563"/>
-            <a:ext cx="1985452" cy="646331"/>
+            <a:off x="5021073" y="2681493"/>
+            <a:ext cx="1985452" cy="1754327"/>
           </a:xfrm>
           <a:prstGeom prst="rect">
             <a:avLst/>
@@ -8253,10 +8253,72 @@
               </a:rPr>
               <a:t>)</a:t>
             </a:r>
+          </a:p>
+          <a:p>
+            <a:pPr algn="ctr"/>
+            <a:r>
+              <a:rPr lang="en-US" sz="1800" b="1" dirty="0" smtClean="0">
+                <a:solidFill>
+                  <a:srgbClr val="000080"/>
+                </a:solidFill>
+                <a:latin typeface="Courier"/>
+                <a:cs typeface="Courier"/>
+              </a:rPr>
+              <a:t>throws </a:t>
+            </a:r>
+          </a:p>
+          <a:p>
+            <a:pPr algn="ctr"/>
+            <a:r>
+              <a:rPr lang="en-US" sz="1800" dirty="0" err="1" smtClean="0">
+                <a:solidFill>
+                  <a:srgbClr val="000000"/>
+                </a:solidFill>
+                <a:latin typeface="Courier"/>
+                <a:cs typeface="Courier"/>
+              </a:rPr>
+              <a:t>IndexOutOf</a:t>
+            </a:r>
             <a:endParaRPr lang="en-US" sz="1800" dirty="0" smtClean="0">
+              <a:solidFill>
+                <a:srgbClr val="000000"/>
+              </a:solidFill>
               <a:latin typeface="Courier"/>
               <a:cs typeface="Courier"/>
             </a:endParaRPr>
+          </a:p>
+          <a:p>
+            <a:pPr algn="ctr"/>
+            <a:r>
+              <a:rPr lang="en-US" sz="1800" dirty="0" smtClean="0">
+                <a:solidFill>
+                  <a:srgbClr val="000000"/>
+                </a:solidFill>
+                <a:latin typeface="Courier"/>
+                <a:cs typeface="Courier"/>
+              </a:rPr>
+              <a:t>Bounds</a:t>
+            </a:r>
+          </a:p>
+          <a:p>
+            <a:pPr algn="ctr"/>
+            <a:r>
+              <a:rPr lang="en-US" sz="1800" dirty="0" smtClean="0">
+                <a:solidFill>
+                  <a:srgbClr val="000000"/>
+                </a:solidFill>
+                <a:latin typeface="Courier"/>
+                <a:cs typeface="Courier"/>
+              </a:rPr>
+              <a:t>Exception</a:t>
+            </a:r>
+            <a:r>
+              <a:rPr lang="en-US" sz="1800" dirty="0" smtClean="0">
+                <a:latin typeface="Courier"/>
+                <a:cs typeface="Courier"/>
+              </a:rPr>
+              <a:t> </a:t>
+            </a:r>
           </a:p>
         </p:txBody>
       </p:sp>
@@ -8268,7 +8330,7 @@
         </p:nvSpPr>
         <p:spPr>
           <a:xfrm>
-            <a:off x="4971355" y="3995064"/>
+            <a:off x="5889680" y="4523017"/>
             <a:ext cx="2123974" cy="646331"/>
           </a:xfrm>
           <a:prstGeom prst="rect">
@@ -8381,7 +8443,7 @@
         </p:nvSpPr>
         <p:spPr>
           <a:xfrm>
-            <a:off x="4971355" y="5322311"/>
+            <a:off x="5889680" y="5422194"/>
             <a:ext cx="2123974" cy="646331"/>
           </a:xfrm>
           <a:prstGeom prst="rect">
@@ -8494,7 +8556,7 @@
         </p:nvSpPr>
         <p:spPr>
           <a:xfrm>
-            <a:off x="7281591" y="3109563"/>
+            <a:off x="7438572" y="2681493"/>
             <a:ext cx="1569886" cy="646331"/>
           </a:xfrm>
           <a:prstGeom prst="rect">
@@ -8577,7 +8639,7 @@
         </p:nvSpPr>
         <p:spPr>
           <a:xfrm>
-            <a:off x="7420113" y="3995064"/>
+            <a:off x="7577094" y="3566994"/>
             <a:ext cx="1292842" cy="646331"/>
           </a:xfrm>
           <a:prstGeom prst="rect">
@@ -8633,7 +8695,7 @@
         </p:nvCxnSpPr>
         <p:spPr bwMode="auto">
           <a:xfrm>
-            <a:off x="6966652" y="1673693"/>
+            <a:off x="6951667" y="1502465"/>
             <a:ext cx="0" cy="327451"/>
           </a:xfrm>
           <a:prstGeom prst="straightConnector1">
@@ -8663,8 +8725,8 @@
         </p:nvCxnSpPr>
         <p:spPr bwMode="auto">
           <a:xfrm flipH="1">
-            <a:off x="6033342" y="2647475"/>
-            <a:ext cx="933310" cy="462088"/>
+            <a:off x="6013799" y="2476247"/>
+            <a:ext cx="937868" cy="205246"/>
           </a:xfrm>
           <a:prstGeom prst="straightConnector1">
             <a:avLst/>
@@ -8685,16 +8747,13 @@
       <p:cxnSp>
         <p:nvCxnSpPr>
           <p:cNvPr id="33" name="Straight Arrow Connector 32"/>
-          <p:cNvCxnSpPr>
-            <a:stCxn id="27" idx="2"/>
-            <a:endCxn id="28" idx="0"/>
-          </p:cNvCxnSpPr>
+          <p:cNvCxnSpPr/>
           <p:nvPr/>
         </p:nvCxnSpPr>
         <p:spPr bwMode="auto">
           <a:xfrm>
-            <a:off x="6033342" y="4641395"/>
-            <a:ext cx="0" cy="680916"/>
+            <a:off x="6951667" y="5169348"/>
+            <a:ext cx="0" cy="252846"/>
           </a:xfrm>
           <a:prstGeom prst="straightConnector1">
             <a:avLst/>
@@ -8723,7 +8782,7 @@
         </p:nvCxnSpPr>
         <p:spPr bwMode="auto">
           <a:xfrm>
-            <a:off x="8066534" y="3755894"/>
+            <a:off x="8223515" y="3327824"/>
             <a:ext cx="0" cy="239170"/>
           </a:xfrm>
           <a:prstGeom prst="straightConnector1">
@@ -8746,14 +8805,15 @@
         <p:nvCxnSpPr>
           <p:cNvPr id="35" name="Straight Arrow Connector 34"/>
           <p:cNvCxnSpPr>
+            <a:stCxn id="44" idx="0"/>
             <a:endCxn id="24" idx="0"/>
           </p:cNvCxnSpPr>
           <p:nvPr/>
         </p:nvCxnSpPr>
         <p:spPr bwMode="auto">
-          <a:xfrm>
-            <a:off x="6966652" y="651216"/>
-            <a:ext cx="0" cy="376146"/>
+          <a:xfrm flipH="1">
+            <a:off x="6951667" y="622678"/>
+            <a:ext cx="6015" cy="233456"/>
           </a:xfrm>
           <a:prstGeom prst="straightConnector1">
             <a:avLst/>
@@ -8781,7 +8841,7 @@
         </p:nvCxnSpPr>
         <p:spPr bwMode="auto">
           <a:xfrm>
-            <a:off x="8066534" y="4641395"/>
+            <a:off x="8223515" y="4213325"/>
             <a:ext cx="0" cy="523954"/>
           </a:xfrm>
           <a:prstGeom prst="straightConnector1">
@@ -8811,8 +8871,8 @@
         </p:nvCxnSpPr>
         <p:spPr bwMode="auto">
           <a:xfrm>
-            <a:off x="6966652" y="2647475"/>
-            <a:ext cx="1099882" cy="462088"/>
+            <a:off x="6951667" y="2476247"/>
+            <a:ext cx="1271848" cy="205246"/>
           </a:xfrm>
           <a:prstGeom prst="straightConnector1">
             <a:avLst/>
@@ -8832,121 +8892,13 @@
       </p:cxnSp>
       <p:sp>
         <p:nvSpPr>
-          <p:cNvPr id="38" name="Freeform 37"/>
-          <p:cNvSpPr/>
-          <p:nvPr/>
-        </p:nvSpPr>
-        <p:spPr>
-          <a:xfrm>
-            <a:off x="6037681" y="2668288"/>
-            <a:ext cx="1154177" cy="1369817"/>
-          </a:xfrm>
-          <a:custGeom>
-            <a:avLst/>
-            <a:gdLst>
-              <a:gd name="connsiteX0" fmla="*/ 927600 w 1154177"/>
-              <a:gd name="connsiteY0" fmla="*/ 0 h 1369817"/>
-              <a:gd name="connsiteX1" fmla="*/ 1141662 w 1154177"/>
-              <a:gd name="connsiteY1" fmla="*/ 984556 h 1369817"/>
-              <a:gd name="connsiteX2" fmla="*/ 599372 w 1154177"/>
-              <a:gd name="connsiteY2" fmla="*/ 1241396 h 1369817"/>
-              <a:gd name="connsiteX3" fmla="*/ 0 w 1154177"/>
-              <a:gd name="connsiteY3" fmla="*/ 1369817 h 1369817"/>
-            </a:gdLst>
-            <a:ahLst/>
-            <a:cxnLst>
-              <a:cxn ang="0">
-                <a:pos x="connsiteX0" y="connsiteY0"/>
-              </a:cxn>
-              <a:cxn ang="0">
-                <a:pos x="connsiteX1" y="connsiteY1"/>
-              </a:cxn>
-              <a:cxn ang="0">
-                <a:pos x="connsiteX2" y="connsiteY2"/>
-              </a:cxn>
-              <a:cxn ang="0">
-                <a:pos x="connsiteX3" y="connsiteY3"/>
-              </a:cxn>
-            </a:cxnLst>
-            <a:rect l="l" t="t" r="r" b="b"/>
-            <a:pathLst>
-              <a:path w="1154177" h="1369817">
-                <a:moveTo>
-                  <a:pt x="927600" y="0"/>
-                </a:moveTo>
-                <a:cubicBezTo>
-                  <a:pt x="1061983" y="388828"/>
-                  <a:pt x="1196367" y="777657"/>
-                  <a:pt x="1141662" y="984556"/>
-                </a:cubicBezTo>
-                <a:cubicBezTo>
-                  <a:pt x="1086957" y="1191455"/>
-                  <a:pt x="789649" y="1177186"/>
-                  <a:pt x="599372" y="1241396"/>
-                </a:cubicBezTo>
-                <a:cubicBezTo>
-                  <a:pt x="409095" y="1305606"/>
-                  <a:pt x="0" y="1369817"/>
-                  <a:pt x="0" y="1369817"/>
-                </a:cubicBezTo>
-              </a:path>
-            </a:pathLst>
-          </a:custGeom>
-          <a:ln>
-            <a:solidFill>
-              <a:srgbClr val="000000"/>
-            </a:solidFill>
-            <a:headEnd type="none"/>
-            <a:tailEnd type="arrow"/>
-          </a:ln>
-        </p:spPr>
-        <p:txBody>
-          <a:bodyPr vert="horz" wrap="square" lIns="91440" tIns="45720" rIns="91440" bIns="45720" numCol="1" rtlCol="0" anchor="t" anchorCtr="0" compatLnSpc="1">
-            <a:prstTxWarp prst="textNoShape">
-              <a:avLst/>
-            </a:prstTxWarp>
-            <a:spAutoFit/>
-          </a:bodyPr>
-          <a:lstStyle/>
-          <a:p>
-            <a:pPr marL="0" marR="0" indent="0" algn="ctr" defTabSz="914400" rtl="0" eaLnBrk="1" fontAlgn="base" latinLnBrk="0" hangingPunct="1">
-              <a:lnSpc>
-                <a:spcPct val="100000"/>
-              </a:lnSpc>
-              <a:spcBef>
-                <a:spcPct val="50000"/>
-              </a:spcBef>
-              <a:spcAft>
-                <a:spcPct val="0"/>
-              </a:spcAft>
-              <a:buClrTx/>
-              <a:buSzTx/>
-              <a:buFontTx/>
-              <a:buNone/>
-              <a:tabLst/>
-            </a:pPr>
-            <a:endParaRPr kumimoji="0" lang="en-US" sz="1200" b="0" i="0" u="none" strike="noStrike" cap="none" normalizeH="0" baseline="0" smtClean="0">
-              <a:ln>
-                <a:noFill/>
-              </a:ln>
-              <a:solidFill>
-                <a:schemeClr val="tx1"/>
-              </a:solidFill>
-              <a:effectLst/>
-              <a:latin typeface="Tahoma" pitchFamily="34" charset="0"/>
-            </a:endParaRPr>
-          </a:p>
-        </p:txBody>
-      </p:sp>
-      <p:sp>
-        <p:nvSpPr>
           <p:cNvPr id="39" name="TextBox 38"/>
           <p:cNvSpPr txBox="1"/>
           <p:nvPr/>
         </p:nvSpPr>
         <p:spPr>
           <a:xfrm>
-            <a:off x="6094761" y="2568405"/>
+            <a:off x="5837883" y="2254487"/>
             <a:ext cx="487408" cy="369332"/>
           </a:xfrm>
           <a:prstGeom prst="rect">
@@ -8984,7 +8936,7 @@
         </p:nvSpPr>
         <p:spPr>
           <a:xfrm>
-            <a:off x="6632478" y="2735074"/>
+            <a:off x="6936559" y="4028659"/>
             <a:ext cx="487408" cy="369332"/>
           </a:xfrm>
           <a:prstGeom prst="rect">
@@ -9022,7 +8974,7 @@
         </p:nvSpPr>
         <p:spPr>
           <a:xfrm>
-            <a:off x="7512699" y="2568405"/>
+            <a:off x="7912287" y="2254487"/>
             <a:ext cx="487408" cy="369332"/>
           </a:xfrm>
           <a:prstGeom prst="rect">
@@ -9124,8 +9076,8 @@
         </p:nvSpPr>
         <p:spPr bwMode="auto">
           <a:xfrm>
-            <a:off x="4951961" y="622678"/>
-            <a:ext cx="3999413" cy="5463294"/>
+            <a:off x="4992531" y="622678"/>
+            <a:ext cx="3930301" cy="5463294"/>
           </a:xfrm>
           <a:prstGeom prst="rect">
             <a:avLst/>
@@ -9225,6 +9177,36 @@
           <a:ln w="9525" cap="flat" cmpd="sng" algn="ctr">
             <a:solidFill>
               <a:srgbClr val="C00000"/>
+            </a:solidFill>
+            <a:prstDash val="solid"/>
+            <a:round/>
+            <a:headEnd type="none" w="med" len="med"/>
+            <a:tailEnd type="arrow"/>
+          </a:ln>
+          <a:effectLst/>
+        </p:spPr>
+      </p:cxnSp>
+      <p:cxnSp>
+        <p:nvCxnSpPr>
+          <p:cNvPr id="72" name="Straight Arrow Connector 71"/>
+          <p:cNvCxnSpPr>
+            <a:stCxn id="25" idx="2"/>
+            <a:endCxn id="27" idx="0"/>
+          </p:cNvCxnSpPr>
+          <p:nvPr/>
+        </p:nvCxnSpPr>
+        <p:spPr bwMode="auto">
+          <a:xfrm>
+            <a:off x="6951667" y="2476247"/>
+            <a:ext cx="0" cy="2046770"/>
+          </a:xfrm>
+          <a:prstGeom prst="straightConnector1">
+            <a:avLst/>
+          </a:prstGeom>
+          <a:noFill/>
+          <a:ln w="9525" cap="flat" cmpd="sng" algn="ctr">
+            <a:solidFill>
+              <a:srgbClr val="000000"/>
             </a:solidFill>
             <a:prstDash val="solid"/>
             <a:round/>

--- a/figures/Figures.pptx
+++ b/figures/Figures.pptx
@@ -6744,7 +6744,7 @@
         <p:spPr>
           <a:xfrm>
             <a:off x="613639" y="513676"/>
-            <a:ext cx="3786238" cy="5572296"/>
+            <a:ext cx="4083169" cy="5572296"/>
           </a:xfrm>
           <a:prstGeom prst="rect">
             <a:avLst/>
@@ -6757,7 +6757,7 @@
           </a:bodyPr>
           <a:lstStyle/>
           <a:p>
-            <a:pPr>
+            <a:pPr marL="342900" indent="-342900">
               <a:lnSpc>
                 <a:spcPct val="110000"/>
               </a:lnSpc>
@@ -6767,6 +6767,12 @@
               <a:spcAft>
                 <a:spcPts val="0"/>
               </a:spcAft>
+              <a:buClr>
+                <a:schemeClr val="tx1"/>
+              </a:buClr>
+              <a:buSzPct val="90000"/>
+              <a:buFont typeface="Wingdings" charset="2"/>
+              <a:buAutoNum type="arabicPlain"/>
               <a:tabLst>
                 <a:tab pos="581660" algn="l"/>
                 <a:tab pos="1163320" algn="l"/>
@@ -6787,14 +6793,14 @@
               </a:tabLst>
             </a:pPr>
             <a:r>
-              <a:rPr lang="en-US" sz="1800" b="1" dirty="0">
+              <a:rPr lang="en-US" sz="1800" dirty="0" smtClean="0">
                 <a:solidFill>
                   <a:srgbClr val="008000"/>
                 </a:solidFill>
                 <a:latin typeface="Courier"/>
                 <a:cs typeface="Courier"/>
               </a:rPr>
-              <a:t>/</a:t>
+              <a:t> </a:t>
             </a:r>
             <a:r>
               <a:rPr lang="en-US" sz="1800" b="1" dirty="0" smtClean="0">
@@ -6804,7 +6810,7 @@
                 <a:latin typeface="Courier"/>
                 <a:cs typeface="Courier"/>
               </a:rPr>
-              <a:t>/ </a:t>
+              <a:t>// </a:t>
             </a:r>
             <a:r>
               <a:rPr lang="en-US" sz="1800" b="1" dirty="0" err="1" smtClean="0">
@@ -6828,7 +6834,7 @@
             </a:r>
           </a:p>
           <a:p>
-            <a:pPr>
+            <a:pPr marL="342900" indent="-342900">
               <a:lnSpc>
                 <a:spcPct val="110000"/>
               </a:lnSpc>
@@ -6838,6 +6844,12 @@
               <a:spcAft>
                 <a:spcPts val="0"/>
               </a:spcAft>
+              <a:buClr>
+                <a:schemeClr val="tx1"/>
+              </a:buClr>
+              <a:buSzPct val="90000"/>
+              <a:buFont typeface="Wingdings" charset="2"/>
+              <a:buAutoNum type="arabicPlain"/>
               <a:tabLst>
                 <a:tab pos="581660" algn="l"/>
                 <a:tab pos="1163320" algn="l"/>
@@ -6858,6 +6870,16 @@
               </a:tabLst>
             </a:pPr>
             <a:r>
+              <a:rPr lang="en-US" sz="1800" dirty="0" smtClean="0">
+                <a:solidFill>
+                  <a:srgbClr val="008000"/>
+                </a:solidFill>
+                <a:latin typeface="Courier"/>
+                <a:cs typeface="Courier"/>
+              </a:rPr>
+              <a:t> </a:t>
+            </a:r>
+            <a:r>
               <a:rPr lang="en-US" sz="1800" b="1" dirty="0" smtClean="0">
                 <a:solidFill>
                   <a:srgbClr val="008000"/>
@@ -6876,7 +6898,7 @@
             </a:endParaRPr>
           </a:p>
           <a:p>
-            <a:pPr>
+            <a:pPr marL="342900" indent="-342900">
               <a:lnSpc>
                 <a:spcPct val="110000"/>
               </a:lnSpc>
@@ -6886,6 +6908,12 @@
               <a:spcAft>
                 <a:spcPts val="0"/>
               </a:spcAft>
+              <a:buClr>
+                <a:schemeClr val="tx1"/>
+              </a:buClr>
+              <a:buSzPct val="90000"/>
+              <a:buFont typeface="Wingdings" charset="2"/>
+              <a:buAutoNum type="arabicPlain"/>
               <a:tabLst>
                 <a:tab pos="581660" algn="l"/>
                 <a:tab pos="1163320" algn="l"/>
@@ -6913,7 +6941,7 @@
                 <a:latin typeface="Courier"/>
                 <a:cs typeface="Courier"/>
               </a:rPr>
-              <a:t>List</a:t>
+              <a:t> List</a:t>
             </a:r>
             <a:r>
               <a:rPr lang="en-US" sz="1800" dirty="0">
@@ -6934,7 +6962,7 @@
             </a:endParaRPr>
           </a:p>
           <a:p>
-            <a:pPr>
+            <a:pPr marL="342900" indent="-342900">
               <a:lnSpc>
                 <a:spcPct val="110000"/>
               </a:lnSpc>
@@ -6944,6 +6972,12 @@
               <a:spcAft>
                 <a:spcPts val="0"/>
               </a:spcAft>
+              <a:buClr>
+                <a:schemeClr val="tx1"/>
+              </a:buClr>
+              <a:buSzPct val="90000"/>
+              <a:buFont typeface="Wingdings" charset="2"/>
+              <a:buAutoNum type="arabicPlain"/>
               <a:tabLst>
                 <a:tab pos="581660" algn="l"/>
                 <a:tab pos="1163320" algn="l"/>
@@ -6964,7 +6998,7 @@
               </a:tabLst>
             </a:pPr>
             <a:r>
-              <a:rPr lang="en-US" sz="1800" b="1" dirty="0">
+              <a:rPr lang="en-US" sz="1800" dirty="0">
                 <a:solidFill>
                   <a:srgbClr val="000000"/>
                 </a:solidFill>
@@ -6981,7 +7015,7 @@
                 <a:latin typeface="Courier"/>
                 <a:cs typeface="Courier"/>
               </a:rPr>
-              <a:t> </a:t>
+              <a:t>  </a:t>
             </a:r>
             <a:r>
               <a:rPr lang="en-US" sz="1800" b="1" dirty="0" smtClean="0">
@@ -7031,126 +7065,21 @@
                 <a:latin typeface="Courier"/>
                 <a:cs typeface="Courier"/>
               </a:rPr>
-              <a:t>);</a:t>
-            </a:r>
-            <a:br>
-              <a:rPr lang="en-US" sz="1800" dirty="0">
-                <a:solidFill>
-                  <a:srgbClr val="000000"/>
-                </a:solidFill>
-                <a:latin typeface="Courier"/>
-                <a:cs typeface="Courier"/>
-              </a:rPr>
-            </a:br>
-            <a:r>
-              <a:rPr lang="en-US" sz="1800" dirty="0">
-                <a:solidFill>
-                  <a:srgbClr val="000000"/>
-                </a:solidFill>
-                <a:latin typeface="Courier"/>
-                <a:cs typeface="Courier"/>
-              </a:rPr>
-              <a:t>...</a:t>
-            </a:r>
-            <a:br>
-              <a:rPr lang="en-US" sz="1800" dirty="0">
-                <a:solidFill>
-                  <a:srgbClr val="000000"/>
-                </a:solidFill>
-                <a:latin typeface="Courier"/>
-                <a:cs typeface="Courier"/>
-              </a:rPr>
-            </a:br>
-            <a:r>
-              <a:rPr lang="en-US" sz="1800" b="1" dirty="0">
-                <a:solidFill>
-                  <a:srgbClr val="000080"/>
-                </a:solidFill>
-                <a:latin typeface="Courier"/>
-                <a:cs typeface="Courier"/>
-              </a:rPr>
-              <a:t>for </a:t>
-            </a:r>
-            <a:r>
-              <a:rPr lang="en-US" sz="1800" dirty="0">
-                <a:solidFill>
-                  <a:srgbClr val="000000"/>
-                </a:solidFill>
-                <a:latin typeface="Courier"/>
-                <a:cs typeface="Courier"/>
-              </a:rPr>
-              <a:t>(</a:t>
-            </a:r>
-            <a:r>
-              <a:rPr lang="en-US" sz="1800" b="1" dirty="0" err="1">
-                <a:solidFill>
-                  <a:srgbClr val="000080"/>
-                </a:solidFill>
-                <a:latin typeface="Courier"/>
-                <a:cs typeface="Courier"/>
-              </a:rPr>
-              <a:t>int</a:t>
-            </a:r>
-            <a:r>
-              <a:rPr lang="en-US" sz="1800" b="1" dirty="0">
-                <a:solidFill>
-                  <a:srgbClr val="000080"/>
-                </a:solidFill>
-                <a:latin typeface="Courier"/>
-                <a:cs typeface="Courier"/>
-              </a:rPr>
-              <a:t> </a:t>
-            </a:r>
-            <a:r>
-              <a:rPr lang="en-US" sz="1800" dirty="0" err="1">
-                <a:solidFill>
-                  <a:srgbClr val="000000"/>
-                </a:solidFill>
-                <a:latin typeface="Courier"/>
-                <a:cs typeface="Courier"/>
-              </a:rPr>
-              <a:t>i</a:t>
-            </a:r>
-            <a:r>
-              <a:rPr lang="en-US" sz="1800" dirty="0">
-                <a:solidFill>
-                  <a:srgbClr val="000000"/>
-                </a:solidFill>
-                <a:latin typeface="Courier"/>
-                <a:cs typeface="Courier"/>
-              </a:rPr>
-              <a:t> = </a:t>
-            </a:r>
-            <a:r>
-              <a:rPr lang="en-US" sz="1800" dirty="0">
-                <a:solidFill>
-                  <a:srgbClr val="0000FF"/>
-                </a:solidFill>
-                <a:latin typeface="Courier"/>
-                <a:cs typeface="Courier"/>
-              </a:rPr>
-              <a:t>0</a:t>
-            </a:r>
-            <a:r>
-              <a:rPr lang="en-US" sz="1800" dirty="0">
-                <a:solidFill>
-                  <a:srgbClr val="000000"/>
-                </a:solidFill>
-                <a:latin typeface="Courier"/>
-                <a:cs typeface="Courier"/>
-              </a:rPr>
-              <a:t>; </a:t>
-            </a:r>
-            <a:endParaRPr lang="en-US" sz="1800" dirty="0" smtClean="0">
-              <a:solidFill>
-                <a:srgbClr val="000000"/>
-              </a:solidFill>
-              <a:latin typeface="Courier"/>
-              <a:cs typeface="Courier"/>
-            </a:endParaRPr>
-          </a:p>
-          <a:p>
-            <a:pPr>
+              <a:t>)</a:t>
+            </a:r>
+            <a:r>
+              <a:rPr lang="en-US" sz="1800" dirty="0" smtClean="0">
+                <a:solidFill>
+                  <a:srgbClr val="000000"/>
+                </a:solidFill>
+                <a:latin typeface="Courier"/>
+                <a:cs typeface="Courier"/>
+              </a:rPr>
+              <a:t>;</a:t>
+            </a:r>
+          </a:p>
+          <a:p>
+            <a:pPr marL="342900" indent="-342900">
               <a:lnSpc>
                 <a:spcPct val="110000"/>
               </a:lnSpc>
@@ -7160,6 +7089,12 @@
               <a:spcAft>
                 <a:spcPts val="0"/>
               </a:spcAft>
+              <a:buClr>
+                <a:schemeClr val="tx1"/>
+              </a:buClr>
+              <a:buSzPct val="90000"/>
+              <a:buFont typeface="Wingdings" charset="2"/>
+              <a:buAutoNum type="arabicPlain"/>
               <a:tabLst>
                 <a:tab pos="581660" algn="l"/>
                 <a:tab pos="1163320" algn="l"/>
@@ -7180,16 +7115,6 @@
               </a:tabLst>
             </a:pPr>
             <a:r>
-              <a:rPr lang="en-US" sz="1800" dirty="0">
-                <a:solidFill>
-                  <a:srgbClr val="000000"/>
-                </a:solidFill>
-                <a:latin typeface="Courier"/>
-                <a:cs typeface="Courier"/>
-              </a:rPr>
-              <a:t> </a:t>
-            </a:r>
-            <a:r>
               <a:rPr lang="en-US" sz="1800" dirty="0" smtClean="0">
                 <a:solidFill>
                   <a:srgbClr val="000000"/>
@@ -7197,68 +7122,11 @@
                 <a:latin typeface="Courier"/>
                 <a:cs typeface="Courier"/>
               </a:rPr>
-              <a:t>    </a:t>
-            </a:r>
-            <a:r>
-              <a:rPr lang="en-US" sz="1800" dirty="0" err="1" smtClean="0">
-                <a:solidFill>
-                  <a:srgbClr val="000000"/>
-                </a:solidFill>
-                <a:latin typeface="Courier"/>
-                <a:cs typeface="Courier"/>
-              </a:rPr>
-              <a:t>i</a:t>
-            </a:r>
-            <a:r>
-              <a:rPr lang="en-US" sz="1800" dirty="0" smtClean="0">
-                <a:solidFill>
-                  <a:srgbClr val="000000"/>
-                </a:solidFill>
-                <a:latin typeface="Courier"/>
-                <a:cs typeface="Courier"/>
-              </a:rPr>
-              <a:t> </a:t>
-            </a:r>
-            <a:r>
-              <a:rPr lang="en-US" sz="1800" dirty="0">
-                <a:solidFill>
-                  <a:srgbClr val="000000"/>
-                </a:solidFill>
-                <a:latin typeface="Courier"/>
-                <a:cs typeface="Courier"/>
-              </a:rPr>
-              <a:t>&lt; </a:t>
-            </a:r>
-            <a:r>
-              <a:rPr lang="en-US" sz="1800" dirty="0" err="1">
-                <a:solidFill>
-                  <a:srgbClr val="000000"/>
-                </a:solidFill>
-                <a:latin typeface="Courier"/>
-                <a:cs typeface="Courier"/>
-              </a:rPr>
-              <a:t>list.size</a:t>
-            </a:r>
-            <a:r>
-              <a:rPr lang="en-US" sz="1800" dirty="0">
-                <a:solidFill>
-                  <a:srgbClr val="000000"/>
-                </a:solidFill>
-                <a:latin typeface="Courier"/>
-                <a:cs typeface="Courier"/>
-              </a:rPr>
-              <a:t>(); </a:t>
-            </a:r>
-            <a:endParaRPr lang="en-US" sz="1800" dirty="0" smtClean="0">
-              <a:solidFill>
-                <a:srgbClr val="000000"/>
-              </a:solidFill>
-              <a:latin typeface="Courier"/>
-              <a:cs typeface="Courier"/>
-            </a:endParaRPr>
-          </a:p>
-          <a:p>
-            <a:pPr>
+              <a:t> ...</a:t>
+            </a:r>
+          </a:p>
+          <a:p>
+            <a:pPr marL="342900" indent="-342900">
               <a:lnSpc>
                 <a:spcPct val="110000"/>
               </a:lnSpc>
@@ -7268,6 +7136,12 @@
               <a:spcAft>
                 <a:spcPts val="0"/>
               </a:spcAft>
+              <a:buClr>
+                <a:schemeClr val="tx1"/>
+              </a:buClr>
+              <a:buSzPct val="90000"/>
+              <a:buFont typeface="Wingdings" charset="2"/>
+              <a:buAutoNum type="arabicPlain"/>
               <a:tabLst>
                 <a:tab pos="581660" algn="l"/>
                 <a:tab pos="1163320" algn="l"/>
@@ -7288,6 +7162,26 @@
               </a:tabLst>
             </a:pPr>
             <a:r>
+              <a:rPr lang="en-US" sz="1800" dirty="0" smtClean="0">
+                <a:solidFill>
+                  <a:srgbClr val="000000"/>
+                </a:solidFill>
+                <a:latin typeface="Courier"/>
+                <a:cs typeface="Courier"/>
+              </a:rPr>
+              <a:t> </a:t>
+            </a:r>
+            <a:r>
+              <a:rPr lang="en-US" sz="1800" b="1" dirty="0" smtClean="0">
+                <a:solidFill>
+                  <a:srgbClr val="000080"/>
+                </a:solidFill>
+                <a:latin typeface="Courier"/>
+                <a:cs typeface="Courier"/>
+              </a:rPr>
+              <a:t>for </a:t>
+            </a:r>
+            <a:r>
               <a:rPr lang="en-US" sz="1800" dirty="0">
                 <a:solidFill>
                   <a:srgbClr val="000000"/>
@@ -7295,20 +7189,30 @@
                 <a:latin typeface="Courier"/>
                 <a:cs typeface="Courier"/>
               </a:rPr>
+              <a:t>(</a:t>
+            </a:r>
+            <a:r>
+              <a:rPr lang="en-US" sz="1800" b="1" dirty="0" err="1">
+                <a:solidFill>
+                  <a:srgbClr val="000080"/>
+                </a:solidFill>
+                <a:latin typeface="Courier"/>
+                <a:cs typeface="Courier"/>
+              </a:rPr>
+              <a:t>int</a:t>
+            </a:r>
+            <a:r>
+              <a:rPr lang="en-US" sz="1800" b="1" dirty="0">
+                <a:solidFill>
+                  <a:srgbClr val="000080"/>
+                </a:solidFill>
+                <a:latin typeface="Courier"/>
+                <a:cs typeface="Courier"/>
+              </a:rPr>
               <a:t> </a:t>
             </a:r>
             <a:r>
-              <a:rPr lang="en-US" sz="1800" dirty="0" smtClean="0">
-                <a:solidFill>
-                  <a:srgbClr val="000000"/>
-                </a:solidFill>
-                <a:latin typeface="Courier"/>
-                <a:cs typeface="Courier"/>
-              </a:rPr>
-              <a:t>    </a:t>
-            </a:r>
-            <a:r>
-              <a:rPr lang="en-US" sz="1800" dirty="0" err="1" smtClean="0">
+              <a:rPr lang="en-US" sz="1800" dirty="0" err="1">
                 <a:solidFill>
                   <a:srgbClr val="000000"/>
                 </a:solidFill>
@@ -7325,21 +7229,38 @@
                 <a:latin typeface="Courier"/>
                 <a:cs typeface="Courier"/>
               </a:rPr>
-              <a:t>++) </a:t>
-            </a:r>
-            <a:r>
-              <a:rPr lang="en-US" sz="1800" dirty="0" smtClean="0">
-                <a:solidFill>
-                  <a:srgbClr val="000000"/>
-                </a:solidFill>
-                <a:latin typeface="Courier"/>
-                <a:cs typeface="Courier"/>
-              </a:rPr>
-              <a:t>{</a:t>
-            </a:r>
-          </a:p>
-          <a:p>
-            <a:pPr>
+              <a:t> = </a:t>
+            </a:r>
+            <a:r>
+              <a:rPr lang="en-US" sz="1800" dirty="0">
+                <a:solidFill>
+                  <a:srgbClr val="0000FF"/>
+                </a:solidFill>
+                <a:latin typeface="Courier"/>
+                <a:cs typeface="Courier"/>
+              </a:rPr>
+              <a:t>0</a:t>
+            </a:r>
+            <a:r>
+              <a:rPr lang="en-US" sz="1800" dirty="0">
+                <a:solidFill>
+                  <a:srgbClr val="000000"/>
+                </a:solidFill>
+                <a:latin typeface="Courier"/>
+                <a:cs typeface="Courier"/>
+              </a:rPr>
+              <a:t>; </a:t>
+            </a:r>
+            <a:endParaRPr lang="en-US" sz="1800" dirty="0" smtClean="0">
+              <a:solidFill>
+                <a:srgbClr val="000000"/>
+              </a:solidFill>
+              <a:latin typeface="Courier"/>
+              <a:cs typeface="Courier"/>
+            </a:endParaRPr>
+          </a:p>
+          <a:p>
+            <a:pPr marL="342900" indent="-342900">
               <a:lnSpc>
                 <a:spcPct val="110000"/>
               </a:lnSpc>
@@ -7349,6 +7270,12 @@
               <a:spcAft>
                 <a:spcPts val="0"/>
               </a:spcAft>
+              <a:buClr>
+                <a:schemeClr val="tx1"/>
+              </a:buClr>
+              <a:buSzPct val="90000"/>
+              <a:buFont typeface="Wingdings" charset="2"/>
+              <a:buAutoNum type="arabicPlain"/>
               <a:tabLst>
                 <a:tab pos="581660" algn="l"/>
                 <a:tab pos="1163320" algn="l"/>
@@ -7369,39 +7296,29 @@
               </a:tabLst>
             </a:pPr>
             <a:r>
-              <a:rPr lang="en-US" sz="1800" b="1" dirty="0" smtClean="0">
-                <a:solidFill>
-                  <a:srgbClr val="008000"/>
-                </a:solidFill>
-                <a:latin typeface="Courier"/>
-                <a:cs typeface="Courier"/>
-              </a:rPr>
-              <a:t>// </a:t>
-            </a:r>
-            <a:r>
-              <a:rPr lang="en-US" sz="1800" b="1" dirty="0" err="1" smtClean="0">
-                <a:solidFill>
-                  <a:srgbClr val="008000"/>
-                </a:solidFill>
-                <a:latin typeface="Courier"/>
-                <a:cs typeface="Courier"/>
-              </a:rPr>
-              <a:t>list.get</a:t>
-            </a:r>
-            <a:r>
-              <a:rPr lang="en-US" sz="1800" b="1" dirty="0" smtClean="0">
-                <a:solidFill>
-                  <a:srgbClr val="008000"/>
-                </a:solidFill>
-                <a:latin typeface="Courier"/>
-                <a:cs typeface="Courier"/>
-              </a:rPr>
-              <a:t>(</a:t>
-            </a:r>
-            <a:r>
-              <a:rPr lang="en-US" sz="1800" b="1" dirty="0" err="1" smtClean="0">
-                <a:solidFill>
-                  <a:srgbClr val="008000"/>
+              <a:rPr lang="en-US" sz="1800" dirty="0">
+                <a:solidFill>
+                  <a:srgbClr val="000000"/>
+                </a:solidFill>
+                <a:latin typeface="Courier"/>
+                <a:cs typeface="Courier"/>
+              </a:rPr>
+              <a:t> </a:t>
+            </a:r>
+            <a:r>
+              <a:rPr lang="en-US" sz="1800" dirty="0" smtClean="0">
+                <a:solidFill>
+                  <a:srgbClr val="000000"/>
+                </a:solidFill>
+                <a:latin typeface="Courier"/>
+                <a:cs typeface="Courier"/>
+              </a:rPr>
+              <a:t>     </a:t>
+            </a:r>
+            <a:r>
+              <a:rPr lang="en-US" sz="1800" dirty="0" err="1" smtClean="0">
+                <a:solidFill>
+                  <a:srgbClr val="000000"/>
                 </a:solidFill>
                 <a:latin typeface="Courier"/>
                 <a:cs typeface="Courier"/>
@@ -7409,18 +7326,55 @@
               <a:t>i</a:t>
             </a:r>
             <a:r>
-              <a:rPr lang="en-US" sz="1800" b="1" dirty="0" smtClean="0">
-                <a:solidFill>
-                  <a:srgbClr val="008000"/>
-                </a:solidFill>
-                <a:latin typeface="Courier"/>
-                <a:cs typeface="Courier"/>
-              </a:rPr>
-              <a:t>) returns</a:t>
-            </a:r>
-          </a:p>
-          <a:p>
-            <a:pPr>
+              <a:rPr lang="en-US" sz="1800" dirty="0" smtClean="0">
+                <a:solidFill>
+                  <a:srgbClr val="000000"/>
+                </a:solidFill>
+                <a:latin typeface="Courier"/>
+                <a:cs typeface="Courier"/>
+              </a:rPr>
+              <a:t> </a:t>
+            </a:r>
+            <a:r>
+              <a:rPr lang="en-US" sz="1800" dirty="0">
+                <a:solidFill>
+                  <a:srgbClr val="000000"/>
+                </a:solidFill>
+                <a:latin typeface="Courier"/>
+                <a:cs typeface="Courier"/>
+              </a:rPr>
+              <a:t>&lt; </a:t>
+            </a:r>
+            <a:r>
+              <a:rPr lang="en-US" sz="1800" dirty="0" err="1">
+                <a:solidFill>
+                  <a:srgbClr val="000000"/>
+                </a:solidFill>
+                <a:latin typeface="Courier"/>
+                <a:cs typeface="Courier"/>
+              </a:rPr>
+              <a:t>list.size</a:t>
+            </a:r>
+            <a:r>
+              <a:rPr lang="en-US" sz="1800" dirty="0">
+                <a:solidFill>
+                  <a:srgbClr val="000000"/>
+                </a:solidFill>
+                <a:latin typeface="Courier"/>
+                <a:cs typeface="Courier"/>
+              </a:rPr>
+              <a:t>(); </a:t>
+            </a:r>
+            <a:endParaRPr lang="en-US" sz="1800" dirty="0" smtClean="0">
+              <a:solidFill>
+                <a:srgbClr val="000000"/>
+              </a:solidFill>
+              <a:latin typeface="Courier"/>
+              <a:cs typeface="Courier"/>
+            </a:endParaRPr>
+          </a:p>
+          <a:p>
+            <a:pPr marL="342900" indent="-342900">
               <a:lnSpc>
                 <a:spcPct val="110000"/>
               </a:lnSpc>
@@ -7430,6 +7384,12 @@
               <a:spcAft>
                 <a:spcPts val="0"/>
               </a:spcAft>
+              <a:buClr>
+                <a:schemeClr val="tx1"/>
+              </a:buClr>
+              <a:buSzPct val="90000"/>
+              <a:buFont typeface="Wingdings" charset="2"/>
+              <a:buAutoNum type="arabicPlain"/>
               <a:tabLst>
                 <a:tab pos="581660" algn="l"/>
                 <a:tab pos="1163320" algn="l"/>
@@ -7450,16 +7410,6 @@
               </a:tabLst>
             </a:pPr>
             <a:r>
-              <a:rPr lang="en-US" sz="1800" b="1" dirty="0" smtClean="0">
-                <a:solidFill>
-                  <a:srgbClr val="008000"/>
-                </a:solidFill>
-                <a:latin typeface="Courier"/>
-                <a:cs typeface="Courier"/>
-              </a:rPr>
-              <a:t>// symbolic integer </a:t>
-            </a:r>
-            <a:r>
               <a:rPr lang="en-US" sz="1800" dirty="0">
                 <a:solidFill>
                   <a:srgbClr val="000000"/>
@@ -7467,9 +7417,29 @@
                 <a:latin typeface="Courier"/>
                 <a:cs typeface="Courier"/>
               </a:rPr>
-              <a:t/>
-            </a:r>
-            <a:br>
+              <a:t> </a:t>
+            </a:r>
+            <a:r>
+              <a:rPr lang="en-US" sz="1800" dirty="0" smtClean="0">
+                <a:solidFill>
+                  <a:srgbClr val="000000"/>
+                </a:solidFill>
+                <a:latin typeface="Courier"/>
+                <a:cs typeface="Courier"/>
+              </a:rPr>
+              <a:t>     </a:t>
+            </a:r>
+            <a:r>
+              <a:rPr lang="en-US" sz="1800" dirty="0" err="1" smtClean="0">
+                <a:solidFill>
+                  <a:srgbClr val="000000"/>
+                </a:solidFill>
+                <a:latin typeface="Courier"/>
+                <a:cs typeface="Courier"/>
+              </a:rPr>
+              <a:t>i</a:t>
+            </a:r>
+            <a:r>
               <a:rPr lang="en-US" sz="1800" dirty="0">
                 <a:solidFill>
                   <a:srgbClr val="000000"/>
@@ -7477,87 +7447,21 @@
                 <a:latin typeface="Courier"/>
                 <a:cs typeface="Courier"/>
               </a:rPr>
-            </a:br>
-            <a:r>
-              <a:rPr lang="en-US" sz="1800" dirty="0">
-                <a:solidFill>
-                  <a:srgbClr val="000000"/>
-                </a:solidFill>
-                <a:latin typeface="Courier"/>
-                <a:cs typeface="Courier"/>
-              </a:rPr>
-              <a:t>    </a:t>
-            </a:r>
-            <a:r>
-              <a:rPr lang="en-US" sz="1800" b="1" dirty="0">
-                <a:solidFill>
-                  <a:srgbClr val="000080"/>
-                </a:solidFill>
-                <a:latin typeface="Courier"/>
-                <a:cs typeface="Courier"/>
-              </a:rPr>
-              <a:t>if </a:t>
-            </a:r>
-            <a:r>
-              <a:rPr lang="en-US" sz="1800" dirty="0">
-                <a:solidFill>
-                  <a:srgbClr val="000000"/>
-                </a:solidFill>
-                <a:latin typeface="Courier"/>
-                <a:cs typeface="Courier"/>
-              </a:rPr>
-              <a:t>(i%</a:t>
-            </a:r>
-            <a:r>
-              <a:rPr lang="en-US" sz="1800" dirty="0">
-                <a:solidFill>
-                  <a:srgbClr val="0000FF"/>
-                </a:solidFill>
-                <a:latin typeface="Courier"/>
-                <a:cs typeface="Courier"/>
-              </a:rPr>
-              <a:t>2 </a:t>
-            </a:r>
-            <a:r>
-              <a:rPr lang="en-US" sz="1800" dirty="0">
-                <a:solidFill>
-                  <a:srgbClr val="000000"/>
-                </a:solidFill>
-                <a:latin typeface="Courier"/>
-                <a:cs typeface="Courier"/>
-              </a:rPr>
-              <a:t>== </a:t>
-            </a:r>
-            <a:r>
-              <a:rPr lang="en-US" sz="1800" dirty="0">
-                <a:solidFill>
-                  <a:srgbClr val="0000FF"/>
-                </a:solidFill>
-                <a:latin typeface="Courier"/>
-                <a:cs typeface="Courier"/>
-              </a:rPr>
-              <a:t>0 </a:t>
-            </a:r>
-            <a:r>
-              <a:rPr lang="en-US" sz="1800" dirty="0">
-                <a:solidFill>
-                  <a:srgbClr val="000000"/>
-                </a:solidFill>
-                <a:latin typeface="Courier"/>
-                <a:cs typeface="Courier"/>
-              </a:rPr>
-              <a:t>&amp;&amp; </a:t>
-            </a:r>
-            <a:endParaRPr lang="en-US" sz="1800" dirty="0" smtClean="0">
-              <a:solidFill>
-                <a:srgbClr val="000000"/>
-              </a:solidFill>
-              <a:latin typeface="Courier"/>
-              <a:cs typeface="Courier"/>
-            </a:endParaRPr>
-          </a:p>
-          <a:p>
-            <a:pPr>
+              <a:t>++) </a:t>
+            </a:r>
+            <a:r>
+              <a:rPr lang="en-US" sz="1800" dirty="0" smtClean="0">
+                <a:solidFill>
+                  <a:srgbClr val="000000"/>
+                </a:solidFill>
+                <a:latin typeface="Courier"/>
+                <a:cs typeface="Courier"/>
+              </a:rPr>
+              <a:t>{</a:t>
+            </a:r>
+          </a:p>
+          <a:p>
+            <a:pPr marL="342900" indent="-342900">
               <a:lnSpc>
                 <a:spcPct val="110000"/>
               </a:lnSpc>
@@ -7567,6 +7471,12 @@
               <a:spcAft>
                 <a:spcPts val="0"/>
               </a:spcAft>
+              <a:buClr>
+                <a:schemeClr val="tx1"/>
+              </a:buClr>
+              <a:buSzPct val="90000"/>
+              <a:buFont typeface="Wingdings" charset="2"/>
+              <a:buAutoNum type="arabicPlain"/>
               <a:tabLst>
                 <a:tab pos="581660" algn="l"/>
                 <a:tab pos="1163320" algn="l"/>
@@ -7587,9 +7497,9 @@
               </a:tabLst>
             </a:pPr>
             <a:r>
-              <a:rPr lang="en-US" sz="1800" dirty="0">
-                <a:solidFill>
-                  <a:srgbClr val="000000"/>
+              <a:rPr lang="en-US" sz="1800" dirty="0" smtClean="0">
+                <a:solidFill>
+                  <a:srgbClr val="008000"/>
                 </a:solidFill>
                 <a:latin typeface="Courier"/>
                 <a:cs typeface="Courier"/>
@@ -7597,19 +7507,19 @@
               <a:t> </a:t>
             </a:r>
             <a:r>
-              <a:rPr lang="en-US" sz="1800" dirty="0" smtClean="0">
-                <a:solidFill>
-                  <a:srgbClr val="000000"/>
-                </a:solidFill>
-                <a:latin typeface="Courier"/>
-                <a:cs typeface="Courier"/>
-              </a:rPr>
-              <a:t>       </a:t>
-            </a:r>
-            <a:r>
-              <a:rPr lang="en-US" sz="1800" dirty="0" err="1" smtClean="0">
-                <a:solidFill>
-                  <a:srgbClr val="000000"/>
+              <a:rPr lang="en-US" sz="1800" b="1" dirty="0" smtClean="0">
+                <a:solidFill>
+                  <a:srgbClr val="008000"/>
+                </a:solidFill>
+                <a:latin typeface="Courier"/>
+                <a:cs typeface="Courier"/>
+              </a:rPr>
+              <a:t>// </a:t>
+            </a:r>
+            <a:r>
+              <a:rPr lang="en-US" sz="1800" b="1" dirty="0" err="1" smtClean="0">
+                <a:solidFill>
+                  <a:srgbClr val="008000"/>
                 </a:solidFill>
                 <a:latin typeface="Courier"/>
                 <a:cs typeface="Courier"/>
@@ -7617,9 +7527,9 @@
               <a:t>list.get</a:t>
             </a:r>
             <a:r>
-              <a:rPr lang="en-US" sz="1800" dirty="0">
-                <a:solidFill>
-                  <a:srgbClr val="000000"/>
+              <a:rPr lang="en-US" sz="1800" b="1" dirty="0" smtClean="0">
+                <a:solidFill>
+                  <a:srgbClr val="008000"/>
                 </a:solidFill>
                 <a:latin typeface="Courier"/>
                 <a:cs typeface="Courier"/>
@@ -7627,9 +7537,9 @@
               <a:t>(</a:t>
             </a:r>
             <a:r>
-              <a:rPr lang="en-US" sz="1800" dirty="0" err="1">
-                <a:solidFill>
-                  <a:srgbClr val="000000"/>
+              <a:rPr lang="en-US" sz="1800" b="1" dirty="0" err="1" smtClean="0">
+                <a:solidFill>
+                  <a:srgbClr val="008000"/>
                 </a:solidFill>
                 <a:latin typeface="Courier"/>
                 <a:cs typeface="Courier"/>
@@ -7637,211 +7547,6 @@
               <a:t>i</a:t>
             </a:r>
             <a:r>
-              <a:rPr lang="en-US" sz="1800" dirty="0">
-                <a:solidFill>
-                  <a:srgbClr val="000000"/>
-                </a:solidFill>
-                <a:latin typeface="Courier"/>
-                <a:cs typeface="Courier"/>
-              </a:rPr>
-              <a:t>) == </a:t>
-            </a:r>
-            <a:r>
-              <a:rPr lang="en-US" sz="1800" dirty="0">
-                <a:solidFill>
-                  <a:srgbClr val="0000FF"/>
-                </a:solidFill>
-                <a:latin typeface="Courier"/>
-                <a:cs typeface="Courier"/>
-              </a:rPr>
-              <a:t>42</a:t>
-            </a:r>
-            <a:r>
-              <a:rPr lang="en-US" sz="1800" dirty="0" smtClean="0">
-                <a:solidFill>
-                  <a:srgbClr val="000000"/>
-                </a:solidFill>
-                <a:latin typeface="Courier"/>
-                <a:cs typeface="Courier"/>
-              </a:rPr>
-              <a:t>)</a:t>
-            </a:r>
-            <a:r>
-              <a:rPr lang="en-US" sz="1800" dirty="0">
-                <a:solidFill>
-                  <a:srgbClr val="000000"/>
-                </a:solidFill>
-                <a:latin typeface="Courier"/>
-                <a:cs typeface="Courier"/>
-              </a:rPr>
-              <a:t/>
-            </a:r>
-            <a:br>
-              <a:rPr lang="en-US" sz="1800" dirty="0">
-                <a:solidFill>
-                  <a:srgbClr val="000000"/>
-                </a:solidFill>
-                <a:latin typeface="Courier"/>
-                <a:cs typeface="Courier"/>
-              </a:rPr>
-            </a:br>
-            <a:r>
-              <a:rPr lang="en-US" sz="1800" dirty="0">
-                <a:solidFill>
-                  <a:srgbClr val="000000"/>
-                </a:solidFill>
-                <a:latin typeface="Courier"/>
-                <a:cs typeface="Courier"/>
-              </a:rPr>
-              <a:t>        </a:t>
-            </a:r>
-            <a:r>
-              <a:rPr lang="en-US" sz="1800" b="1" dirty="0">
-                <a:solidFill>
-                  <a:srgbClr val="660E7A"/>
-                </a:solidFill>
-                <a:latin typeface="Courier"/>
-                <a:cs typeface="Courier"/>
-              </a:rPr>
-              <a:t>count</a:t>
-            </a:r>
-            <a:r>
-              <a:rPr lang="en-US" sz="1800" dirty="0">
-                <a:solidFill>
-                  <a:srgbClr val="000000"/>
-                </a:solidFill>
-                <a:latin typeface="Courier"/>
-                <a:cs typeface="Courier"/>
-              </a:rPr>
-              <a:t>++;</a:t>
-            </a:r>
-            <a:br>
-              <a:rPr lang="en-US" sz="1800" dirty="0">
-                <a:solidFill>
-                  <a:srgbClr val="000000"/>
-                </a:solidFill>
-                <a:latin typeface="Courier"/>
-                <a:cs typeface="Courier"/>
-              </a:rPr>
-            </a:br>
-            <a:r>
-              <a:rPr lang="en-US" sz="1800" dirty="0">
-                <a:solidFill>
-                  <a:srgbClr val="000000"/>
-                </a:solidFill>
-                <a:latin typeface="Courier"/>
-                <a:cs typeface="Courier"/>
-              </a:rPr>
-              <a:t>    ...</a:t>
-            </a:r>
-            <a:br>
-              <a:rPr lang="en-US" sz="1800" dirty="0">
-                <a:solidFill>
-                  <a:srgbClr val="000000"/>
-                </a:solidFill>
-                <a:latin typeface="Courier"/>
-                <a:cs typeface="Courier"/>
-              </a:rPr>
-            </a:br>
-            <a:r>
-              <a:rPr lang="en-US" sz="1800" dirty="0">
-                <a:solidFill>
-                  <a:srgbClr val="000000"/>
-                </a:solidFill>
-                <a:latin typeface="Courier"/>
-                <a:cs typeface="Courier"/>
-              </a:rPr>
-              <a:t>}</a:t>
-            </a:r>
-            <a:br>
-              <a:rPr lang="en-US" sz="1800" dirty="0">
-                <a:solidFill>
-                  <a:srgbClr val="000000"/>
-                </a:solidFill>
-                <a:latin typeface="Courier"/>
-                <a:cs typeface="Courier"/>
-              </a:rPr>
-            </a:br>
-            <a:r>
-              <a:rPr lang="en-US" sz="1800" b="1" dirty="0">
-                <a:solidFill>
-                  <a:srgbClr val="000080"/>
-                </a:solidFill>
-                <a:latin typeface="Courier"/>
-                <a:cs typeface="Courier"/>
-              </a:rPr>
-              <a:t>if </a:t>
-            </a:r>
-            <a:r>
-              <a:rPr lang="en-US" sz="1800" dirty="0">
-                <a:solidFill>
-                  <a:srgbClr val="000000"/>
-                </a:solidFill>
-                <a:latin typeface="Courier"/>
-                <a:cs typeface="Courier"/>
-              </a:rPr>
-              <a:t>(</a:t>
-            </a:r>
-            <a:r>
-              <a:rPr lang="en-US" sz="1800" b="1" dirty="0">
-                <a:solidFill>
-                  <a:srgbClr val="660E7A"/>
-                </a:solidFill>
-                <a:latin typeface="Courier"/>
-                <a:cs typeface="Courier"/>
-              </a:rPr>
-              <a:t>count </a:t>
-            </a:r>
-            <a:r>
-              <a:rPr lang="en-US" sz="1800" dirty="0">
-                <a:solidFill>
-                  <a:srgbClr val="000000"/>
-                </a:solidFill>
-                <a:latin typeface="Courier"/>
-                <a:cs typeface="Courier"/>
-              </a:rPr>
-              <a:t>== </a:t>
-            </a:r>
-            <a:r>
-              <a:rPr lang="en-US" sz="1800" dirty="0">
-                <a:solidFill>
-                  <a:srgbClr val="0000FF"/>
-                </a:solidFill>
-                <a:latin typeface="Courier"/>
-                <a:cs typeface="Courier"/>
-              </a:rPr>
-              <a:t>75</a:t>
-            </a:r>
-            <a:r>
-              <a:rPr lang="en-US" sz="1800" dirty="0">
-                <a:solidFill>
-                  <a:srgbClr val="000000"/>
-                </a:solidFill>
-                <a:latin typeface="Courier"/>
-                <a:cs typeface="Courier"/>
-              </a:rPr>
-              <a:t>) {</a:t>
-            </a:r>
-            <a:br>
-              <a:rPr lang="en-US" sz="1800" dirty="0">
-                <a:solidFill>
-                  <a:srgbClr val="000000"/>
-                </a:solidFill>
-                <a:latin typeface="Courier"/>
-                <a:cs typeface="Courier"/>
-              </a:rPr>
-            </a:br>
-            <a:r>
-              <a:rPr lang="en-US" sz="1800" dirty="0">
-                <a:solidFill>
-                  <a:srgbClr val="000000"/>
-                </a:solidFill>
-                <a:latin typeface="Courier"/>
-                <a:cs typeface="Courier"/>
-              </a:rPr>
-              <a:t>    </a:t>
-            </a:r>
-            <a:r>
               <a:rPr lang="en-US" sz="1800" b="1" dirty="0" smtClean="0">
                 <a:solidFill>
                   <a:srgbClr val="008000"/>
@@ -7849,11 +7554,11 @@
                 <a:latin typeface="Courier"/>
                 <a:cs typeface="Courier"/>
               </a:rPr>
-              <a:t>//bug</a:t>
-            </a:r>
-          </a:p>
-          <a:p>
-            <a:pPr>
+              <a:t>) returns</a:t>
+            </a:r>
+          </a:p>
+          <a:p>
+            <a:pPr marL="342900" indent="-342900">
               <a:lnSpc>
                 <a:spcPct val="110000"/>
               </a:lnSpc>
@@ -7863,6 +7568,12 @@
               <a:spcAft>
                 <a:spcPts val="0"/>
               </a:spcAft>
+              <a:buClr>
+                <a:schemeClr val="tx1"/>
+              </a:buClr>
+              <a:buSzPct val="90000"/>
+              <a:buFont typeface="Wingdings" charset="2"/>
+              <a:buAutoNum type="arabicPlain"/>
               <a:tabLst>
                 <a:tab pos="581660" algn="l"/>
                 <a:tab pos="1163320" algn="l"/>
@@ -7885,12 +7596,672 @@
             <a:r>
               <a:rPr lang="en-US" sz="1800" dirty="0" smtClean="0">
                 <a:solidFill>
-                  <a:srgbClr val="000000"/>
-                </a:solidFill>
-                <a:latin typeface="Courier"/>
-                <a:cs typeface="Courier"/>
-              </a:rPr>
-              <a:t>}</a:t>
+                  <a:srgbClr val="008000"/>
+                </a:solidFill>
+                <a:latin typeface="Courier"/>
+                <a:cs typeface="Courier"/>
+              </a:rPr>
+              <a:t> </a:t>
+            </a:r>
+            <a:r>
+              <a:rPr lang="en-US" sz="1800" b="1" dirty="0" smtClean="0">
+                <a:solidFill>
+                  <a:srgbClr val="008000"/>
+                </a:solidFill>
+                <a:latin typeface="Courier"/>
+                <a:cs typeface="Courier"/>
+              </a:rPr>
+              <a:t>// symbolic integer </a:t>
+            </a:r>
+            <a:endParaRPr lang="en-US" sz="1800" dirty="0" smtClean="0">
+              <a:solidFill>
+                <a:srgbClr val="000000"/>
+              </a:solidFill>
+              <a:latin typeface="Courier"/>
+              <a:cs typeface="Courier"/>
+            </a:endParaRPr>
+          </a:p>
+          <a:p>
+            <a:pPr marL="342900" indent="-342900">
+              <a:lnSpc>
+                <a:spcPct val="110000"/>
+              </a:lnSpc>
+              <a:spcBef>
+                <a:spcPts val="0"/>
+              </a:spcBef>
+              <a:spcAft>
+                <a:spcPts val="0"/>
+              </a:spcAft>
+              <a:buClr>
+                <a:schemeClr val="tx1"/>
+              </a:buClr>
+              <a:buSzPct val="90000"/>
+              <a:buFont typeface="Wingdings" charset="2"/>
+              <a:buAutoNum type="arabicPlain"/>
+              <a:tabLst>
+                <a:tab pos="581660" algn="l"/>
+                <a:tab pos="1163320" algn="l"/>
+                <a:tab pos="1744980" algn="l"/>
+                <a:tab pos="2326640" algn="l"/>
+                <a:tab pos="2908300" algn="l"/>
+                <a:tab pos="3489960" algn="l"/>
+                <a:tab pos="4071620" algn="l"/>
+                <a:tab pos="4653280" algn="l"/>
+                <a:tab pos="5234940" algn="l"/>
+                <a:tab pos="5816600" algn="l"/>
+                <a:tab pos="6398260" algn="l"/>
+                <a:tab pos="6979920" algn="l"/>
+                <a:tab pos="7561580" algn="l"/>
+                <a:tab pos="8143240" algn="l"/>
+                <a:tab pos="8724900" algn="l"/>
+                <a:tab pos="9306560" algn="l"/>
+              </a:tabLst>
+            </a:pPr>
+            <a:r>
+              <a:rPr lang="en-US" sz="1800" dirty="0" smtClean="0">
+                <a:solidFill>
+                  <a:srgbClr val="000000"/>
+                </a:solidFill>
+                <a:latin typeface="Courier"/>
+                <a:cs typeface="Courier"/>
+              </a:rPr>
+              <a:t>    </a:t>
+            </a:r>
+            <a:r>
+              <a:rPr lang="en-US" sz="1800" b="1" dirty="0">
+                <a:solidFill>
+                  <a:srgbClr val="000080"/>
+                </a:solidFill>
+                <a:latin typeface="Courier"/>
+                <a:cs typeface="Courier"/>
+              </a:rPr>
+              <a:t>if </a:t>
+            </a:r>
+            <a:r>
+              <a:rPr lang="en-US" sz="1800" dirty="0">
+                <a:solidFill>
+                  <a:srgbClr val="000000"/>
+                </a:solidFill>
+                <a:latin typeface="Courier"/>
+                <a:cs typeface="Courier"/>
+              </a:rPr>
+              <a:t>(i%</a:t>
+            </a:r>
+            <a:r>
+              <a:rPr lang="en-US" sz="1800" dirty="0">
+                <a:solidFill>
+                  <a:srgbClr val="0000FF"/>
+                </a:solidFill>
+                <a:latin typeface="Courier"/>
+                <a:cs typeface="Courier"/>
+              </a:rPr>
+              <a:t>2 </a:t>
+            </a:r>
+            <a:r>
+              <a:rPr lang="en-US" sz="1800" dirty="0">
+                <a:solidFill>
+                  <a:srgbClr val="000000"/>
+                </a:solidFill>
+                <a:latin typeface="Courier"/>
+                <a:cs typeface="Courier"/>
+              </a:rPr>
+              <a:t>== </a:t>
+            </a:r>
+            <a:r>
+              <a:rPr lang="en-US" sz="1800" dirty="0">
+                <a:solidFill>
+                  <a:srgbClr val="0000FF"/>
+                </a:solidFill>
+                <a:latin typeface="Courier"/>
+                <a:cs typeface="Courier"/>
+              </a:rPr>
+              <a:t>0 </a:t>
+            </a:r>
+            <a:r>
+              <a:rPr lang="en-US" sz="1800" dirty="0">
+                <a:solidFill>
+                  <a:srgbClr val="000000"/>
+                </a:solidFill>
+                <a:latin typeface="Courier"/>
+                <a:cs typeface="Courier"/>
+              </a:rPr>
+              <a:t>&amp;&amp; </a:t>
+            </a:r>
+            <a:endParaRPr lang="en-US" sz="1800" dirty="0" smtClean="0">
+              <a:solidFill>
+                <a:srgbClr val="000000"/>
+              </a:solidFill>
+              <a:latin typeface="Courier"/>
+              <a:cs typeface="Courier"/>
+            </a:endParaRPr>
+          </a:p>
+          <a:p>
+            <a:pPr marL="342900" indent="-342900">
+              <a:lnSpc>
+                <a:spcPct val="110000"/>
+              </a:lnSpc>
+              <a:spcBef>
+                <a:spcPts val="0"/>
+              </a:spcBef>
+              <a:spcAft>
+                <a:spcPts val="0"/>
+              </a:spcAft>
+              <a:buClr>
+                <a:schemeClr val="tx1"/>
+              </a:buClr>
+              <a:buSzPct val="90000"/>
+              <a:buFont typeface="Wingdings" charset="2"/>
+              <a:buAutoNum type="arabicPlain"/>
+              <a:tabLst>
+                <a:tab pos="581660" algn="l"/>
+                <a:tab pos="1163320" algn="l"/>
+                <a:tab pos="1744980" algn="l"/>
+                <a:tab pos="2326640" algn="l"/>
+                <a:tab pos="2908300" algn="l"/>
+                <a:tab pos="3489960" algn="l"/>
+                <a:tab pos="4071620" algn="l"/>
+                <a:tab pos="4653280" algn="l"/>
+                <a:tab pos="5234940" algn="l"/>
+                <a:tab pos="5816600" algn="l"/>
+                <a:tab pos="6398260" algn="l"/>
+                <a:tab pos="6979920" algn="l"/>
+                <a:tab pos="7561580" algn="l"/>
+                <a:tab pos="8143240" algn="l"/>
+                <a:tab pos="8724900" algn="l"/>
+                <a:tab pos="9306560" algn="l"/>
+              </a:tabLst>
+            </a:pPr>
+            <a:r>
+              <a:rPr lang="en-US" sz="1800" dirty="0">
+                <a:solidFill>
+                  <a:srgbClr val="000000"/>
+                </a:solidFill>
+                <a:latin typeface="Courier"/>
+                <a:cs typeface="Courier"/>
+              </a:rPr>
+              <a:t> </a:t>
+            </a:r>
+            <a:r>
+              <a:rPr lang="en-US" sz="1800" dirty="0" smtClean="0">
+                <a:solidFill>
+                  <a:srgbClr val="000000"/>
+                </a:solidFill>
+                <a:latin typeface="Courier"/>
+                <a:cs typeface="Courier"/>
+              </a:rPr>
+              <a:t>       </a:t>
+            </a:r>
+            <a:r>
+              <a:rPr lang="en-US" sz="1800" dirty="0" err="1" smtClean="0">
+                <a:solidFill>
+                  <a:srgbClr val="000000"/>
+                </a:solidFill>
+                <a:latin typeface="Courier"/>
+                <a:cs typeface="Courier"/>
+              </a:rPr>
+              <a:t>list.get</a:t>
+            </a:r>
+            <a:r>
+              <a:rPr lang="en-US" sz="1800" dirty="0">
+                <a:solidFill>
+                  <a:srgbClr val="000000"/>
+                </a:solidFill>
+                <a:latin typeface="Courier"/>
+                <a:cs typeface="Courier"/>
+              </a:rPr>
+              <a:t>(</a:t>
+            </a:r>
+            <a:r>
+              <a:rPr lang="en-US" sz="1800" dirty="0" err="1">
+                <a:solidFill>
+                  <a:srgbClr val="000000"/>
+                </a:solidFill>
+                <a:latin typeface="Courier"/>
+                <a:cs typeface="Courier"/>
+              </a:rPr>
+              <a:t>i</a:t>
+            </a:r>
+            <a:r>
+              <a:rPr lang="en-US" sz="1800" dirty="0">
+                <a:solidFill>
+                  <a:srgbClr val="000000"/>
+                </a:solidFill>
+                <a:latin typeface="Courier"/>
+                <a:cs typeface="Courier"/>
+              </a:rPr>
+              <a:t>) == </a:t>
+            </a:r>
+            <a:r>
+              <a:rPr lang="en-US" sz="1800" dirty="0">
+                <a:solidFill>
+                  <a:srgbClr val="0000FF"/>
+                </a:solidFill>
+                <a:latin typeface="Courier"/>
+                <a:cs typeface="Courier"/>
+              </a:rPr>
+              <a:t>42</a:t>
+            </a:r>
+            <a:r>
+              <a:rPr lang="en-US" sz="1800" dirty="0" smtClean="0">
+                <a:solidFill>
+                  <a:srgbClr val="000000"/>
+                </a:solidFill>
+                <a:latin typeface="Courier"/>
+                <a:cs typeface="Courier"/>
+              </a:rPr>
+              <a:t>)</a:t>
+            </a:r>
+          </a:p>
+          <a:p>
+            <a:pPr marL="342900" indent="-342900">
+              <a:lnSpc>
+                <a:spcPct val="110000"/>
+              </a:lnSpc>
+              <a:spcBef>
+                <a:spcPts val="0"/>
+              </a:spcBef>
+              <a:spcAft>
+                <a:spcPts val="0"/>
+              </a:spcAft>
+              <a:buClr>
+                <a:schemeClr val="tx1"/>
+              </a:buClr>
+              <a:buSzPct val="90000"/>
+              <a:buFont typeface="Wingdings" charset="2"/>
+              <a:buAutoNum type="arabicPlain"/>
+              <a:tabLst>
+                <a:tab pos="581660" algn="l"/>
+                <a:tab pos="1163320" algn="l"/>
+                <a:tab pos="1744980" algn="l"/>
+                <a:tab pos="2326640" algn="l"/>
+                <a:tab pos="2908300" algn="l"/>
+                <a:tab pos="3489960" algn="l"/>
+                <a:tab pos="4071620" algn="l"/>
+                <a:tab pos="4653280" algn="l"/>
+                <a:tab pos="5234940" algn="l"/>
+                <a:tab pos="5816600" algn="l"/>
+                <a:tab pos="6398260" algn="l"/>
+                <a:tab pos="6979920" algn="l"/>
+                <a:tab pos="7561580" algn="l"/>
+                <a:tab pos="8143240" algn="l"/>
+                <a:tab pos="8724900" algn="l"/>
+                <a:tab pos="9306560" algn="l"/>
+              </a:tabLst>
+            </a:pPr>
+            <a:r>
+              <a:rPr lang="en-US" sz="1800" dirty="0" smtClean="0">
+                <a:solidFill>
+                  <a:srgbClr val="000000"/>
+                </a:solidFill>
+                <a:latin typeface="Courier"/>
+                <a:cs typeface="Courier"/>
+              </a:rPr>
+              <a:t>        </a:t>
+            </a:r>
+            <a:r>
+              <a:rPr lang="en-US" sz="1800" b="1" dirty="0">
+                <a:solidFill>
+                  <a:srgbClr val="660E7A"/>
+                </a:solidFill>
+                <a:latin typeface="Courier"/>
+                <a:cs typeface="Courier"/>
+              </a:rPr>
+              <a:t>count</a:t>
+            </a:r>
+            <a:r>
+              <a:rPr lang="en-US" sz="1800" dirty="0">
+                <a:solidFill>
+                  <a:srgbClr val="000000"/>
+                </a:solidFill>
+                <a:latin typeface="Courier"/>
+                <a:cs typeface="Courier"/>
+              </a:rPr>
+              <a:t>++</a:t>
+            </a:r>
+            <a:r>
+              <a:rPr lang="en-US" sz="1800" dirty="0" smtClean="0">
+                <a:solidFill>
+                  <a:srgbClr val="000000"/>
+                </a:solidFill>
+                <a:latin typeface="Courier"/>
+                <a:cs typeface="Courier"/>
+              </a:rPr>
+              <a:t>;</a:t>
+            </a:r>
+          </a:p>
+          <a:p>
+            <a:pPr marL="342900" indent="-342900">
+              <a:lnSpc>
+                <a:spcPct val="110000"/>
+              </a:lnSpc>
+              <a:spcBef>
+                <a:spcPts val="0"/>
+              </a:spcBef>
+              <a:spcAft>
+                <a:spcPts val="0"/>
+              </a:spcAft>
+              <a:buClr>
+                <a:schemeClr val="tx1"/>
+              </a:buClr>
+              <a:buSzPct val="90000"/>
+              <a:buFont typeface="Wingdings" charset="2"/>
+              <a:buAutoNum type="arabicPlain"/>
+              <a:tabLst>
+                <a:tab pos="581660" algn="l"/>
+                <a:tab pos="1163320" algn="l"/>
+                <a:tab pos="1744980" algn="l"/>
+                <a:tab pos="2326640" algn="l"/>
+                <a:tab pos="2908300" algn="l"/>
+                <a:tab pos="3489960" algn="l"/>
+                <a:tab pos="4071620" algn="l"/>
+                <a:tab pos="4653280" algn="l"/>
+                <a:tab pos="5234940" algn="l"/>
+                <a:tab pos="5816600" algn="l"/>
+                <a:tab pos="6398260" algn="l"/>
+                <a:tab pos="6979920" algn="l"/>
+                <a:tab pos="7561580" algn="l"/>
+                <a:tab pos="8143240" algn="l"/>
+                <a:tab pos="8724900" algn="l"/>
+                <a:tab pos="9306560" algn="l"/>
+              </a:tabLst>
+            </a:pPr>
+            <a:r>
+              <a:rPr lang="en-US" sz="1800" dirty="0" smtClean="0">
+                <a:solidFill>
+                  <a:srgbClr val="000000"/>
+                </a:solidFill>
+                <a:latin typeface="Courier"/>
+                <a:cs typeface="Courier"/>
+              </a:rPr>
+              <a:t>    </a:t>
+            </a:r>
+            <a:r>
+              <a:rPr lang="en-US" sz="1800" dirty="0">
+                <a:solidFill>
+                  <a:srgbClr val="000000"/>
+                </a:solidFill>
+                <a:latin typeface="Courier"/>
+                <a:cs typeface="Courier"/>
+              </a:rPr>
+              <a:t>...</a:t>
+            </a:r>
+            <a:r>
+              <a:rPr lang="en-US" sz="1800" dirty="0" smtClean="0">
+                <a:solidFill>
+                  <a:srgbClr val="000000"/>
+                </a:solidFill>
+                <a:latin typeface="Courier"/>
+                <a:cs typeface="Courier"/>
+              </a:rPr>
+              <a:t> </a:t>
+            </a:r>
+          </a:p>
+          <a:p>
+            <a:pPr marL="342900" indent="-342900">
+              <a:lnSpc>
+                <a:spcPct val="110000"/>
+              </a:lnSpc>
+              <a:spcBef>
+                <a:spcPts val="0"/>
+              </a:spcBef>
+              <a:spcAft>
+                <a:spcPts val="0"/>
+              </a:spcAft>
+              <a:buClr>
+                <a:schemeClr val="tx1"/>
+              </a:buClr>
+              <a:buSzPct val="90000"/>
+              <a:buFont typeface="Wingdings" charset="2"/>
+              <a:buAutoNum type="arabicPlain"/>
+              <a:tabLst>
+                <a:tab pos="581660" algn="l"/>
+                <a:tab pos="1163320" algn="l"/>
+                <a:tab pos="1744980" algn="l"/>
+                <a:tab pos="2326640" algn="l"/>
+                <a:tab pos="2908300" algn="l"/>
+                <a:tab pos="3489960" algn="l"/>
+                <a:tab pos="4071620" algn="l"/>
+                <a:tab pos="4653280" algn="l"/>
+                <a:tab pos="5234940" algn="l"/>
+                <a:tab pos="5816600" algn="l"/>
+                <a:tab pos="6398260" algn="l"/>
+                <a:tab pos="6979920" algn="l"/>
+                <a:tab pos="7561580" algn="l"/>
+                <a:tab pos="8143240" algn="l"/>
+                <a:tab pos="8724900" algn="l"/>
+                <a:tab pos="9306560" algn="l"/>
+              </a:tabLst>
+            </a:pPr>
+            <a:r>
+              <a:rPr lang="en-US" sz="1800" dirty="0" smtClean="0">
+                <a:solidFill>
+                  <a:srgbClr val="000000"/>
+                </a:solidFill>
+                <a:latin typeface="Courier"/>
+                <a:cs typeface="Courier"/>
+              </a:rPr>
+              <a:t> }</a:t>
+            </a:r>
+          </a:p>
+          <a:p>
+            <a:pPr marL="342900" indent="-342900">
+              <a:lnSpc>
+                <a:spcPct val="110000"/>
+              </a:lnSpc>
+              <a:spcBef>
+                <a:spcPts val="0"/>
+              </a:spcBef>
+              <a:spcAft>
+                <a:spcPts val="0"/>
+              </a:spcAft>
+              <a:buClr>
+                <a:schemeClr val="tx1"/>
+              </a:buClr>
+              <a:buSzPct val="90000"/>
+              <a:buFont typeface="Wingdings" charset="2"/>
+              <a:buAutoNum type="arabicPlain"/>
+              <a:tabLst>
+                <a:tab pos="581660" algn="l"/>
+                <a:tab pos="1163320" algn="l"/>
+                <a:tab pos="1744980" algn="l"/>
+                <a:tab pos="2326640" algn="l"/>
+                <a:tab pos="2908300" algn="l"/>
+                <a:tab pos="3489960" algn="l"/>
+                <a:tab pos="4071620" algn="l"/>
+                <a:tab pos="4653280" algn="l"/>
+                <a:tab pos="5234940" algn="l"/>
+                <a:tab pos="5816600" algn="l"/>
+                <a:tab pos="6398260" algn="l"/>
+                <a:tab pos="6979920" algn="l"/>
+                <a:tab pos="7561580" algn="l"/>
+                <a:tab pos="8143240" algn="l"/>
+                <a:tab pos="8724900" algn="l"/>
+                <a:tab pos="9306560" algn="l"/>
+              </a:tabLst>
+            </a:pPr>
+            <a:r>
+              <a:rPr lang="en-US" sz="1800" dirty="0" smtClean="0">
+                <a:solidFill>
+                  <a:srgbClr val="000080"/>
+                </a:solidFill>
+                <a:latin typeface="Courier"/>
+                <a:cs typeface="Courier"/>
+              </a:rPr>
+              <a:t> </a:t>
+            </a:r>
+            <a:r>
+              <a:rPr lang="en-US" sz="1800" b="1" dirty="0" smtClean="0">
+                <a:solidFill>
+                  <a:srgbClr val="000080"/>
+                </a:solidFill>
+                <a:latin typeface="Courier"/>
+                <a:cs typeface="Courier"/>
+              </a:rPr>
+              <a:t>if </a:t>
+            </a:r>
+            <a:r>
+              <a:rPr lang="en-US" sz="1800" dirty="0">
+                <a:solidFill>
+                  <a:srgbClr val="000000"/>
+                </a:solidFill>
+                <a:latin typeface="Courier"/>
+                <a:cs typeface="Courier"/>
+              </a:rPr>
+              <a:t>(</a:t>
+            </a:r>
+            <a:r>
+              <a:rPr lang="en-US" sz="1800" b="1" dirty="0">
+                <a:solidFill>
+                  <a:srgbClr val="660E7A"/>
+                </a:solidFill>
+                <a:latin typeface="Courier"/>
+                <a:cs typeface="Courier"/>
+              </a:rPr>
+              <a:t>count </a:t>
+            </a:r>
+            <a:r>
+              <a:rPr lang="en-US" sz="1800" dirty="0">
+                <a:solidFill>
+                  <a:srgbClr val="000000"/>
+                </a:solidFill>
+                <a:latin typeface="Courier"/>
+                <a:cs typeface="Courier"/>
+              </a:rPr>
+              <a:t>== </a:t>
+            </a:r>
+            <a:r>
+              <a:rPr lang="en-US" sz="1800" dirty="0">
+                <a:solidFill>
+                  <a:srgbClr val="0000FF"/>
+                </a:solidFill>
+                <a:latin typeface="Courier"/>
+                <a:cs typeface="Courier"/>
+              </a:rPr>
+              <a:t>75</a:t>
+            </a:r>
+            <a:r>
+              <a:rPr lang="en-US" sz="1800" dirty="0">
+                <a:solidFill>
+                  <a:srgbClr val="000000"/>
+                </a:solidFill>
+                <a:latin typeface="Courier"/>
+                <a:cs typeface="Courier"/>
+              </a:rPr>
+              <a:t>) </a:t>
+            </a:r>
+            <a:r>
+              <a:rPr lang="en-US" sz="1800" dirty="0" smtClean="0">
+                <a:solidFill>
+                  <a:srgbClr val="000000"/>
+                </a:solidFill>
+                <a:latin typeface="Courier"/>
+                <a:cs typeface="Courier"/>
+              </a:rPr>
+              <a:t>{</a:t>
+            </a:r>
+          </a:p>
+          <a:p>
+            <a:pPr marL="342900" indent="-342900">
+              <a:lnSpc>
+                <a:spcPct val="110000"/>
+              </a:lnSpc>
+              <a:spcBef>
+                <a:spcPts val="0"/>
+              </a:spcBef>
+              <a:spcAft>
+                <a:spcPts val="0"/>
+              </a:spcAft>
+              <a:buClr>
+                <a:schemeClr val="tx1"/>
+              </a:buClr>
+              <a:buSzPct val="90000"/>
+              <a:buFont typeface="Wingdings" charset="2"/>
+              <a:buAutoNum type="arabicPlain"/>
+              <a:tabLst>
+                <a:tab pos="581660" algn="l"/>
+                <a:tab pos="1163320" algn="l"/>
+                <a:tab pos="1744980" algn="l"/>
+                <a:tab pos="2326640" algn="l"/>
+                <a:tab pos="2908300" algn="l"/>
+                <a:tab pos="3489960" algn="l"/>
+                <a:tab pos="4071620" algn="l"/>
+                <a:tab pos="4653280" algn="l"/>
+                <a:tab pos="5234940" algn="l"/>
+                <a:tab pos="5816600" algn="l"/>
+                <a:tab pos="6398260" algn="l"/>
+                <a:tab pos="6979920" algn="l"/>
+                <a:tab pos="7561580" algn="l"/>
+                <a:tab pos="8143240" algn="l"/>
+                <a:tab pos="8724900" algn="l"/>
+                <a:tab pos="9306560" algn="l"/>
+              </a:tabLst>
+            </a:pPr>
+            <a:r>
+              <a:rPr lang="en-US" sz="1800" dirty="0" smtClean="0">
+                <a:solidFill>
+                  <a:srgbClr val="000000"/>
+                </a:solidFill>
+                <a:latin typeface="Courier"/>
+                <a:cs typeface="Courier"/>
+              </a:rPr>
+              <a:t>    </a:t>
+            </a:r>
+            <a:r>
+              <a:rPr lang="en-US" sz="1800" b="1" dirty="0" smtClean="0">
+                <a:solidFill>
+                  <a:srgbClr val="008000"/>
+                </a:solidFill>
+                <a:latin typeface="Courier"/>
+                <a:cs typeface="Courier"/>
+              </a:rPr>
+              <a:t>//bug</a:t>
+            </a:r>
+          </a:p>
+          <a:p>
+            <a:pPr marL="342900" indent="-342900">
+              <a:lnSpc>
+                <a:spcPct val="110000"/>
+              </a:lnSpc>
+              <a:spcBef>
+                <a:spcPts val="0"/>
+              </a:spcBef>
+              <a:spcAft>
+                <a:spcPts val="0"/>
+              </a:spcAft>
+              <a:buClr>
+                <a:schemeClr val="tx1"/>
+              </a:buClr>
+              <a:buSzPct val="90000"/>
+              <a:buFont typeface="Wingdings" charset="2"/>
+              <a:buAutoNum type="arabicPlain"/>
+              <a:tabLst>
+                <a:tab pos="581660" algn="l"/>
+                <a:tab pos="1163320" algn="l"/>
+                <a:tab pos="1744980" algn="l"/>
+                <a:tab pos="2326640" algn="l"/>
+                <a:tab pos="2908300" algn="l"/>
+                <a:tab pos="3489960" algn="l"/>
+                <a:tab pos="4071620" algn="l"/>
+                <a:tab pos="4653280" algn="l"/>
+                <a:tab pos="5234940" algn="l"/>
+                <a:tab pos="5816600" algn="l"/>
+                <a:tab pos="6398260" algn="l"/>
+                <a:tab pos="6979920" algn="l"/>
+                <a:tab pos="7561580" algn="l"/>
+                <a:tab pos="8143240" algn="l"/>
+                <a:tab pos="8724900" algn="l"/>
+                <a:tab pos="9306560" algn="l"/>
+              </a:tabLst>
+            </a:pPr>
+            <a:r>
+              <a:rPr lang="en-US" sz="1800" dirty="0" smtClean="0">
+                <a:solidFill>
+                  <a:srgbClr val="000000"/>
+                </a:solidFill>
+                <a:latin typeface="Courier"/>
+                <a:cs typeface="Courier"/>
+              </a:rPr>
+              <a:t> }</a:t>
             </a:r>
             <a:r>
               <a:rPr lang="en-US" sz="1800" dirty="0" smtClean="0">
@@ -9012,7 +9383,7 @@
         </p:nvSpPr>
         <p:spPr bwMode="auto">
           <a:xfrm>
-            <a:off x="1655411" y="3866643"/>
+            <a:off x="1983644" y="3866643"/>
             <a:ext cx="1741033" cy="399764"/>
           </a:xfrm>
           <a:prstGeom prst="rect">
@@ -9140,8 +9511,8 @@
         </p:nvCxnSpPr>
         <p:spPr bwMode="auto">
           <a:xfrm flipV="1">
-            <a:off x="3396444" y="651216"/>
-            <a:ext cx="1574911" cy="3215428"/>
+            <a:off x="3724677" y="651216"/>
+            <a:ext cx="1246678" cy="3215428"/>
           </a:xfrm>
           <a:prstGeom prst="straightConnector1">
             <a:avLst/>
@@ -9167,8 +9538,8 @@
         </p:nvCxnSpPr>
         <p:spPr bwMode="auto">
           <a:xfrm>
-            <a:off x="3396444" y="4266407"/>
-            <a:ext cx="1574911" cy="1702235"/>
+            <a:off x="3724677" y="4266407"/>
+            <a:ext cx="1246678" cy="1702235"/>
           </a:xfrm>
           <a:prstGeom prst="straightConnector1">
             <a:avLst/>

--- a/figures/Figures.pptx
+++ b/figures/Figures.pptx
@@ -8,6 +8,7 @@
     <p:sldId id="257" r:id="rId2"/>
     <p:sldId id="258" r:id="rId3"/>
     <p:sldId id="259" r:id="rId4"/>
+    <p:sldId id="260" r:id="rId5"/>
   </p:sldIdLst>
   <p:sldSz cx="9144000" cy="6858000" type="letter"/>
   <p:notesSz cx="9601200" cy="7315200"/>
@@ -138,7 +139,7 @@
   </p:defaultTextStyle>
   <p:extLst>
     <p:ext uri="{EFAFB233-063F-42B5-8137-9DF3F51BA10A}">
-      <p15:sldGuideLst xmlns:p15="http://schemas.microsoft.com/office/powerpoint/2012/main" xmlns="">
+      <p15:sldGuideLst xmlns="" xmlns:p15="http://schemas.microsoft.com/office/powerpoint/2012/main">
         <p15:guide id="1" orient="horz" pos="2160">
           <p15:clr>
             <a:srgbClr val="A4A3A4"/>
@@ -3507,7 +3508,6 @@
               <a:rPr lang="en-US" altLang="ko-KR" smtClean="0"/>
               <a:t>Click to edit Master title style</a:t>
             </a:r>
-            <a:endParaRPr lang="en-US" altLang="ko-KR" smtClean="0"/>
           </a:p>
         </p:txBody>
       </p:sp>
@@ -3594,7 +3594,6 @@
               <a:rPr lang="en-US" altLang="ko-KR" smtClean="0"/>
               <a:t>Fifth level</a:t>
             </a:r>
-            <a:endParaRPr lang="en-US" altLang="ko-KR" smtClean="0"/>
           </a:p>
         </p:txBody>
       </p:sp>
@@ -9591,6 +9590,1273 @@
     <p:extLst>
       <p:ext uri="{BB962C8B-B14F-4D97-AF65-F5344CB8AC3E}">
         <p14:creationId xmlns:p14="http://schemas.microsoft.com/office/powerpoint/2010/main" val="5467138"/>
+      </p:ext>
+    </p:extLst>
+  </p:cSld>
+  <p:clrMapOvr>
+    <a:masterClrMapping/>
+  </p:clrMapOvr>
+  <p:transition xmlns:p14="http://schemas.microsoft.com/office/powerpoint/2010/main">
+    <p:fade/>
+  </p:transition>
+</p:sld>
+</file>
+
+<file path=ppt/slides/slide4.xml><?xml version="1.0" encoding="utf-8"?>
+<p:sld xmlns:a="http://schemas.openxmlformats.org/drawingml/2006/main" xmlns:r="http://schemas.openxmlformats.org/officeDocument/2006/relationships" xmlns:p="http://schemas.openxmlformats.org/presentationml/2006/main">
+  <p:cSld>
+    <p:spTree>
+      <p:nvGrpSpPr>
+        <p:cNvPr id="1" name=""/>
+        <p:cNvGrpSpPr/>
+        <p:nvPr/>
+      </p:nvGrpSpPr>
+      <p:grpSpPr>
+        <a:xfrm>
+          <a:off x="0" y="0"/>
+          <a:ext cx="0" cy="0"/>
+          <a:chOff x="0" y="0"/>
+          <a:chExt cx="0" cy="0"/>
+        </a:xfrm>
+      </p:grpSpPr>
+      <p:sp>
+        <p:nvSpPr>
+          <p:cNvPr id="4" name="Slide Number Placeholder 3"/>
+          <p:cNvSpPr>
+            <a:spLocks noGrp="1"/>
+          </p:cNvSpPr>
+          <p:nvPr>
+            <p:ph type="sldNum" sz="quarter" idx="10"/>
+          </p:nvPr>
+        </p:nvSpPr>
+        <p:spPr/>
+        <p:txBody>
+          <a:bodyPr/>
+          <a:lstStyle/>
+          <a:p>
+            <a:pPr>
+              <a:defRPr/>
+            </a:pPr>
+            <a:fld id="{04115896-62BD-42FA-A8CE-89F8BA03C882}" type="slidenum">
+              <a:rPr lang="ko-KR" altLang="en-US" smtClean="0"/>
+              <a:pPr>
+                <a:defRPr/>
+              </a:pPr>
+              <a:t>4</a:t>
+            </a:fld>
+            <a:endParaRPr lang="en-US" altLang="ko-KR" dirty="0"/>
+          </a:p>
+        </p:txBody>
+      </p:sp>
+      <p:sp>
+        <p:nvSpPr>
+          <p:cNvPr id="5" name="TextBox 4"/>
+          <p:cNvSpPr txBox="1"/>
+          <p:nvPr/>
+        </p:nvSpPr>
+        <p:spPr>
+          <a:xfrm>
+            <a:off x="770627" y="1813389"/>
+            <a:ext cx="1556836" cy="646331"/>
+          </a:xfrm>
+          <a:prstGeom prst="rect">
+            <a:avLst/>
+          </a:prstGeom>
+          <a:ln w="6350" cmpd="sng"/>
+        </p:spPr>
+        <p:style>
+          <a:lnRef idx="2">
+            <a:schemeClr val="dk1"/>
+          </a:lnRef>
+          <a:fillRef idx="1">
+            <a:schemeClr val="lt1"/>
+          </a:fillRef>
+          <a:effectRef idx="0">
+            <a:schemeClr val="dk1"/>
+          </a:effectRef>
+          <a:fontRef idx="minor">
+            <a:schemeClr val="dk1"/>
+          </a:fontRef>
+        </p:style>
+        <p:txBody>
+          <a:bodyPr wrap="none" rtlCol="0">
+            <a:spAutoFit/>
+          </a:bodyPr>
+          <a:lstStyle/>
+          <a:p>
+            <a:r>
+              <a:rPr lang="en-US" sz="1800" dirty="0" smtClean="0">
+                <a:latin typeface="Times New Roman"/>
+                <a:cs typeface="Times New Roman"/>
+              </a:rPr>
+              <a:t>static</a:t>
+            </a:r>
+          </a:p>
+          <a:p>
+            <a:r>
+              <a:rPr lang="en-US" sz="1800" dirty="0" smtClean="0">
+                <a:latin typeface="Times New Roman"/>
+                <a:cs typeface="Times New Roman"/>
+              </a:rPr>
+              <a:t>summarization</a:t>
+            </a:r>
+            <a:endParaRPr lang="en-US" sz="1800" dirty="0">
+              <a:latin typeface="Times New Roman"/>
+              <a:cs typeface="Times New Roman"/>
+            </a:endParaRPr>
+          </a:p>
+        </p:txBody>
+      </p:sp>
+      <p:sp>
+        <p:nvSpPr>
+          <p:cNvPr id="6" name="TextBox 5"/>
+          <p:cNvSpPr txBox="1"/>
+          <p:nvPr/>
+        </p:nvSpPr>
+        <p:spPr>
+          <a:xfrm>
+            <a:off x="3253783" y="1536390"/>
+            <a:ext cx="1069198" cy="1200329"/>
+          </a:xfrm>
+          <a:prstGeom prst="rect">
+            <a:avLst/>
+          </a:prstGeom>
+          <a:ln w="6350" cmpd="sng"/>
+        </p:spPr>
+        <p:style>
+          <a:lnRef idx="2">
+            <a:schemeClr val="dk1"/>
+          </a:lnRef>
+          <a:fillRef idx="1">
+            <a:schemeClr val="lt1"/>
+          </a:fillRef>
+          <a:effectRef idx="0">
+            <a:schemeClr val="dk1"/>
+          </a:effectRef>
+          <a:fontRef idx="minor">
+            <a:schemeClr val="dk1"/>
+          </a:fontRef>
+        </p:style>
+        <p:txBody>
+          <a:bodyPr wrap="none" rtlCol="0">
+            <a:spAutoFit/>
+          </a:bodyPr>
+          <a:lstStyle/>
+          <a:p>
+            <a:r>
+              <a:rPr lang="en-US" sz="1800" dirty="0" smtClean="0">
+                <a:latin typeface="Times New Roman"/>
+                <a:cs typeface="Times New Roman"/>
+              </a:rPr>
+              <a:t>local</a:t>
+            </a:r>
+          </a:p>
+          <a:p>
+            <a:r>
+              <a:rPr lang="en-US" sz="1800" dirty="0" smtClean="0">
+                <a:latin typeface="Times New Roman"/>
+                <a:cs typeface="Times New Roman"/>
+              </a:rPr>
+              <a:t>variable</a:t>
+            </a:r>
+          </a:p>
+          <a:p>
+            <a:r>
+              <a:rPr lang="en-US" sz="1800" dirty="0" smtClean="0">
+                <a:latin typeface="Times New Roman"/>
+                <a:cs typeface="Times New Roman"/>
+              </a:rPr>
+              <a:t>alpha</a:t>
+            </a:r>
+          </a:p>
+          <a:p>
+            <a:r>
+              <a:rPr lang="en-US" sz="1800" dirty="0" smtClean="0">
+                <a:latin typeface="Times New Roman"/>
+                <a:cs typeface="Times New Roman"/>
+              </a:rPr>
+              <a:t>renaming</a:t>
+            </a:r>
+            <a:endParaRPr lang="en-US" sz="1800" dirty="0">
+              <a:latin typeface="Times New Roman"/>
+              <a:cs typeface="Times New Roman"/>
+            </a:endParaRPr>
+          </a:p>
+        </p:txBody>
+      </p:sp>
+      <p:sp>
+        <p:nvSpPr>
+          <p:cNvPr id="7" name="TextBox 6"/>
+          <p:cNvSpPr txBox="1"/>
+          <p:nvPr/>
+        </p:nvSpPr>
+        <p:spPr>
+          <a:xfrm>
+            <a:off x="5039457" y="1674889"/>
+            <a:ext cx="1274896" cy="923330"/>
+          </a:xfrm>
+          <a:prstGeom prst="rect">
+            <a:avLst/>
+          </a:prstGeom>
+          <a:ln w="6350" cmpd="sng"/>
+        </p:spPr>
+        <p:style>
+          <a:lnRef idx="2">
+            <a:schemeClr val="dk1"/>
+          </a:lnRef>
+          <a:fillRef idx="1">
+            <a:schemeClr val="lt1"/>
+          </a:fillRef>
+          <a:effectRef idx="0">
+            <a:schemeClr val="dk1"/>
+          </a:effectRef>
+          <a:fontRef idx="minor">
+            <a:schemeClr val="dk1"/>
+          </a:fontRef>
+        </p:style>
+        <p:txBody>
+          <a:bodyPr wrap="none" rtlCol="0">
+            <a:spAutoFit/>
+          </a:bodyPr>
+          <a:lstStyle/>
+          <a:p>
+            <a:r>
+              <a:rPr lang="en-US" sz="1800" dirty="0" smtClean="0">
+                <a:latin typeface="Times New Roman"/>
+                <a:cs typeface="Times New Roman"/>
+              </a:rPr>
+              <a:t>local</a:t>
+            </a:r>
+          </a:p>
+          <a:p>
+            <a:r>
+              <a:rPr lang="en-US" sz="1800" dirty="0" smtClean="0">
+                <a:latin typeface="Times New Roman"/>
+                <a:cs typeface="Times New Roman"/>
+              </a:rPr>
+              <a:t>variable</a:t>
+            </a:r>
+          </a:p>
+          <a:p>
+            <a:r>
+              <a:rPr lang="en-US" sz="1800" dirty="0" smtClean="0">
+                <a:latin typeface="Times New Roman"/>
+                <a:cs typeface="Times New Roman"/>
+              </a:rPr>
+              <a:t>substitution</a:t>
+            </a:r>
+            <a:endParaRPr lang="en-US" sz="1800" dirty="0">
+              <a:latin typeface="Times New Roman"/>
+              <a:cs typeface="Times New Roman"/>
+            </a:endParaRPr>
+          </a:p>
+        </p:txBody>
+      </p:sp>
+      <p:sp>
+        <p:nvSpPr>
+          <p:cNvPr id="8" name="TextBox 7"/>
+          <p:cNvSpPr txBox="1"/>
+          <p:nvPr/>
+        </p:nvSpPr>
+        <p:spPr>
+          <a:xfrm>
+            <a:off x="770627" y="3048827"/>
+            <a:ext cx="1544012" cy="923330"/>
+          </a:xfrm>
+          <a:prstGeom prst="rect">
+            <a:avLst/>
+          </a:prstGeom>
+          <a:ln w="6350" cmpd="sng"/>
+        </p:spPr>
+        <p:style>
+          <a:lnRef idx="2">
+            <a:schemeClr val="dk1"/>
+          </a:lnRef>
+          <a:fillRef idx="1">
+            <a:schemeClr val="lt1"/>
+          </a:fillRef>
+          <a:effectRef idx="0">
+            <a:schemeClr val="dk1"/>
+          </a:effectRef>
+          <a:fontRef idx="minor">
+            <a:schemeClr val="dk1"/>
+          </a:fontRef>
+        </p:style>
+        <p:txBody>
+          <a:bodyPr wrap="none" rtlCol="0">
+            <a:spAutoFit/>
+          </a:bodyPr>
+          <a:lstStyle/>
+          <a:p>
+            <a:r>
+              <a:rPr lang="en-US" sz="1800" dirty="0" smtClean="0">
+                <a:latin typeface="Times New Roman"/>
+                <a:cs typeface="Times New Roman"/>
+              </a:rPr>
+              <a:t>field</a:t>
+            </a:r>
+          </a:p>
+          <a:p>
+            <a:r>
+              <a:rPr lang="en-US" sz="1800" dirty="0" smtClean="0">
+                <a:latin typeface="Times New Roman"/>
+                <a:cs typeface="Times New Roman"/>
+              </a:rPr>
+              <a:t>references</a:t>
+            </a:r>
+          </a:p>
+          <a:p>
+            <a:r>
+              <a:rPr lang="en-US" sz="1800" dirty="0" smtClean="0">
+                <a:latin typeface="Times New Roman"/>
+                <a:cs typeface="Times New Roman"/>
+              </a:rPr>
+              <a:t>transformation</a:t>
+            </a:r>
+            <a:endParaRPr lang="en-US" sz="1800" dirty="0">
+              <a:latin typeface="Times New Roman"/>
+              <a:cs typeface="Times New Roman"/>
+            </a:endParaRPr>
+          </a:p>
+        </p:txBody>
+      </p:sp>
+      <p:sp>
+        <p:nvSpPr>
+          <p:cNvPr id="9" name="TextBox 8"/>
+          <p:cNvSpPr txBox="1"/>
+          <p:nvPr/>
+        </p:nvSpPr>
+        <p:spPr>
+          <a:xfrm>
+            <a:off x="3016376" y="3048827"/>
+            <a:ext cx="1544012" cy="923330"/>
+          </a:xfrm>
+          <a:prstGeom prst="rect">
+            <a:avLst/>
+          </a:prstGeom>
+          <a:ln w="6350" cmpd="sng"/>
+        </p:spPr>
+        <p:style>
+          <a:lnRef idx="2">
+            <a:schemeClr val="dk1"/>
+          </a:lnRef>
+          <a:fillRef idx="1">
+            <a:schemeClr val="lt1"/>
+          </a:fillRef>
+          <a:effectRef idx="0">
+            <a:schemeClr val="dk1"/>
+          </a:effectRef>
+          <a:fontRef idx="minor">
+            <a:schemeClr val="dk1"/>
+          </a:fontRef>
+        </p:style>
+        <p:txBody>
+          <a:bodyPr wrap="none" rtlCol="0">
+            <a:spAutoFit/>
+          </a:bodyPr>
+          <a:lstStyle/>
+          <a:p>
+            <a:r>
+              <a:rPr lang="en-US" sz="1800" dirty="0" smtClean="0">
+                <a:latin typeface="Times New Roman"/>
+                <a:cs typeface="Times New Roman"/>
+              </a:rPr>
+              <a:t>array</a:t>
+            </a:r>
+          </a:p>
+          <a:p>
+            <a:r>
+              <a:rPr lang="en-US" sz="1800" dirty="0" smtClean="0">
+                <a:latin typeface="Times New Roman"/>
+                <a:cs typeface="Times New Roman"/>
+              </a:rPr>
+              <a:t>references</a:t>
+            </a:r>
+          </a:p>
+          <a:p>
+            <a:r>
+              <a:rPr lang="en-US" sz="1800" dirty="0" smtClean="0">
+                <a:latin typeface="Times New Roman"/>
+                <a:cs typeface="Times New Roman"/>
+              </a:rPr>
+              <a:t>transformation</a:t>
+            </a:r>
+            <a:endParaRPr lang="en-US" sz="1800" dirty="0">
+              <a:latin typeface="Times New Roman"/>
+              <a:cs typeface="Times New Roman"/>
+            </a:endParaRPr>
+          </a:p>
+        </p:txBody>
+      </p:sp>
+      <p:sp>
+        <p:nvSpPr>
+          <p:cNvPr id="10" name="TextBox 9"/>
+          <p:cNvSpPr txBox="1"/>
+          <p:nvPr/>
+        </p:nvSpPr>
+        <p:spPr>
+          <a:xfrm>
+            <a:off x="5033139" y="3187327"/>
+            <a:ext cx="1287532" cy="646331"/>
+          </a:xfrm>
+          <a:prstGeom prst="rect">
+            <a:avLst/>
+          </a:prstGeom>
+          <a:ln w="6350" cmpd="sng"/>
+        </p:spPr>
+        <p:style>
+          <a:lnRef idx="2">
+            <a:schemeClr val="dk1"/>
+          </a:lnRef>
+          <a:fillRef idx="1">
+            <a:schemeClr val="lt1"/>
+          </a:fillRef>
+          <a:effectRef idx="0">
+            <a:schemeClr val="dk1"/>
+          </a:effectRef>
+          <a:fontRef idx="minor">
+            <a:schemeClr val="dk1"/>
+          </a:fontRef>
+        </p:style>
+        <p:txBody>
+          <a:bodyPr wrap="none" rtlCol="0">
+            <a:spAutoFit/>
+          </a:bodyPr>
+          <a:lstStyle/>
+          <a:p>
+            <a:r>
+              <a:rPr lang="en-US" sz="1800" dirty="0" smtClean="0">
+                <a:latin typeface="Times New Roman"/>
+                <a:cs typeface="Times New Roman"/>
+              </a:rPr>
+              <a:t>type</a:t>
+            </a:r>
+          </a:p>
+          <a:p>
+            <a:r>
+              <a:rPr lang="en-US" sz="1800" dirty="0" smtClean="0">
+                <a:latin typeface="Times New Roman"/>
+                <a:cs typeface="Times New Roman"/>
+              </a:rPr>
+              <a:t>propagation</a:t>
+            </a:r>
+            <a:endParaRPr lang="en-US" sz="1800" dirty="0">
+              <a:latin typeface="Times New Roman"/>
+              <a:cs typeface="Times New Roman"/>
+            </a:endParaRPr>
+          </a:p>
+        </p:txBody>
+      </p:sp>
+      <p:sp>
+        <p:nvSpPr>
+          <p:cNvPr id="11" name="TextBox 10"/>
+          <p:cNvSpPr txBox="1"/>
+          <p:nvPr/>
+        </p:nvSpPr>
+        <p:spPr>
+          <a:xfrm>
+            <a:off x="7507963" y="1813389"/>
+            <a:ext cx="902861" cy="646331"/>
+          </a:xfrm>
+          <a:prstGeom prst="rect">
+            <a:avLst/>
+          </a:prstGeom>
+          <a:ln w="6350" cmpd="sng"/>
+        </p:spPr>
+        <p:style>
+          <a:lnRef idx="2">
+            <a:schemeClr val="dk1"/>
+          </a:lnRef>
+          <a:fillRef idx="1">
+            <a:schemeClr val="lt1"/>
+          </a:fillRef>
+          <a:effectRef idx="0">
+            <a:schemeClr val="dk1"/>
+          </a:effectRef>
+          <a:fontRef idx="minor">
+            <a:schemeClr val="dk1"/>
+          </a:fontRef>
+        </p:style>
+        <p:txBody>
+          <a:bodyPr wrap="none" rtlCol="0">
+            <a:spAutoFit/>
+          </a:bodyPr>
+          <a:lstStyle/>
+          <a:p>
+            <a:r>
+              <a:rPr lang="en-US" sz="1800" dirty="0" smtClean="0">
+                <a:latin typeface="Times New Roman"/>
+                <a:cs typeface="Times New Roman"/>
+              </a:rPr>
+              <a:t>method</a:t>
+            </a:r>
+          </a:p>
+          <a:p>
+            <a:r>
+              <a:rPr lang="en-US" sz="1800" dirty="0" err="1" smtClean="0">
+                <a:latin typeface="Times New Roman"/>
+                <a:cs typeface="Times New Roman"/>
+              </a:rPr>
+              <a:t>inlining</a:t>
+            </a:r>
+            <a:endParaRPr lang="en-US" sz="1800" dirty="0">
+              <a:latin typeface="Times New Roman"/>
+              <a:cs typeface="Times New Roman"/>
+            </a:endParaRPr>
+          </a:p>
+        </p:txBody>
+      </p:sp>
+      <p:sp>
+        <p:nvSpPr>
+          <p:cNvPr id="12" name="TextBox 11"/>
+          <p:cNvSpPr txBox="1"/>
+          <p:nvPr/>
+        </p:nvSpPr>
+        <p:spPr>
+          <a:xfrm>
+            <a:off x="7007876" y="2910328"/>
+            <a:ext cx="1402948" cy="1200329"/>
+          </a:xfrm>
+          <a:prstGeom prst="rect">
+            <a:avLst/>
+          </a:prstGeom>
+          <a:ln w="6350" cmpd="sng"/>
+        </p:spPr>
+        <p:style>
+          <a:lnRef idx="2">
+            <a:schemeClr val="dk1"/>
+          </a:lnRef>
+          <a:fillRef idx="1">
+            <a:schemeClr val="lt1"/>
+          </a:fillRef>
+          <a:effectRef idx="0">
+            <a:schemeClr val="dk1"/>
+          </a:effectRef>
+          <a:fontRef idx="minor">
+            <a:schemeClr val="dk1"/>
+          </a:fontRef>
+        </p:style>
+        <p:txBody>
+          <a:bodyPr wrap="none" rtlCol="0">
+            <a:spAutoFit/>
+          </a:bodyPr>
+          <a:lstStyle/>
+          <a:p>
+            <a:r>
+              <a:rPr lang="en-US" sz="1800" dirty="0" smtClean="0">
+                <a:latin typeface="Times New Roman"/>
+                <a:cs typeface="Times New Roman"/>
+              </a:rPr>
+              <a:t>field &amp; array </a:t>
+            </a:r>
+          </a:p>
+          <a:p>
+            <a:r>
+              <a:rPr lang="en-US" sz="1800" dirty="0" smtClean="0">
+                <a:latin typeface="Times New Roman"/>
+                <a:cs typeface="Times New Roman"/>
+              </a:rPr>
+              <a:t>variables</a:t>
+            </a:r>
+          </a:p>
+          <a:p>
+            <a:r>
+              <a:rPr lang="en-US" sz="1800" dirty="0" smtClean="0">
+                <a:latin typeface="Times New Roman"/>
+                <a:cs typeface="Times New Roman"/>
+              </a:rPr>
+              <a:t>alpha</a:t>
+            </a:r>
+          </a:p>
+          <a:p>
+            <a:r>
+              <a:rPr lang="en-US" sz="1800" dirty="0" smtClean="0">
+                <a:latin typeface="Times New Roman"/>
+                <a:cs typeface="Times New Roman"/>
+              </a:rPr>
+              <a:t>renaming</a:t>
+            </a:r>
+            <a:endParaRPr lang="en-US" sz="1800" dirty="0">
+              <a:latin typeface="Times New Roman"/>
+              <a:cs typeface="Times New Roman"/>
+            </a:endParaRPr>
+          </a:p>
+        </p:txBody>
+      </p:sp>
+      <p:sp>
+        <p:nvSpPr>
+          <p:cNvPr id="13" name="TextBox 12"/>
+          <p:cNvSpPr txBox="1"/>
+          <p:nvPr/>
+        </p:nvSpPr>
+        <p:spPr>
+          <a:xfrm>
+            <a:off x="770627" y="4446317"/>
+            <a:ext cx="1544012" cy="646331"/>
+          </a:xfrm>
+          <a:prstGeom prst="rect">
+            <a:avLst/>
+          </a:prstGeom>
+          <a:ln w="6350" cmpd="sng"/>
+        </p:spPr>
+        <p:style>
+          <a:lnRef idx="2">
+            <a:schemeClr val="dk1"/>
+          </a:lnRef>
+          <a:fillRef idx="1">
+            <a:schemeClr val="lt1"/>
+          </a:fillRef>
+          <a:effectRef idx="0">
+            <a:schemeClr val="dk1"/>
+          </a:effectRef>
+          <a:fontRef idx="minor">
+            <a:schemeClr val="dk1"/>
+          </a:fontRef>
+        </p:style>
+        <p:txBody>
+          <a:bodyPr wrap="none" rtlCol="0">
+            <a:spAutoFit/>
+          </a:bodyPr>
+          <a:lstStyle/>
+          <a:p>
+            <a:r>
+              <a:rPr lang="en-US" sz="1800" dirty="0" smtClean="0">
+                <a:latin typeface="Times New Roman"/>
+                <a:cs typeface="Times New Roman"/>
+              </a:rPr>
+              <a:t>simplification</a:t>
+            </a:r>
+          </a:p>
+          <a:p>
+            <a:r>
+              <a:rPr lang="en-US" sz="1800" dirty="0" smtClean="0">
+                <a:latin typeface="Times New Roman"/>
+                <a:cs typeface="Times New Roman"/>
+              </a:rPr>
+              <a:t>transformation</a:t>
+            </a:r>
+            <a:endParaRPr lang="en-US" sz="1800" dirty="0">
+              <a:latin typeface="Times New Roman"/>
+              <a:cs typeface="Times New Roman"/>
+            </a:endParaRPr>
+          </a:p>
+        </p:txBody>
+      </p:sp>
+      <p:sp>
+        <p:nvSpPr>
+          <p:cNvPr id="14" name="TextBox 13"/>
+          <p:cNvSpPr txBox="1"/>
+          <p:nvPr/>
+        </p:nvSpPr>
+        <p:spPr>
+          <a:xfrm>
+            <a:off x="3016376" y="4307817"/>
+            <a:ext cx="1544012" cy="923330"/>
+          </a:xfrm>
+          <a:prstGeom prst="rect">
+            <a:avLst/>
+          </a:prstGeom>
+          <a:ln w="6350" cmpd="sng"/>
+        </p:spPr>
+        <p:style>
+          <a:lnRef idx="2">
+            <a:schemeClr val="dk1"/>
+          </a:lnRef>
+          <a:fillRef idx="1">
+            <a:schemeClr val="lt1"/>
+          </a:fillRef>
+          <a:effectRef idx="0">
+            <a:schemeClr val="dk1"/>
+          </a:effectRef>
+          <a:fontRef idx="minor">
+            <a:schemeClr val="dk1"/>
+          </a:fontRef>
+        </p:style>
+        <p:txBody>
+          <a:bodyPr wrap="none" rtlCol="0">
+            <a:spAutoFit/>
+          </a:bodyPr>
+          <a:lstStyle/>
+          <a:p>
+            <a:r>
+              <a:rPr lang="en-US" sz="1800" dirty="0" smtClean="0">
+                <a:latin typeface="Times New Roman"/>
+                <a:cs typeface="Times New Roman"/>
+              </a:rPr>
+              <a:t>single-path</a:t>
+            </a:r>
+          </a:p>
+          <a:p>
+            <a:r>
+              <a:rPr lang="en-US" sz="1800" dirty="0" smtClean="0">
+                <a:latin typeface="Times New Roman"/>
+                <a:cs typeface="Times New Roman"/>
+              </a:rPr>
+              <a:t>cases</a:t>
+            </a:r>
+          </a:p>
+          <a:p>
+            <a:r>
+              <a:rPr lang="en-US" sz="1800" dirty="0" smtClean="0">
+                <a:latin typeface="Times New Roman"/>
+                <a:cs typeface="Times New Roman"/>
+              </a:rPr>
+              <a:t>transformation</a:t>
+            </a:r>
+            <a:endParaRPr lang="en-US" sz="1800" dirty="0">
+              <a:latin typeface="Times New Roman"/>
+              <a:cs typeface="Times New Roman"/>
+            </a:endParaRPr>
+          </a:p>
+        </p:txBody>
+      </p:sp>
+      <p:sp>
+        <p:nvSpPr>
+          <p:cNvPr id="15" name="TextBox 14"/>
+          <p:cNvSpPr txBox="1"/>
+          <p:nvPr/>
+        </p:nvSpPr>
+        <p:spPr>
+          <a:xfrm>
+            <a:off x="5007491" y="4584816"/>
+            <a:ext cx="1338828" cy="369332"/>
+          </a:xfrm>
+          <a:prstGeom prst="rect">
+            <a:avLst/>
+          </a:prstGeom>
+          <a:ln w="6350" cmpd="sng"/>
+        </p:spPr>
+        <p:style>
+          <a:lnRef idx="2">
+            <a:schemeClr val="dk1"/>
+          </a:lnRef>
+          <a:fillRef idx="1">
+            <a:schemeClr val="lt1"/>
+          </a:fillRef>
+          <a:effectRef idx="0">
+            <a:schemeClr val="dk1"/>
+          </a:effectRef>
+          <a:fontRef idx="minor">
+            <a:schemeClr val="dk1"/>
+          </a:fontRef>
+        </p:style>
+        <p:txBody>
+          <a:bodyPr wrap="none" rtlCol="0">
+            <a:spAutoFit/>
+          </a:bodyPr>
+          <a:lstStyle/>
+          <a:p>
+            <a:r>
+              <a:rPr lang="en-US" sz="1800" dirty="0" smtClean="0">
+                <a:latin typeface="Times New Roman"/>
+                <a:cs typeface="Times New Roman"/>
+              </a:rPr>
+              <a:t>linearization</a:t>
+            </a:r>
+            <a:endParaRPr lang="en-US" sz="1800" dirty="0">
+              <a:latin typeface="Times New Roman"/>
+              <a:cs typeface="Times New Roman"/>
+            </a:endParaRPr>
+          </a:p>
+        </p:txBody>
+      </p:sp>
+      <p:sp>
+        <p:nvSpPr>
+          <p:cNvPr id="16" name="TextBox 15"/>
+          <p:cNvSpPr txBox="1"/>
+          <p:nvPr/>
+        </p:nvSpPr>
+        <p:spPr>
+          <a:xfrm>
+            <a:off x="7238708" y="4307817"/>
+            <a:ext cx="1172116" cy="923330"/>
+          </a:xfrm>
+          <a:prstGeom prst="rect">
+            <a:avLst/>
+          </a:prstGeom>
+          <a:ln w="6350" cmpd="sng"/>
+        </p:spPr>
+        <p:style>
+          <a:lnRef idx="2">
+            <a:schemeClr val="dk1"/>
+          </a:lnRef>
+          <a:fillRef idx="1">
+            <a:schemeClr val="lt1"/>
+          </a:fillRef>
+          <a:effectRef idx="0">
+            <a:schemeClr val="dk1"/>
+          </a:effectRef>
+          <a:fontRef idx="minor">
+            <a:schemeClr val="dk1"/>
+          </a:fontRef>
+        </p:style>
+        <p:txBody>
+          <a:bodyPr wrap="none" rtlCol="0">
+            <a:spAutoFit/>
+          </a:bodyPr>
+          <a:lstStyle/>
+          <a:p>
+            <a:r>
+              <a:rPr lang="en-US" sz="1800" dirty="0" smtClean="0">
+                <a:latin typeface="Times New Roman"/>
+                <a:cs typeface="Times New Roman"/>
+              </a:rPr>
+              <a:t>translation</a:t>
+            </a:r>
+          </a:p>
+          <a:p>
+            <a:r>
+              <a:rPr lang="en-US" sz="1800" dirty="0" smtClean="0">
+                <a:latin typeface="Times New Roman"/>
+                <a:cs typeface="Times New Roman"/>
+              </a:rPr>
+              <a:t>to Green</a:t>
+            </a:r>
+          </a:p>
+          <a:p>
+            <a:r>
+              <a:rPr lang="en-US" sz="1800" dirty="0" smtClean="0">
+                <a:latin typeface="Times New Roman"/>
+                <a:cs typeface="Times New Roman"/>
+              </a:rPr>
+              <a:t>expression</a:t>
+            </a:r>
+          </a:p>
+        </p:txBody>
+      </p:sp>
+      <p:cxnSp>
+        <p:nvCxnSpPr>
+          <p:cNvPr id="18" name="Straight Arrow Connector 17"/>
+          <p:cNvCxnSpPr>
+            <a:endCxn id="5" idx="1"/>
+          </p:cNvCxnSpPr>
+          <p:nvPr/>
+        </p:nvCxnSpPr>
+        <p:spPr bwMode="auto">
+          <a:xfrm>
+            <a:off x="271145" y="2136555"/>
+            <a:ext cx="499482" cy="0"/>
+          </a:xfrm>
+          <a:prstGeom prst="straightConnector1">
+            <a:avLst/>
+          </a:prstGeom>
+          <a:noFill/>
+          <a:ln w="6350" cap="flat" cmpd="sng" algn="ctr">
+            <a:solidFill>
+              <a:schemeClr val="tx1"/>
+            </a:solidFill>
+            <a:prstDash val="solid"/>
+            <a:round/>
+            <a:headEnd type="none" w="med" len="med"/>
+            <a:tailEnd type="arrow"/>
+          </a:ln>
+          <a:effectLst/>
+        </p:spPr>
+      </p:cxnSp>
+      <p:cxnSp>
+        <p:nvCxnSpPr>
+          <p:cNvPr id="20" name="Straight Arrow Connector 19"/>
+          <p:cNvCxnSpPr>
+            <a:stCxn id="5" idx="3"/>
+            <a:endCxn id="6" idx="1"/>
+          </p:cNvCxnSpPr>
+          <p:nvPr/>
+        </p:nvCxnSpPr>
+        <p:spPr bwMode="auto">
+          <a:xfrm>
+            <a:off x="2327463" y="2136555"/>
+            <a:ext cx="926320" cy="0"/>
+          </a:xfrm>
+          <a:prstGeom prst="straightConnector1">
+            <a:avLst/>
+          </a:prstGeom>
+          <a:noFill/>
+          <a:ln w="6350" cap="flat" cmpd="sng" algn="ctr">
+            <a:solidFill>
+              <a:schemeClr val="tx1"/>
+            </a:solidFill>
+            <a:prstDash val="solid"/>
+            <a:round/>
+            <a:headEnd type="none" w="med" len="med"/>
+            <a:tailEnd type="arrow"/>
+          </a:ln>
+          <a:effectLst/>
+        </p:spPr>
+      </p:cxnSp>
+      <p:cxnSp>
+        <p:nvCxnSpPr>
+          <p:cNvPr id="23" name="Straight Arrow Connector 22"/>
+          <p:cNvCxnSpPr>
+            <a:stCxn id="6" idx="3"/>
+            <a:endCxn id="7" idx="1"/>
+          </p:cNvCxnSpPr>
+          <p:nvPr/>
+        </p:nvCxnSpPr>
+        <p:spPr bwMode="auto">
+          <a:xfrm flipV="1">
+            <a:off x="4322981" y="2136554"/>
+            <a:ext cx="716476" cy="1"/>
+          </a:xfrm>
+          <a:prstGeom prst="straightConnector1">
+            <a:avLst/>
+          </a:prstGeom>
+          <a:noFill/>
+          <a:ln w="6350" cap="flat" cmpd="sng" algn="ctr">
+            <a:solidFill>
+              <a:schemeClr val="tx1"/>
+            </a:solidFill>
+            <a:prstDash val="solid"/>
+            <a:round/>
+            <a:headEnd type="none" w="med" len="med"/>
+            <a:tailEnd type="arrow"/>
+          </a:ln>
+          <a:effectLst/>
+        </p:spPr>
+      </p:cxnSp>
+      <p:cxnSp>
+        <p:nvCxnSpPr>
+          <p:cNvPr id="25" name="Straight Arrow Connector 24"/>
+          <p:cNvCxnSpPr>
+            <a:stCxn id="7" idx="3"/>
+            <a:endCxn id="11" idx="1"/>
+          </p:cNvCxnSpPr>
+          <p:nvPr/>
+        </p:nvCxnSpPr>
+        <p:spPr bwMode="auto">
+          <a:xfrm>
+            <a:off x="6314353" y="2136554"/>
+            <a:ext cx="1193610" cy="1"/>
+          </a:xfrm>
+          <a:prstGeom prst="straightConnector1">
+            <a:avLst/>
+          </a:prstGeom>
+          <a:noFill/>
+          <a:ln w="6350" cap="flat" cmpd="sng" algn="ctr">
+            <a:solidFill>
+              <a:schemeClr val="tx1"/>
+            </a:solidFill>
+            <a:prstDash val="solid"/>
+            <a:round/>
+            <a:headEnd type="none" w="med" len="med"/>
+            <a:tailEnd type="arrow"/>
+          </a:ln>
+          <a:effectLst/>
+        </p:spPr>
+      </p:cxnSp>
+      <p:cxnSp>
+        <p:nvCxnSpPr>
+          <p:cNvPr id="29" name="Curved Connector 28"/>
+          <p:cNvCxnSpPr>
+            <a:stCxn id="11" idx="3"/>
+            <a:endCxn id="6" idx="1"/>
+          </p:cNvCxnSpPr>
+          <p:nvPr/>
+        </p:nvCxnSpPr>
+        <p:spPr bwMode="auto">
+          <a:xfrm flipH="1">
+            <a:off x="3253783" y="2136555"/>
+            <a:ext cx="5157041" cy="12700"/>
+          </a:xfrm>
+          <a:prstGeom prst="curvedConnector5">
+            <a:avLst>
+              <a:gd name="adj1" fmla="val -3879"/>
+              <a:gd name="adj2" fmla="val -7181449"/>
+              <a:gd name="adj3" fmla="val 105541"/>
+            </a:avLst>
+          </a:prstGeom>
+          <a:noFill/>
+          <a:ln w="9525" cap="flat" cmpd="sng" algn="ctr">
+            <a:solidFill>
+              <a:srgbClr val="000000"/>
+            </a:solidFill>
+            <a:prstDash val="solid"/>
+            <a:round/>
+            <a:headEnd type="none" w="med" len="med"/>
+            <a:tailEnd type="arrow"/>
+          </a:ln>
+          <a:effectLst/>
+        </p:spPr>
+      </p:cxnSp>
+      <p:cxnSp>
+        <p:nvCxnSpPr>
+          <p:cNvPr id="35" name="Elbow Connector 34"/>
+          <p:cNvCxnSpPr>
+            <a:stCxn id="11" idx="3"/>
+            <a:endCxn id="8" idx="1"/>
+          </p:cNvCxnSpPr>
+          <p:nvPr/>
+        </p:nvCxnSpPr>
+        <p:spPr bwMode="auto">
+          <a:xfrm flipH="1">
+            <a:off x="770627" y="2136555"/>
+            <a:ext cx="7640197" cy="1373937"/>
+          </a:xfrm>
+          <a:prstGeom prst="bentConnector5">
+            <a:avLst>
+              <a:gd name="adj1" fmla="val -2992"/>
+              <a:gd name="adj2" fmla="val 52230"/>
+              <a:gd name="adj3" fmla="val 102992"/>
+            </a:avLst>
+          </a:prstGeom>
+          <a:noFill/>
+          <a:ln w="9525" cap="flat" cmpd="sng" algn="ctr">
+            <a:solidFill>
+              <a:srgbClr val="000000"/>
+            </a:solidFill>
+            <a:prstDash val="solid"/>
+            <a:round/>
+            <a:headEnd type="none" w="med" len="med"/>
+            <a:tailEnd type="arrow"/>
+          </a:ln>
+          <a:effectLst/>
+        </p:spPr>
+      </p:cxnSp>
+      <p:cxnSp>
+        <p:nvCxnSpPr>
+          <p:cNvPr id="39" name="Straight Arrow Connector 38"/>
+          <p:cNvCxnSpPr>
+            <a:endCxn id="9" idx="1"/>
+          </p:cNvCxnSpPr>
+          <p:nvPr/>
+        </p:nvCxnSpPr>
+        <p:spPr bwMode="auto">
+          <a:xfrm>
+            <a:off x="2327463" y="3510492"/>
+            <a:ext cx="688913" cy="0"/>
+          </a:xfrm>
+          <a:prstGeom prst="straightConnector1">
+            <a:avLst/>
+          </a:prstGeom>
+          <a:noFill/>
+          <a:ln w="6350" cap="flat" cmpd="sng" algn="ctr">
+            <a:solidFill>
+              <a:schemeClr val="tx1"/>
+            </a:solidFill>
+            <a:prstDash val="solid"/>
+            <a:round/>
+            <a:headEnd type="none" w="med" len="med"/>
+            <a:tailEnd type="arrow"/>
+          </a:ln>
+          <a:effectLst/>
+        </p:spPr>
+      </p:cxnSp>
+      <p:cxnSp>
+        <p:nvCxnSpPr>
+          <p:cNvPr id="41" name="Straight Arrow Connector 40"/>
+          <p:cNvCxnSpPr>
+            <a:stCxn id="9" idx="3"/>
+            <a:endCxn id="10" idx="1"/>
+          </p:cNvCxnSpPr>
+          <p:nvPr/>
+        </p:nvCxnSpPr>
+        <p:spPr bwMode="auto">
+          <a:xfrm>
+            <a:off x="4560388" y="3510492"/>
+            <a:ext cx="472751" cy="1"/>
+          </a:xfrm>
+          <a:prstGeom prst="straightConnector1">
+            <a:avLst/>
+          </a:prstGeom>
+          <a:noFill/>
+          <a:ln w="6350" cap="flat" cmpd="sng" algn="ctr">
+            <a:solidFill>
+              <a:schemeClr val="tx1"/>
+            </a:solidFill>
+            <a:prstDash val="solid"/>
+            <a:round/>
+            <a:headEnd type="none" w="med" len="med"/>
+            <a:tailEnd type="arrow"/>
+          </a:ln>
+          <a:effectLst/>
+        </p:spPr>
+      </p:cxnSp>
+      <p:cxnSp>
+        <p:nvCxnSpPr>
+          <p:cNvPr id="44" name="Straight Arrow Connector 43"/>
+          <p:cNvCxnSpPr>
+            <a:stCxn id="10" idx="3"/>
+            <a:endCxn id="12" idx="1"/>
+          </p:cNvCxnSpPr>
+          <p:nvPr/>
+        </p:nvCxnSpPr>
+        <p:spPr bwMode="auto">
+          <a:xfrm>
+            <a:off x="6320671" y="3510493"/>
+            <a:ext cx="687205" cy="0"/>
+          </a:xfrm>
+          <a:prstGeom prst="straightConnector1">
+            <a:avLst/>
+          </a:prstGeom>
+          <a:noFill/>
+          <a:ln w="6350" cap="flat" cmpd="sng" algn="ctr">
+            <a:solidFill>
+              <a:schemeClr val="tx1"/>
+            </a:solidFill>
+            <a:prstDash val="solid"/>
+            <a:round/>
+            <a:headEnd type="none" w="med" len="med"/>
+            <a:tailEnd type="arrow"/>
+          </a:ln>
+          <a:effectLst/>
+        </p:spPr>
+      </p:cxnSp>
+      <p:cxnSp>
+        <p:nvCxnSpPr>
+          <p:cNvPr id="48" name="Elbow Connector 47"/>
+          <p:cNvCxnSpPr>
+            <a:stCxn id="12" idx="3"/>
+            <a:endCxn id="13" idx="1"/>
+          </p:cNvCxnSpPr>
+          <p:nvPr/>
+        </p:nvCxnSpPr>
+        <p:spPr bwMode="auto">
+          <a:xfrm flipH="1">
+            <a:off x="770627" y="3510493"/>
+            <a:ext cx="7640197" cy="1258990"/>
+          </a:xfrm>
+          <a:prstGeom prst="bentConnector5">
+            <a:avLst>
+              <a:gd name="adj1" fmla="val -2992"/>
+              <a:gd name="adj2" fmla="val 55334"/>
+              <a:gd name="adj3" fmla="val 102992"/>
+            </a:avLst>
+          </a:prstGeom>
+          <a:noFill/>
+          <a:ln w="9525" cap="flat" cmpd="sng" algn="ctr">
+            <a:solidFill>
+              <a:srgbClr val="000000"/>
+            </a:solidFill>
+            <a:prstDash val="solid"/>
+            <a:round/>
+            <a:headEnd type="none" w="med" len="med"/>
+            <a:tailEnd type="arrow"/>
+          </a:ln>
+          <a:effectLst/>
+        </p:spPr>
+      </p:cxnSp>
+      <p:cxnSp>
+        <p:nvCxnSpPr>
+          <p:cNvPr id="53" name="Straight Arrow Connector 52"/>
+          <p:cNvCxnSpPr>
+            <a:stCxn id="13" idx="3"/>
+            <a:endCxn id="14" idx="1"/>
+          </p:cNvCxnSpPr>
+          <p:nvPr/>
+        </p:nvCxnSpPr>
+        <p:spPr bwMode="auto">
+          <a:xfrm flipV="1">
+            <a:off x="2314639" y="4769482"/>
+            <a:ext cx="701737" cy="1"/>
+          </a:xfrm>
+          <a:prstGeom prst="straightConnector1">
+            <a:avLst/>
+          </a:prstGeom>
+          <a:noFill/>
+          <a:ln w="6350" cap="flat" cmpd="sng" algn="ctr">
+            <a:solidFill>
+              <a:schemeClr val="tx1"/>
+            </a:solidFill>
+            <a:prstDash val="solid"/>
+            <a:round/>
+            <a:headEnd type="none" w="med" len="med"/>
+            <a:tailEnd type="arrow"/>
+          </a:ln>
+          <a:effectLst/>
+        </p:spPr>
+      </p:cxnSp>
+      <p:cxnSp>
+        <p:nvCxnSpPr>
+          <p:cNvPr id="54" name="Straight Arrow Connector 53"/>
+          <p:cNvCxnSpPr>
+            <a:stCxn id="14" idx="3"/>
+            <a:endCxn id="15" idx="1"/>
+          </p:cNvCxnSpPr>
+          <p:nvPr/>
+        </p:nvCxnSpPr>
+        <p:spPr bwMode="auto">
+          <a:xfrm>
+            <a:off x="4560388" y="4769482"/>
+            <a:ext cx="447103" cy="0"/>
+          </a:xfrm>
+          <a:prstGeom prst="straightConnector1">
+            <a:avLst/>
+          </a:prstGeom>
+          <a:noFill/>
+          <a:ln w="6350" cap="flat" cmpd="sng" algn="ctr">
+            <a:solidFill>
+              <a:schemeClr val="tx1"/>
+            </a:solidFill>
+            <a:prstDash val="solid"/>
+            <a:round/>
+            <a:headEnd type="none" w="med" len="med"/>
+            <a:tailEnd type="arrow"/>
+          </a:ln>
+          <a:effectLst/>
+        </p:spPr>
+      </p:cxnSp>
+      <p:cxnSp>
+        <p:nvCxnSpPr>
+          <p:cNvPr id="87" name="Straight Arrow Connector 86"/>
+          <p:cNvCxnSpPr>
+            <a:stCxn id="15" idx="3"/>
+            <a:endCxn id="16" idx="1"/>
+          </p:cNvCxnSpPr>
+          <p:nvPr/>
+        </p:nvCxnSpPr>
+        <p:spPr bwMode="auto">
+          <a:xfrm>
+            <a:off x="6346319" y="4769482"/>
+            <a:ext cx="892389" cy="0"/>
+          </a:xfrm>
+          <a:prstGeom prst="straightConnector1">
+            <a:avLst/>
+          </a:prstGeom>
+          <a:noFill/>
+          <a:ln w="6350" cap="flat" cmpd="sng" algn="ctr">
+            <a:solidFill>
+              <a:schemeClr val="tx1"/>
+            </a:solidFill>
+            <a:prstDash val="solid"/>
+            <a:round/>
+            <a:headEnd type="none" w="med" len="med"/>
+            <a:tailEnd type="arrow"/>
+          </a:ln>
+          <a:effectLst/>
+        </p:spPr>
+      </p:cxnSp>
+      <p:cxnSp>
+        <p:nvCxnSpPr>
+          <p:cNvPr id="91" name="Straight Arrow Connector 90"/>
+          <p:cNvCxnSpPr>
+            <a:stCxn id="16" idx="3"/>
+          </p:cNvCxnSpPr>
+          <p:nvPr/>
+        </p:nvCxnSpPr>
+        <p:spPr bwMode="auto">
+          <a:xfrm>
+            <a:off x="8410824" y="4769482"/>
+            <a:ext cx="451328" cy="0"/>
+          </a:xfrm>
+          <a:prstGeom prst="straightConnector1">
+            <a:avLst/>
+          </a:prstGeom>
+          <a:noFill/>
+          <a:ln w="6350" cap="flat" cmpd="sng" algn="ctr">
+            <a:solidFill>
+              <a:schemeClr val="tx1"/>
+            </a:solidFill>
+            <a:prstDash val="solid"/>
+            <a:round/>
+            <a:headEnd type="none" w="med" len="med"/>
+            <a:tailEnd type="arrow"/>
+          </a:ln>
+          <a:effectLst/>
+        </p:spPr>
+      </p:cxnSp>
+    </p:spTree>
+    <p:extLst>
+      <p:ext uri="{BB962C8B-B14F-4D97-AF65-F5344CB8AC3E}">
+        <p14:creationId xmlns:p14="http://schemas.microsoft.com/office/powerpoint/2010/main" val="2192269327"/>
       </p:ext>
     </p:extLst>
   </p:cSld>

--- a/figures/Figures.pptx
+++ b/figures/Figures.pptx
@@ -6742,7 +6742,7 @@
         </p:nvSpPr>
         <p:spPr>
           <a:xfrm>
-            <a:off x="613639" y="513676"/>
+            <a:off x="242593" y="513676"/>
             <a:ext cx="4083169" cy="5572296"/>
           </a:xfrm>
           <a:prstGeom prst="rect">
@@ -8285,7 +8285,7 @@
         </p:nvSpPr>
         <p:spPr>
           <a:xfrm>
-            <a:off x="5889680" y="856134"/>
+            <a:off x="5418737" y="856134"/>
             <a:ext cx="2123974" cy="646331"/>
           </a:xfrm>
           <a:prstGeom prst="rect">
@@ -8405,7 +8405,7 @@
         </p:nvSpPr>
         <p:spPr>
           <a:xfrm>
-            <a:off x="5543375" y="1829916"/>
+            <a:off x="5072432" y="1829916"/>
             <a:ext cx="2816584" cy="646331"/>
           </a:xfrm>
           <a:prstGeom prst="rect">
@@ -8525,8 +8525,8 @@
         </p:nvSpPr>
         <p:spPr>
           <a:xfrm>
-            <a:off x="5021073" y="2681493"/>
-            <a:ext cx="1985452" cy="1754327"/>
+            <a:off x="4411608" y="2681493"/>
+            <a:ext cx="2262496" cy="1754327"/>
           </a:xfrm>
           <a:prstGeom prst="rect">
             <a:avLst/>
@@ -8538,6 +8538,19 @@
             <a:spAutoFit/>
           </a:bodyPr>
           <a:lstStyle/>
+          <a:p>
+            <a:pPr algn="ctr"/>
+            <a:r>
+              <a:rPr lang="en-US" sz="1800" dirty="0" smtClean="0">
+                <a:solidFill>
+                  <a:srgbClr val="000000"/>
+                </a:solidFill>
+                <a:latin typeface="Courier"/>
+                <a:cs typeface="Courier"/>
+              </a:rPr>
+              <a:t>void</a:t>
+            </a:r>
+          </a:p>
           <a:p>
             <a:pPr algn="ctr"/>
             <a:r>
@@ -8660,27 +8673,14 @@
           <a:p>
             <a:pPr algn="ctr"/>
             <a:r>
-              <a:rPr lang="en-US" sz="1800" dirty="0" smtClean="0">
-                <a:solidFill>
-                  <a:srgbClr val="000000"/>
-                </a:solidFill>
-                <a:latin typeface="Courier"/>
-                <a:cs typeface="Courier"/>
-              </a:rPr>
-              <a:t>Bounds</a:t>
-            </a:r>
-          </a:p>
-          <a:p>
-            <a:pPr algn="ctr"/>
-            <a:r>
-              <a:rPr lang="en-US" sz="1800" dirty="0" smtClean="0">
-                <a:solidFill>
-                  <a:srgbClr val="000000"/>
-                </a:solidFill>
-                <a:latin typeface="Courier"/>
-                <a:cs typeface="Courier"/>
-              </a:rPr>
-              <a:t>Exception</a:t>
+              <a:rPr lang="en-US" sz="1800" dirty="0" err="1" smtClean="0">
+                <a:solidFill>
+                  <a:srgbClr val="000000"/>
+                </a:solidFill>
+                <a:latin typeface="Courier"/>
+                <a:cs typeface="Courier"/>
+              </a:rPr>
+              <a:t>BoundsException</a:t>
             </a:r>
             <a:r>
               <a:rPr lang="en-US" sz="1800" dirty="0" smtClean="0">
@@ -8689,6 +8689,10 @@
               </a:rPr>
               <a:t> </a:t>
             </a:r>
+            <a:endParaRPr lang="en-US" sz="1800" dirty="0" smtClean="0">
+              <a:latin typeface="Courier"/>
+              <a:cs typeface="Courier"/>
+            </a:endParaRPr>
           </a:p>
         </p:txBody>
       </p:sp>
@@ -8700,8 +8704,8 @@
         </p:nvSpPr>
         <p:spPr>
           <a:xfrm>
-            <a:off x="5889680" y="4523017"/>
-            <a:ext cx="2123974" cy="646331"/>
+            <a:off x="5663438" y="4722783"/>
+            <a:ext cx="2262496" cy="646331"/>
           </a:xfrm>
           <a:prstGeom prst="rect">
             <a:avLst/>
@@ -8715,6 +8719,16 @@
           <a:lstStyle/>
           <a:p>
             <a:pPr algn="ctr"/>
+            <a:r>
+              <a:rPr lang="en-US" sz="1800" dirty="0" smtClean="0">
+                <a:solidFill>
+                  <a:srgbClr val="20999D"/>
+                </a:solidFill>
+                <a:latin typeface="Courier"/>
+                <a:cs typeface="Courier"/>
+              </a:rPr>
+              <a:t>E </a:t>
+            </a:r>
             <a:r>
               <a:rPr lang="en-US" sz="1800" dirty="0" err="1" smtClean="0">
                 <a:solidFill>
@@ -8813,7 +8827,7 @@
         </p:nvSpPr>
         <p:spPr>
           <a:xfrm>
-            <a:off x="5889680" y="5422194"/>
+            <a:off x="5732699" y="5621960"/>
             <a:ext cx="2123974" cy="646331"/>
           </a:xfrm>
           <a:prstGeom prst="rect">
@@ -8926,8 +8940,8 @@
         </p:nvSpPr>
         <p:spPr>
           <a:xfrm>
-            <a:off x="7438572" y="2681493"/>
-            <a:ext cx="1569886" cy="646331"/>
+            <a:off x="7267320" y="2681493"/>
+            <a:ext cx="1569886" cy="923330"/>
           </a:xfrm>
           <a:prstGeom prst="rect">
             <a:avLst/>
@@ -8942,7 +8956,27 @@
           <a:p>
             <a:pPr algn="ctr"/>
             <a:r>
-              <a:rPr lang="en-US" sz="1800" dirty="0">
+              <a:rPr lang="en-US" sz="1800" dirty="0" err="1" smtClean="0">
+                <a:solidFill>
+                  <a:srgbClr val="20999D"/>
+                </a:solidFill>
+                <a:latin typeface="Courier"/>
+                <a:cs typeface="Courier"/>
+              </a:rPr>
+              <a:t>int</a:t>
+            </a:r>
+            <a:endParaRPr lang="en-US" sz="1800" dirty="0" smtClean="0">
+              <a:solidFill>
+                <a:srgbClr val="000000"/>
+              </a:solidFill>
+              <a:latin typeface="Courier"/>
+              <a:cs typeface="Courier"/>
+            </a:endParaRPr>
+          </a:p>
+          <a:p>
+            <a:pPr algn="ctr"/>
+            <a:r>
+              <a:rPr lang="en-US" sz="1800" dirty="0" smtClean="0">
                 <a:solidFill>
                   <a:srgbClr val="000000"/>
                 </a:solidFill>
@@ -9009,7 +9043,7 @@
         </p:nvSpPr>
         <p:spPr>
           <a:xfrm>
-            <a:off x="7577094" y="3566994"/>
+            <a:off x="7405842" y="3952257"/>
             <a:ext cx="1292842" cy="646331"/>
           </a:xfrm>
           <a:prstGeom prst="rect">
@@ -9065,7 +9099,7 @@
         </p:nvCxnSpPr>
         <p:spPr bwMode="auto">
           <a:xfrm>
-            <a:off x="6951667" y="1502465"/>
+            <a:off x="6480724" y="1502465"/>
             <a:ext cx="0" cy="327451"/>
           </a:xfrm>
           <a:prstGeom prst="straightConnector1">
@@ -9095,7 +9129,7 @@
         </p:nvCxnSpPr>
         <p:spPr bwMode="auto">
           <a:xfrm flipH="1">
-            <a:off x="6013799" y="2476247"/>
+            <a:off x="5542856" y="2476247"/>
             <a:ext cx="937868" cy="205246"/>
           </a:xfrm>
           <a:prstGeom prst="straightConnector1">
@@ -9122,7 +9156,7 @@
         </p:nvCxnSpPr>
         <p:spPr bwMode="auto">
           <a:xfrm>
-            <a:off x="6951667" y="5169348"/>
+            <a:off x="6794686" y="5369114"/>
             <a:ext cx="0" cy="252846"/>
           </a:xfrm>
           <a:prstGeom prst="straightConnector1">
@@ -9152,8 +9186,8 @@
         </p:nvCxnSpPr>
         <p:spPr bwMode="auto">
           <a:xfrm>
-            <a:off x="8223515" y="3327824"/>
-            <a:ext cx="0" cy="239170"/>
+            <a:off x="8052263" y="3604823"/>
+            <a:ext cx="0" cy="347434"/>
           </a:xfrm>
           <a:prstGeom prst="straightConnector1">
             <a:avLst/>
@@ -9173,65 +9207,6 @@
       </p:cxnSp>
       <p:cxnSp>
         <p:nvCxnSpPr>
-          <p:cNvPr id="35" name="Straight Arrow Connector 34"/>
-          <p:cNvCxnSpPr>
-            <a:stCxn id="44" idx="0"/>
-            <a:endCxn id="24" idx="0"/>
-          </p:cNvCxnSpPr>
-          <p:nvPr/>
-        </p:nvCxnSpPr>
-        <p:spPr bwMode="auto">
-          <a:xfrm flipH="1">
-            <a:off x="6951667" y="622678"/>
-            <a:ext cx="6015" cy="233456"/>
-          </a:xfrm>
-          <a:prstGeom prst="straightConnector1">
-            <a:avLst/>
-          </a:prstGeom>
-          <a:noFill/>
-          <a:ln w="6350" cap="flat" cmpd="sng" algn="ctr">
-            <a:solidFill>
-              <a:schemeClr val="tx1"/>
-            </a:solidFill>
-            <a:prstDash val="solid"/>
-            <a:round/>
-            <a:headEnd type="none" w="med" len="med"/>
-            <a:tailEnd type="arrow"/>
-          </a:ln>
-          <a:effectLst/>
-        </p:spPr>
-      </p:cxnSp>
-      <p:cxnSp>
-        <p:nvCxnSpPr>
-          <p:cNvPr id="36" name="Straight Arrow Connector 35"/>
-          <p:cNvCxnSpPr>
-            <a:stCxn id="30" idx="2"/>
-          </p:cNvCxnSpPr>
-          <p:nvPr/>
-        </p:nvCxnSpPr>
-        <p:spPr bwMode="auto">
-          <a:xfrm>
-            <a:off x="8223515" y="4213325"/>
-            <a:ext cx="0" cy="523954"/>
-          </a:xfrm>
-          <a:prstGeom prst="straightConnector1">
-            <a:avLst/>
-          </a:prstGeom>
-          <a:noFill/>
-          <a:ln w="6350" cap="flat" cmpd="sng" algn="ctr">
-            <a:solidFill>
-              <a:schemeClr val="tx1"/>
-            </a:solidFill>
-            <a:prstDash val="solid"/>
-            <a:round/>
-            <a:headEnd type="none" w="med" len="med"/>
-            <a:tailEnd type="arrow"/>
-          </a:ln>
-          <a:effectLst/>
-        </p:spPr>
-      </p:cxnSp>
-      <p:cxnSp>
-        <p:nvCxnSpPr>
           <p:cNvPr id="37" name="Straight Arrow Connector 36"/>
           <p:cNvCxnSpPr>
             <a:stCxn id="25" idx="2"/>
@@ -9241,8 +9216,8 @@
         </p:nvCxnSpPr>
         <p:spPr bwMode="auto">
           <a:xfrm>
-            <a:off x="6951667" y="2476247"/>
-            <a:ext cx="1271848" cy="205246"/>
+            <a:off x="6480724" y="2476247"/>
+            <a:ext cx="1571539" cy="205246"/>
           </a:xfrm>
           <a:prstGeom prst="straightConnector1">
             <a:avLst/>
@@ -9268,7 +9243,7 @@
         </p:nvSpPr>
         <p:spPr>
           <a:xfrm>
-            <a:off x="5837883" y="2254487"/>
+            <a:off x="5366940" y="2254487"/>
             <a:ext cx="487408" cy="369332"/>
           </a:xfrm>
           <a:prstGeom prst="rect">
@@ -9306,7 +9281,7 @@
         </p:nvSpPr>
         <p:spPr>
           <a:xfrm>
-            <a:off x="6936559" y="4028659"/>
+            <a:off x="6779578" y="4028659"/>
             <a:ext cx="487408" cy="369332"/>
           </a:xfrm>
           <a:prstGeom prst="rect">
@@ -9344,7 +9319,7 @@
         </p:nvSpPr>
         <p:spPr>
           <a:xfrm>
-            <a:off x="7912287" y="2254487"/>
+            <a:off x="7741035" y="2254487"/>
             <a:ext cx="487408" cy="369332"/>
           </a:xfrm>
           <a:prstGeom prst="rect">
@@ -9382,7 +9357,7 @@
         </p:nvSpPr>
         <p:spPr bwMode="auto">
           <a:xfrm>
-            <a:off x="1983644" y="3866643"/>
+            <a:off x="1626869" y="3866643"/>
             <a:ext cx="1741033" cy="399764"/>
           </a:xfrm>
           <a:prstGeom prst="rect">
@@ -9446,8 +9421,8 @@
         </p:nvSpPr>
         <p:spPr bwMode="auto">
           <a:xfrm>
-            <a:off x="4992531" y="622678"/>
-            <a:ext cx="3930301" cy="5463294"/>
+            <a:off x="4478775" y="622677"/>
+            <a:ext cx="4315618" cy="5645613"/>
           </a:xfrm>
           <a:prstGeom prst="rect">
             <a:avLst/>
@@ -9510,8 +9485,8 @@
         </p:nvCxnSpPr>
         <p:spPr bwMode="auto">
           <a:xfrm flipV="1">
-            <a:off x="3724677" y="651216"/>
-            <a:ext cx="1246678" cy="3215428"/>
+            <a:off x="3367902" y="651216"/>
+            <a:ext cx="1110873" cy="3215428"/>
           </a:xfrm>
           <a:prstGeom prst="straightConnector1">
             <a:avLst/>
@@ -9537,8 +9512,8 @@
         </p:nvCxnSpPr>
         <p:spPr bwMode="auto">
           <a:xfrm>
-            <a:off x="3724677" y="4266407"/>
-            <a:ext cx="1246678" cy="1702235"/>
+            <a:off x="3367902" y="4266407"/>
+            <a:ext cx="1110873" cy="2001883"/>
           </a:xfrm>
           <a:prstGeom prst="straightConnector1">
             <a:avLst/>
@@ -9567,8 +9542,8 @@
         </p:nvCxnSpPr>
         <p:spPr bwMode="auto">
           <a:xfrm>
-            <a:off x="6951667" y="2476247"/>
-            <a:ext cx="0" cy="2046770"/>
+            <a:off x="6480724" y="2476247"/>
+            <a:ext cx="313962" cy="2246536"/>
           </a:xfrm>
           <a:prstGeom prst="straightConnector1">
             <a:avLst/>

--- a/figures/Figures.pptx
+++ b/figures/Figures.pptx
@@ -1,20 +1,22 @@
 
 <file path=ppt/presentation.xml><?xml version="1.0" encoding="utf-8"?>
-<p:presentation xmlns:a="http://schemas.openxmlformats.org/drawingml/2006/main" xmlns:r="http://schemas.openxmlformats.org/officeDocument/2006/relationships" xmlns:p="http://schemas.openxmlformats.org/presentationml/2006/main" xmlns:m="http://schemas.openxmlformats.org/officeDocument/2006/math" xmlns:a14="http://schemas.microsoft.com/office/drawing/2010/main">
+<p:presentation xmlns:a="http://schemas.openxmlformats.org/drawingml/2006/main" xmlns:r="http://schemas.openxmlformats.org/officeDocument/2006/relationships" xmlns:p="http://schemas.openxmlformats.org/presentationml/2006/main">
   <p:sldMasterIdLst>
-    <p:sldMasterId id="2147483648" r:id="rId5"/>
+    <p:sldMasterId id="2147483648" r:id="rId1"/>
   </p:sldMasterIdLst>
   <p:notesMasterIdLst>
-    <p:notesMasterId r:id="rId7"/>
+    <p:notesMasterId r:id="rId9"/>
   </p:notesMasterIdLst>
   <p:sldIdLst>
-    <p:sldId id="256" r:id="rId8"/>
-    <p:sldId id="257" r:id="rId9"/>
-    <p:sldId id="258" r:id="rId10"/>
-    <p:sldId id="259" r:id="rId11"/>
-    <p:sldId id="260" r:id="rId12"/>
+    <p:sldId id="256" r:id="rId2"/>
+    <p:sldId id="257" r:id="rId3"/>
+    <p:sldId id="258" r:id="rId4"/>
+    <p:sldId id="261" r:id="rId5"/>
+    <p:sldId id="262" r:id="rId6"/>
+    <p:sldId id="259" r:id="rId7"/>
+    <p:sldId id="260" r:id="rId8"/>
   </p:sldIdLst>
-  <p:sldSz cx="9144000" cy="6858000"/>
+  <p:sldSz cx="9144000" cy="6858000" type="screen4x3"/>
   <p:notesSz cx="6858000" cy="9144000"/>
   <p:defaultTextStyle>
     <a:defPPr marL="0" marR="0" indent="0" algn="l" defTabSz="914400" rtl="0" fontAlgn="auto" latinLnBrk="1" hangingPunct="0">
@@ -32,7 +34,7 @@
       <a:buFontTx/>
       <a:buNone/>
       <a:tabLst/>
-      <a:defRPr b="0" baseline="0" cap="none" i="0" spc="0" strike="noStrike" sz="1800" u="none" kumimoji="0" normalizeH="0">
+      <a:defRPr kumimoji="0" sz="1800" b="0" i="0" u="none" strike="noStrike" cap="none" spc="0" normalizeH="0" baseline="0">
         <a:ln>
           <a:noFill/>
         </a:ln>
@@ -58,7 +60,7 @@
       <a:buFontTx/>
       <a:buNone/>
       <a:tabLst/>
-      <a:defRPr b="0" baseline="0" cap="none" i="0" spc="0" strike="noStrike" sz="1200" u="none" kumimoji="0" normalizeH="0">
+      <a:defRPr kumimoji="0" sz="1200" b="0" i="0" u="none" strike="noStrike" cap="none" spc="0" normalizeH="0" baseline="0">
         <a:ln>
           <a:noFill/>
         </a:ln>
@@ -88,7 +90,7 @@
       <a:buFontTx/>
       <a:buNone/>
       <a:tabLst/>
-      <a:defRPr b="0" baseline="0" cap="none" i="0" spc="0" strike="noStrike" sz="1200" u="none" kumimoji="0" normalizeH="0">
+      <a:defRPr kumimoji="0" sz="1200" b="0" i="0" u="none" strike="noStrike" cap="none" spc="0" normalizeH="0" baseline="0">
         <a:ln>
           <a:noFill/>
         </a:ln>
@@ -118,7 +120,7 @@
       <a:buFontTx/>
       <a:buNone/>
       <a:tabLst/>
-      <a:defRPr b="0" baseline="0" cap="none" i="0" spc="0" strike="noStrike" sz="1200" u="none" kumimoji="0" normalizeH="0">
+      <a:defRPr kumimoji="0" sz="1200" b="0" i="0" u="none" strike="noStrike" cap="none" spc="0" normalizeH="0" baseline="0">
         <a:ln>
           <a:noFill/>
         </a:ln>
@@ -148,7 +150,7 @@
       <a:buFontTx/>
       <a:buNone/>
       <a:tabLst/>
-      <a:defRPr b="0" baseline="0" cap="none" i="0" spc="0" strike="noStrike" sz="1200" u="none" kumimoji="0" normalizeH="0">
+      <a:defRPr kumimoji="0" sz="1200" b="0" i="0" u="none" strike="noStrike" cap="none" spc="0" normalizeH="0" baseline="0">
         <a:ln>
           <a:noFill/>
         </a:ln>
@@ -178,7 +180,7 @@
       <a:buFontTx/>
       <a:buNone/>
       <a:tabLst/>
-      <a:defRPr b="0" baseline="0" cap="none" i="0" spc="0" strike="noStrike" sz="1200" u="none" kumimoji="0" normalizeH="0">
+      <a:defRPr kumimoji="0" sz="1200" b="0" i="0" u="none" strike="noStrike" cap="none" spc="0" normalizeH="0" baseline="0">
         <a:ln>
           <a:noFill/>
         </a:ln>
@@ -208,7 +210,7 @@
       <a:buFontTx/>
       <a:buNone/>
       <a:tabLst/>
-      <a:defRPr b="0" baseline="0" cap="none" i="0" spc="0" strike="noStrike" sz="1200" u="none" kumimoji="0" normalizeH="0">
+      <a:defRPr kumimoji="0" sz="1200" b="0" i="0" u="none" strike="noStrike" cap="none" spc="0" normalizeH="0" baseline="0">
         <a:ln>
           <a:noFill/>
         </a:ln>
@@ -238,7 +240,7 @@
       <a:buFontTx/>
       <a:buNone/>
       <a:tabLst/>
-      <a:defRPr b="0" baseline="0" cap="none" i="0" spc="0" strike="noStrike" sz="1200" u="none" kumimoji="0" normalizeH="0">
+      <a:defRPr kumimoji="0" sz="1200" b="0" i="0" u="none" strike="noStrike" cap="none" spc="0" normalizeH="0" baseline="0">
         <a:ln>
           <a:noFill/>
         </a:ln>
@@ -268,7 +270,7 @@
       <a:buFontTx/>
       <a:buNone/>
       <a:tabLst/>
-      <a:defRPr b="0" baseline="0" cap="none" i="0" spc="0" strike="noStrike" sz="1200" u="none" kumimoji="0" normalizeH="0">
+      <a:defRPr kumimoji="0" sz="1200" b="0" i="0" u="none" strike="noStrike" cap="none" spc="0" normalizeH="0" baseline="0">
         <a:ln>
           <a:noFill/>
         </a:ln>
@@ -298,7 +300,7 @@
       <a:buFontTx/>
       <a:buNone/>
       <a:tabLst/>
-      <a:defRPr b="0" baseline="0" cap="none" i="0" spc="0" strike="noStrike" sz="1200" u="none" kumimoji="0" normalizeH="0">
+      <a:defRPr kumimoji="0" sz="1200" b="0" i="0" u="none" strike="noStrike" cap="none" spc="0" normalizeH="0" baseline="0">
         <a:ln>
           <a:noFill/>
         </a:ln>
@@ -317,13 +319,14 @@
 </p:presentation>
 </file>
 
-<file path=ppt/commentAuthors.xml><?xml version="1.0" encoding="utf-8"?>
-<p:cmAuthorLst xmlns:a="http://schemas.openxmlformats.org/drawingml/2006/main" xmlns:r="http://schemas.openxmlformats.org/officeDocument/2006/relationships" xmlns:p="http://schemas.openxmlformats.org/presentationml/2006/main" xmlns:m="http://schemas.openxmlformats.org/officeDocument/2006/math" xmlns:a14="http://schemas.microsoft.com/office/drawing/2010/main"/>
-</file>
-
 <file path=ppt/notesMasters/notesMaster1.xml><?xml version="1.0" encoding="utf-8"?>
-<p:notesMaster xmlns:a="http://schemas.openxmlformats.org/drawingml/2006/main" xmlns:r="http://schemas.openxmlformats.org/officeDocument/2006/relationships" xmlns:p="http://schemas.openxmlformats.org/presentationml/2006/main" xmlns:m="http://schemas.openxmlformats.org/officeDocument/2006/math" xmlns:a14="http://schemas.microsoft.com/office/drawing/2010/main">
+<p:notesMaster xmlns:a="http://schemas.openxmlformats.org/drawingml/2006/main" xmlns:r="http://schemas.openxmlformats.org/officeDocument/2006/relationships" xmlns:p="http://schemas.openxmlformats.org/presentationml/2006/main">
   <p:cSld>
+    <p:bg>
+      <p:bgRef idx="1001">
+        <a:schemeClr val="bg1"/>
+      </p:bgRef>
+    </p:bg>
     <p:spTree>
       <p:nvGrpSpPr>
         <p:cNvPr id="1" name=""/>
@@ -341,7 +344,9 @@
       <p:sp>
         <p:nvSpPr>
           <p:cNvPr id="157" name="Shape 157"/>
-          <p:cNvSpPr/>
+          <p:cNvSpPr>
+            <a:spLocks noGrp="1" noRot="1" noChangeAspect="1"/>
+          </p:cNvSpPr>
           <p:nvPr>
             <p:ph type="sldImg"/>
           </p:nvPr>
@@ -359,14 +364,16 @@
           <a:bodyPr/>
           <a:lstStyle/>
           <a:p>
-            <a:pPr/>
+            <a:endParaRPr/>
           </a:p>
         </p:txBody>
       </p:sp>
       <p:sp>
         <p:nvSpPr>
           <p:cNvPr id="158" name="Shape 158"/>
-          <p:cNvSpPr/>
+          <p:cNvSpPr>
+            <a:spLocks noGrp="1"/>
+          </p:cNvSpPr>
           <p:nvPr>
             <p:ph type="body" sz="quarter" idx="1"/>
           </p:nvPr>
@@ -384,11 +391,16 @@
           <a:bodyPr/>
           <a:lstStyle/>
           <a:p>
-            <a:pPr/>
+            <a:endParaRPr/>
           </a:p>
         </p:txBody>
       </p:sp>
     </p:spTree>
+    <p:extLst>
+      <p:ext uri="{BB962C8B-B14F-4D97-AF65-F5344CB8AC3E}">
+        <p14:creationId xmlns:p14="http://schemas.microsoft.com/office/powerpoint/2010/main" val="2000516800"/>
+      </p:ext>
+    </p:extLst>
   </p:cSld>
   <p:clrMap bg1="lt1" tx1="dk1" bg2="lt2" tx2="dk2" accent1="accent1" accent2="accent2" accent3="accent3" accent4="accent4" accent5="accent5" accent6="accent6" hlink="hlink" folHlink="folHlink"/>
   <p:notesStyle>
@@ -469,7 +481,7 @@
 </file>
 
 <file path=ppt/slideLayouts/slideLayout1.xml><?xml version="1.0" encoding="utf-8"?>
-<p:sldLayout xmlns:a="http://schemas.openxmlformats.org/drawingml/2006/main" xmlns:r="http://schemas.openxmlformats.org/officeDocument/2006/relationships" xmlns:p="http://schemas.openxmlformats.org/presentationml/2006/main" xmlns:m="http://schemas.openxmlformats.org/officeDocument/2006/math" xmlns:a14="http://schemas.microsoft.com/office/drawing/2010/main" type="tx" showMasterSp="1" showMasterPhAnim="1">
+<p:sldLayout xmlns:a="http://schemas.openxmlformats.org/drawingml/2006/main" xmlns:r="http://schemas.openxmlformats.org/officeDocument/2006/relationships" xmlns:p="http://schemas.openxmlformats.org/presentationml/2006/main" type="tx">
   <p:cSld name="Title Slide">
     <p:spTree>
       <p:nvGrpSpPr>
@@ -488,7 +500,9 @@
       <p:sp>
         <p:nvSpPr>
           <p:cNvPr id="15" name="Title Text"/>
-          <p:cNvSpPr txBox="1"/>
+          <p:cNvSpPr txBox="1">
+            <a:spLocks noGrp="1"/>
+          </p:cNvSpPr>
           <p:nvPr>
             <p:ph type="title"/>
           </p:nvPr>
@@ -508,7 +522,6 @@
             <a:lvl1pPr algn="ctr"/>
           </a:lstStyle>
           <a:p>
-            <a:pPr/>
             <a:r>
               <a:t>Title Text</a:t>
             </a:r>
@@ -518,7 +531,9 @@
       <p:sp>
         <p:nvSpPr>
           <p:cNvPr id="16" name="Body Level One…"/>
-          <p:cNvSpPr txBox="1"/>
+          <p:cNvSpPr txBox="1">
+            <a:spLocks noGrp="1"/>
+          </p:cNvSpPr>
           <p:nvPr>
             <p:ph type="body" sz="quarter" idx="1"/>
           </p:nvPr>
@@ -541,35 +556,34 @@
               </a:spcBef>
               <a:buSzTx/>
               <a:buNone/>
-              <a:defRPr b="1" sz="2000"/>
+              <a:defRPr sz="2000" b="1"/>
             </a:lvl1pPr>
             <a:lvl2pPr marL="742950" indent="-285750" algn="ctr">
               <a:spcBef>
                 <a:spcPts val="400"/>
               </a:spcBef>
-              <a:defRPr b="1" sz="2000"/>
+              <a:defRPr sz="2000" b="1"/>
             </a:lvl2pPr>
             <a:lvl3pPr marL="1168400" indent="-254000" algn="ctr">
               <a:spcBef>
                 <a:spcPts val="400"/>
               </a:spcBef>
-              <a:defRPr b="1" sz="2000"/>
+              <a:defRPr sz="2000" b="1"/>
             </a:lvl3pPr>
             <a:lvl4pPr marL="1625600" indent="-254000" algn="ctr">
               <a:spcBef>
                 <a:spcPts val="400"/>
               </a:spcBef>
-              <a:defRPr b="1" sz="2000"/>
+              <a:defRPr sz="2000" b="1"/>
             </a:lvl4pPr>
             <a:lvl5pPr marL="2082800" indent="-254000" algn="ctr">
               <a:spcBef>
                 <a:spcPts val="400"/>
               </a:spcBef>
-              <a:defRPr b="1" sz="2000"/>
+              <a:defRPr sz="2000" b="1"/>
             </a:lvl5pPr>
           </a:lstStyle>
           <a:p>
-            <a:pPr/>
             <a:r>
               <a:t>Body Level One</a:t>
             </a:r>
@@ -603,7 +617,9 @@
       <p:sp>
         <p:nvSpPr>
           <p:cNvPr id="17" name="Slide Number"/>
-          <p:cNvSpPr txBox="1"/>
+          <p:cNvSpPr txBox="1">
+            <a:spLocks noGrp="1"/>
+          </p:cNvSpPr>
           <p:nvPr>
             <p:ph type="sldNum" sz="quarter" idx="2"/>
           </p:nvPr>
@@ -621,8 +637,10 @@
           <a:bodyPr/>
           <a:lstStyle/>
           <a:p>
-            <a:pPr/>
-            <a:fld id="{86CB4B4D-7CA3-9044-876B-883B54F8677D}" type="slidenum"/>
+            <a:fld id="{86CB4B4D-7CA3-9044-876B-883B54F8677D}" type="slidenum">
+              <a:t>‹#›</a:t>
+            </a:fld>
+            <a:endParaRPr/>
           </a:p>
         </p:txBody>
       </p:sp>
@@ -631,12 +649,12 @@
   <p:clrMapOvr>
     <a:masterClrMapping/>
   </p:clrMapOvr>
-  <p:transition xmlns:p14="http://schemas.microsoft.com/office/powerpoint/2010/main" spd="med" advClick="1"/>
+  <p:transition xmlns:p14="http://schemas.microsoft.com/office/powerpoint/2010/main" spd="med"/>
 </p:sldLayout>
 </file>
 
 <file path=ppt/slideLayouts/slideLayout10.xml><?xml version="1.0" encoding="utf-8"?>
-<p:sldLayout xmlns:a="http://schemas.openxmlformats.org/drawingml/2006/main" xmlns:r="http://schemas.openxmlformats.org/officeDocument/2006/relationships" xmlns:p="http://schemas.openxmlformats.org/presentationml/2006/main" xmlns:m="http://schemas.openxmlformats.org/officeDocument/2006/math" xmlns:a14="http://schemas.microsoft.com/office/drawing/2010/main" type="tx" showMasterSp="1" showMasterPhAnim="1">
+<p:sldLayout xmlns:a="http://schemas.openxmlformats.org/drawingml/2006/main" xmlns:r="http://schemas.openxmlformats.org/officeDocument/2006/relationships" xmlns:p="http://schemas.openxmlformats.org/presentationml/2006/main" type="tx">
   <p:cSld name="Title and Vertical Text">
     <p:spTree>
       <p:nvGrpSpPr>
@@ -655,7 +673,9 @@
       <p:sp>
         <p:nvSpPr>
           <p:cNvPr id="96" name="Title Text"/>
-          <p:cNvSpPr txBox="1"/>
+          <p:cNvSpPr txBox="1">
+            <a:spLocks noGrp="1"/>
+          </p:cNvSpPr>
           <p:nvPr>
             <p:ph type="title"/>
           </p:nvPr>
@@ -669,7 +689,6 @@
           <a:bodyPr/>
           <a:lstStyle/>
           <a:p>
-            <a:pPr/>
             <a:r>
               <a:t>Title Text</a:t>
             </a:r>
@@ -679,7 +698,9 @@
       <p:sp>
         <p:nvSpPr>
           <p:cNvPr id="97" name="Body Level One…"/>
-          <p:cNvSpPr txBox="1"/>
+          <p:cNvSpPr txBox="1">
+            <a:spLocks noGrp="1"/>
+          </p:cNvSpPr>
           <p:nvPr>
             <p:ph type="body" idx="1"/>
           </p:nvPr>
@@ -709,7 +730,6 @@
             </a:lvl5pPr>
           </a:lstStyle>
           <a:p>
-            <a:pPr/>
             <a:r>
               <a:t>Body Level One</a:t>
             </a:r>
@@ -743,7 +763,9 @@
       <p:sp>
         <p:nvSpPr>
           <p:cNvPr id="98" name="Slide Number"/>
-          <p:cNvSpPr txBox="1"/>
+          <p:cNvSpPr txBox="1">
+            <a:spLocks noGrp="1"/>
+          </p:cNvSpPr>
           <p:nvPr>
             <p:ph type="sldNum" sz="quarter" idx="2"/>
           </p:nvPr>
@@ -757,8 +779,10 @@
           <a:bodyPr/>
           <a:lstStyle/>
           <a:p>
-            <a:pPr/>
-            <a:fld id="{86CB4B4D-7CA3-9044-876B-883B54F8677D}" type="slidenum"/>
+            <a:fld id="{86CB4B4D-7CA3-9044-876B-883B54F8677D}" type="slidenum">
+              <a:t>‹#›</a:t>
+            </a:fld>
+            <a:endParaRPr/>
           </a:p>
         </p:txBody>
       </p:sp>
@@ -767,12 +791,12 @@
   <p:clrMapOvr>
     <a:masterClrMapping/>
   </p:clrMapOvr>
-  <p:transition xmlns:p14="http://schemas.microsoft.com/office/powerpoint/2010/main" spd="med" advClick="1"/>
+  <p:transition xmlns:p14="http://schemas.microsoft.com/office/powerpoint/2010/main" spd="med"/>
 </p:sldLayout>
 </file>
 
 <file path=ppt/slideLayouts/slideLayout11.xml><?xml version="1.0" encoding="utf-8"?>
-<p:sldLayout xmlns:a="http://schemas.openxmlformats.org/drawingml/2006/main" xmlns:r="http://schemas.openxmlformats.org/officeDocument/2006/relationships" xmlns:p="http://schemas.openxmlformats.org/presentationml/2006/main" xmlns:m="http://schemas.openxmlformats.org/officeDocument/2006/math" xmlns:a14="http://schemas.microsoft.com/office/drawing/2010/main" type="tx" showMasterSp="1" showMasterPhAnim="1">
+<p:sldLayout xmlns:a="http://schemas.openxmlformats.org/drawingml/2006/main" xmlns:r="http://schemas.openxmlformats.org/officeDocument/2006/relationships" xmlns:p="http://schemas.openxmlformats.org/presentationml/2006/main" type="tx">
   <p:cSld name="Vertical Title and Text">
     <p:spTree>
       <p:nvGrpSpPr>
@@ -791,7 +815,9 @@
       <p:sp>
         <p:nvSpPr>
           <p:cNvPr id="105" name="Title Text"/>
-          <p:cNvSpPr txBox="1"/>
+          <p:cNvSpPr txBox="1">
+            <a:spLocks noGrp="1"/>
+          </p:cNvSpPr>
           <p:nvPr>
             <p:ph type="title"/>
           </p:nvPr>
@@ -809,7 +835,6 @@
           <a:bodyPr/>
           <a:lstStyle/>
           <a:p>
-            <a:pPr/>
             <a:r>
               <a:t>Title Text</a:t>
             </a:r>
@@ -819,7 +844,9 @@
       <p:sp>
         <p:nvSpPr>
           <p:cNvPr id="106" name="Body Level One…"/>
-          <p:cNvSpPr txBox="1"/>
+          <p:cNvSpPr txBox="1">
+            <a:spLocks noGrp="1"/>
+          </p:cNvSpPr>
           <p:nvPr>
             <p:ph type="body" idx="1"/>
           </p:nvPr>
@@ -853,7 +880,6 @@
             </a:lvl5pPr>
           </a:lstStyle>
           <a:p>
-            <a:pPr/>
             <a:r>
               <a:t>Body Level One</a:t>
             </a:r>
@@ -887,7 +913,9 @@
       <p:sp>
         <p:nvSpPr>
           <p:cNvPr id="107" name="Slide Number"/>
-          <p:cNvSpPr txBox="1"/>
+          <p:cNvSpPr txBox="1">
+            <a:spLocks noGrp="1"/>
+          </p:cNvSpPr>
           <p:nvPr>
             <p:ph type="sldNum" sz="quarter" idx="2"/>
           </p:nvPr>
@@ -901,8 +929,10 @@
           <a:bodyPr/>
           <a:lstStyle/>
           <a:p>
-            <a:pPr/>
-            <a:fld id="{86CB4B4D-7CA3-9044-876B-883B54F8677D}" type="slidenum"/>
+            <a:fld id="{86CB4B4D-7CA3-9044-876B-883B54F8677D}" type="slidenum">
+              <a:t>‹#›</a:t>
+            </a:fld>
+            <a:endParaRPr/>
           </a:p>
         </p:txBody>
       </p:sp>
@@ -911,12 +941,12 @@
   <p:clrMapOvr>
     <a:masterClrMapping/>
   </p:clrMapOvr>
-  <p:transition xmlns:p14="http://schemas.microsoft.com/office/powerpoint/2010/main" spd="med" advClick="1"/>
+  <p:transition xmlns:p14="http://schemas.microsoft.com/office/powerpoint/2010/main" spd="med"/>
 </p:sldLayout>
 </file>
 
 <file path=ppt/slideLayouts/slideLayout12.xml><?xml version="1.0" encoding="utf-8"?>
-<p:sldLayout xmlns:a="http://schemas.openxmlformats.org/drawingml/2006/main" xmlns:r="http://schemas.openxmlformats.org/officeDocument/2006/relationships" xmlns:p="http://schemas.openxmlformats.org/presentationml/2006/main" xmlns:m="http://schemas.openxmlformats.org/officeDocument/2006/math" xmlns:a14="http://schemas.microsoft.com/office/drawing/2010/main" type="tx" showMasterSp="1" showMasterPhAnim="1">
+<p:sldLayout xmlns:a="http://schemas.openxmlformats.org/drawingml/2006/main" xmlns:r="http://schemas.openxmlformats.org/officeDocument/2006/relationships" xmlns:p="http://schemas.openxmlformats.org/presentationml/2006/main" type="tx">
   <p:cSld name="Title and 4 Content">
     <p:spTree>
       <p:nvGrpSpPr>
@@ -935,7 +965,9 @@
       <p:sp>
         <p:nvSpPr>
           <p:cNvPr id="114" name="Title Text"/>
-          <p:cNvSpPr txBox="1"/>
+          <p:cNvSpPr txBox="1">
+            <a:spLocks noGrp="1"/>
+          </p:cNvSpPr>
           <p:nvPr>
             <p:ph type="title"/>
           </p:nvPr>
@@ -953,7 +985,6 @@
           <a:bodyPr/>
           <a:lstStyle/>
           <a:p>
-            <a:pPr/>
             <a:r>
               <a:t>Title Text</a:t>
             </a:r>
@@ -963,7 +994,9 @@
       <p:sp>
         <p:nvSpPr>
           <p:cNvPr id="115" name="Body Level One…"/>
-          <p:cNvSpPr txBox="1"/>
+          <p:cNvSpPr txBox="1">
+            <a:spLocks noGrp="1"/>
+          </p:cNvSpPr>
           <p:nvPr>
             <p:ph type="body" sz="quarter" idx="1"/>
           </p:nvPr>
@@ -997,7 +1030,6 @@
             </a:lvl5pPr>
           </a:lstStyle>
           <a:p>
-            <a:pPr/>
             <a:r>
               <a:t>Body Level One</a:t>
             </a:r>
@@ -1031,7 +1063,9 @@
       <p:sp>
         <p:nvSpPr>
           <p:cNvPr id="116" name="Slide Number"/>
-          <p:cNvSpPr txBox="1"/>
+          <p:cNvSpPr txBox="1">
+            <a:spLocks noGrp="1"/>
+          </p:cNvSpPr>
           <p:nvPr>
             <p:ph type="sldNum" sz="quarter" idx="2"/>
           </p:nvPr>
@@ -1045,8 +1079,10 @@
           <a:bodyPr/>
           <a:lstStyle/>
           <a:p>
-            <a:pPr/>
-            <a:fld id="{86CB4B4D-7CA3-9044-876B-883B54F8677D}" type="slidenum"/>
+            <a:fld id="{86CB4B4D-7CA3-9044-876B-883B54F8677D}" type="slidenum">
+              <a:t>‹#›</a:t>
+            </a:fld>
+            <a:endParaRPr/>
           </a:p>
         </p:txBody>
       </p:sp>
@@ -1055,12 +1091,12 @@
   <p:clrMapOvr>
     <a:masterClrMapping/>
   </p:clrMapOvr>
-  <p:transition xmlns:p14="http://schemas.microsoft.com/office/powerpoint/2010/main" spd="med" advClick="1"/>
+  <p:transition xmlns:p14="http://schemas.microsoft.com/office/powerpoint/2010/main" spd="med"/>
 </p:sldLayout>
 </file>
 
 <file path=ppt/slideLayouts/slideLayout13.xml><?xml version="1.0" encoding="utf-8"?>
-<p:sldLayout xmlns:a="http://schemas.openxmlformats.org/drawingml/2006/main" xmlns:r="http://schemas.openxmlformats.org/officeDocument/2006/relationships" xmlns:p="http://schemas.openxmlformats.org/presentationml/2006/main" xmlns:m="http://schemas.openxmlformats.org/officeDocument/2006/math" xmlns:a14="http://schemas.microsoft.com/office/drawing/2010/main" type="tx" showMasterSp="1" showMasterPhAnim="1">
+<p:sldLayout xmlns:a="http://schemas.openxmlformats.org/drawingml/2006/main" xmlns:r="http://schemas.openxmlformats.org/officeDocument/2006/relationships" xmlns:p="http://schemas.openxmlformats.org/presentationml/2006/main" type="tx">
   <p:cSld name="Title, Text, and 2 Content">
     <p:spTree>
       <p:nvGrpSpPr>
@@ -1079,7 +1115,9 @@
       <p:sp>
         <p:nvSpPr>
           <p:cNvPr id="123" name="Title Text"/>
-          <p:cNvSpPr txBox="1"/>
+          <p:cNvSpPr txBox="1">
+            <a:spLocks noGrp="1"/>
+          </p:cNvSpPr>
           <p:nvPr>
             <p:ph type="title"/>
           </p:nvPr>
@@ -1097,7 +1135,6 @@
           <a:bodyPr/>
           <a:lstStyle/>
           <a:p>
-            <a:pPr/>
             <a:r>
               <a:t>Title Text</a:t>
             </a:r>
@@ -1107,7 +1144,9 @@
       <p:sp>
         <p:nvSpPr>
           <p:cNvPr id="124" name="Body Level One…"/>
-          <p:cNvSpPr txBox="1"/>
+          <p:cNvSpPr txBox="1">
+            <a:spLocks noGrp="1"/>
+          </p:cNvSpPr>
           <p:nvPr>
             <p:ph type="body" sz="half" idx="1"/>
           </p:nvPr>
@@ -1141,7 +1180,6 @@
             </a:lvl5pPr>
           </a:lstStyle>
           <a:p>
-            <a:pPr/>
             <a:r>
               <a:t>Body Level One</a:t>
             </a:r>
@@ -1175,7 +1213,9 @@
       <p:sp>
         <p:nvSpPr>
           <p:cNvPr id="125" name="Slide Number"/>
-          <p:cNvSpPr txBox="1"/>
+          <p:cNvSpPr txBox="1">
+            <a:spLocks noGrp="1"/>
+          </p:cNvSpPr>
           <p:nvPr>
             <p:ph type="sldNum" sz="quarter" idx="2"/>
           </p:nvPr>
@@ -1189,8 +1229,10 @@
           <a:bodyPr/>
           <a:lstStyle/>
           <a:p>
-            <a:pPr/>
-            <a:fld id="{86CB4B4D-7CA3-9044-876B-883B54F8677D}" type="slidenum"/>
+            <a:fld id="{86CB4B4D-7CA3-9044-876B-883B54F8677D}" type="slidenum">
+              <a:t>‹#›</a:t>
+            </a:fld>
+            <a:endParaRPr/>
           </a:p>
         </p:txBody>
       </p:sp>
@@ -1199,12 +1241,12 @@
   <p:clrMapOvr>
     <a:masterClrMapping/>
   </p:clrMapOvr>
-  <p:transition xmlns:p14="http://schemas.microsoft.com/office/powerpoint/2010/main" spd="med" advClick="1"/>
+  <p:transition xmlns:p14="http://schemas.microsoft.com/office/powerpoint/2010/main" spd="med"/>
 </p:sldLayout>
 </file>
 
 <file path=ppt/slideLayouts/slideLayout14.xml><?xml version="1.0" encoding="utf-8"?>
-<p:sldLayout xmlns:a="http://schemas.openxmlformats.org/drawingml/2006/main" xmlns:r="http://schemas.openxmlformats.org/officeDocument/2006/relationships" xmlns:p="http://schemas.openxmlformats.org/presentationml/2006/main" xmlns:m="http://schemas.openxmlformats.org/officeDocument/2006/math" xmlns:a14="http://schemas.microsoft.com/office/drawing/2010/main" type="tx" showMasterSp="1" showMasterPhAnim="1">
+<p:sldLayout xmlns:a="http://schemas.openxmlformats.org/drawingml/2006/main" xmlns:r="http://schemas.openxmlformats.org/officeDocument/2006/relationships" xmlns:p="http://schemas.openxmlformats.org/presentationml/2006/main" type="tx">
   <p:cSld name="Title, Content, and 2 Content">
     <p:spTree>
       <p:nvGrpSpPr>
@@ -1223,7 +1265,9 @@
       <p:sp>
         <p:nvSpPr>
           <p:cNvPr id="132" name="Title Text"/>
-          <p:cNvSpPr txBox="1"/>
+          <p:cNvSpPr txBox="1">
+            <a:spLocks noGrp="1"/>
+          </p:cNvSpPr>
           <p:nvPr>
             <p:ph type="title"/>
           </p:nvPr>
@@ -1241,7 +1285,6 @@
           <a:bodyPr/>
           <a:lstStyle/>
           <a:p>
-            <a:pPr/>
             <a:r>
               <a:t>Title Text</a:t>
             </a:r>
@@ -1251,7 +1294,9 @@
       <p:sp>
         <p:nvSpPr>
           <p:cNvPr id="133" name="Body Level One…"/>
-          <p:cNvSpPr txBox="1"/>
+          <p:cNvSpPr txBox="1">
+            <a:spLocks noGrp="1"/>
+          </p:cNvSpPr>
           <p:nvPr>
             <p:ph type="body" sz="half" idx="1"/>
           </p:nvPr>
@@ -1285,7 +1330,6 @@
             </a:lvl5pPr>
           </a:lstStyle>
           <a:p>
-            <a:pPr/>
             <a:r>
               <a:t>Body Level One</a:t>
             </a:r>
@@ -1319,7 +1363,9 @@
       <p:sp>
         <p:nvSpPr>
           <p:cNvPr id="134" name="Slide Number"/>
-          <p:cNvSpPr txBox="1"/>
+          <p:cNvSpPr txBox="1">
+            <a:spLocks noGrp="1"/>
+          </p:cNvSpPr>
           <p:nvPr>
             <p:ph type="sldNum" sz="quarter" idx="2"/>
           </p:nvPr>
@@ -1333,8 +1379,10 @@
           <a:bodyPr/>
           <a:lstStyle/>
           <a:p>
-            <a:pPr/>
-            <a:fld id="{86CB4B4D-7CA3-9044-876B-883B54F8677D}" type="slidenum"/>
+            <a:fld id="{86CB4B4D-7CA3-9044-876B-883B54F8677D}" type="slidenum">
+              <a:t>‹#›</a:t>
+            </a:fld>
+            <a:endParaRPr/>
           </a:p>
         </p:txBody>
       </p:sp>
@@ -1343,12 +1391,12 @@
   <p:clrMapOvr>
     <a:masterClrMapping/>
   </p:clrMapOvr>
-  <p:transition xmlns:p14="http://schemas.microsoft.com/office/powerpoint/2010/main" spd="med" advClick="1"/>
+  <p:transition xmlns:p14="http://schemas.microsoft.com/office/powerpoint/2010/main" spd="med"/>
 </p:sldLayout>
 </file>
 
 <file path=ppt/slideLayouts/slideLayout15.xml><?xml version="1.0" encoding="utf-8"?>
-<p:sldLayout xmlns:a="http://schemas.openxmlformats.org/drawingml/2006/main" xmlns:r="http://schemas.openxmlformats.org/officeDocument/2006/relationships" xmlns:p="http://schemas.openxmlformats.org/presentationml/2006/main" xmlns:m="http://schemas.openxmlformats.org/officeDocument/2006/math" xmlns:a14="http://schemas.microsoft.com/office/drawing/2010/main" type="tx" showMasterSp="1" showMasterPhAnim="1">
+<p:sldLayout xmlns:a="http://schemas.openxmlformats.org/drawingml/2006/main" xmlns:r="http://schemas.openxmlformats.org/officeDocument/2006/relationships" xmlns:p="http://schemas.openxmlformats.org/presentationml/2006/main" type="tx">
   <p:cSld name="Title and Content over Text">
     <p:spTree>
       <p:nvGrpSpPr>
@@ -1367,7 +1415,9 @@
       <p:sp>
         <p:nvSpPr>
           <p:cNvPr id="141" name="Title Text"/>
-          <p:cNvSpPr txBox="1"/>
+          <p:cNvSpPr txBox="1">
+            <a:spLocks noGrp="1"/>
+          </p:cNvSpPr>
           <p:nvPr>
             <p:ph type="title"/>
           </p:nvPr>
@@ -1385,7 +1435,6 @@
           <a:bodyPr/>
           <a:lstStyle/>
           <a:p>
-            <a:pPr/>
             <a:r>
               <a:t>Title Text</a:t>
             </a:r>
@@ -1395,7 +1444,9 @@
       <p:sp>
         <p:nvSpPr>
           <p:cNvPr id="142" name="Body Level One…"/>
-          <p:cNvSpPr txBox="1"/>
+          <p:cNvSpPr txBox="1">
+            <a:spLocks noGrp="1"/>
+          </p:cNvSpPr>
           <p:nvPr>
             <p:ph type="body" sz="half" idx="1"/>
           </p:nvPr>
@@ -1429,7 +1480,6 @@
             </a:lvl5pPr>
           </a:lstStyle>
           <a:p>
-            <a:pPr/>
             <a:r>
               <a:t>Body Level One</a:t>
             </a:r>
@@ -1463,7 +1513,9 @@
       <p:sp>
         <p:nvSpPr>
           <p:cNvPr id="143" name="Text Placeholder 3"/>
-          <p:cNvSpPr/>
+          <p:cNvSpPr>
+            <a:spLocks noGrp="1"/>
+          </p:cNvSpPr>
           <p:nvPr>
             <p:ph type="body" sz="half" idx="13"/>
           </p:nvPr>
@@ -1484,13 +1536,16 @@
             <a:pPr>
               <a:defRPr b="1"/>
             </a:pPr>
+            <a:endParaRPr/>
           </a:p>
         </p:txBody>
       </p:sp>
       <p:sp>
         <p:nvSpPr>
           <p:cNvPr id="144" name="Slide Number"/>
-          <p:cNvSpPr txBox="1"/>
+          <p:cNvSpPr txBox="1">
+            <a:spLocks noGrp="1"/>
+          </p:cNvSpPr>
           <p:nvPr>
             <p:ph type="sldNum" sz="quarter" idx="2"/>
           </p:nvPr>
@@ -1508,8 +1563,10 @@
           <a:bodyPr/>
           <a:lstStyle/>
           <a:p>
-            <a:pPr/>
-            <a:fld id="{86CB4B4D-7CA3-9044-876B-883B54F8677D}" type="slidenum"/>
+            <a:fld id="{86CB4B4D-7CA3-9044-876B-883B54F8677D}" type="slidenum">
+              <a:t>‹#›</a:t>
+            </a:fld>
+            <a:endParaRPr/>
           </a:p>
         </p:txBody>
       </p:sp>
@@ -1518,12 +1575,12 @@
   <p:clrMapOvr>
     <a:masterClrMapping/>
   </p:clrMapOvr>
-  <p:transition xmlns:p14="http://schemas.microsoft.com/office/powerpoint/2010/main" spd="med" advClick="1"/>
+  <p:transition xmlns:p14="http://schemas.microsoft.com/office/powerpoint/2010/main" spd="med"/>
 </p:sldLayout>
 </file>
 
 <file path=ppt/slideLayouts/slideLayout16.xml><?xml version="1.0" encoding="utf-8"?>
-<p:sldLayout xmlns:a="http://schemas.openxmlformats.org/drawingml/2006/main" xmlns:r="http://schemas.openxmlformats.org/officeDocument/2006/relationships" xmlns:p="http://schemas.openxmlformats.org/presentationml/2006/main" xmlns:m="http://schemas.openxmlformats.org/officeDocument/2006/math" xmlns:a14="http://schemas.microsoft.com/office/drawing/2010/main" type="tx" showMasterSp="0" showMasterPhAnim="1">
+<p:sldLayout xmlns:a="http://schemas.openxmlformats.org/drawingml/2006/main" xmlns:r="http://schemas.openxmlformats.org/officeDocument/2006/relationships" xmlns:p="http://schemas.openxmlformats.org/presentationml/2006/main" showMasterSp="0" type="tx">
   <p:cSld name="Blank">
     <p:spTree>
       <p:nvGrpSpPr>
@@ -1542,7 +1599,9 @@
       <p:sp>
         <p:nvSpPr>
           <p:cNvPr id="151" name="Slide Number"/>
-          <p:cNvSpPr txBox="1"/>
+          <p:cNvSpPr txBox="1">
+            <a:spLocks noGrp="1"/>
+          </p:cNvSpPr>
           <p:nvPr>
             <p:ph type="sldNum" sz="quarter" idx="2"/>
           </p:nvPr>
@@ -1569,8 +1628,10 @@
             </a:lvl1pPr>
           </a:lstStyle>
           <a:p>
-            <a:pPr/>
-            <a:fld id="{86CB4B4D-7CA3-9044-876B-883B54F8677D}" type="slidenum"/>
+            <a:fld id="{86CB4B4D-7CA3-9044-876B-883B54F8677D}" type="slidenum">
+              <a:t>‹#›</a:t>
+            </a:fld>
+            <a:endParaRPr/>
           </a:p>
         </p:txBody>
       </p:sp>
@@ -1579,12 +1640,12 @@
   <p:clrMapOvr>
     <a:masterClrMapping/>
   </p:clrMapOvr>
-  <p:transition xmlns:p14="http://schemas.microsoft.com/office/powerpoint/2010/main" spd="med" advClick="1"/>
+  <p:transition xmlns:p14="http://schemas.microsoft.com/office/powerpoint/2010/main" spd="med"/>
 </p:sldLayout>
 </file>
 
 <file path=ppt/slideLayouts/slideLayout2.xml><?xml version="1.0" encoding="utf-8"?>
-<p:sldLayout xmlns:a="http://schemas.openxmlformats.org/drawingml/2006/main" xmlns:r="http://schemas.openxmlformats.org/officeDocument/2006/relationships" xmlns:p="http://schemas.openxmlformats.org/presentationml/2006/main" xmlns:m="http://schemas.openxmlformats.org/officeDocument/2006/math" xmlns:a14="http://schemas.microsoft.com/office/drawing/2010/main" type="tx" showMasterSp="1" showMasterPhAnim="1">
+<p:sldLayout xmlns:a="http://schemas.openxmlformats.org/drawingml/2006/main" xmlns:r="http://schemas.openxmlformats.org/officeDocument/2006/relationships" xmlns:p="http://schemas.openxmlformats.org/presentationml/2006/main" type="tx">
   <p:cSld name="Title and Content">
     <p:spTree>
       <p:nvGrpSpPr>
@@ -1603,7 +1664,9 @@
       <p:sp>
         <p:nvSpPr>
           <p:cNvPr id="24" name="Title Text"/>
-          <p:cNvSpPr txBox="1"/>
+          <p:cNvSpPr txBox="1">
+            <a:spLocks noGrp="1"/>
+          </p:cNvSpPr>
           <p:nvPr>
             <p:ph type="title"/>
           </p:nvPr>
@@ -1617,7 +1680,6 @@
           <a:bodyPr/>
           <a:lstStyle/>
           <a:p>
-            <a:pPr/>
             <a:r>
               <a:t>Title Text</a:t>
             </a:r>
@@ -1627,7 +1689,9 @@
       <p:sp>
         <p:nvSpPr>
           <p:cNvPr id="25" name="Body Level One…"/>
-          <p:cNvSpPr txBox="1"/>
+          <p:cNvSpPr txBox="1">
+            <a:spLocks noGrp="1"/>
+          </p:cNvSpPr>
           <p:nvPr>
             <p:ph type="body" idx="1"/>
           </p:nvPr>
@@ -1641,7 +1705,6 @@
           <a:bodyPr/>
           <a:lstStyle/>
           <a:p>
-            <a:pPr/>
             <a:r>
               <a:t>Body Level One</a:t>
             </a:r>
@@ -1675,7 +1738,9 @@
       <p:sp>
         <p:nvSpPr>
           <p:cNvPr id="26" name="Slide Number"/>
-          <p:cNvSpPr txBox="1"/>
+          <p:cNvSpPr txBox="1">
+            <a:spLocks noGrp="1"/>
+          </p:cNvSpPr>
           <p:nvPr>
             <p:ph type="sldNum" sz="quarter" idx="2"/>
           </p:nvPr>
@@ -1689,8 +1754,10 @@
           <a:bodyPr/>
           <a:lstStyle/>
           <a:p>
-            <a:pPr/>
-            <a:fld id="{86CB4B4D-7CA3-9044-876B-883B54F8677D}" type="slidenum"/>
+            <a:fld id="{86CB4B4D-7CA3-9044-876B-883B54F8677D}" type="slidenum">
+              <a:t>‹#›</a:t>
+            </a:fld>
+            <a:endParaRPr/>
           </a:p>
         </p:txBody>
       </p:sp>
@@ -1699,12 +1766,12 @@
   <p:clrMapOvr>
     <a:masterClrMapping/>
   </p:clrMapOvr>
-  <p:transition xmlns:p14="http://schemas.microsoft.com/office/powerpoint/2010/main" spd="med" advClick="1"/>
+  <p:transition xmlns:p14="http://schemas.microsoft.com/office/powerpoint/2010/main" spd="med"/>
 </p:sldLayout>
 </file>
 
 <file path=ppt/slideLayouts/slideLayout3.xml><?xml version="1.0" encoding="utf-8"?>
-<p:sldLayout xmlns:a="http://schemas.openxmlformats.org/drawingml/2006/main" xmlns:r="http://schemas.openxmlformats.org/officeDocument/2006/relationships" xmlns:p="http://schemas.openxmlformats.org/presentationml/2006/main" xmlns:m="http://schemas.openxmlformats.org/officeDocument/2006/math" xmlns:a14="http://schemas.microsoft.com/office/drawing/2010/main" type="tx" showMasterSp="1" showMasterPhAnim="1">
+<p:sldLayout xmlns:a="http://schemas.openxmlformats.org/drawingml/2006/main" xmlns:r="http://schemas.openxmlformats.org/officeDocument/2006/relationships" xmlns:p="http://schemas.openxmlformats.org/presentationml/2006/main" type="tx">
   <p:cSld name="Section Header">
     <p:spTree>
       <p:nvGrpSpPr>
@@ -1723,7 +1790,9 @@
       <p:sp>
         <p:nvSpPr>
           <p:cNvPr id="33" name="Title Text"/>
-          <p:cNvSpPr txBox="1"/>
+          <p:cNvSpPr txBox="1">
+            <a:spLocks noGrp="1"/>
+          </p:cNvSpPr>
           <p:nvPr>
             <p:ph type="title"/>
           </p:nvPr>
@@ -1741,11 +1810,10 @@
           <a:bodyPr anchor="t"/>
           <a:lstStyle>
             <a:lvl1pPr>
-              <a:defRPr cap="all" sz="4000"/>
+              <a:defRPr sz="4000" cap="all"/>
             </a:lvl1pPr>
           </a:lstStyle>
           <a:p>
-            <a:pPr/>
             <a:r>
               <a:t>Title Text</a:t>
             </a:r>
@@ -1755,7 +1823,9 @@
       <p:sp>
         <p:nvSpPr>
           <p:cNvPr id="34" name="Body Level One…"/>
-          <p:cNvSpPr txBox="1"/>
+          <p:cNvSpPr txBox="1">
+            <a:spLocks noGrp="1"/>
+          </p:cNvSpPr>
           <p:nvPr>
             <p:ph type="body" sz="quarter" idx="1"/>
           </p:nvPr>
@@ -1778,7 +1848,7 @@
               </a:spcBef>
               <a:buSzTx/>
               <a:buNone/>
-              <a:defRPr b="1" sz="2000"/>
+              <a:defRPr sz="2000" b="1"/>
             </a:lvl1pPr>
             <a:lvl2pPr marL="0" indent="457200">
               <a:spcBef>
@@ -1786,7 +1856,7 @@
               </a:spcBef>
               <a:buSzTx/>
               <a:buNone/>
-              <a:defRPr b="1" sz="2000"/>
+              <a:defRPr sz="2000" b="1"/>
             </a:lvl2pPr>
             <a:lvl3pPr marL="0" indent="914400">
               <a:spcBef>
@@ -1794,7 +1864,7 @@
               </a:spcBef>
               <a:buSzTx/>
               <a:buNone/>
-              <a:defRPr b="1" sz="2000"/>
+              <a:defRPr sz="2000" b="1"/>
             </a:lvl3pPr>
             <a:lvl4pPr marL="0" indent="1371600">
               <a:spcBef>
@@ -1802,7 +1872,7 @@
               </a:spcBef>
               <a:buSzTx/>
               <a:buNone/>
-              <a:defRPr b="1" sz="2000"/>
+              <a:defRPr sz="2000" b="1"/>
             </a:lvl4pPr>
             <a:lvl5pPr marL="0" indent="1828800">
               <a:spcBef>
@@ -1810,11 +1880,10 @@
               </a:spcBef>
               <a:buSzTx/>
               <a:buNone/>
-              <a:defRPr b="1" sz="2000"/>
+              <a:defRPr sz="2000" b="1"/>
             </a:lvl5pPr>
           </a:lstStyle>
           <a:p>
-            <a:pPr/>
             <a:r>
               <a:t>Body Level One</a:t>
             </a:r>
@@ -1848,7 +1917,9 @@
       <p:sp>
         <p:nvSpPr>
           <p:cNvPr id="35" name="Slide Number"/>
-          <p:cNvSpPr txBox="1"/>
+          <p:cNvSpPr txBox="1">
+            <a:spLocks noGrp="1"/>
+          </p:cNvSpPr>
           <p:nvPr>
             <p:ph type="sldNum" sz="quarter" idx="2"/>
           </p:nvPr>
@@ -1862,8 +1933,10 @@
           <a:bodyPr/>
           <a:lstStyle/>
           <a:p>
-            <a:pPr/>
-            <a:fld id="{86CB4B4D-7CA3-9044-876B-883B54F8677D}" type="slidenum"/>
+            <a:fld id="{86CB4B4D-7CA3-9044-876B-883B54F8677D}" type="slidenum">
+              <a:t>‹#›</a:t>
+            </a:fld>
+            <a:endParaRPr/>
           </a:p>
         </p:txBody>
       </p:sp>
@@ -1872,12 +1945,12 @@
   <p:clrMapOvr>
     <a:masterClrMapping/>
   </p:clrMapOvr>
-  <p:transition xmlns:p14="http://schemas.microsoft.com/office/powerpoint/2010/main" spd="med" advClick="1"/>
+  <p:transition xmlns:p14="http://schemas.microsoft.com/office/powerpoint/2010/main" spd="med"/>
 </p:sldLayout>
 </file>
 
 <file path=ppt/slideLayouts/slideLayout4.xml><?xml version="1.0" encoding="utf-8"?>
-<p:sldLayout xmlns:a="http://schemas.openxmlformats.org/drawingml/2006/main" xmlns:r="http://schemas.openxmlformats.org/officeDocument/2006/relationships" xmlns:p="http://schemas.openxmlformats.org/presentationml/2006/main" xmlns:m="http://schemas.openxmlformats.org/officeDocument/2006/math" xmlns:a14="http://schemas.microsoft.com/office/drawing/2010/main" type="tx" showMasterSp="1" showMasterPhAnim="1">
+<p:sldLayout xmlns:a="http://schemas.openxmlformats.org/drawingml/2006/main" xmlns:r="http://schemas.openxmlformats.org/officeDocument/2006/relationships" xmlns:p="http://schemas.openxmlformats.org/presentationml/2006/main" type="tx">
   <p:cSld name="Two Content">
     <p:spTree>
       <p:nvGrpSpPr>
@@ -1896,7 +1969,9 @@
       <p:sp>
         <p:nvSpPr>
           <p:cNvPr id="42" name="Title Text"/>
-          <p:cNvSpPr txBox="1"/>
+          <p:cNvSpPr txBox="1">
+            <a:spLocks noGrp="1"/>
+          </p:cNvSpPr>
           <p:nvPr>
             <p:ph type="title"/>
           </p:nvPr>
@@ -1910,7 +1985,6 @@
           <a:bodyPr/>
           <a:lstStyle/>
           <a:p>
-            <a:pPr/>
             <a:r>
               <a:t>Title Text</a:t>
             </a:r>
@@ -1920,7 +1994,9 @@
       <p:sp>
         <p:nvSpPr>
           <p:cNvPr id="43" name="Body Level One…"/>
-          <p:cNvSpPr txBox="1"/>
+          <p:cNvSpPr txBox="1">
+            <a:spLocks noGrp="1"/>
+          </p:cNvSpPr>
           <p:nvPr>
             <p:ph type="body" sz="half" idx="1"/>
           </p:nvPr>
@@ -1969,7 +2045,6 @@
             </a:lvl5pPr>
           </a:lstStyle>
           <a:p>
-            <a:pPr/>
             <a:r>
               <a:t>Body Level One</a:t>
             </a:r>
@@ -2003,7 +2078,9 @@
       <p:sp>
         <p:nvSpPr>
           <p:cNvPr id="44" name="Slide Number"/>
-          <p:cNvSpPr txBox="1"/>
+          <p:cNvSpPr txBox="1">
+            <a:spLocks noGrp="1"/>
+          </p:cNvSpPr>
           <p:nvPr>
             <p:ph type="sldNum" sz="quarter" idx="2"/>
           </p:nvPr>
@@ -2017,8 +2094,10 @@
           <a:bodyPr/>
           <a:lstStyle/>
           <a:p>
-            <a:pPr/>
-            <a:fld id="{86CB4B4D-7CA3-9044-876B-883B54F8677D}" type="slidenum"/>
+            <a:fld id="{86CB4B4D-7CA3-9044-876B-883B54F8677D}" type="slidenum">
+              <a:t>‹#›</a:t>
+            </a:fld>
+            <a:endParaRPr/>
           </a:p>
         </p:txBody>
       </p:sp>
@@ -2027,12 +2106,12 @@
   <p:clrMapOvr>
     <a:masterClrMapping/>
   </p:clrMapOvr>
-  <p:transition xmlns:p14="http://schemas.microsoft.com/office/powerpoint/2010/main" spd="med" advClick="1"/>
+  <p:transition xmlns:p14="http://schemas.microsoft.com/office/powerpoint/2010/main" spd="med"/>
 </p:sldLayout>
 </file>
 
 <file path=ppt/slideLayouts/slideLayout5.xml><?xml version="1.0" encoding="utf-8"?>
-<p:sldLayout xmlns:a="http://schemas.openxmlformats.org/drawingml/2006/main" xmlns:r="http://schemas.openxmlformats.org/officeDocument/2006/relationships" xmlns:p="http://schemas.openxmlformats.org/presentationml/2006/main" xmlns:m="http://schemas.openxmlformats.org/officeDocument/2006/math" xmlns:a14="http://schemas.microsoft.com/office/drawing/2010/main" type="tx" showMasterSp="1" showMasterPhAnim="1">
+<p:sldLayout xmlns:a="http://schemas.openxmlformats.org/drawingml/2006/main" xmlns:r="http://schemas.openxmlformats.org/officeDocument/2006/relationships" xmlns:p="http://schemas.openxmlformats.org/presentationml/2006/main" type="tx">
   <p:cSld name="Comparison">
     <p:spTree>
       <p:nvGrpSpPr>
@@ -2051,7 +2130,9 @@
       <p:sp>
         <p:nvSpPr>
           <p:cNvPr id="51" name="Title Text"/>
-          <p:cNvSpPr txBox="1"/>
+          <p:cNvSpPr txBox="1">
+            <a:spLocks noGrp="1"/>
+          </p:cNvSpPr>
           <p:nvPr>
             <p:ph type="title"/>
           </p:nvPr>
@@ -2069,7 +2150,6 @@
           <a:bodyPr/>
           <a:lstStyle/>
           <a:p>
-            <a:pPr/>
             <a:r>
               <a:t>Title Text</a:t>
             </a:r>
@@ -2079,7 +2159,9 @@
       <p:sp>
         <p:nvSpPr>
           <p:cNvPr id="52" name="Body Level One…"/>
-          <p:cNvSpPr txBox="1"/>
+          <p:cNvSpPr txBox="1">
+            <a:spLocks noGrp="1"/>
+          </p:cNvSpPr>
           <p:nvPr>
             <p:ph type="body" sz="quarter" idx="1"/>
           </p:nvPr>
@@ -2118,7 +2200,6 @@
             </a:lvl5pPr>
           </a:lstStyle>
           <a:p>
-            <a:pPr/>
             <a:r>
               <a:t>Body Level One</a:t>
             </a:r>
@@ -2152,7 +2233,9 @@
       <p:sp>
         <p:nvSpPr>
           <p:cNvPr id="53" name="Text Placeholder 4"/>
-          <p:cNvSpPr/>
+          <p:cNvSpPr>
+            <a:spLocks noGrp="1"/>
+          </p:cNvSpPr>
           <p:nvPr>
             <p:ph type="body" sz="quarter" idx="13"/>
           </p:nvPr>
@@ -2174,13 +2257,16 @@
               <a:buSzTx/>
               <a:buNone/>
             </a:pPr>
+            <a:endParaRPr/>
           </a:p>
         </p:txBody>
       </p:sp>
       <p:sp>
         <p:nvSpPr>
           <p:cNvPr id="54" name="Slide Number"/>
-          <p:cNvSpPr txBox="1"/>
+          <p:cNvSpPr txBox="1">
+            <a:spLocks noGrp="1"/>
+          </p:cNvSpPr>
           <p:nvPr>
             <p:ph type="sldNum" sz="quarter" idx="2"/>
           </p:nvPr>
@@ -2194,8 +2280,10 @@
           <a:bodyPr/>
           <a:lstStyle/>
           <a:p>
-            <a:pPr/>
-            <a:fld id="{86CB4B4D-7CA3-9044-876B-883B54F8677D}" type="slidenum"/>
+            <a:fld id="{86CB4B4D-7CA3-9044-876B-883B54F8677D}" type="slidenum">
+              <a:t>‹#›</a:t>
+            </a:fld>
+            <a:endParaRPr/>
           </a:p>
         </p:txBody>
       </p:sp>
@@ -2204,12 +2292,12 @@
   <p:clrMapOvr>
     <a:masterClrMapping/>
   </p:clrMapOvr>
-  <p:transition xmlns:p14="http://schemas.microsoft.com/office/powerpoint/2010/main" spd="med" advClick="1"/>
+  <p:transition xmlns:p14="http://schemas.microsoft.com/office/powerpoint/2010/main" spd="med"/>
 </p:sldLayout>
 </file>
 
 <file path=ppt/slideLayouts/slideLayout6.xml><?xml version="1.0" encoding="utf-8"?>
-<p:sldLayout xmlns:a="http://schemas.openxmlformats.org/drawingml/2006/main" xmlns:r="http://schemas.openxmlformats.org/officeDocument/2006/relationships" xmlns:p="http://schemas.openxmlformats.org/presentationml/2006/main" xmlns:m="http://schemas.openxmlformats.org/officeDocument/2006/math" xmlns:a14="http://schemas.microsoft.com/office/drawing/2010/main" type="tx" showMasterSp="1" showMasterPhAnim="1">
+<p:sldLayout xmlns:a="http://schemas.openxmlformats.org/drawingml/2006/main" xmlns:r="http://schemas.openxmlformats.org/officeDocument/2006/relationships" xmlns:p="http://schemas.openxmlformats.org/presentationml/2006/main" type="tx">
   <p:cSld name="Title Only">
     <p:spTree>
       <p:nvGrpSpPr>
@@ -2228,7 +2316,9 @@
       <p:sp>
         <p:nvSpPr>
           <p:cNvPr id="61" name="Title Text"/>
-          <p:cNvSpPr txBox="1"/>
+          <p:cNvSpPr txBox="1">
+            <a:spLocks noGrp="1"/>
+          </p:cNvSpPr>
           <p:nvPr>
             <p:ph type="title"/>
           </p:nvPr>
@@ -2242,7 +2332,6 @@
           <a:bodyPr/>
           <a:lstStyle/>
           <a:p>
-            <a:pPr/>
             <a:r>
               <a:t>Title Text</a:t>
             </a:r>
@@ -2252,7 +2341,9 @@
       <p:sp>
         <p:nvSpPr>
           <p:cNvPr id="62" name="Slide Number"/>
-          <p:cNvSpPr txBox="1"/>
+          <p:cNvSpPr txBox="1">
+            <a:spLocks noGrp="1"/>
+          </p:cNvSpPr>
           <p:nvPr>
             <p:ph type="sldNum" sz="quarter" idx="2"/>
           </p:nvPr>
@@ -2266,8 +2357,10 @@
           <a:bodyPr/>
           <a:lstStyle/>
           <a:p>
-            <a:pPr/>
-            <a:fld id="{86CB4B4D-7CA3-9044-876B-883B54F8677D}" type="slidenum"/>
+            <a:fld id="{86CB4B4D-7CA3-9044-876B-883B54F8677D}" type="slidenum">
+              <a:t>‹#›</a:t>
+            </a:fld>
+            <a:endParaRPr/>
           </a:p>
         </p:txBody>
       </p:sp>
@@ -2276,12 +2369,12 @@
   <p:clrMapOvr>
     <a:masterClrMapping/>
   </p:clrMapOvr>
-  <p:transition xmlns:p14="http://schemas.microsoft.com/office/powerpoint/2010/main" spd="med" advClick="1"/>
+  <p:transition xmlns:p14="http://schemas.microsoft.com/office/powerpoint/2010/main" spd="med"/>
 </p:sldLayout>
 </file>
 
 <file path=ppt/slideLayouts/slideLayout7.xml><?xml version="1.0" encoding="utf-8"?>
-<p:sldLayout xmlns:a="http://schemas.openxmlformats.org/drawingml/2006/main" xmlns:r="http://schemas.openxmlformats.org/officeDocument/2006/relationships" xmlns:p="http://schemas.openxmlformats.org/presentationml/2006/main" xmlns:m="http://schemas.openxmlformats.org/officeDocument/2006/math" xmlns:a14="http://schemas.microsoft.com/office/drawing/2010/main" type="tx" showMasterSp="1" showMasterPhAnim="1">
+<p:sldLayout xmlns:a="http://schemas.openxmlformats.org/drawingml/2006/main" xmlns:r="http://schemas.openxmlformats.org/officeDocument/2006/relationships" xmlns:p="http://schemas.openxmlformats.org/presentationml/2006/main" type="tx">
   <p:cSld name="Blank">
     <p:spTree>
       <p:nvGrpSpPr>
@@ -2300,7 +2393,9 @@
       <p:sp>
         <p:nvSpPr>
           <p:cNvPr id="69" name="Slide Number"/>
-          <p:cNvSpPr txBox="1"/>
+          <p:cNvSpPr txBox="1">
+            <a:spLocks noGrp="1"/>
+          </p:cNvSpPr>
           <p:nvPr>
             <p:ph type="sldNum" sz="quarter" idx="2"/>
           </p:nvPr>
@@ -2314,8 +2409,10 @@
           <a:bodyPr/>
           <a:lstStyle/>
           <a:p>
-            <a:pPr/>
-            <a:fld id="{86CB4B4D-7CA3-9044-876B-883B54F8677D}" type="slidenum"/>
+            <a:fld id="{86CB4B4D-7CA3-9044-876B-883B54F8677D}" type="slidenum">
+              <a:t>‹#›</a:t>
+            </a:fld>
+            <a:endParaRPr/>
           </a:p>
         </p:txBody>
       </p:sp>
@@ -2324,12 +2421,12 @@
   <p:clrMapOvr>
     <a:masterClrMapping/>
   </p:clrMapOvr>
-  <p:transition xmlns:p14="http://schemas.microsoft.com/office/powerpoint/2010/main" spd="med" advClick="1"/>
+  <p:transition xmlns:p14="http://schemas.microsoft.com/office/powerpoint/2010/main" spd="med"/>
 </p:sldLayout>
 </file>
 
 <file path=ppt/slideLayouts/slideLayout8.xml><?xml version="1.0" encoding="utf-8"?>
-<p:sldLayout xmlns:a="http://schemas.openxmlformats.org/drawingml/2006/main" xmlns:r="http://schemas.openxmlformats.org/officeDocument/2006/relationships" xmlns:p="http://schemas.openxmlformats.org/presentationml/2006/main" xmlns:m="http://schemas.openxmlformats.org/officeDocument/2006/math" xmlns:a14="http://schemas.microsoft.com/office/drawing/2010/main" type="tx" showMasterSp="1" showMasterPhAnim="1">
+<p:sldLayout xmlns:a="http://schemas.openxmlformats.org/drawingml/2006/main" xmlns:r="http://schemas.openxmlformats.org/officeDocument/2006/relationships" xmlns:p="http://schemas.openxmlformats.org/presentationml/2006/main" type="tx">
   <p:cSld name="Content with Caption">
     <p:spTree>
       <p:nvGrpSpPr>
@@ -2348,7 +2445,9 @@
       <p:sp>
         <p:nvSpPr>
           <p:cNvPr id="76" name="Title Text"/>
-          <p:cNvSpPr txBox="1"/>
+          <p:cNvSpPr txBox="1">
+            <a:spLocks noGrp="1"/>
+          </p:cNvSpPr>
           <p:nvPr>
             <p:ph type="title"/>
           </p:nvPr>
@@ -2370,7 +2469,6 @@
             </a:lvl1pPr>
           </a:lstStyle>
           <a:p>
-            <a:pPr/>
             <a:r>
               <a:t>Title Text</a:t>
             </a:r>
@@ -2380,7 +2478,9 @@
       <p:sp>
         <p:nvSpPr>
           <p:cNvPr id="77" name="Body Level One…"/>
-          <p:cNvSpPr txBox="1"/>
+          <p:cNvSpPr txBox="1">
+            <a:spLocks noGrp="1"/>
+          </p:cNvSpPr>
           <p:nvPr>
             <p:ph type="body" idx="1"/>
           </p:nvPr>
@@ -2401,35 +2501,34 @@
               <a:spcBef>
                 <a:spcPts val="700"/>
               </a:spcBef>
-              <a:defRPr b="1" sz="3200"/>
+              <a:defRPr sz="3200" b="1"/>
             </a:lvl1pPr>
             <a:lvl2pPr marL="783771" indent="-326571">
               <a:spcBef>
                 <a:spcPts val="700"/>
               </a:spcBef>
-              <a:defRPr b="1" sz="3200"/>
+              <a:defRPr sz="3200" b="1"/>
             </a:lvl2pPr>
             <a:lvl3pPr>
               <a:spcBef>
                 <a:spcPts val="700"/>
               </a:spcBef>
-              <a:defRPr b="1" sz="3200"/>
+              <a:defRPr sz="3200" b="1"/>
             </a:lvl3pPr>
             <a:lvl4pPr marL="1737360" indent="-365760">
               <a:spcBef>
                 <a:spcPts val="700"/>
               </a:spcBef>
-              <a:defRPr b="1" sz="3200"/>
+              <a:defRPr sz="3200" b="1"/>
             </a:lvl4pPr>
             <a:lvl5pPr marL="2194560" indent="-365760">
               <a:spcBef>
                 <a:spcPts val="700"/>
               </a:spcBef>
-              <a:defRPr b="1" sz="3200"/>
+              <a:defRPr sz="3200" b="1"/>
             </a:lvl5pPr>
           </a:lstStyle>
           <a:p>
-            <a:pPr/>
             <a:r>
               <a:t>Body Level One</a:t>
             </a:r>
@@ -2463,7 +2562,9 @@
       <p:sp>
         <p:nvSpPr>
           <p:cNvPr id="78" name="Text Placeholder 3"/>
-          <p:cNvSpPr/>
+          <p:cNvSpPr>
+            <a:spLocks noGrp="1"/>
+          </p:cNvSpPr>
           <p:nvPr>
             <p:ph type="body" sz="half" idx="13"/>
           </p:nvPr>
@@ -2487,15 +2588,18 @@
               </a:spcBef>
               <a:buSzTx/>
               <a:buNone/>
-              <a:defRPr b="1" sz="1400"/>
+              <a:defRPr sz="1400" b="1"/>
             </a:pPr>
+            <a:endParaRPr/>
           </a:p>
         </p:txBody>
       </p:sp>
       <p:sp>
         <p:nvSpPr>
           <p:cNvPr id="79" name="Slide Number"/>
-          <p:cNvSpPr txBox="1"/>
+          <p:cNvSpPr txBox="1">
+            <a:spLocks noGrp="1"/>
+          </p:cNvSpPr>
           <p:nvPr>
             <p:ph type="sldNum" sz="quarter" idx="2"/>
           </p:nvPr>
@@ -2509,8 +2613,10 @@
           <a:bodyPr/>
           <a:lstStyle/>
           <a:p>
-            <a:pPr/>
-            <a:fld id="{86CB4B4D-7CA3-9044-876B-883B54F8677D}" type="slidenum"/>
+            <a:fld id="{86CB4B4D-7CA3-9044-876B-883B54F8677D}" type="slidenum">
+              <a:t>‹#›</a:t>
+            </a:fld>
+            <a:endParaRPr/>
           </a:p>
         </p:txBody>
       </p:sp>
@@ -2519,12 +2625,12 @@
   <p:clrMapOvr>
     <a:masterClrMapping/>
   </p:clrMapOvr>
-  <p:transition xmlns:p14="http://schemas.microsoft.com/office/powerpoint/2010/main" spd="med" advClick="1"/>
+  <p:transition xmlns:p14="http://schemas.microsoft.com/office/powerpoint/2010/main" spd="med"/>
 </p:sldLayout>
 </file>
 
 <file path=ppt/slideLayouts/slideLayout9.xml><?xml version="1.0" encoding="utf-8"?>
-<p:sldLayout xmlns:a="http://schemas.openxmlformats.org/drawingml/2006/main" xmlns:r="http://schemas.openxmlformats.org/officeDocument/2006/relationships" xmlns:p="http://schemas.openxmlformats.org/presentationml/2006/main" xmlns:m="http://schemas.openxmlformats.org/officeDocument/2006/math" xmlns:a14="http://schemas.microsoft.com/office/drawing/2010/main" type="tx" showMasterSp="1" showMasterPhAnim="1">
+<p:sldLayout xmlns:a="http://schemas.openxmlformats.org/drawingml/2006/main" xmlns:r="http://schemas.openxmlformats.org/officeDocument/2006/relationships" xmlns:p="http://schemas.openxmlformats.org/presentationml/2006/main" type="tx">
   <p:cSld name="Picture with Caption">
     <p:spTree>
       <p:nvGrpSpPr>
@@ -2543,7 +2649,9 @@
       <p:sp>
         <p:nvSpPr>
           <p:cNvPr id="86" name="Title Text"/>
-          <p:cNvSpPr txBox="1"/>
+          <p:cNvSpPr txBox="1">
+            <a:spLocks noGrp="1"/>
+          </p:cNvSpPr>
           <p:nvPr>
             <p:ph type="title"/>
           </p:nvPr>
@@ -2565,7 +2673,6 @@
             </a:lvl1pPr>
           </a:lstStyle>
           <a:p>
-            <a:pPr/>
             <a:r>
               <a:t>Title Text</a:t>
             </a:r>
@@ -2575,7 +2682,9 @@
       <p:sp>
         <p:nvSpPr>
           <p:cNvPr id="87" name="Picture Placeholder 2"/>
-          <p:cNvSpPr/>
+          <p:cNvSpPr>
+            <a:spLocks noGrp="1"/>
+          </p:cNvSpPr>
           <p:nvPr>
             <p:ph type="pic" sz="half" idx="13"/>
           </p:nvPr>
@@ -2595,14 +2704,16 @@
           </a:bodyPr>
           <a:lstStyle/>
           <a:p>
-            <a:pPr/>
+            <a:endParaRPr/>
           </a:p>
         </p:txBody>
       </p:sp>
       <p:sp>
         <p:nvSpPr>
           <p:cNvPr id="88" name="Body Level One…"/>
-          <p:cNvSpPr txBox="1"/>
+          <p:cNvSpPr txBox="1">
+            <a:spLocks noGrp="1"/>
+          </p:cNvSpPr>
           <p:nvPr>
             <p:ph type="body" sz="quarter" idx="1"/>
           </p:nvPr>
@@ -2625,7 +2736,7 @@
               </a:spcBef>
               <a:buSzTx/>
               <a:buNone/>
-              <a:defRPr b="1" sz="1400"/>
+              <a:defRPr sz="1400" b="1"/>
             </a:lvl1pPr>
             <a:lvl2pPr marL="0" indent="457200">
               <a:spcBef>
@@ -2633,7 +2744,7 @@
               </a:spcBef>
               <a:buSzTx/>
               <a:buNone/>
-              <a:defRPr b="1" sz="1400"/>
+              <a:defRPr sz="1400" b="1"/>
             </a:lvl2pPr>
             <a:lvl3pPr marL="0" indent="914400">
               <a:spcBef>
@@ -2641,7 +2752,7 @@
               </a:spcBef>
               <a:buSzTx/>
               <a:buNone/>
-              <a:defRPr b="1" sz="1400"/>
+              <a:defRPr sz="1400" b="1"/>
             </a:lvl3pPr>
             <a:lvl4pPr marL="0" indent="1371600">
               <a:spcBef>
@@ -2649,7 +2760,7 @@
               </a:spcBef>
               <a:buSzTx/>
               <a:buNone/>
-              <a:defRPr b="1" sz="1400"/>
+              <a:defRPr sz="1400" b="1"/>
             </a:lvl4pPr>
             <a:lvl5pPr marL="0" indent="1828800">
               <a:spcBef>
@@ -2657,11 +2768,10 @@
               </a:spcBef>
               <a:buSzTx/>
               <a:buNone/>
-              <a:defRPr b="1" sz="1400"/>
+              <a:defRPr sz="1400" b="1"/>
             </a:lvl5pPr>
           </a:lstStyle>
           <a:p>
-            <a:pPr/>
             <a:r>
               <a:t>Body Level One</a:t>
             </a:r>
@@ -2695,7 +2805,9 @@
       <p:sp>
         <p:nvSpPr>
           <p:cNvPr id="89" name="Slide Number"/>
-          <p:cNvSpPr txBox="1"/>
+          <p:cNvSpPr txBox="1">
+            <a:spLocks noGrp="1"/>
+          </p:cNvSpPr>
           <p:nvPr>
             <p:ph type="sldNum" sz="quarter" idx="2"/>
           </p:nvPr>
@@ -2709,8 +2821,10 @@
           <a:bodyPr/>
           <a:lstStyle/>
           <a:p>
-            <a:pPr/>
-            <a:fld id="{86CB4B4D-7CA3-9044-876B-883B54F8677D}" type="slidenum"/>
+            <a:fld id="{86CB4B4D-7CA3-9044-876B-883B54F8677D}" type="slidenum">
+              <a:t>‹#›</a:t>
+            </a:fld>
+            <a:endParaRPr/>
           </a:p>
         </p:txBody>
       </p:sp>
@@ -2719,18 +2833,19 @@
   <p:clrMapOvr>
     <a:masterClrMapping/>
   </p:clrMapOvr>
-  <p:transition xmlns:p14="http://schemas.microsoft.com/office/powerpoint/2010/main" spd="med" advClick="1"/>
+  <p:transition xmlns:p14="http://schemas.microsoft.com/office/powerpoint/2010/main" spd="med"/>
 </p:sldLayout>
 </file>
 
 <file path=ppt/slideMasters/slideMaster1.xml><?xml version="1.0" encoding="utf-8"?>
-<p:sldMaster xmlns:a="http://schemas.openxmlformats.org/drawingml/2006/main" xmlns:r="http://schemas.openxmlformats.org/officeDocument/2006/relationships" xmlns:p="http://schemas.openxmlformats.org/presentationml/2006/main" xmlns:m="http://schemas.openxmlformats.org/officeDocument/2006/math" xmlns:a14="http://schemas.microsoft.com/office/drawing/2010/main">
+<p:sldMaster xmlns:a="http://schemas.openxmlformats.org/drawingml/2006/main" xmlns:r="http://schemas.openxmlformats.org/officeDocument/2006/relationships" xmlns:p="http://schemas.openxmlformats.org/presentationml/2006/main">
   <p:cSld>
     <p:bg>
       <p:bgPr>
         <a:solidFill>
           <a:srgbClr val="FFFFFF"/>
         </a:solidFill>
+        <a:effectLst/>
       </p:bgPr>
     </p:bg>
     <p:spTree>
@@ -2771,7 +2886,7 @@
           <a:bodyPr lIns="45719" rIns="45719"/>
           <a:lstStyle/>
           <a:p>
-            <a:pPr/>
+            <a:endParaRPr/>
           </a:p>
         </p:txBody>
       </p:sp>
@@ -2784,7 +2899,7 @@
           <p:nvPr/>
         </p:nvPicPr>
         <p:blipFill>
-          <a:blip r:embed="rId2">
+          <a:blip r:embed="rId18">
             <a:extLst/>
           </a:blip>
           <a:stretch>
@@ -2813,7 +2928,7 @@
           <p:nvPr/>
         </p:nvPicPr>
         <p:blipFill>
-          <a:blip r:embed="rId3">
+          <a:blip r:embed="rId19">
             <a:extLst/>
           </a:blip>
           <a:stretch>
@@ -2882,7 +2997,6 @@
             </a:lvl1pPr>
           </a:lstStyle>
           <a:p>
-            <a:pPr/>
             <a:r>
               <a:t>Department of Electrical and Computer Engineering</a:t>
             </a:r>
@@ -2892,7 +3006,9 @@
       <p:sp>
         <p:nvSpPr>
           <p:cNvPr id="6" name="Title Text"/>
-          <p:cNvSpPr txBox="1"/>
+          <p:cNvSpPr txBox="1">
+            <a:spLocks noGrp="1"/>
+          </p:cNvSpPr>
           <p:nvPr>
             <p:ph type="title"/>
           </p:nvPr>
@@ -2916,11 +3032,10 @@
         </p:spPr>
         <p:txBody>
           <a:bodyPr lIns="45719" rIns="45719" anchor="ctr">
-            <a:normAutofit fontScale="100000" lnSpcReduction="0"/>
+            <a:normAutofit/>
           </a:bodyPr>
           <a:lstStyle/>
           <a:p>
-            <a:pPr/>
             <a:r>
               <a:t>Title Text</a:t>
             </a:r>
@@ -2930,7 +3045,9 @@
       <p:sp>
         <p:nvSpPr>
           <p:cNvPr id="7" name="Body Level One…"/>
-          <p:cNvSpPr txBox="1"/>
+          <p:cNvSpPr txBox="1">
+            <a:spLocks noGrp="1"/>
+          </p:cNvSpPr>
           <p:nvPr>
             <p:ph type="body" idx="1"/>
           </p:nvPr>
@@ -2954,11 +3071,10 @@
         </p:spPr>
         <p:txBody>
           <a:bodyPr lIns="45719" rIns="45719">
-            <a:normAutofit fontScale="100000" lnSpcReduction="0"/>
+            <a:normAutofit/>
           </a:bodyPr>
           <a:lstStyle/>
           <a:p>
-            <a:pPr/>
             <a:r>
               <a:t>Body Level One</a:t>
             </a:r>
@@ -2992,7 +3108,9 @@
       <p:sp>
         <p:nvSpPr>
           <p:cNvPr id="8" name="Slide Number"/>
-          <p:cNvSpPr txBox="1"/>
+          <p:cNvSpPr txBox="1">
+            <a:spLocks noGrp="1"/>
+          </p:cNvSpPr>
           <p:nvPr>
             <p:ph type="sldNum" sz="quarter" idx="2"/>
           </p:nvPr>
@@ -3024,8 +3142,10 @@
             </a:lvl1pPr>
           </a:lstStyle>
           <a:p>
-            <a:pPr/>
-            <a:fld id="{86CB4B4D-7CA3-9044-876B-883B54F8677D}" type="slidenum"/>
+            <a:fld id="{86CB4B4D-7CA3-9044-876B-883B54F8677D}" type="slidenum">
+              <a:t>‹#›</a:t>
+            </a:fld>
+            <a:endParaRPr/>
           </a:p>
         </p:txBody>
       </p:sp>
@@ -3033,24 +3153,24 @@
   </p:cSld>
   <p:clrMap bg1="lt1" tx1="dk1" bg2="lt2" tx2="dk2" accent1="accent1" accent2="accent2" accent3="accent3" accent4="accent4" accent5="accent5" accent6="accent6" hlink="hlink" folHlink="folHlink"/>
   <p:sldLayoutIdLst>
-    <p:sldLayoutId id="2147483649" r:id="rId4"/>
-    <p:sldLayoutId id="2147483650" r:id="rId5"/>
-    <p:sldLayoutId id="2147483651" r:id="rId6"/>
-    <p:sldLayoutId id="2147483652" r:id="rId7"/>
-    <p:sldLayoutId id="2147483653" r:id="rId8"/>
-    <p:sldLayoutId id="2147483654" r:id="rId9"/>
-    <p:sldLayoutId id="2147483655" r:id="rId10"/>
-    <p:sldLayoutId id="2147483656" r:id="rId11"/>
-    <p:sldLayoutId id="2147483657" r:id="rId12"/>
-    <p:sldLayoutId id="2147483658" r:id="rId13"/>
-    <p:sldLayoutId id="2147483659" r:id="rId14"/>
-    <p:sldLayoutId id="2147483660" r:id="rId15"/>
-    <p:sldLayoutId id="2147483661" r:id="rId16"/>
-    <p:sldLayoutId id="2147483662" r:id="rId17"/>
-    <p:sldLayoutId id="2147483663" r:id="rId18"/>
-    <p:sldLayoutId id="2147483664" r:id="rId19"/>
+    <p:sldLayoutId id="2147483649" r:id="rId1"/>
+    <p:sldLayoutId id="2147483650" r:id="rId2"/>
+    <p:sldLayoutId id="2147483651" r:id="rId3"/>
+    <p:sldLayoutId id="2147483652" r:id="rId4"/>
+    <p:sldLayoutId id="2147483653" r:id="rId5"/>
+    <p:sldLayoutId id="2147483654" r:id="rId6"/>
+    <p:sldLayoutId id="2147483655" r:id="rId7"/>
+    <p:sldLayoutId id="2147483656" r:id="rId8"/>
+    <p:sldLayoutId id="2147483657" r:id="rId9"/>
+    <p:sldLayoutId id="2147483658" r:id="rId10"/>
+    <p:sldLayoutId id="2147483659" r:id="rId11"/>
+    <p:sldLayoutId id="2147483660" r:id="rId12"/>
+    <p:sldLayoutId id="2147483661" r:id="rId13"/>
+    <p:sldLayoutId id="2147483662" r:id="rId14"/>
+    <p:sldLayoutId id="2147483663" r:id="rId15"/>
+    <p:sldLayoutId id="2147483664" r:id="rId16"/>
   </p:sldLayoutIdLst>
-  <p:transition xmlns:p14="http://schemas.microsoft.com/office/powerpoint/2010/main" spd="med" advClick="1"/>
+  <p:transition xmlns:p14="http://schemas.microsoft.com/office/powerpoint/2010/main" spd="med"/>
   <p:txStyles>
     <p:titleStyle>
       <a:lvl1pPr marL="0" marR="0" indent="0" algn="l" defTabSz="914400" rtl="0" latinLnBrk="0">
@@ -3068,7 +3188,7 @@
         <a:buFontTx/>
         <a:buNone/>
         <a:tabLst/>
-        <a:defRPr b="1" baseline="0" cap="none" i="0" spc="0" strike="noStrike" sz="3200" u="none">
+        <a:defRPr sz="3200" b="1" i="0" u="none" strike="noStrike" cap="none" spc="0" baseline="0">
           <a:ln>
             <a:noFill/>
           </a:ln>
@@ -3097,7 +3217,7 @@
         <a:buFontTx/>
         <a:buNone/>
         <a:tabLst/>
-        <a:defRPr b="1" baseline="0" cap="none" i="0" spc="0" strike="noStrike" sz="3200" u="none">
+        <a:defRPr sz="3200" b="1" i="0" u="none" strike="noStrike" cap="none" spc="0" baseline="0">
           <a:ln>
             <a:noFill/>
           </a:ln>
@@ -3126,7 +3246,7 @@
         <a:buFontTx/>
         <a:buNone/>
         <a:tabLst/>
-        <a:defRPr b="1" baseline="0" cap="none" i="0" spc="0" strike="noStrike" sz="3200" u="none">
+        <a:defRPr sz="3200" b="1" i="0" u="none" strike="noStrike" cap="none" spc="0" baseline="0">
           <a:ln>
             <a:noFill/>
           </a:ln>
@@ -3155,7 +3275,7 @@
         <a:buFontTx/>
         <a:buNone/>
         <a:tabLst/>
-        <a:defRPr b="1" baseline="0" cap="none" i="0" spc="0" strike="noStrike" sz="3200" u="none">
+        <a:defRPr sz="3200" b="1" i="0" u="none" strike="noStrike" cap="none" spc="0" baseline="0">
           <a:ln>
             <a:noFill/>
           </a:ln>
@@ -3184,7 +3304,7 @@
         <a:buFontTx/>
         <a:buNone/>
         <a:tabLst/>
-        <a:defRPr b="1" baseline="0" cap="none" i="0" spc="0" strike="noStrike" sz="3200" u="none">
+        <a:defRPr sz="3200" b="1" i="0" u="none" strike="noStrike" cap="none" spc="0" baseline="0">
           <a:ln>
             <a:noFill/>
           </a:ln>
@@ -3213,7 +3333,7 @@
         <a:buFontTx/>
         <a:buNone/>
         <a:tabLst/>
-        <a:defRPr b="1" baseline="0" cap="none" i="0" spc="0" strike="noStrike" sz="3200" u="none">
+        <a:defRPr sz="3200" b="1" i="0" u="none" strike="noStrike" cap="none" spc="0" baseline="0">
           <a:ln>
             <a:noFill/>
           </a:ln>
@@ -3242,7 +3362,7 @@
         <a:buFontTx/>
         <a:buNone/>
         <a:tabLst/>
-        <a:defRPr b="1" baseline="0" cap="none" i="0" spc="0" strike="noStrike" sz="3200" u="none">
+        <a:defRPr sz="3200" b="1" i="0" u="none" strike="noStrike" cap="none" spc="0" baseline="0">
           <a:ln>
             <a:noFill/>
           </a:ln>
@@ -3271,7 +3391,7 @@
         <a:buFontTx/>
         <a:buNone/>
         <a:tabLst/>
-        <a:defRPr b="1" baseline="0" cap="none" i="0" spc="0" strike="noStrike" sz="3200" u="none">
+        <a:defRPr sz="3200" b="1" i="0" u="none" strike="noStrike" cap="none" spc="0" baseline="0">
           <a:ln>
             <a:noFill/>
           </a:ln>
@@ -3300,7 +3420,7 @@
         <a:buFontTx/>
         <a:buNone/>
         <a:tabLst/>
-        <a:defRPr b="1" baseline="0" cap="none" i="0" spc="0" strike="noStrike" sz="3200" u="none">
+        <a:defRPr sz="3200" b="1" i="0" u="none" strike="noStrike" cap="none" spc="0" baseline="0">
           <a:ln>
             <a:noFill/>
           </a:ln>
@@ -3331,7 +3451,7 @@
         <a:buFontTx/>
         <a:buChar char="•"/>
         <a:tabLst/>
-        <a:defRPr b="0" baseline="0" cap="none" i="0" spc="0" strike="noStrike" sz="2400" u="none">
+        <a:defRPr sz="2400" b="0" i="0" u="none" strike="noStrike" cap="none" spc="0" baseline="0">
           <a:ln>
             <a:noFill/>
           </a:ln>
@@ -3360,7 +3480,7 @@
         <a:buFontTx/>
         <a:buChar char="–"/>
         <a:tabLst/>
-        <a:defRPr b="0" baseline="0" cap="none" i="0" spc="0" strike="noStrike" sz="2400" u="none">
+        <a:defRPr sz="2400" b="0" i="0" u="none" strike="noStrike" cap="none" spc="0" baseline="0">
           <a:ln>
             <a:noFill/>
           </a:ln>
@@ -3389,7 +3509,7 @@
         <a:buFontTx/>
         <a:buChar char="•"/>
         <a:tabLst/>
-        <a:defRPr b="0" baseline="0" cap="none" i="0" spc="0" strike="noStrike" sz="2400" u="none">
+        <a:defRPr sz="2400" b="0" i="0" u="none" strike="noStrike" cap="none" spc="0" baseline="0">
           <a:ln>
             <a:noFill/>
           </a:ln>
@@ -3418,7 +3538,7 @@
         <a:buFontTx/>
         <a:buChar char="–"/>
         <a:tabLst/>
-        <a:defRPr b="0" baseline="0" cap="none" i="0" spc="0" strike="noStrike" sz="2400" u="none">
+        <a:defRPr sz="2400" b="0" i="0" u="none" strike="noStrike" cap="none" spc="0" baseline="0">
           <a:ln>
             <a:noFill/>
           </a:ln>
@@ -3447,7 +3567,7 @@
         <a:buFontTx/>
         <a:buChar char="»"/>
         <a:tabLst/>
-        <a:defRPr b="0" baseline="0" cap="none" i="0" spc="0" strike="noStrike" sz="2400" u="none">
+        <a:defRPr sz="2400" b="0" i="0" u="none" strike="noStrike" cap="none" spc="0" baseline="0">
           <a:ln>
             <a:noFill/>
           </a:ln>
@@ -3476,7 +3596,7 @@
         <a:buFontTx/>
         <a:buChar char="»"/>
         <a:tabLst/>
-        <a:defRPr b="0" baseline="0" cap="none" i="0" spc="0" strike="noStrike" sz="2400" u="none">
+        <a:defRPr sz="2400" b="0" i="0" u="none" strike="noStrike" cap="none" spc="0" baseline="0">
           <a:ln>
             <a:noFill/>
           </a:ln>
@@ -3505,7 +3625,7 @@
         <a:buFontTx/>
         <a:buChar char="»"/>
         <a:tabLst/>
-        <a:defRPr b="0" baseline="0" cap="none" i="0" spc="0" strike="noStrike" sz="2400" u="none">
+        <a:defRPr sz="2400" b="0" i="0" u="none" strike="noStrike" cap="none" spc="0" baseline="0">
           <a:ln>
             <a:noFill/>
           </a:ln>
@@ -3534,7 +3654,7 @@
         <a:buFontTx/>
         <a:buChar char="»"/>
         <a:tabLst/>
-        <a:defRPr b="0" baseline="0" cap="none" i="0" spc="0" strike="noStrike" sz="2400" u="none">
+        <a:defRPr sz="2400" b="0" i="0" u="none" strike="noStrike" cap="none" spc="0" baseline="0">
           <a:ln>
             <a:noFill/>
           </a:ln>
@@ -3563,7 +3683,7 @@
         <a:buFontTx/>
         <a:buChar char="»"/>
         <a:tabLst/>
-        <a:defRPr b="0" baseline="0" cap="none" i="0" spc="0" strike="noStrike" sz="2400" u="none">
+        <a:defRPr sz="2400" b="0" i="0" u="none" strike="noStrike" cap="none" spc="0" baseline="0">
           <a:ln>
             <a:noFill/>
           </a:ln>
@@ -3594,7 +3714,7 @@
         <a:buFontTx/>
         <a:buNone/>
         <a:tabLst/>
-        <a:defRPr b="0" baseline="0" cap="none" i="0" spc="0" strike="noStrike" sz="1400" u="none">
+        <a:defRPr sz="1400" b="0" i="0" u="none" strike="noStrike" cap="none" spc="0" baseline="0">
           <a:ln>
             <a:noFill/>
           </a:ln>
@@ -3623,7 +3743,7 @@
         <a:buFontTx/>
         <a:buNone/>
         <a:tabLst/>
-        <a:defRPr b="0" baseline="0" cap="none" i="0" spc="0" strike="noStrike" sz="1400" u="none">
+        <a:defRPr sz="1400" b="0" i="0" u="none" strike="noStrike" cap="none" spc="0" baseline="0">
           <a:ln>
             <a:noFill/>
           </a:ln>
@@ -3652,7 +3772,7 @@
         <a:buFontTx/>
         <a:buNone/>
         <a:tabLst/>
-        <a:defRPr b="0" baseline="0" cap="none" i="0" spc="0" strike="noStrike" sz="1400" u="none">
+        <a:defRPr sz="1400" b="0" i="0" u="none" strike="noStrike" cap="none" spc="0" baseline="0">
           <a:ln>
             <a:noFill/>
           </a:ln>
@@ -3681,7 +3801,7 @@
         <a:buFontTx/>
         <a:buNone/>
         <a:tabLst/>
-        <a:defRPr b="0" baseline="0" cap="none" i="0" spc="0" strike="noStrike" sz="1400" u="none">
+        <a:defRPr sz="1400" b="0" i="0" u="none" strike="noStrike" cap="none" spc="0" baseline="0">
           <a:ln>
             <a:noFill/>
           </a:ln>
@@ -3710,7 +3830,7 @@
         <a:buFontTx/>
         <a:buNone/>
         <a:tabLst/>
-        <a:defRPr b="0" baseline="0" cap="none" i="0" spc="0" strike="noStrike" sz="1400" u="none">
+        <a:defRPr sz="1400" b="0" i="0" u="none" strike="noStrike" cap="none" spc="0" baseline="0">
           <a:ln>
             <a:noFill/>
           </a:ln>
@@ -3739,7 +3859,7 @@
         <a:buFontTx/>
         <a:buNone/>
         <a:tabLst/>
-        <a:defRPr b="0" baseline="0" cap="none" i="0" spc="0" strike="noStrike" sz="1400" u="none">
+        <a:defRPr sz="1400" b="0" i="0" u="none" strike="noStrike" cap="none" spc="0" baseline="0">
           <a:ln>
             <a:noFill/>
           </a:ln>
@@ -3768,7 +3888,7 @@
         <a:buFontTx/>
         <a:buNone/>
         <a:tabLst/>
-        <a:defRPr b="0" baseline="0" cap="none" i="0" spc="0" strike="noStrike" sz="1400" u="none">
+        <a:defRPr sz="1400" b="0" i="0" u="none" strike="noStrike" cap="none" spc="0" baseline="0">
           <a:ln>
             <a:noFill/>
           </a:ln>
@@ -3797,7 +3917,7 @@
         <a:buFontTx/>
         <a:buNone/>
         <a:tabLst/>
-        <a:defRPr b="0" baseline="0" cap="none" i="0" spc="0" strike="noStrike" sz="1400" u="none">
+        <a:defRPr sz="1400" b="0" i="0" u="none" strike="noStrike" cap="none" spc="0" baseline="0">
           <a:ln>
             <a:noFill/>
           </a:ln>
@@ -3826,7 +3946,7 @@
         <a:buFontTx/>
         <a:buNone/>
         <a:tabLst/>
-        <a:defRPr b="0" baseline="0" cap="none" i="0" spc="0" strike="noStrike" sz="1400" u="none">
+        <a:defRPr sz="1400" b="0" i="0" u="none" strike="noStrike" cap="none" spc="0" baseline="0">
           <a:ln>
             <a:noFill/>
           </a:ln>
@@ -3846,7 +3966,7 @@
 </file>
 
 <file path=ppt/slides/slide1.xml><?xml version="1.0" encoding="utf-8"?>
-<p:sld xmlns:a="http://schemas.openxmlformats.org/drawingml/2006/main" xmlns:r="http://schemas.openxmlformats.org/officeDocument/2006/relationships" xmlns:p="http://schemas.openxmlformats.org/presentationml/2006/main" xmlns:m="http://schemas.openxmlformats.org/officeDocument/2006/math" xmlns:a14="http://schemas.microsoft.com/office/drawing/2010/main" showMasterSp="1" showMasterPhAnim="1">
+<p:sld xmlns:a="http://schemas.openxmlformats.org/drawingml/2006/main" xmlns:r="http://schemas.openxmlformats.org/officeDocument/2006/relationships" xmlns:p="http://schemas.openxmlformats.org/presentationml/2006/main">
   <p:cSld>
     <p:spTree>
       <p:nvGrpSpPr>
@@ -3865,7 +3985,9 @@
       <p:sp>
         <p:nvSpPr>
           <p:cNvPr id="160" name="Slide Number Placeholder 3"/>
-          <p:cNvSpPr txBox="1"/>
+          <p:cNvSpPr txBox="1">
+            <a:spLocks noGrp="1"/>
+          </p:cNvSpPr>
           <p:nvPr>
             <p:ph type="sldNum" sz="quarter" idx="2"/>
           </p:nvPr>
@@ -3888,8 +4010,10 @@
           <a:bodyPr/>
           <a:lstStyle/>
           <a:p>
-            <a:pPr/>
-            <a:fld id="{86CB4B4D-7CA3-9044-876B-883B54F8677D}" type="slidenum"/>
+            <a:fld id="{86CB4B4D-7CA3-9044-876B-883B54F8677D}" type="slidenum">
+              <a:t>1</a:t>
+            </a:fld>
+            <a:endParaRPr/>
           </a:p>
         </p:txBody>
       </p:sp>
@@ -3941,7 +4065,7 @@
                 <a:tab pos="8724900" algn="l"/>
                 <a:tab pos="9296400" algn="l"/>
               </a:tabLst>
-              <a:defRPr b="1" sz="1800">
+              <a:defRPr sz="1800" b="1">
                 <a:solidFill>
                   <a:srgbClr val="008000"/>
                 </a:solidFill>
@@ -3952,9 +4076,10 @@
               </a:defRPr>
             </a:pPr>
             <a:r>
+              <a:rPr dirty="0"/>
               <a:t>// ArrayList of symbolic</a:t>
             </a:r>
-            <a:endParaRPr>
+            <a:endParaRPr dirty="0">
               <a:latin typeface="+mn-lt"/>
               <a:ea typeface="+mn-ea"/>
               <a:cs typeface="+mn-cs"/>
@@ -3981,7 +4106,7 @@
                 <a:tab pos="8724900" algn="l"/>
                 <a:tab pos="9296400" algn="l"/>
               </a:tabLst>
-              <a:defRPr b="1" sz="1800">
+              <a:defRPr sz="1800" b="1">
                 <a:solidFill>
                   <a:srgbClr val="008000"/>
                 </a:solidFill>
@@ -3992,6 +4117,7 @@
               </a:defRPr>
             </a:pPr>
             <a:r>
+              <a:rPr dirty="0"/>
               <a:t>// integers</a:t>
             </a:r>
           </a:p>
@@ -4023,6 +4149,7 @@
               </a:defRPr>
             </a:pPr>
             <a:r>
+              <a:rPr dirty="0"/>
               <a:t>List&lt;Integer&gt; list = </a:t>
             </a:r>
           </a:p>
@@ -4046,7 +4173,7 @@
                 <a:tab pos="8724900" algn="l"/>
                 <a:tab pos="9296400" algn="l"/>
               </a:tabLst>
-              <a:defRPr b="1" sz="1800">
+              <a:defRPr sz="1800" b="1">
                 <a:latin typeface="Courier"/>
                 <a:ea typeface="Courier"/>
                 <a:cs typeface="Courier"/>
@@ -4054,10 +4181,11 @@
               </a:defRPr>
             </a:pPr>
             <a:r>
+              <a:rPr dirty="0"/>
               <a:t>  </a:t>
             </a:r>
             <a:r>
-              <a:rPr>
+              <a:rPr dirty="0">
                 <a:solidFill>
                   <a:srgbClr val="000080"/>
                 </a:solidFill>
@@ -4065,11 +4193,11 @@
               <a:t>new </a:t>
             </a:r>
             <a:r>
-              <a:rPr b="0"/>
+              <a:rPr b="0" dirty="0"/>
               <a:t>ArrayList&lt;&gt;(</a:t>
             </a:r>
             <a:r>
-              <a:rPr b="0">
+              <a:rPr b="0" dirty="0">
                 <a:solidFill>
                   <a:srgbClr val="0000FF"/>
                 </a:solidFill>
@@ -4077,21 +4205,21 @@
               <a:t>200</a:t>
             </a:r>
             <a:r>
-              <a:rPr b="0"/>
+              <a:rPr b="0" dirty="0"/>
               <a:t>);</a:t>
             </a:r>
             <a:br>
-              <a:rPr b="0"/>
+              <a:rPr b="0" dirty="0"/>
             </a:br>
             <a:r>
-              <a:rPr b="0"/>
+              <a:rPr b="0" dirty="0"/>
               <a:t>...</a:t>
             </a:r>
             <a:br>
-              <a:rPr b="0"/>
+              <a:rPr b="0" dirty="0"/>
             </a:br>
             <a:r>
-              <a:rPr>
+              <a:rPr dirty="0">
                 <a:solidFill>
                   <a:srgbClr val="000080"/>
                 </a:solidFill>
@@ -4099,11 +4227,11 @@
               <a:t>for </a:t>
             </a:r>
             <a:r>
-              <a:rPr b="0"/>
+              <a:rPr b="0" dirty="0"/>
               <a:t>(</a:t>
             </a:r>
             <a:r>
-              <a:rPr>
+              <a:rPr dirty="0">
                 <a:solidFill>
                   <a:srgbClr val="000080"/>
                 </a:solidFill>
@@ -4111,11 +4239,11 @@
               <a:t>int </a:t>
             </a:r>
             <a:r>
-              <a:rPr b="0"/>
+              <a:rPr b="0" dirty="0"/>
               <a:t>i = </a:t>
             </a:r>
             <a:r>
-              <a:rPr b="0">
+              <a:rPr b="0" dirty="0">
                 <a:solidFill>
                   <a:srgbClr val="0000FF"/>
                 </a:solidFill>
@@ -4123,7 +4251,7 @@
               <a:t>0</a:t>
             </a:r>
             <a:r>
-              <a:rPr b="0"/>
+              <a:rPr b="0" dirty="0"/>
               <a:t>; </a:t>
             </a:r>
           </a:p>
@@ -4155,6 +4283,7 @@
               </a:defRPr>
             </a:pPr>
             <a:r>
+              <a:rPr dirty="0"/>
               <a:t>     i &lt; list.size(); </a:t>
             </a:r>
           </a:p>
@@ -4186,9 +4315,10 @@
               </a:defRPr>
             </a:pPr>
             <a:r>
+              <a:rPr dirty="0"/>
               <a:t>     i++) {</a:t>
             </a:r>
-            <a:endParaRPr>
+            <a:endParaRPr dirty="0">
               <a:latin typeface="+mn-lt"/>
               <a:ea typeface="+mn-ea"/>
               <a:cs typeface="+mn-cs"/>
@@ -4215,7 +4345,7 @@
                 <a:tab pos="8724900" algn="l"/>
                 <a:tab pos="9296400" algn="l"/>
               </a:tabLst>
-              <a:defRPr b="1" sz="1800">
+              <a:defRPr sz="1800" b="1">
                 <a:solidFill>
                   <a:srgbClr val="008000"/>
                 </a:solidFill>
@@ -4226,9 +4356,10 @@
               </a:defRPr>
             </a:pPr>
             <a:r>
+              <a:rPr dirty="0"/>
               <a:t>// list.get(i) returns</a:t>
             </a:r>
-            <a:endParaRPr>
+            <a:endParaRPr dirty="0">
               <a:latin typeface="+mn-lt"/>
               <a:ea typeface="+mn-ea"/>
               <a:cs typeface="+mn-cs"/>
@@ -4255,7 +4386,7 @@
                 <a:tab pos="8724900" algn="l"/>
                 <a:tab pos="9296400" algn="l"/>
               </a:tabLst>
-              <a:defRPr b="1" sz="1800">
+              <a:defRPr sz="1800" b="1">
                 <a:solidFill>
                   <a:srgbClr val="008000"/>
                 </a:solidFill>
@@ -4266,11 +4397,14 @@
               </a:defRPr>
             </a:pPr>
             <a:r>
+              <a:rPr dirty="0"/>
               <a:t>// a symbolic integer </a:t>
             </a:r>
-            <a:br/>
-            <a:r>
-              <a:rPr b="0">
+            <a:br>
+              <a:rPr dirty="0"/>
+            </a:br>
+            <a:r>
+              <a:rPr b="0" dirty="0">
                 <a:solidFill>
                   <a:srgbClr val="000000"/>
                 </a:solidFill>
@@ -4278,7 +4412,7 @@
               <a:t>    </a:t>
             </a:r>
             <a:r>
-              <a:rPr>
+              <a:rPr dirty="0">
                 <a:solidFill>
                   <a:srgbClr val="000080"/>
                 </a:solidFill>
@@ -4286,7 +4420,7 @@
               <a:t>if </a:t>
             </a:r>
             <a:r>
-              <a:rPr b="0">
+              <a:rPr b="0" dirty="0">
                 <a:solidFill>
                   <a:srgbClr val="000000"/>
                 </a:solidFill>
@@ -4294,7 +4428,7 @@
               <a:t>(i%</a:t>
             </a:r>
             <a:r>
-              <a:rPr b="0">
+              <a:rPr b="0" dirty="0">
                 <a:solidFill>
                   <a:srgbClr val="0000FF"/>
                 </a:solidFill>
@@ -4302,7 +4436,7 @@
               <a:t>2 </a:t>
             </a:r>
             <a:r>
-              <a:rPr b="0">
+              <a:rPr b="0" dirty="0">
                 <a:solidFill>
                   <a:srgbClr val="000000"/>
                 </a:solidFill>
@@ -4310,7 +4444,7 @@
               <a:t>== </a:t>
             </a:r>
             <a:r>
-              <a:rPr b="0">
+              <a:rPr b="0" dirty="0">
                 <a:solidFill>
                   <a:srgbClr val="0000FF"/>
                 </a:solidFill>
@@ -4318,7 +4452,7 @@
               <a:t>0 </a:t>
             </a:r>
             <a:r>
-              <a:rPr b="0">
+              <a:rPr b="0" dirty="0">
                 <a:solidFill>
                   <a:srgbClr val="000000"/>
                 </a:solidFill>
@@ -4354,10 +4488,11 @@
               </a:defRPr>
             </a:pPr>
             <a:r>
+              <a:rPr dirty="0"/>
               <a:t>        list.get(i) == </a:t>
             </a:r>
             <a:r>
-              <a:rPr>
+              <a:rPr dirty="0">
                 <a:solidFill>
                   <a:srgbClr val="0000FF"/>
                 </a:solidFill>
@@ -4365,14 +4500,18 @@
               <a:t>42</a:t>
             </a:r>
             <a:r>
+              <a:rPr dirty="0"/>
               <a:t>)</a:t>
             </a:r>
-            <a:br/>
-            <a:r>
+            <a:br>
+              <a:rPr dirty="0"/>
+            </a:br>
+            <a:r>
+              <a:rPr dirty="0"/>
               <a:t>        </a:t>
             </a:r>
             <a:r>
-              <a:rPr b="1">
+              <a:rPr b="1" dirty="0">
                 <a:solidFill>
                   <a:srgbClr val="660E7A"/>
                 </a:solidFill>
@@ -4380,19 +4519,28 @@
               <a:t>count</a:t>
             </a:r>
             <a:r>
+              <a:rPr dirty="0"/>
               <a:t>++;</a:t>
             </a:r>
-            <a:br/>
-            <a:r>
+            <a:br>
+              <a:rPr dirty="0"/>
+            </a:br>
+            <a:r>
+              <a:rPr dirty="0"/>
               <a:t>    ...</a:t>
             </a:r>
-            <a:br/>
-            <a:r>
+            <a:br>
+              <a:rPr dirty="0"/>
+            </a:br>
+            <a:r>
+              <a:rPr dirty="0"/>
               <a:t>}</a:t>
             </a:r>
-            <a:br/>
-            <a:r>
-              <a:rPr b="1">
+            <a:br>
+              <a:rPr dirty="0"/>
+            </a:br>
+            <a:r>
+              <a:rPr b="1" dirty="0">
                 <a:solidFill>
                   <a:srgbClr val="000080"/>
                 </a:solidFill>
@@ -4400,10 +4548,11 @@
               <a:t>if </a:t>
             </a:r>
             <a:r>
+              <a:rPr dirty="0"/>
               <a:t>(</a:t>
             </a:r>
             <a:r>
-              <a:rPr b="1">
+              <a:rPr b="1" dirty="0">
                 <a:solidFill>
                   <a:srgbClr val="660E7A"/>
                 </a:solidFill>
@@ -4411,10 +4560,11 @@
               <a:t>count </a:t>
             </a:r>
             <a:r>
+              <a:rPr dirty="0"/>
               <a:t>== </a:t>
             </a:r>
             <a:r>
-              <a:rPr>
+              <a:rPr dirty="0">
                 <a:solidFill>
                   <a:srgbClr val="0000FF"/>
                 </a:solidFill>
@@ -4422,21 +4572,25 @@
               <a:t>75</a:t>
             </a:r>
             <a:r>
+              <a:rPr dirty="0"/>
               <a:t>) {</a:t>
             </a:r>
-            <a:br/>
-            <a:r>
+            <a:br>
+              <a:rPr dirty="0"/>
+            </a:br>
+            <a:r>
+              <a:rPr dirty="0"/>
               <a:t>    </a:t>
             </a:r>
             <a:r>
-              <a:rPr b="1">
+              <a:rPr b="1" dirty="0">
                 <a:solidFill>
                   <a:srgbClr val="008000"/>
                 </a:solidFill>
               </a:rPr>
               <a:t>//bug</a:t>
             </a:r>
-            <a:endParaRPr>
+            <a:endParaRPr dirty="0">
               <a:latin typeface="+mn-lt"/>
               <a:ea typeface="+mn-ea"/>
               <a:cs typeface="+mn-cs"/>
@@ -4471,6 +4625,7 @@
               </a:defRPr>
             </a:pPr>
             <a:r>
+              <a:rPr dirty="0"/>
               <a:t>} </a:t>
             </a:r>
           </a:p>
@@ -4481,12 +4636,12 @@
   <p:clrMapOvr>
     <a:masterClrMapping/>
   </p:clrMapOvr>
-  <p:transition xmlns:p14="http://schemas.microsoft.com/office/powerpoint/2010/main" spd="med" advClick="1"/>
+  <p:transition xmlns:p14="http://schemas.microsoft.com/office/powerpoint/2010/main" spd="med"/>
 </p:sld>
 </file>
 
 <file path=ppt/slides/slide2.xml><?xml version="1.0" encoding="utf-8"?>
-<p:sld xmlns:a="http://schemas.openxmlformats.org/drawingml/2006/main" xmlns:r="http://schemas.openxmlformats.org/officeDocument/2006/relationships" xmlns:p="http://schemas.openxmlformats.org/presentationml/2006/main" xmlns:m="http://schemas.openxmlformats.org/officeDocument/2006/math" xmlns:a14="http://schemas.microsoft.com/office/drawing/2010/main" showMasterSp="1" showMasterPhAnim="1">
+<p:sld xmlns:a="http://schemas.openxmlformats.org/drawingml/2006/main" xmlns:r="http://schemas.openxmlformats.org/officeDocument/2006/relationships" xmlns:p="http://schemas.openxmlformats.org/presentationml/2006/main">
   <p:cSld>
     <p:spTree>
       <p:nvGrpSpPr>
@@ -4505,7 +4660,9 @@
       <p:sp>
         <p:nvSpPr>
           <p:cNvPr id="163" name="Slide Number Placeholder 3"/>
-          <p:cNvSpPr txBox="1"/>
+          <p:cNvSpPr txBox="1">
+            <a:spLocks noGrp="1"/>
+          </p:cNvSpPr>
           <p:nvPr>
             <p:ph type="sldNum" sz="quarter" idx="2"/>
           </p:nvPr>
@@ -4528,8 +4685,10 @@
           <a:bodyPr/>
           <a:lstStyle/>
           <a:p>
-            <a:pPr/>
-            <a:fld id="{86CB4B4D-7CA3-9044-876B-883B54F8677D}" type="slidenum"/>
+            <a:fld id="{86CB4B4D-7CA3-9044-876B-883B54F8677D}" type="slidenum">
+              <a:t>2</a:t>
+            </a:fld>
+            <a:endParaRPr/>
           </a:p>
         </p:txBody>
       </p:sp>
@@ -4571,10 +4730,11 @@
               </a:defRPr>
             </a:pPr>
             <a:r>
+              <a:rPr dirty="0"/>
               <a:t>List&lt;</a:t>
             </a:r>
             <a:r>
-              <a:rPr>
+              <a:rPr dirty="0">
                 <a:solidFill>
                   <a:srgbClr val="20999D"/>
                 </a:solidFill>
@@ -4582,9 +4742,10 @@
               <a:t>Integer</a:t>
             </a:r>
             <a:r>
+              <a:rPr dirty="0"/>
               <a:t>&gt;.</a:t>
             </a:r>
-            <a:endParaRPr>
+            <a:endParaRPr dirty="0">
               <a:latin typeface="+mn-lt"/>
               <a:ea typeface="+mn-ea"/>
               <a:cs typeface="+mn-cs"/>
@@ -4601,6 +4762,7 @@
               </a:defRPr>
             </a:pPr>
             <a:r>
+              <a:rPr dirty="0"/>
               <a:t>get(i) </a:t>
             </a:r>
           </a:p>
@@ -4885,7 +5047,7 @@
           </a:p>
           <a:p>
             <a:pPr algn="ctr">
-              <a:defRPr b="1" sz="1800">
+              <a:defRPr sz="1800" b="1">
                 <a:solidFill>
                   <a:srgbClr val="660E7A"/>
                 </a:solidFill>
@@ -5020,7 +5182,7 @@
           </a:p>
           <a:p>
             <a:pPr algn="ctr">
-              <a:defRPr b="1" sz="1800">
+              <a:defRPr sz="1800" b="1">
                 <a:solidFill>
                   <a:srgbClr val="660E7A"/>
                 </a:solidFill>
@@ -5161,7 +5323,7 @@
           <a:bodyPr lIns="45719" rIns="45719"/>
           <a:lstStyle/>
           <a:p>
-            <a:pPr/>
+            <a:endParaRPr/>
           </a:p>
         </p:txBody>
       </p:sp>
@@ -5190,7 +5352,7 @@
           <a:bodyPr lIns="45719" rIns="45719"/>
           <a:lstStyle/>
           <a:p>
-            <a:pPr/>
+            <a:endParaRPr/>
           </a:p>
         </p:txBody>
       </p:sp>
@@ -5250,7 +5412,7 @@
             </a:cxnLst>
             <a:rect l="0" t="0" r="r" b="b"/>
             <a:pathLst>
-              <a:path w="20838" h="21600" fill="norm" stroke="1" extrusionOk="0">
+              <a:path w="20838" h="21600" extrusionOk="0">
                 <a:moveTo>
                   <a:pt x="16748" y="0"/>
                 </a:moveTo>
@@ -5294,6 +5456,7 @@
                 <a:sym typeface="Tahoma"/>
               </a:defRPr>
             </a:pPr>
+            <a:endParaRPr/>
           </a:p>
         </p:txBody>
       </p:sp>
@@ -5338,7 +5501,6 @@
             </a:lvl1pPr>
           </a:lstStyle>
           <a:p>
-            <a:pPr/>
             <a:r>
               <a:t>(1)</a:t>
             </a:r>
@@ -5386,7 +5548,6 @@
             </a:lvl1pPr>
           </a:lstStyle>
           <a:p>
-            <a:pPr/>
             <a:r>
               <a:t>(2)</a:t>
             </a:r>
@@ -5434,7 +5595,6 @@
             </a:lvl1pPr>
           </a:lstStyle>
           <a:p>
-            <a:pPr/>
             <a:r>
               <a:t>(3)</a:t>
             </a:r>
@@ -5446,13 +5606,13 @@
   <p:clrMapOvr>
     <a:masterClrMapping/>
   </p:clrMapOvr>
-  <mc:AlternateContent xmlns:mc="http://schemas.openxmlformats.org/markup-compatibility/2006">
-    <mc:Choice xmlns:p14="http://schemas.microsoft.com/office/powerpoint/2010/main" Requires="p14">
-      <p:transition spd="med" advClick="1" p14:dur="1000">
+  <mc:AlternateContent xmlns:mc="http://schemas.openxmlformats.org/markup-compatibility/2006" xmlns:p14="http://schemas.microsoft.com/office/powerpoint/2010/main">
+    <mc:Choice Requires="p14">
+      <p:transition spd="slow">
         <p:dissolve/>
       </p:transition>
     </mc:Choice>
-    <mc:Fallback>
+    <mc:Fallback xmlns:a14="http://schemas.microsoft.com/office/drawing/2010/main" xmlns:m="http://schemas.openxmlformats.org/officeDocument/2006/math" xmlns="">
       <p:transition spd="med">
         <p:fade/>
       </p:transition>
@@ -5462,7 +5622,7 @@
 </file>
 
 <file path=ppt/slides/slide3.xml><?xml version="1.0" encoding="utf-8"?>
-<p:sld xmlns:a="http://schemas.openxmlformats.org/drawingml/2006/main" xmlns:r="http://schemas.openxmlformats.org/officeDocument/2006/relationships" xmlns:p="http://schemas.openxmlformats.org/presentationml/2006/main" xmlns:m="http://schemas.openxmlformats.org/officeDocument/2006/math" xmlns:a14="http://schemas.microsoft.com/office/drawing/2010/main" showMasterSp="1" showMasterPhAnim="1">
+<p:sld xmlns:a="http://schemas.openxmlformats.org/drawingml/2006/main" xmlns:r="http://schemas.openxmlformats.org/officeDocument/2006/relationships" xmlns:p="http://schemas.openxmlformats.org/presentationml/2006/main">
   <p:cSld>
     <p:spTree>
       <p:nvGrpSpPr>
@@ -5572,6 +5732,7 @@
                 <a:sym typeface="Helvetica Neue Medium"/>
               </a:defRPr>
             </a:pPr>
+            <a:endParaRPr/>
           </a:p>
         </p:txBody>
       </p:sp>
@@ -5611,6 +5772,7 @@
                 <a:sym typeface="Helvetica Neue Medium"/>
               </a:defRPr>
             </a:pPr>
+            <a:endParaRPr/>
           </a:p>
         </p:txBody>
       </p:sp>
@@ -5651,6 +5813,7 @@
                 <a:sym typeface="Helvetica Neue Medium"/>
               </a:defRPr>
             </a:pPr>
+            <a:endParaRPr/>
           </a:p>
         </p:txBody>
       </p:sp>
@@ -5691,6 +5854,7 @@
                 <a:sym typeface="Helvetica Neue Medium"/>
               </a:defRPr>
             </a:pPr>
+            <a:endParaRPr/>
           </a:p>
         </p:txBody>
       </p:sp>
@@ -5699,13 +5863,13 @@
   <p:clrMapOvr>
     <a:masterClrMapping/>
   </p:clrMapOvr>
-  <mc:AlternateContent xmlns:mc="http://schemas.openxmlformats.org/markup-compatibility/2006">
-    <mc:Choice xmlns:p14="http://schemas.microsoft.com/office/powerpoint/2010/main" Requires="p14">
-      <p:transition spd="med" advClick="1" p14:dur="1000">
+  <mc:AlternateContent xmlns:mc="http://schemas.openxmlformats.org/markup-compatibility/2006" xmlns:p14="http://schemas.microsoft.com/office/powerpoint/2010/main">
+    <mc:Choice Requires="p14">
+      <p:transition spd="slow">
         <p:dissolve/>
       </p:transition>
     </mc:Choice>
-    <mc:Fallback>
+    <mc:Fallback xmlns:a14="http://schemas.microsoft.com/office/drawing/2010/main" xmlns:m="http://schemas.openxmlformats.org/officeDocument/2006/math" xmlns="">
       <p:transition spd="med">
         <p:fade/>
       </p:transition>
@@ -5715,7 +5879,4505 @@
 </file>
 
 <file path=ppt/slides/slide4.xml><?xml version="1.0" encoding="utf-8"?>
-<p:sld xmlns:a="http://schemas.openxmlformats.org/drawingml/2006/main" xmlns:r="http://schemas.openxmlformats.org/officeDocument/2006/relationships" xmlns:p="http://schemas.openxmlformats.org/presentationml/2006/main" xmlns:m="http://schemas.openxmlformats.org/officeDocument/2006/math" xmlns:a14="http://schemas.microsoft.com/office/drawing/2010/main" showMasterSp="1" showMasterPhAnim="1">
+<p:sld xmlns:a="http://schemas.openxmlformats.org/drawingml/2006/main" xmlns:r="http://schemas.openxmlformats.org/officeDocument/2006/relationships" xmlns:p="http://schemas.openxmlformats.org/presentationml/2006/main">
+  <p:cSld>
+    <p:spTree>
+      <p:nvGrpSpPr>
+        <p:cNvPr id="1" name=""/>
+        <p:cNvGrpSpPr/>
+        <p:nvPr/>
+      </p:nvGrpSpPr>
+      <p:grpSpPr>
+        <a:xfrm>
+          <a:off x="0" y="0"/>
+          <a:ext cx="0" cy="0"/>
+          <a:chOff x="0" y="0"/>
+          <a:chExt cx="0" cy="0"/>
+        </a:xfrm>
+      </p:grpSpPr>
+      <p:sp>
+        <p:nvSpPr>
+          <p:cNvPr id="2" name="TextBox 1"/>
+          <p:cNvSpPr txBox="1"/>
+          <p:nvPr/>
+        </p:nvSpPr>
+        <p:spPr>
+          <a:xfrm>
+            <a:off x="35287" y="102111"/>
+            <a:ext cx="5555365" cy="8094522"/>
+          </a:xfrm>
+          <a:prstGeom prst="rect">
+            <a:avLst/>
+          </a:prstGeom>
+          <a:noFill/>
+          <a:ln w="12700" cap="flat">
+            <a:noFill/>
+            <a:miter lim="400000"/>
+          </a:ln>
+          <a:effectLst/>
+          <a:sp3d/>
+        </p:spPr>
+        <p:style>
+          <a:lnRef idx="0">
+            <a:scrgbClr r="0" g="0" b="0"/>
+          </a:lnRef>
+          <a:fillRef idx="0">
+            <a:scrgbClr r="0" g="0" b="0"/>
+          </a:fillRef>
+          <a:effectRef idx="0">
+            <a:scrgbClr r="0" g="0" b="0"/>
+          </a:effectRef>
+          <a:fontRef idx="none"/>
+        </p:style>
+        <p:txBody>
+          <a:bodyPr rot="0" spcFirstLastPara="1" vertOverflow="overflow" horzOverflow="overflow" vert="horz" wrap="none" lIns="45719" tIns="45719" rIns="45719" bIns="45719" numCol="1" spcCol="38100" rtlCol="0" anchor="t">
+            <a:spAutoFit/>
+          </a:bodyPr>
+          <a:lstStyle/>
+          <a:p>
+            <a:pPr marL="228600" indent="-228600">
+              <a:buSzPct val="60000"/>
+              <a:buFont typeface="Wingdings" charset="2"/>
+              <a:buAutoNum type="arabicPlain"/>
+            </a:pPr>
+            <a:r>
+              <a:rPr lang="en-US" sz="2000" dirty="0">
+                <a:latin typeface="Courier"/>
+                <a:cs typeface="Courier"/>
+              </a:rPr>
+              <a:t> </a:t>
+            </a:r>
+            <a:r>
+              <a:rPr lang="en-US" sz="2000" b="1" dirty="0" err="1" smtClean="0">
+                <a:solidFill>
+                  <a:srgbClr val="BB7977"/>
+                </a:solidFill>
+                <a:latin typeface="Courier"/>
+                <a:cs typeface="Courier"/>
+              </a:rPr>
+              <a:t>ArrayList</a:t>
+            </a:r>
+            <a:r>
+              <a:rPr lang="en-US" sz="2000" dirty="0">
+                <a:solidFill>
+                  <a:srgbClr val="808030"/>
+                </a:solidFill>
+                <a:latin typeface="Courier"/>
+                <a:cs typeface="Courier"/>
+              </a:rPr>
+              <a:t>&lt;</a:t>
+            </a:r>
+            <a:r>
+              <a:rPr lang="en-US" sz="2000" b="1" dirty="0">
+                <a:solidFill>
+                  <a:srgbClr val="BB7977"/>
+                </a:solidFill>
+                <a:latin typeface="Courier"/>
+                <a:cs typeface="Courier"/>
+              </a:rPr>
+              <a:t>Integer</a:t>
+            </a:r>
+            <a:r>
+              <a:rPr lang="en-US" sz="2000" dirty="0">
+                <a:solidFill>
+                  <a:srgbClr val="808030"/>
+                </a:solidFill>
+                <a:latin typeface="Courier"/>
+                <a:cs typeface="Courier"/>
+              </a:rPr>
+              <a:t>&gt;</a:t>
+            </a:r>
+            <a:r>
+              <a:rPr lang="en-US" sz="2000" dirty="0">
+                <a:latin typeface="Courier"/>
+                <a:cs typeface="Courier"/>
+              </a:rPr>
+              <a:t> list </a:t>
+            </a:r>
+            <a:r>
+              <a:rPr lang="en-US" sz="2000" dirty="0">
+                <a:solidFill>
+                  <a:srgbClr val="808030"/>
+                </a:solidFill>
+                <a:latin typeface="Courier"/>
+                <a:cs typeface="Courier"/>
+              </a:rPr>
+              <a:t>=</a:t>
+            </a:r>
+            <a:r>
+              <a:rPr lang="en-US" sz="2000" dirty="0">
+                <a:latin typeface="Courier"/>
+                <a:cs typeface="Courier"/>
+              </a:rPr>
+              <a:t> </a:t>
+            </a:r>
+            <a:endParaRPr lang="en-US" sz="2000" dirty="0" smtClean="0">
+              <a:latin typeface="Courier"/>
+              <a:cs typeface="Courier"/>
+            </a:endParaRPr>
+          </a:p>
+          <a:p>
+            <a:pPr marL="228600" indent="-228600">
+              <a:buSzPct val="60000"/>
+              <a:buFont typeface="Wingdings" charset="2"/>
+              <a:buAutoNum type="arabicPlain"/>
+            </a:pPr>
+            <a:r>
+              <a:rPr lang="en-US" sz="2000" dirty="0">
+                <a:latin typeface="Courier"/>
+                <a:cs typeface="Courier"/>
+              </a:rPr>
+              <a:t> </a:t>
+            </a:r>
+            <a:r>
+              <a:rPr lang="en-US" sz="2000" b="1" dirty="0" smtClean="0">
+                <a:solidFill>
+                  <a:srgbClr val="800000"/>
+                </a:solidFill>
+                <a:latin typeface="Courier"/>
+                <a:cs typeface="Courier"/>
+              </a:rPr>
+              <a:t>  new</a:t>
+            </a:r>
+            <a:r>
+              <a:rPr lang="en-US" sz="2000" dirty="0" smtClean="0">
+                <a:latin typeface="Courier"/>
+                <a:cs typeface="Courier"/>
+              </a:rPr>
+              <a:t> </a:t>
+            </a:r>
+            <a:r>
+              <a:rPr lang="en-US" sz="2000" b="1" dirty="0" err="1">
+                <a:solidFill>
+                  <a:srgbClr val="BB7977"/>
+                </a:solidFill>
+                <a:latin typeface="Courier"/>
+                <a:cs typeface="Courier"/>
+              </a:rPr>
+              <a:t>ArrayList</a:t>
+            </a:r>
+            <a:r>
+              <a:rPr lang="en-US" sz="2000" dirty="0">
+                <a:solidFill>
+                  <a:srgbClr val="808030"/>
+                </a:solidFill>
+                <a:latin typeface="Courier"/>
+                <a:cs typeface="Courier"/>
+              </a:rPr>
+              <a:t>&lt;&gt;(</a:t>
+            </a:r>
+            <a:r>
+              <a:rPr lang="en-US" sz="2000" dirty="0">
+                <a:solidFill>
+                  <a:srgbClr val="008C00"/>
+                </a:solidFill>
+                <a:latin typeface="Courier"/>
+                <a:cs typeface="Courier"/>
+              </a:rPr>
+              <a:t>200</a:t>
+            </a:r>
+            <a:r>
+              <a:rPr lang="en-US" sz="2000" dirty="0">
+                <a:solidFill>
+                  <a:srgbClr val="808030"/>
+                </a:solidFill>
+                <a:latin typeface="Courier"/>
+                <a:cs typeface="Courier"/>
+              </a:rPr>
+              <a:t>)</a:t>
+            </a:r>
+            <a:r>
+              <a:rPr lang="en-US" sz="2000" dirty="0" smtClean="0">
+                <a:solidFill>
+                  <a:srgbClr val="800080"/>
+                </a:solidFill>
+                <a:latin typeface="Courier"/>
+                <a:cs typeface="Courier"/>
+              </a:rPr>
+              <a:t>;</a:t>
+            </a:r>
+          </a:p>
+          <a:p>
+            <a:pPr marL="228600" indent="-228600">
+              <a:buSzPct val="60000"/>
+              <a:buFont typeface="Wingdings" charset="2"/>
+              <a:buAutoNum type="arabicPlain"/>
+            </a:pPr>
+            <a:r>
+              <a:rPr lang="en-US" sz="2000" dirty="0">
+                <a:latin typeface="Courier"/>
+                <a:cs typeface="Courier"/>
+              </a:rPr>
+              <a:t> </a:t>
+            </a:r>
+            <a:r>
+              <a:rPr lang="en-US" sz="2000" dirty="0" smtClean="0">
+                <a:solidFill>
+                  <a:srgbClr val="696969"/>
+                </a:solidFill>
+                <a:latin typeface="Courier"/>
+                <a:cs typeface="Courier"/>
+              </a:rPr>
+              <a:t>/</a:t>
+            </a:r>
+            <a:r>
+              <a:rPr lang="en-US" sz="2000" dirty="0">
+                <a:solidFill>
+                  <a:srgbClr val="696969"/>
+                </a:solidFill>
+                <a:latin typeface="Courier"/>
+                <a:cs typeface="Courier"/>
+              </a:rPr>
+              <a:t>/put 200 symbolic </a:t>
+            </a:r>
+            <a:r>
+              <a:rPr lang="en-US" sz="2000" dirty="0" err="1" smtClean="0">
+                <a:solidFill>
+                  <a:srgbClr val="696969"/>
+                </a:solidFill>
+                <a:latin typeface="Courier"/>
+                <a:cs typeface="Courier"/>
+              </a:rPr>
+              <a:t>int</a:t>
+            </a:r>
+            <a:r>
+              <a:rPr lang="en-US" sz="2000" dirty="0" smtClean="0">
+                <a:solidFill>
+                  <a:srgbClr val="696969"/>
+                </a:solidFill>
+                <a:latin typeface="Courier"/>
+                <a:cs typeface="Courier"/>
+              </a:rPr>
+              <a:t> </a:t>
+            </a:r>
+            <a:r>
+              <a:rPr lang="en-US" sz="2000" dirty="0">
+                <a:solidFill>
+                  <a:srgbClr val="696969"/>
+                </a:solidFill>
+                <a:latin typeface="Courier"/>
+                <a:cs typeface="Courier"/>
+              </a:rPr>
+              <a:t>into </a:t>
+            </a:r>
+            <a:r>
+              <a:rPr lang="en-US" sz="2000" dirty="0" smtClean="0">
+                <a:solidFill>
+                  <a:srgbClr val="696969"/>
+                </a:solidFill>
+                <a:latin typeface="Courier"/>
+                <a:cs typeface="Courier"/>
+              </a:rPr>
+              <a:t>list</a:t>
+            </a:r>
+          </a:p>
+          <a:p>
+            <a:pPr marL="228600" indent="-228600">
+              <a:buSzPct val="60000"/>
+              <a:buFont typeface="Wingdings" charset="2"/>
+              <a:buAutoNum type="arabicPlain"/>
+            </a:pPr>
+            <a:r>
+              <a:rPr lang="en-US" sz="2000" dirty="0">
+                <a:latin typeface="Courier"/>
+                <a:cs typeface="Courier"/>
+              </a:rPr>
+              <a:t> </a:t>
+            </a:r>
+            <a:r>
+              <a:rPr lang="en-US" sz="2000" dirty="0" err="1" smtClean="0">
+                <a:solidFill>
+                  <a:srgbClr val="BB7977"/>
+                </a:solidFill>
+                <a:latin typeface="Courier"/>
+                <a:cs typeface="Courier"/>
+              </a:rPr>
+              <a:t>int</a:t>
+            </a:r>
+            <a:r>
+              <a:rPr lang="en-US" sz="2000" dirty="0" smtClean="0">
+                <a:latin typeface="Courier"/>
+                <a:cs typeface="Courier"/>
+              </a:rPr>
+              <a:t> </a:t>
+            </a:r>
+            <a:r>
+              <a:rPr lang="en-US" sz="2000" dirty="0" err="1">
+                <a:latin typeface="Courier"/>
+                <a:cs typeface="Courier"/>
+              </a:rPr>
+              <a:t>wordCount</a:t>
+            </a:r>
+            <a:r>
+              <a:rPr lang="en-US" sz="2000" dirty="0">
+                <a:latin typeface="Courier"/>
+                <a:cs typeface="Courier"/>
+              </a:rPr>
+              <a:t> </a:t>
+            </a:r>
+            <a:r>
+              <a:rPr lang="en-US" sz="2000" dirty="0">
+                <a:solidFill>
+                  <a:srgbClr val="808030"/>
+                </a:solidFill>
+                <a:latin typeface="Courier"/>
+                <a:cs typeface="Courier"/>
+              </a:rPr>
+              <a:t>=</a:t>
+            </a:r>
+            <a:r>
+              <a:rPr lang="en-US" sz="2000" dirty="0">
+                <a:latin typeface="Courier"/>
+                <a:cs typeface="Courier"/>
+              </a:rPr>
+              <a:t> </a:t>
+            </a:r>
+            <a:r>
+              <a:rPr lang="en-US" sz="2000" dirty="0">
+                <a:solidFill>
+                  <a:srgbClr val="008C00"/>
+                </a:solidFill>
+                <a:latin typeface="Courier"/>
+                <a:cs typeface="Courier"/>
+              </a:rPr>
+              <a:t>0</a:t>
+            </a:r>
+            <a:r>
+              <a:rPr lang="en-US" sz="2000" dirty="0" smtClean="0">
+                <a:solidFill>
+                  <a:srgbClr val="800080"/>
+                </a:solidFill>
+                <a:latin typeface="Courier"/>
+                <a:cs typeface="Courier"/>
+              </a:rPr>
+              <a:t>;</a:t>
+            </a:r>
+          </a:p>
+          <a:p>
+            <a:pPr marL="228600" indent="-228600">
+              <a:buSzPct val="60000"/>
+              <a:buFont typeface="Wingdings" charset="2"/>
+              <a:buAutoNum type="arabicPlain"/>
+            </a:pPr>
+            <a:r>
+              <a:rPr lang="en-US" sz="2000" dirty="0">
+                <a:latin typeface="Courier"/>
+                <a:cs typeface="Courier"/>
+              </a:rPr>
+              <a:t> </a:t>
+            </a:r>
+            <a:r>
+              <a:rPr lang="en-US" sz="2000" dirty="0" err="1" smtClean="0">
+                <a:solidFill>
+                  <a:srgbClr val="BB7977"/>
+                </a:solidFill>
+                <a:latin typeface="Courier"/>
+                <a:cs typeface="Courier"/>
+              </a:rPr>
+              <a:t>boolean</a:t>
+            </a:r>
+            <a:r>
+              <a:rPr lang="en-US" sz="2000" dirty="0" smtClean="0">
+                <a:latin typeface="Courier"/>
+                <a:cs typeface="Courier"/>
+              </a:rPr>
+              <a:t> </a:t>
+            </a:r>
+            <a:r>
+              <a:rPr lang="en-US" sz="2000" dirty="0" err="1">
+                <a:latin typeface="Courier"/>
+                <a:cs typeface="Courier"/>
+              </a:rPr>
+              <a:t>inWord</a:t>
+            </a:r>
+            <a:r>
+              <a:rPr lang="en-US" sz="2000" dirty="0" smtClean="0">
+                <a:solidFill>
+                  <a:srgbClr val="800080"/>
+                </a:solidFill>
+                <a:latin typeface="Courier"/>
+                <a:cs typeface="Courier"/>
+              </a:rPr>
+              <a:t>;</a:t>
+            </a:r>
+          </a:p>
+          <a:p>
+            <a:pPr marL="228600" indent="-228600">
+              <a:buSzPct val="60000"/>
+              <a:buFont typeface="Wingdings" charset="2"/>
+              <a:buAutoNum type="arabicPlain"/>
+            </a:pPr>
+            <a:r>
+              <a:rPr lang="en-US" sz="2000" dirty="0">
+                <a:latin typeface="Courier"/>
+                <a:cs typeface="Courier"/>
+              </a:rPr>
+              <a:t> </a:t>
+            </a:r>
+            <a:r>
+              <a:rPr lang="en-US" sz="2000" b="1" dirty="0" smtClean="0">
+                <a:solidFill>
+                  <a:srgbClr val="800000"/>
+                </a:solidFill>
+                <a:latin typeface="Courier"/>
+                <a:cs typeface="Courier"/>
+              </a:rPr>
+              <a:t>if</a:t>
+            </a:r>
+            <a:r>
+              <a:rPr lang="en-US" sz="2000" dirty="0" smtClean="0">
+                <a:latin typeface="Courier"/>
+                <a:cs typeface="Courier"/>
+              </a:rPr>
+              <a:t> </a:t>
+            </a:r>
+            <a:r>
+              <a:rPr lang="en-US" sz="2000" dirty="0">
+                <a:solidFill>
+                  <a:srgbClr val="808030"/>
+                </a:solidFill>
+                <a:latin typeface="Courier"/>
+                <a:cs typeface="Courier"/>
+              </a:rPr>
+              <a:t>(</a:t>
+            </a:r>
+            <a:r>
+              <a:rPr lang="en-US" sz="2000" dirty="0" err="1">
+                <a:latin typeface="Courier"/>
+                <a:cs typeface="Courier"/>
+              </a:rPr>
+              <a:t>list</a:t>
+            </a:r>
+            <a:r>
+              <a:rPr lang="en-US" sz="2000" dirty="0" err="1">
+                <a:solidFill>
+                  <a:srgbClr val="808030"/>
+                </a:solidFill>
+                <a:latin typeface="Courier"/>
+                <a:cs typeface="Courier"/>
+              </a:rPr>
+              <a:t>.</a:t>
+            </a:r>
+            <a:r>
+              <a:rPr lang="en-US" sz="2000" dirty="0" err="1">
+                <a:latin typeface="Courier"/>
+                <a:cs typeface="Courier"/>
+              </a:rPr>
+              <a:t>size</a:t>
+            </a:r>
+            <a:r>
+              <a:rPr lang="en-US" sz="2000" dirty="0">
+                <a:solidFill>
+                  <a:srgbClr val="808030"/>
+                </a:solidFill>
+                <a:latin typeface="Courier"/>
+                <a:cs typeface="Courier"/>
+              </a:rPr>
+              <a:t>()</a:t>
+            </a:r>
+            <a:r>
+              <a:rPr lang="en-US" sz="2000" dirty="0">
+                <a:latin typeface="Courier"/>
+                <a:cs typeface="Courier"/>
+              </a:rPr>
+              <a:t> </a:t>
+            </a:r>
+            <a:r>
+              <a:rPr lang="en-US" sz="2000" dirty="0">
+                <a:solidFill>
+                  <a:srgbClr val="808030"/>
+                </a:solidFill>
+                <a:latin typeface="Courier"/>
+                <a:cs typeface="Courier"/>
+              </a:rPr>
+              <a:t>&gt;</a:t>
+            </a:r>
+            <a:r>
+              <a:rPr lang="en-US" sz="2000" dirty="0">
+                <a:latin typeface="Courier"/>
+                <a:cs typeface="Courier"/>
+              </a:rPr>
+              <a:t> </a:t>
+            </a:r>
+            <a:r>
+              <a:rPr lang="en-US" sz="2000" dirty="0">
+                <a:solidFill>
+                  <a:srgbClr val="008C00"/>
+                </a:solidFill>
+                <a:latin typeface="Courier"/>
+                <a:cs typeface="Courier"/>
+              </a:rPr>
+              <a:t>0</a:t>
+            </a:r>
+            <a:r>
+              <a:rPr lang="en-US" sz="2000" dirty="0">
+                <a:solidFill>
+                  <a:srgbClr val="808030"/>
+                </a:solidFill>
+                <a:latin typeface="Courier"/>
+                <a:cs typeface="Courier"/>
+              </a:rPr>
+              <a:t>)</a:t>
+            </a:r>
+            <a:r>
+              <a:rPr lang="en-US" sz="2000" dirty="0">
+                <a:latin typeface="Courier"/>
+                <a:cs typeface="Courier"/>
+              </a:rPr>
+              <a:t> </a:t>
+            </a:r>
+            <a:r>
+              <a:rPr lang="en-US" sz="2000" dirty="0" smtClean="0">
+                <a:solidFill>
+                  <a:srgbClr val="800080"/>
+                </a:solidFill>
+                <a:latin typeface="Courier"/>
+                <a:cs typeface="Courier"/>
+              </a:rPr>
+              <a:t>{</a:t>
+            </a:r>
+          </a:p>
+          <a:p>
+            <a:pPr marL="228600" indent="-228600">
+              <a:buSzPct val="60000"/>
+              <a:buFont typeface="Wingdings" charset="2"/>
+              <a:buAutoNum type="arabicPlain"/>
+            </a:pPr>
+            <a:r>
+              <a:rPr lang="en-US" sz="2000" dirty="0">
+                <a:latin typeface="Courier"/>
+                <a:cs typeface="Courier"/>
+              </a:rPr>
+              <a:t> </a:t>
+            </a:r>
+            <a:r>
+              <a:rPr lang="en-US" sz="2000" dirty="0" smtClean="0">
+                <a:latin typeface="Courier"/>
+                <a:cs typeface="Courier"/>
+              </a:rPr>
+              <a:t>  </a:t>
+            </a:r>
+            <a:r>
+              <a:rPr lang="en-US" sz="2000" dirty="0" err="1">
+                <a:solidFill>
+                  <a:srgbClr val="BB7977"/>
+                </a:solidFill>
+                <a:latin typeface="Courier"/>
+                <a:cs typeface="Courier"/>
+              </a:rPr>
+              <a:t>int</a:t>
+            </a:r>
+            <a:r>
+              <a:rPr lang="en-US" sz="2000" dirty="0">
+                <a:latin typeface="Courier"/>
+                <a:cs typeface="Courier"/>
+              </a:rPr>
+              <a:t> </a:t>
+            </a:r>
+            <a:r>
+              <a:rPr lang="en-US" sz="2000" dirty="0" err="1">
+                <a:latin typeface="Courier"/>
+                <a:cs typeface="Courier"/>
+              </a:rPr>
+              <a:t>firstElement</a:t>
+            </a:r>
+            <a:r>
+              <a:rPr lang="en-US" sz="2000" dirty="0">
+                <a:latin typeface="Courier"/>
+                <a:cs typeface="Courier"/>
+              </a:rPr>
+              <a:t> </a:t>
+            </a:r>
+            <a:r>
+              <a:rPr lang="en-US" sz="2000" dirty="0">
+                <a:solidFill>
+                  <a:srgbClr val="808030"/>
+                </a:solidFill>
+                <a:latin typeface="Courier"/>
+                <a:cs typeface="Courier"/>
+              </a:rPr>
+              <a:t>=</a:t>
+            </a:r>
+            <a:r>
+              <a:rPr lang="en-US" sz="2000" dirty="0">
+                <a:latin typeface="Courier"/>
+                <a:cs typeface="Courier"/>
+              </a:rPr>
+              <a:t> </a:t>
+            </a:r>
+            <a:r>
+              <a:rPr lang="en-US" sz="2000" dirty="0" err="1">
+                <a:latin typeface="Courier"/>
+                <a:cs typeface="Courier"/>
+              </a:rPr>
+              <a:t>list</a:t>
+            </a:r>
+            <a:r>
+              <a:rPr lang="en-US" sz="2000" dirty="0" err="1">
+                <a:solidFill>
+                  <a:srgbClr val="808030"/>
+                </a:solidFill>
+                <a:latin typeface="Courier"/>
+                <a:cs typeface="Courier"/>
+              </a:rPr>
+              <a:t>.</a:t>
+            </a:r>
+            <a:r>
+              <a:rPr lang="en-US" sz="2000" dirty="0" err="1">
+                <a:latin typeface="Courier"/>
+                <a:cs typeface="Courier"/>
+              </a:rPr>
+              <a:t>get</a:t>
+            </a:r>
+            <a:r>
+              <a:rPr lang="en-US" sz="2000" dirty="0">
+                <a:solidFill>
+                  <a:srgbClr val="808030"/>
+                </a:solidFill>
+                <a:latin typeface="Courier"/>
+                <a:cs typeface="Courier"/>
+              </a:rPr>
+              <a:t>(</a:t>
+            </a:r>
+            <a:r>
+              <a:rPr lang="en-US" sz="2000" dirty="0">
+                <a:solidFill>
+                  <a:srgbClr val="008C00"/>
+                </a:solidFill>
+                <a:latin typeface="Courier"/>
+                <a:cs typeface="Courier"/>
+              </a:rPr>
+              <a:t>0</a:t>
+            </a:r>
+            <a:r>
+              <a:rPr lang="en-US" sz="2000" dirty="0">
+                <a:solidFill>
+                  <a:srgbClr val="808030"/>
+                </a:solidFill>
+                <a:latin typeface="Courier"/>
+                <a:cs typeface="Courier"/>
+              </a:rPr>
+              <a:t>)</a:t>
+            </a:r>
+            <a:r>
+              <a:rPr lang="en-US" sz="2000" dirty="0" smtClean="0">
+                <a:solidFill>
+                  <a:srgbClr val="800080"/>
+                </a:solidFill>
+                <a:latin typeface="Courier"/>
+                <a:cs typeface="Courier"/>
+              </a:rPr>
+              <a:t>;</a:t>
+            </a:r>
+          </a:p>
+          <a:p>
+            <a:pPr marL="228600" indent="-228600">
+              <a:buSzPct val="60000"/>
+              <a:buFont typeface="Wingdings" charset="2"/>
+              <a:buAutoNum type="arabicPlain"/>
+            </a:pPr>
+            <a:r>
+              <a:rPr lang="en-US" sz="2000" dirty="0" smtClean="0">
+                <a:latin typeface="Courier"/>
+                <a:cs typeface="Courier"/>
+              </a:rPr>
+              <a:t> </a:t>
+            </a:r>
+            <a:r>
+              <a:rPr lang="en-US" sz="2000" dirty="0">
+                <a:latin typeface="Courier"/>
+                <a:cs typeface="Courier"/>
+              </a:rPr>
+              <a:t> </a:t>
+            </a:r>
+            <a:r>
+              <a:rPr lang="en-US" sz="2000" dirty="0" smtClean="0">
+                <a:latin typeface="Courier"/>
+                <a:cs typeface="Courier"/>
+              </a:rPr>
+              <a:t> </a:t>
+            </a:r>
+            <a:r>
+              <a:rPr lang="en-US" sz="2000" b="1" dirty="0">
+                <a:solidFill>
+                  <a:srgbClr val="800000"/>
+                </a:solidFill>
+                <a:latin typeface="Courier"/>
+                <a:cs typeface="Courier"/>
+              </a:rPr>
+              <a:t>if</a:t>
+            </a:r>
+            <a:r>
+              <a:rPr lang="en-US" sz="2000" dirty="0">
+                <a:latin typeface="Courier"/>
+                <a:cs typeface="Courier"/>
+              </a:rPr>
+              <a:t> </a:t>
+            </a:r>
+            <a:r>
+              <a:rPr lang="en-US" sz="2000" dirty="0">
+                <a:solidFill>
+                  <a:srgbClr val="808030"/>
+                </a:solidFill>
+                <a:latin typeface="Courier"/>
+                <a:cs typeface="Courier"/>
+              </a:rPr>
+              <a:t>(</a:t>
+            </a:r>
+            <a:r>
+              <a:rPr lang="en-US" sz="2000" dirty="0" err="1">
+                <a:latin typeface="Courier"/>
+                <a:cs typeface="Courier"/>
+              </a:rPr>
+              <a:t>firstElement</a:t>
+            </a:r>
+            <a:r>
+              <a:rPr lang="en-US" sz="2000" dirty="0">
+                <a:latin typeface="Courier"/>
+                <a:cs typeface="Courier"/>
+              </a:rPr>
+              <a:t> </a:t>
+            </a:r>
+            <a:r>
+              <a:rPr lang="en-US" sz="2000" dirty="0">
+                <a:solidFill>
+                  <a:srgbClr val="808030"/>
+                </a:solidFill>
+                <a:latin typeface="Courier"/>
+                <a:cs typeface="Courier"/>
+              </a:rPr>
+              <a:t>==</a:t>
+            </a:r>
+            <a:r>
+              <a:rPr lang="en-US" sz="2000" dirty="0">
+                <a:latin typeface="Courier"/>
+                <a:cs typeface="Courier"/>
+              </a:rPr>
+              <a:t> </a:t>
+            </a:r>
+            <a:r>
+              <a:rPr lang="en-US" sz="2000" dirty="0">
+                <a:solidFill>
+                  <a:srgbClr val="008C00"/>
+                </a:solidFill>
+                <a:latin typeface="Courier"/>
+                <a:cs typeface="Courier"/>
+              </a:rPr>
+              <a:t>0</a:t>
+            </a:r>
+            <a:r>
+              <a:rPr lang="en-US" sz="2000" dirty="0" smtClean="0">
+                <a:solidFill>
+                  <a:srgbClr val="808030"/>
+                </a:solidFill>
+                <a:latin typeface="Courier"/>
+                <a:cs typeface="Courier"/>
+              </a:rPr>
+              <a:t>)</a:t>
+            </a:r>
+          </a:p>
+          <a:p>
+            <a:pPr marL="228600" indent="-228600">
+              <a:buSzPct val="60000"/>
+              <a:buFont typeface="Wingdings" charset="2"/>
+              <a:buAutoNum type="arabicPlain"/>
+            </a:pPr>
+            <a:r>
+              <a:rPr lang="en-US" sz="2000" dirty="0" smtClean="0">
+                <a:latin typeface="Courier"/>
+                <a:cs typeface="Courier"/>
+              </a:rPr>
+              <a:t> </a:t>
+            </a:r>
+            <a:r>
+              <a:rPr lang="en-US" sz="2000" dirty="0">
+                <a:latin typeface="Courier"/>
+                <a:cs typeface="Courier"/>
+              </a:rPr>
+              <a:t> </a:t>
+            </a:r>
+            <a:r>
+              <a:rPr lang="en-US" sz="2000" dirty="0" smtClean="0">
+                <a:latin typeface="Courier"/>
+                <a:cs typeface="Courier"/>
+              </a:rPr>
+              <a:t>   </a:t>
+            </a:r>
+            <a:r>
+              <a:rPr lang="en-US" sz="2000" dirty="0" err="1">
+                <a:latin typeface="Courier"/>
+                <a:cs typeface="Courier"/>
+              </a:rPr>
+              <a:t>inWord</a:t>
+            </a:r>
+            <a:r>
+              <a:rPr lang="en-US" sz="2000" dirty="0">
+                <a:latin typeface="Courier"/>
+                <a:cs typeface="Courier"/>
+              </a:rPr>
+              <a:t> </a:t>
+            </a:r>
+            <a:r>
+              <a:rPr lang="en-US" sz="2000" dirty="0">
+                <a:solidFill>
+                  <a:srgbClr val="808030"/>
+                </a:solidFill>
+                <a:latin typeface="Courier"/>
+                <a:cs typeface="Courier"/>
+              </a:rPr>
+              <a:t>=</a:t>
+            </a:r>
+            <a:r>
+              <a:rPr lang="en-US" sz="2000" dirty="0">
+                <a:latin typeface="Courier"/>
+                <a:cs typeface="Courier"/>
+              </a:rPr>
+              <a:t> </a:t>
+            </a:r>
+            <a:r>
+              <a:rPr lang="en-US" sz="2000" b="1" dirty="0">
+                <a:solidFill>
+                  <a:srgbClr val="800000"/>
+                </a:solidFill>
+                <a:latin typeface="Courier"/>
+                <a:cs typeface="Courier"/>
+              </a:rPr>
+              <a:t>false</a:t>
+            </a:r>
+            <a:r>
+              <a:rPr lang="en-US" sz="2000" dirty="0" smtClean="0">
+                <a:solidFill>
+                  <a:srgbClr val="800080"/>
+                </a:solidFill>
+                <a:latin typeface="Courier"/>
+                <a:cs typeface="Courier"/>
+              </a:rPr>
+              <a:t>;</a:t>
+            </a:r>
+          </a:p>
+          <a:p>
+            <a:pPr marL="228600" indent="-228600">
+              <a:buSzPct val="60000"/>
+              <a:buFont typeface="Wingdings" charset="2"/>
+              <a:buAutoNum type="arabicPlain"/>
+            </a:pPr>
+            <a:r>
+              <a:rPr lang="en-US" sz="2000" dirty="0" smtClean="0">
+                <a:latin typeface="Courier"/>
+                <a:cs typeface="Courier"/>
+              </a:rPr>
+              <a:t> </a:t>
+            </a:r>
+            <a:r>
+              <a:rPr lang="en-US" sz="2000" dirty="0">
+                <a:latin typeface="Courier"/>
+                <a:cs typeface="Courier"/>
+              </a:rPr>
+              <a:t> </a:t>
+            </a:r>
+            <a:r>
+              <a:rPr lang="en-US" sz="2000" dirty="0" smtClean="0">
+                <a:latin typeface="Courier"/>
+                <a:cs typeface="Courier"/>
+              </a:rPr>
+              <a:t> </a:t>
+            </a:r>
+            <a:r>
+              <a:rPr lang="en-US" sz="2000" b="1" dirty="0">
+                <a:solidFill>
+                  <a:srgbClr val="800000"/>
+                </a:solidFill>
+                <a:latin typeface="Courier"/>
+                <a:cs typeface="Courier"/>
+              </a:rPr>
+              <a:t>else</a:t>
+            </a:r>
+            <a:r>
+              <a:rPr lang="en-US" sz="2000" dirty="0">
+                <a:latin typeface="Courier"/>
+                <a:cs typeface="Courier"/>
+              </a:rPr>
+              <a:t> </a:t>
+            </a:r>
+            <a:r>
+              <a:rPr lang="en-US" sz="2000" dirty="0" err="1">
+                <a:latin typeface="Courier"/>
+                <a:cs typeface="Courier"/>
+              </a:rPr>
+              <a:t>inWord</a:t>
+            </a:r>
+            <a:r>
+              <a:rPr lang="en-US" sz="2000" dirty="0">
+                <a:latin typeface="Courier"/>
+                <a:cs typeface="Courier"/>
+              </a:rPr>
+              <a:t> </a:t>
+            </a:r>
+            <a:r>
+              <a:rPr lang="en-US" sz="2000" dirty="0">
+                <a:solidFill>
+                  <a:srgbClr val="808030"/>
+                </a:solidFill>
+                <a:latin typeface="Courier"/>
+                <a:cs typeface="Courier"/>
+              </a:rPr>
+              <a:t>=</a:t>
+            </a:r>
+            <a:r>
+              <a:rPr lang="en-US" sz="2000" dirty="0">
+                <a:latin typeface="Courier"/>
+                <a:cs typeface="Courier"/>
+              </a:rPr>
+              <a:t> </a:t>
+            </a:r>
+            <a:r>
+              <a:rPr lang="en-US" sz="2000" b="1" dirty="0">
+                <a:solidFill>
+                  <a:srgbClr val="800000"/>
+                </a:solidFill>
+                <a:latin typeface="Courier"/>
+                <a:cs typeface="Courier"/>
+              </a:rPr>
+              <a:t>true</a:t>
+            </a:r>
+            <a:r>
+              <a:rPr lang="en-US" sz="2000" dirty="0" smtClean="0">
+                <a:solidFill>
+                  <a:srgbClr val="800080"/>
+                </a:solidFill>
+                <a:latin typeface="Courier"/>
+                <a:cs typeface="Courier"/>
+              </a:rPr>
+              <a:t>;</a:t>
+            </a:r>
+          </a:p>
+          <a:p>
+            <a:pPr marL="228600" indent="-228600">
+              <a:buSzPct val="60000"/>
+              <a:buFont typeface="Wingdings" charset="2"/>
+              <a:buAutoNum type="arabicPlain"/>
+            </a:pPr>
+            <a:r>
+              <a:rPr lang="en-US" sz="2000" dirty="0" smtClean="0">
+                <a:latin typeface="Courier"/>
+                <a:cs typeface="Courier"/>
+              </a:rPr>
+              <a:t> </a:t>
+            </a:r>
+            <a:r>
+              <a:rPr lang="en-US" sz="2000" dirty="0">
+                <a:latin typeface="Courier"/>
+                <a:cs typeface="Courier"/>
+              </a:rPr>
+              <a:t> </a:t>
+            </a:r>
+            <a:r>
+              <a:rPr lang="en-US" sz="2000" dirty="0" smtClean="0">
+                <a:latin typeface="Courier"/>
+                <a:cs typeface="Courier"/>
+              </a:rPr>
+              <a:t> </a:t>
+            </a:r>
+            <a:r>
+              <a:rPr lang="en-US" sz="2000" b="1" dirty="0">
+                <a:solidFill>
+                  <a:srgbClr val="800000"/>
+                </a:solidFill>
+                <a:latin typeface="Courier"/>
+                <a:cs typeface="Courier"/>
+              </a:rPr>
+              <a:t>for</a:t>
+            </a:r>
+            <a:r>
+              <a:rPr lang="en-US" sz="2000" dirty="0">
+                <a:latin typeface="Courier"/>
+                <a:cs typeface="Courier"/>
+              </a:rPr>
+              <a:t> </a:t>
+            </a:r>
+            <a:r>
+              <a:rPr lang="en-US" sz="2000" dirty="0">
+                <a:solidFill>
+                  <a:srgbClr val="808030"/>
+                </a:solidFill>
+                <a:latin typeface="Courier"/>
+                <a:cs typeface="Courier"/>
+              </a:rPr>
+              <a:t>(</a:t>
+            </a:r>
+            <a:r>
+              <a:rPr lang="en-US" sz="2000" dirty="0" err="1">
+                <a:solidFill>
+                  <a:srgbClr val="BB7977"/>
+                </a:solidFill>
+                <a:latin typeface="Courier"/>
+                <a:cs typeface="Courier"/>
+              </a:rPr>
+              <a:t>int</a:t>
+            </a:r>
+            <a:r>
+              <a:rPr lang="en-US" sz="2000" dirty="0">
+                <a:latin typeface="Courier"/>
+                <a:cs typeface="Courier"/>
+              </a:rPr>
+              <a:t> </a:t>
+            </a:r>
+            <a:r>
+              <a:rPr lang="en-US" sz="2000" dirty="0" err="1">
+                <a:latin typeface="Courier"/>
+                <a:cs typeface="Courier"/>
+              </a:rPr>
+              <a:t>i</a:t>
+            </a:r>
+            <a:r>
+              <a:rPr lang="en-US" sz="2000" dirty="0">
+                <a:latin typeface="Courier"/>
+                <a:cs typeface="Courier"/>
+              </a:rPr>
+              <a:t> </a:t>
+            </a:r>
+            <a:r>
+              <a:rPr lang="en-US" sz="2000" dirty="0">
+                <a:solidFill>
+                  <a:srgbClr val="808030"/>
+                </a:solidFill>
+                <a:latin typeface="Courier"/>
+                <a:cs typeface="Courier"/>
+              </a:rPr>
+              <a:t>=</a:t>
+            </a:r>
+            <a:r>
+              <a:rPr lang="en-US" sz="2000" dirty="0">
+                <a:latin typeface="Courier"/>
+                <a:cs typeface="Courier"/>
+              </a:rPr>
+              <a:t> </a:t>
+            </a:r>
+            <a:r>
+              <a:rPr lang="en-US" sz="2000" dirty="0">
+                <a:solidFill>
+                  <a:srgbClr val="008C00"/>
+                </a:solidFill>
+                <a:latin typeface="Courier"/>
+                <a:cs typeface="Courier"/>
+              </a:rPr>
+              <a:t>0</a:t>
+            </a:r>
+            <a:r>
+              <a:rPr lang="en-US" sz="2000" dirty="0">
+                <a:solidFill>
+                  <a:srgbClr val="800080"/>
+                </a:solidFill>
+                <a:latin typeface="Courier"/>
+                <a:cs typeface="Courier"/>
+              </a:rPr>
+              <a:t>;</a:t>
+            </a:r>
+            <a:r>
+              <a:rPr lang="en-US" sz="2000" dirty="0">
+                <a:latin typeface="Courier"/>
+                <a:cs typeface="Courier"/>
+              </a:rPr>
+              <a:t> </a:t>
+            </a:r>
+            <a:endParaRPr lang="en-US" sz="2000" dirty="0" smtClean="0">
+              <a:latin typeface="Courier"/>
+              <a:cs typeface="Courier"/>
+            </a:endParaRPr>
+          </a:p>
+          <a:p>
+            <a:pPr marL="228600" indent="-228600">
+              <a:buSzPct val="60000"/>
+              <a:buFont typeface="Wingdings" charset="2"/>
+              <a:buAutoNum type="arabicPlain"/>
+            </a:pPr>
+            <a:r>
+              <a:rPr lang="en-US" sz="2000" dirty="0">
+                <a:latin typeface="Courier"/>
+                <a:cs typeface="Courier"/>
+              </a:rPr>
+              <a:t> </a:t>
+            </a:r>
+            <a:r>
+              <a:rPr lang="en-US" sz="2000" dirty="0" smtClean="0">
+                <a:latin typeface="Courier"/>
+                <a:cs typeface="Courier"/>
+              </a:rPr>
+              <a:t>       </a:t>
+            </a:r>
+            <a:r>
+              <a:rPr lang="en-US" sz="2000" dirty="0" err="1" smtClean="0">
+                <a:latin typeface="Courier"/>
+                <a:cs typeface="Courier"/>
+              </a:rPr>
+              <a:t>i</a:t>
+            </a:r>
+            <a:r>
+              <a:rPr lang="en-US" sz="2000" dirty="0" smtClean="0">
+                <a:latin typeface="Courier"/>
+                <a:cs typeface="Courier"/>
+              </a:rPr>
+              <a:t> </a:t>
+            </a:r>
+            <a:r>
+              <a:rPr lang="en-US" sz="2000" dirty="0">
+                <a:solidFill>
+                  <a:srgbClr val="808030"/>
+                </a:solidFill>
+                <a:latin typeface="Courier"/>
+                <a:cs typeface="Courier"/>
+              </a:rPr>
+              <a:t>&lt;</a:t>
+            </a:r>
+            <a:r>
+              <a:rPr lang="en-US" sz="2000" dirty="0">
+                <a:latin typeface="Courier"/>
+                <a:cs typeface="Courier"/>
+              </a:rPr>
+              <a:t> </a:t>
+            </a:r>
+            <a:r>
+              <a:rPr lang="en-US" sz="2000" dirty="0" err="1">
+                <a:latin typeface="Courier"/>
+                <a:cs typeface="Courier"/>
+              </a:rPr>
+              <a:t>list</a:t>
+            </a:r>
+            <a:r>
+              <a:rPr lang="en-US" sz="2000" dirty="0" err="1">
+                <a:solidFill>
+                  <a:srgbClr val="808030"/>
+                </a:solidFill>
+                <a:latin typeface="Courier"/>
+                <a:cs typeface="Courier"/>
+              </a:rPr>
+              <a:t>.</a:t>
+            </a:r>
+            <a:r>
+              <a:rPr lang="en-US" sz="2000" dirty="0" err="1">
+                <a:latin typeface="Courier"/>
+                <a:cs typeface="Courier"/>
+              </a:rPr>
+              <a:t>size</a:t>
+            </a:r>
+            <a:r>
+              <a:rPr lang="en-US" sz="2000" dirty="0">
+                <a:solidFill>
+                  <a:srgbClr val="808030"/>
+                </a:solidFill>
+                <a:latin typeface="Courier"/>
+                <a:cs typeface="Courier"/>
+              </a:rPr>
+              <a:t>()</a:t>
+            </a:r>
+            <a:r>
+              <a:rPr lang="en-US" sz="2000" dirty="0">
+                <a:solidFill>
+                  <a:srgbClr val="800080"/>
+                </a:solidFill>
+                <a:latin typeface="Courier"/>
+                <a:cs typeface="Courier"/>
+              </a:rPr>
+              <a:t>;</a:t>
+            </a:r>
+            <a:r>
+              <a:rPr lang="en-US" sz="2000" dirty="0">
+                <a:latin typeface="Courier"/>
+                <a:cs typeface="Courier"/>
+              </a:rPr>
+              <a:t> </a:t>
+            </a:r>
+            <a:endParaRPr lang="en-US" sz="2000" dirty="0" smtClean="0">
+              <a:latin typeface="Courier"/>
+              <a:cs typeface="Courier"/>
+            </a:endParaRPr>
+          </a:p>
+          <a:p>
+            <a:pPr marL="228600" indent="-228600">
+              <a:buSzPct val="60000"/>
+              <a:buFont typeface="Wingdings" charset="2"/>
+              <a:buAutoNum type="arabicPlain"/>
+            </a:pPr>
+            <a:r>
+              <a:rPr lang="en-US" sz="2000" dirty="0">
+                <a:latin typeface="Courier"/>
+                <a:cs typeface="Courier"/>
+              </a:rPr>
+              <a:t> </a:t>
+            </a:r>
+            <a:r>
+              <a:rPr lang="en-US" sz="2000" dirty="0" smtClean="0">
+                <a:latin typeface="Courier"/>
+                <a:cs typeface="Courier"/>
+              </a:rPr>
+              <a:t>       </a:t>
+            </a:r>
+            <a:r>
+              <a:rPr lang="en-US" sz="2000" dirty="0" err="1" smtClean="0">
+                <a:latin typeface="Courier"/>
+                <a:cs typeface="Courier"/>
+              </a:rPr>
+              <a:t>i</a:t>
+            </a:r>
+            <a:r>
+              <a:rPr lang="en-US" sz="2000" dirty="0">
+                <a:solidFill>
+                  <a:srgbClr val="808030"/>
+                </a:solidFill>
+                <a:latin typeface="Courier"/>
+                <a:cs typeface="Courier"/>
+              </a:rPr>
+              <a:t>++)</a:t>
+            </a:r>
+            <a:r>
+              <a:rPr lang="en-US" sz="2000" dirty="0">
+                <a:latin typeface="Courier"/>
+                <a:cs typeface="Courier"/>
+              </a:rPr>
+              <a:t> </a:t>
+            </a:r>
+            <a:r>
+              <a:rPr lang="en-US" sz="2000" dirty="0" smtClean="0">
+                <a:solidFill>
+                  <a:srgbClr val="800080"/>
+                </a:solidFill>
+                <a:latin typeface="Courier"/>
+                <a:cs typeface="Courier"/>
+              </a:rPr>
+              <a:t>{</a:t>
+            </a:r>
+          </a:p>
+          <a:p>
+            <a:pPr marL="228600" indent="-228600">
+              <a:buSzPct val="60000"/>
+              <a:buFont typeface="Wingdings" charset="2"/>
+              <a:buAutoNum type="arabicPlain"/>
+            </a:pPr>
+            <a:r>
+              <a:rPr lang="en-US" sz="2000" dirty="0" smtClean="0">
+                <a:latin typeface="Courier"/>
+                <a:cs typeface="Courier"/>
+              </a:rPr>
+              <a:t> </a:t>
+            </a:r>
+            <a:r>
+              <a:rPr lang="en-US" sz="2000" dirty="0">
+                <a:latin typeface="Courier"/>
+                <a:cs typeface="Courier"/>
+              </a:rPr>
+              <a:t> </a:t>
+            </a:r>
+            <a:r>
+              <a:rPr lang="en-US" sz="2000" dirty="0" smtClean="0">
+                <a:latin typeface="Courier"/>
+                <a:cs typeface="Courier"/>
+              </a:rPr>
+              <a:t>   </a:t>
+            </a:r>
+            <a:r>
+              <a:rPr lang="en-US" sz="2000" b="1" dirty="0">
+                <a:solidFill>
+                  <a:srgbClr val="800000"/>
+                </a:solidFill>
+                <a:latin typeface="Courier"/>
+                <a:cs typeface="Courier"/>
+              </a:rPr>
+              <a:t>if</a:t>
+            </a:r>
+            <a:r>
+              <a:rPr lang="en-US" sz="2000" dirty="0">
+                <a:latin typeface="Courier"/>
+                <a:cs typeface="Courier"/>
+              </a:rPr>
+              <a:t> </a:t>
+            </a:r>
+            <a:r>
+              <a:rPr lang="en-US" sz="2000" dirty="0">
+                <a:solidFill>
+                  <a:srgbClr val="808030"/>
+                </a:solidFill>
+                <a:latin typeface="Courier"/>
+                <a:cs typeface="Courier"/>
+              </a:rPr>
+              <a:t>(</a:t>
+            </a:r>
+            <a:r>
+              <a:rPr lang="en-US" sz="2000" dirty="0" err="1">
+                <a:latin typeface="Courier"/>
+                <a:cs typeface="Courier"/>
+              </a:rPr>
+              <a:t>inWord</a:t>
+            </a:r>
+            <a:r>
+              <a:rPr lang="en-US" sz="2000" dirty="0">
+                <a:solidFill>
+                  <a:srgbClr val="808030"/>
+                </a:solidFill>
+                <a:latin typeface="Courier"/>
+                <a:cs typeface="Courier"/>
+              </a:rPr>
+              <a:t>)</a:t>
+            </a:r>
+            <a:r>
+              <a:rPr lang="en-US" sz="2000" dirty="0">
+                <a:latin typeface="Courier"/>
+                <a:cs typeface="Courier"/>
+              </a:rPr>
+              <a:t> </a:t>
+            </a:r>
+            <a:r>
+              <a:rPr lang="en-US" sz="2000" dirty="0" smtClean="0">
+                <a:solidFill>
+                  <a:srgbClr val="800080"/>
+                </a:solidFill>
+                <a:latin typeface="Courier"/>
+                <a:cs typeface="Courier"/>
+              </a:rPr>
+              <a:t>{</a:t>
+            </a:r>
+          </a:p>
+          <a:p>
+            <a:pPr marL="228600" indent="-228600">
+              <a:buSzPct val="60000"/>
+              <a:buFont typeface="Wingdings" charset="2"/>
+              <a:buAutoNum type="arabicPlain"/>
+            </a:pPr>
+            <a:r>
+              <a:rPr lang="en-US" sz="2000" dirty="0">
+                <a:latin typeface="Courier"/>
+                <a:cs typeface="Courier"/>
+              </a:rPr>
+              <a:t>  </a:t>
+            </a:r>
+            <a:r>
+              <a:rPr lang="en-US" sz="2000" dirty="0" smtClean="0">
+                <a:latin typeface="Courier"/>
+                <a:cs typeface="Courier"/>
+              </a:rPr>
+              <a:t>  </a:t>
+            </a:r>
+            <a:r>
+              <a:rPr lang="en-US" sz="2000" dirty="0" smtClean="0">
+                <a:solidFill>
+                  <a:srgbClr val="696969"/>
+                </a:solidFill>
+                <a:latin typeface="Courier"/>
+                <a:cs typeface="Courier"/>
+              </a:rPr>
+              <a:t>//</a:t>
+            </a:r>
+            <a:r>
+              <a:rPr lang="en-US" sz="2000" dirty="0" err="1" smtClean="0">
+                <a:solidFill>
+                  <a:srgbClr val="696969"/>
+                </a:solidFill>
+                <a:latin typeface="Courier"/>
+                <a:cs typeface="Courier"/>
+              </a:rPr>
+              <a:t>list.get</a:t>
+            </a:r>
+            <a:r>
+              <a:rPr lang="en-US" sz="2000" dirty="0" smtClean="0">
+                <a:solidFill>
+                  <a:srgbClr val="696969"/>
+                </a:solidFill>
+                <a:latin typeface="Courier"/>
+                <a:cs typeface="Courier"/>
+              </a:rPr>
+              <a:t>(</a:t>
+            </a:r>
+            <a:r>
+              <a:rPr lang="en-US" sz="2000" dirty="0" err="1" smtClean="0">
+                <a:solidFill>
+                  <a:srgbClr val="696969"/>
+                </a:solidFill>
+                <a:latin typeface="Courier"/>
+                <a:cs typeface="Courier"/>
+              </a:rPr>
+              <a:t>i</a:t>
+            </a:r>
+            <a:r>
+              <a:rPr lang="en-US" sz="2000" dirty="0" smtClean="0">
+                <a:solidFill>
+                  <a:srgbClr val="696969"/>
+                </a:solidFill>
+                <a:latin typeface="Courier"/>
+                <a:cs typeface="Courier"/>
+              </a:rPr>
+              <a:t>) returns sym. </a:t>
+            </a:r>
+            <a:r>
+              <a:rPr lang="en-US" sz="2000" dirty="0" err="1" smtClean="0">
+                <a:solidFill>
+                  <a:srgbClr val="696969"/>
+                </a:solidFill>
+                <a:latin typeface="Courier"/>
+                <a:cs typeface="Courier"/>
+              </a:rPr>
+              <a:t>int</a:t>
+            </a:r>
+            <a:endParaRPr lang="en-US" sz="2000" dirty="0" smtClean="0">
+              <a:solidFill>
+                <a:srgbClr val="800080"/>
+              </a:solidFill>
+              <a:latin typeface="Courier"/>
+              <a:cs typeface="Courier"/>
+            </a:endParaRPr>
+          </a:p>
+          <a:p>
+            <a:pPr marL="228600" indent="-228600">
+              <a:buSzPct val="60000"/>
+              <a:buFont typeface="Wingdings" charset="2"/>
+              <a:buAutoNum type="arabicPlain"/>
+            </a:pPr>
+            <a:r>
+              <a:rPr lang="en-US" sz="2000" dirty="0" smtClean="0">
+                <a:latin typeface="Courier"/>
+                <a:cs typeface="Courier"/>
+              </a:rPr>
+              <a:t> </a:t>
+            </a:r>
+            <a:r>
+              <a:rPr lang="en-US" sz="2000" dirty="0">
+                <a:latin typeface="Courier"/>
+                <a:cs typeface="Courier"/>
+              </a:rPr>
+              <a:t> </a:t>
+            </a:r>
+            <a:r>
+              <a:rPr lang="en-US" sz="2000" dirty="0" smtClean="0">
+                <a:latin typeface="Courier"/>
+                <a:cs typeface="Courier"/>
+              </a:rPr>
+              <a:t>     </a:t>
+            </a:r>
+            <a:r>
+              <a:rPr lang="en-US" sz="2000" b="1" dirty="0">
+                <a:solidFill>
+                  <a:srgbClr val="800000"/>
+                </a:solidFill>
+                <a:latin typeface="Courier"/>
+                <a:cs typeface="Courier"/>
+              </a:rPr>
+              <a:t>if</a:t>
+            </a:r>
+            <a:r>
+              <a:rPr lang="en-US" sz="2000" dirty="0">
+                <a:latin typeface="Courier"/>
+                <a:cs typeface="Courier"/>
+              </a:rPr>
+              <a:t> </a:t>
+            </a:r>
+            <a:r>
+              <a:rPr lang="en-US" sz="2000" dirty="0">
+                <a:solidFill>
+                  <a:srgbClr val="808030"/>
+                </a:solidFill>
+                <a:latin typeface="Courier"/>
+                <a:cs typeface="Courier"/>
+              </a:rPr>
+              <a:t>(</a:t>
+            </a:r>
+            <a:r>
+              <a:rPr lang="en-US" sz="2000" dirty="0" err="1">
+                <a:latin typeface="Courier"/>
+                <a:cs typeface="Courier"/>
+              </a:rPr>
+              <a:t>list</a:t>
+            </a:r>
+            <a:r>
+              <a:rPr lang="en-US" sz="2000" dirty="0" err="1">
+                <a:solidFill>
+                  <a:srgbClr val="808030"/>
+                </a:solidFill>
+                <a:latin typeface="Courier"/>
+                <a:cs typeface="Courier"/>
+              </a:rPr>
+              <a:t>.</a:t>
+            </a:r>
+            <a:r>
+              <a:rPr lang="en-US" sz="2000" dirty="0" err="1">
+                <a:latin typeface="Courier"/>
+                <a:cs typeface="Courier"/>
+              </a:rPr>
+              <a:t>get</a:t>
+            </a:r>
+            <a:r>
+              <a:rPr lang="en-US" sz="2000" dirty="0">
+                <a:solidFill>
+                  <a:srgbClr val="808030"/>
+                </a:solidFill>
+                <a:latin typeface="Courier"/>
+                <a:cs typeface="Courier"/>
+              </a:rPr>
+              <a:t>(</a:t>
+            </a:r>
+            <a:r>
+              <a:rPr lang="en-US" sz="2000" dirty="0" err="1">
+                <a:latin typeface="Courier"/>
+                <a:cs typeface="Courier"/>
+              </a:rPr>
+              <a:t>i</a:t>
+            </a:r>
+            <a:r>
+              <a:rPr lang="en-US" sz="2000" dirty="0">
+                <a:solidFill>
+                  <a:srgbClr val="808030"/>
+                </a:solidFill>
+                <a:latin typeface="Courier"/>
+                <a:cs typeface="Courier"/>
+              </a:rPr>
+              <a:t>)</a:t>
+            </a:r>
+            <a:r>
+              <a:rPr lang="en-US" sz="2000" dirty="0">
+                <a:latin typeface="Courier"/>
+                <a:cs typeface="Courier"/>
+              </a:rPr>
+              <a:t> </a:t>
+            </a:r>
+            <a:r>
+              <a:rPr lang="en-US" sz="2000" dirty="0">
+                <a:solidFill>
+                  <a:srgbClr val="808030"/>
+                </a:solidFill>
+                <a:latin typeface="Courier"/>
+                <a:cs typeface="Courier"/>
+              </a:rPr>
+              <a:t>==</a:t>
+            </a:r>
+            <a:r>
+              <a:rPr lang="en-US" sz="2000" dirty="0">
+                <a:latin typeface="Courier"/>
+                <a:cs typeface="Courier"/>
+              </a:rPr>
+              <a:t> </a:t>
+            </a:r>
+            <a:r>
+              <a:rPr lang="en-US" sz="2000" dirty="0">
+                <a:solidFill>
+                  <a:srgbClr val="008C00"/>
+                </a:solidFill>
+                <a:latin typeface="Courier"/>
+                <a:cs typeface="Courier"/>
+              </a:rPr>
+              <a:t>0</a:t>
+            </a:r>
+            <a:r>
+              <a:rPr lang="en-US" sz="2000" dirty="0">
+                <a:solidFill>
+                  <a:srgbClr val="808030"/>
+                </a:solidFill>
+                <a:latin typeface="Courier"/>
+                <a:cs typeface="Courier"/>
+              </a:rPr>
+              <a:t>)</a:t>
+            </a:r>
+            <a:r>
+              <a:rPr lang="en-US" sz="2000" dirty="0">
+                <a:latin typeface="Courier"/>
+                <a:cs typeface="Courier"/>
+              </a:rPr>
+              <a:t> </a:t>
+            </a:r>
+            <a:r>
+              <a:rPr lang="en-US" sz="2000" dirty="0" smtClean="0">
+                <a:solidFill>
+                  <a:srgbClr val="800080"/>
+                </a:solidFill>
+                <a:latin typeface="Courier"/>
+                <a:cs typeface="Courier"/>
+              </a:rPr>
+              <a:t>{</a:t>
+            </a:r>
+            <a:endParaRPr lang="en-US" sz="2000" dirty="0" smtClean="0">
+              <a:solidFill>
+                <a:srgbClr val="696969"/>
+              </a:solidFill>
+              <a:latin typeface="Courier"/>
+              <a:cs typeface="Courier"/>
+            </a:endParaRPr>
+          </a:p>
+          <a:p>
+            <a:pPr marL="228600" indent="-228600">
+              <a:buSzPct val="60000"/>
+              <a:buFont typeface="Wingdings" charset="2"/>
+              <a:buAutoNum type="arabicPlain"/>
+            </a:pPr>
+            <a:r>
+              <a:rPr lang="en-US" sz="2000" dirty="0" smtClean="0">
+                <a:latin typeface="Courier"/>
+                <a:cs typeface="Courier"/>
+              </a:rPr>
+              <a:t> </a:t>
+            </a:r>
+            <a:r>
+              <a:rPr lang="en-US" sz="2000" dirty="0">
+                <a:latin typeface="Courier"/>
+                <a:cs typeface="Courier"/>
+              </a:rPr>
+              <a:t> </a:t>
+            </a:r>
+            <a:r>
+              <a:rPr lang="en-US" sz="2000" dirty="0" smtClean="0">
+                <a:latin typeface="Courier"/>
+                <a:cs typeface="Courier"/>
+              </a:rPr>
+              <a:t>       </a:t>
+            </a:r>
+            <a:r>
+              <a:rPr lang="en-US" sz="2000" dirty="0">
+                <a:solidFill>
+                  <a:srgbClr val="808030"/>
+                </a:solidFill>
+                <a:latin typeface="Courier"/>
+                <a:cs typeface="Courier"/>
+              </a:rPr>
+              <a:t>++</a:t>
+            </a:r>
+            <a:r>
+              <a:rPr lang="en-US" sz="2000" dirty="0" err="1">
+                <a:latin typeface="Courier"/>
+                <a:cs typeface="Courier"/>
+              </a:rPr>
+              <a:t>wordCount</a:t>
+            </a:r>
+            <a:r>
+              <a:rPr lang="en-US" sz="2000" dirty="0" smtClean="0">
+                <a:solidFill>
+                  <a:srgbClr val="800080"/>
+                </a:solidFill>
+                <a:latin typeface="Courier"/>
+                <a:cs typeface="Courier"/>
+              </a:rPr>
+              <a:t>;</a:t>
+            </a:r>
+          </a:p>
+          <a:p>
+            <a:pPr marL="228600" indent="-228600">
+              <a:buSzPct val="60000"/>
+              <a:buFont typeface="Wingdings" charset="2"/>
+              <a:buAutoNum type="arabicPlain"/>
+            </a:pPr>
+            <a:r>
+              <a:rPr lang="en-US" sz="2000" dirty="0" smtClean="0">
+                <a:latin typeface="Courier"/>
+                <a:cs typeface="Courier"/>
+              </a:rPr>
+              <a:t> </a:t>
+            </a:r>
+            <a:r>
+              <a:rPr lang="en-US" sz="2000" dirty="0">
+                <a:latin typeface="Courier"/>
+                <a:cs typeface="Courier"/>
+              </a:rPr>
+              <a:t> </a:t>
+            </a:r>
+            <a:r>
+              <a:rPr lang="en-US" sz="2000" dirty="0" smtClean="0">
+                <a:latin typeface="Courier"/>
+                <a:cs typeface="Courier"/>
+              </a:rPr>
+              <a:t>       </a:t>
+            </a:r>
+            <a:r>
+              <a:rPr lang="en-US" sz="2000" dirty="0" err="1">
+                <a:latin typeface="Courier"/>
+                <a:cs typeface="Courier"/>
+              </a:rPr>
+              <a:t>inWord</a:t>
+            </a:r>
+            <a:r>
+              <a:rPr lang="en-US" sz="2000" dirty="0">
+                <a:latin typeface="Courier"/>
+                <a:cs typeface="Courier"/>
+              </a:rPr>
+              <a:t> </a:t>
+            </a:r>
+            <a:r>
+              <a:rPr lang="en-US" sz="2000" dirty="0">
+                <a:solidFill>
+                  <a:srgbClr val="808030"/>
+                </a:solidFill>
+                <a:latin typeface="Courier"/>
+                <a:cs typeface="Courier"/>
+              </a:rPr>
+              <a:t>=</a:t>
+            </a:r>
+            <a:r>
+              <a:rPr lang="en-US" sz="2000" dirty="0">
+                <a:latin typeface="Courier"/>
+                <a:cs typeface="Courier"/>
+              </a:rPr>
+              <a:t> </a:t>
+            </a:r>
+            <a:r>
+              <a:rPr lang="en-US" sz="2000" b="1" dirty="0">
+                <a:solidFill>
+                  <a:srgbClr val="800000"/>
+                </a:solidFill>
+                <a:latin typeface="Courier"/>
+                <a:cs typeface="Courier"/>
+              </a:rPr>
+              <a:t>false</a:t>
+            </a:r>
+            <a:r>
+              <a:rPr lang="en-US" sz="2000" dirty="0" smtClean="0">
+                <a:solidFill>
+                  <a:srgbClr val="800080"/>
+                </a:solidFill>
+                <a:latin typeface="Courier"/>
+                <a:cs typeface="Courier"/>
+              </a:rPr>
+              <a:t>;</a:t>
+            </a:r>
+          </a:p>
+          <a:p>
+            <a:pPr marL="228600" indent="-228600">
+              <a:buSzPct val="60000"/>
+              <a:buFont typeface="Wingdings" charset="2"/>
+              <a:buAutoNum type="arabicPlain"/>
+            </a:pPr>
+            <a:r>
+              <a:rPr lang="en-US" sz="2000" dirty="0" smtClean="0">
+                <a:latin typeface="Courier"/>
+                <a:cs typeface="Courier"/>
+              </a:rPr>
+              <a:t> </a:t>
+            </a:r>
+            <a:r>
+              <a:rPr lang="en-US" sz="2000" dirty="0">
+                <a:latin typeface="Courier"/>
+                <a:cs typeface="Courier"/>
+              </a:rPr>
+              <a:t> </a:t>
+            </a:r>
+            <a:r>
+              <a:rPr lang="en-US" sz="2000" dirty="0" smtClean="0">
+                <a:latin typeface="Courier"/>
+                <a:cs typeface="Courier"/>
+              </a:rPr>
+              <a:t>     </a:t>
+            </a:r>
+            <a:r>
+              <a:rPr lang="en-US" sz="2000" dirty="0" smtClean="0">
+                <a:solidFill>
+                  <a:srgbClr val="800080"/>
+                </a:solidFill>
+                <a:latin typeface="Courier"/>
+                <a:cs typeface="Courier"/>
+              </a:rPr>
+              <a:t>}</a:t>
+            </a:r>
+          </a:p>
+          <a:p>
+            <a:pPr marL="228600" indent="-228600">
+              <a:buSzPct val="60000"/>
+              <a:buFont typeface="Wingdings" charset="2"/>
+              <a:buAutoNum type="arabicPlain"/>
+            </a:pPr>
+            <a:r>
+              <a:rPr lang="en-US" sz="2000" dirty="0" smtClean="0">
+                <a:latin typeface="Courier"/>
+                <a:cs typeface="Courier"/>
+              </a:rPr>
+              <a:t> </a:t>
+            </a:r>
+            <a:r>
+              <a:rPr lang="en-US" sz="2000" dirty="0">
+                <a:latin typeface="Courier"/>
+                <a:cs typeface="Courier"/>
+              </a:rPr>
+              <a:t> </a:t>
+            </a:r>
+            <a:r>
+              <a:rPr lang="en-US" sz="2000" dirty="0" smtClean="0">
+                <a:latin typeface="Courier"/>
+                <a:cs typeface="Courier"/>
+              </a:rPr>
+              <a:t>   </a:t>
+            </a:r>
+            <a:r>
+              <a:rPr lang="en-US" sz="2000" dirty="0">
+                <a:solidFill>
+                  <a:srgbClr val="800080"/>
+                </a:solidFill>
+                <a:latin typeface="Courier"/>
+                <a:cs typeface="Courier"/>
+              </a:rPr>
+              <a:t>}</a:t>
+            </a:r>
+            <a:r>
+              <a:rPr lang="en-US" sz="2000" dirty="0">
+                <a:latin typeface="Courier"/>
+                <a:cs typeface="Courier"/>
+              </a:rPr>
+              <a:t> </a:t>
+            </a:r>
+            <a:r>
+              <a:rPr lang="en-US" sz="2000" b="1" dirty="0">
+                <a:solidFill>
+                  <a:srgbClr val="800000"/>
+                </a:solidFill>
+                <a:latin typeface="Courier"/>
+                <a:cs typeface="Courier"/>
+              </a:rPr>
+              <a:t>else</a:t>
+            </a:r>
+            <a:r>
+              <a:rPr lang="en-US" sz="2000" dirty="0">
+                <a:latin typeface="Courier"/>
+                <a:cs typeface="Courier"/>
+              </a:rPr>
+              <a:t> </a:t>
+            </a:r>
+            <a:r>
+              <a:rPr lang="en-US" sz="2000" dirty="0" smtClean="0">
+                <a:solidFill>
+                  <a:srgbClr val="800080"/>
+                </a:solidFill>
+                <a:latin typeface="Courier"/>
+                <a:cs typeface="Courier"/>
+              </a:rPr>
+              <a:t>{</a:t>
+            </a:r>
+          </a:p>
+          <a:p>
+            <a:pPr marL="228600" indent="-228600">
+              <a:buSzPct val="60000"/>
+              <a:buFont typeface="Wingdings" charset="2"/>
+              <a:buAutoNum type="arabicPlain"/>
+            </a:pPr>
+            <a:r>
+              <a:rPr lang="en-US" sz="2000" dirty="0" smtClean="0">
+                <a:latin typeface="Courier"/>
+                <a:cs typeface="Courier"/>
+              </a:rPr>
+              <a:t> </a:t>
+            </a:r>
+            <a:r>
+              <a:rPr lang="en-US" sz="2000" dirty="0">
+                <a:latin typeface="Courier"/>
+                <a:cs typeface="Courier"/>
+              </a:rPr>
+              <a:t> </a:t>
+            </a:r>
+            <a:r>
+              <a:rPr lang="en-US" sz="2000" dirty="0" smtClean="0">
+                <a:latin typeface="Courier"/>
+                <a:cs typeface="Courier"/>
+              </a:rPr>
+              <a:t>     </a:t>
+            </a:r>
+            <a:r>
+              <a:rPr lang="en-US" sz="2000" b="1" dirty="0">
+                <a:solidFill>
+                  <a:srgbClr val="800000"/>
+                </a:solidFill>
+                <a:latin typeface="Courier"/>
+                <a:cs typeface="Courier"/>
+              </a:rPr>
+              <a:t>if</a:t>
+            </a:r>
+            <a:r>
+              <a:rPr lang="en-US" sz="2000" dirty="0">
+                <a:latin typeface="Courier"/>
+                <a:cs typeface="Courier"/>
+              </a:rPr>
+              <a:t> </a:t>
+            </a:r>
+            <a:r>
+              <a:rPr lang="en-US" sz="2000" dirty="0">
+                <a:solidFill>
+                  <a:srgbClr val="808030"/>
+                </a:solidFill>
+                <a:latin typeface="Courier"/>
+                <a:cs typeface="Courier"/>
+              </a:rPr>
+              <a:t>(</a:t>
+            </a:r>
+            <a:r>
+              <a:rPr lang="en-US" sz="2000" dirty="0" err="1">
+                <a:latin typeface="Courier"/>
+                <a:cs typeface="Courier"/>
+              </a:rPr>
+              <a:t>list</a:t>
+            </a:r>
+            <a:r>
+              <a:rPr lang="en-US" sz="2000" dirty="0" err="1">
+                <a:solidFill>
+                  <a:srgbClr val="808030"/>
+                </a:solidFill>
+                <a:latin typeface="Courier"/>
+                <a:cs typeface="Courier"/>
+              </a:rPr>
+              <a:t>.</a:t>
+            </a:r>
+            <a:r>
+              <a:rPr lang="en-US" sz="2000" dirty="0" err="1">
+                <a:latin typeface="Courier"/>
+                <a:cs typeface="Courier"/>
+              </a:rPr>
+              <a:t>get</a:t>
+            </a:r>
+            <a:r>
+              <a:rPr lang="en-US" sz="2000" dirty="0">
+                <a:solidFill>
+                  <a:srgbClr val="808030"/>
+                </a:solidFill>
+                <a:latin typeface="Courier"/>
+                <a:cs typeface="Courier"/>
+              </a:rPr>
+              <a:t>(</a:t>
+            </a:r>
+            <a:r>
+              <a:rPr lang="en-US" sz="2000" dirty="0" err="1">
+                <a:latin typeface="Courier"/>
+                <a:cs typeface="Courier"/>
+              </a:rPr>
+              <a:t>i</a:t>
+            </a:r>
+            <a:r>
+              <a:rPr lang="en-US" sz="2000" dirty="0">
+                <a:solidFill>
+                  <a:srgbClr val="808030"/>
+                </a:solidFill>
+                <a:latin typeface="Courier"/>
+                <a:cs typeface="Courier"/>
+              </a:rPr>
+              <a:t>)</a:t>
+            </a:r>
+            <a:r>
+              <a:rPr lang="en-US" sz="2000" dirty="0">
+                <a:latin typeface="Courier"/>
+                <a:cs typeface="Courier"/>
+              </a:rPr>
+              <a:t> </a:t>
+            </a:r>
+            <a:r>
+              <a:rPr lang="en-US" sz="2000" dirty="0">
+                <a:solidFill>
+                  <a:srgbClr val="808030"/>
+                </a:solidFill>
+                <a:latin typeface="Courier"/>
+                <a:cs typeface="Courier"/>
+              </a:rPr>
+              <a:t>!=</a:t>
+            </a:r>
+            <a:r>
+              <a:rPr lang="en-US" sz="2000" dirty="0">
+                <a:latin typeface="Courier"/>
+                <a:cs typeface="Courier"/>
+              </a:rPr>
+              <a:t> </a:t>
+            </a:r>
+            <a:r>
+              <a:rPr lang="en-US" sz="2000" dirty="0">
+                <a:solidFill>
+                  <a:srgbClr val="008C00"/>
+                </a:solidFill>
+                <a:latin typeface="Courier"/>
+                <a:cs typeface="Courier"/>
+              </a:rPr>
+              <a:t>0</a:t>
+            </a:r>
+            <a:r>
+              <a:rPr lang="en-US" sz="2000" dirty="0" smtClean="0">
+                <a:solidFill>
+                  <a:srgbClr val="808030"/>
+                </a:solidFill>
+                <a:latin typeface="Courier"/>
+                <a:cs typeface="Courier"/>
+              </a:rPr>
+              <a:t>)</a:t>
+            </a:r>
+          </a:p>
+          <a:p>
+            <a:pPr marL="228600" indent="-228600">
+              <a:buSzPct val="60000"/>
+              <a:buFont typeface="Wingdings" charset="2"/>
+              <a:buAutoNum type="arabicPlain"/>
+            </a:pPr>
+            <a:r>
+              <a:rPr lang="en-US" sz="2000" dirty="0" smtClean="0">
+                <a:latin typeface="Courier"/>
+                <a:cs typeface="Courier"/>
+              </a:rPr>
+              <a:t> </a:t>
+            </a:r>
+            <a:r>
+              <a:rPr lang="en-US" sz="2000" dirty="0">
+                <a:latin typeface="Courier"/>
+                <a:cs typeface="Courier"/>
+              </a:rPr>
+              <a:t> </a:t>
+            </a:r>
+            <a:r>
+              <a:rPr lang="en-US" sz="2000" dirty="0" smtClean="0">
+                <a:latin typeface="Courier"/>
+                <a:cs typeface="Courier"/>
+              </a:rPr>
+              <a:t>        </a:t>
+            </a:r>
+            <a:r>
+              <a:rPr lang="en-US" sz="2000" dirty="0" err="1">
+                <a:latin typeface="Courier"/>
+                <a:cs typeface="Courier"/>
+              </a:rPr>
+              <a:t>inWord</a:t>
+            </a:r>
+            <a:r>
+              <a:rPr lang="en-US" sz="2000" dirty="0">
+                <a:latin typeface="Courier"/>
+                <a:cs typeface="Courier"/>
+              </a:rPr>
+              <a:t> </a:t>
+            </a:r>
+            <a:r>
+              <a:rPr lang="en-US" sz="2000" dirty="0">
+                <a:solidFill>
+                  <a:srgbClr val="808030"/>
+                </a:solidFill>
+                <a:latin typeface="Courier"/>
+                <a:cs typeface="Courier"/>
+              </a:rPr>
+              <a:t>=</a:t>
+            </a:r>
+            <a:r>
+              <a:rPr lang="en-US" sz="2000" dirty="0">
+                <a:latin typeface="Courier"/>
+                <a:cs typeface="Courier"/>
+              </a:rPr>
+              <a:t> </a:t>
+            </a:r>
+            <a:r>
+              <a:rPr lang="en-US" sz="2000" b="1" dirty="0">
+                <a:solidFill>
+                  <a:srgbClr val="800000"/>
+                </a:solidFill>
+                <a:latin typeface="Courier"/>
+                <a:cs typeface="Courier"/>
+              </a:rPr>
+              <a:t>true</a:t>
+            </a:r>
+            <a:r>
+              <a:rPr lang="en-US" sz="2000" dirty="0" smtClean="0">
+                <a:solidFill>
+                  <a:srgbClr val="800080"/>
+                </a:solidFill>
+                <a:latin typeface="Courier"/>
+                <a:cs typeface="Courier"/>
+              </a:rPr>
+              <a:t>;</a:t>
+            </a:r>
+          </a:p>
+          <a:p>
+            <a:pPr marL="228600" indent="-228600">
+              <a:buSzPct val="60000"/>
+              <a:buFont typeface="Wingdings" charset="2"/>
+              <a:buAutoNum type="arabicPlain"/>
+            </a:pPr>
+            <a:r>
+              <a:rPr lang="en-US" sz="2000" dirty="0" smtClean="0">
+                <a:latin typeface="Courier"/>
+                <a:cs typeface="Courier"/>
+              </a:rPr>
+              <a:t> </a:t>
+            </a:r>
+            <a:r>
+              <a:rPr lang="en-US" sz="2000" dirty="0">
+                <a:latin typeface="Courier"/>
+                <a:cs typeface="Courier"/>
+              </a:rPr>
+              <a:t> </a:t>
+            </a:r>
+            <a:r>
+              <a:rPr lang="en-US" sz="2000" dirty="0" smtClean="0">
+                <a:latin typeface="Courier"/>
+                <a:cs typeface="Courier"/>
+              </a:rPr>
+              <a:t>   </a:t>
+            </a:r>
+            <a:r>
+              <a:rPr lang="en-US" sz="2000" dirty="0" smtClean="0">
+                <a:solidFill>
+                  <a:srgbClr val="800080"/>
+                </a:solidFill>
+                <a:latin typeface="Courier"/>
+                <a:cs typeface="Courier"/>
+              </a:rPr>
+              <a:t>}</a:t>
+            </a:r>
+          </a:p>
+          <a:p>
+            <a:pPr marL="228600" indent="-228600">
+              <a:buSzPct val="60000"/>
+              <a:buFont typeface="Wingdings" charset="2"/>
+              <a:buAutoNum type="arabicPlain"/>
+            </a:pPr>
+            <a:r>
+              <a:rPr lang="en-US" sz="2000" dirty="0" smtClean="0">
+                <a:latin typeface="Courier"/>
+                <a:cs typeface="Courier"/>
+              </a:rPr>
+              <a:t> </a:t>
+            </a:r>
+            <a:r>
+              <a:rPr lang="en-US" sz="2000" dirty="0">
+                <a:latin typeface="Courier"/>
+                <a:cs typeface="Courier"/>
+              </a:rPr>
+              <a:t> </a:t>
+            </a:r>
+            <a:r>
+              <a:rPr lang="en-US" sz="2000" dirty="0" smtClean="0">
+                <a:latin typeface="Courier"/>
+                <a:cs typeface="Courier"/>
+              </a:rPr>
+              <a:t> </a:t>
+            </a:r>
+            <a:r>
+              <a:rPr lang="en-US" sz="2000" dirty="0" smtClean="0">
+                <a:solidFill>
+                  <a:srgbClr val="800080"/>
+                </a:solidFill>
+                <a:latin typeface="Courier"/>
+                <a:cs typeface="Courier"/>
+              </a:rPr>
+              <a:t>}</a:t>
+            </a:r>
+          </a:p>
+          <a:p>
+            <a:pPr marL="228600" indent="-228600">
+              <a:buSzPct val="60000"/>
+              <a:buFont typeface="Wingdings" charset="2"/>
+              <a:buAutoNum type="arabicPlain"/>
+            </a:pPr>
+            <a:r>
+              <a:rPr lang="en-US" sz="2000" dirty="0">
+                <a:latin typeface="Courier"/>
+                <a:cs typeface="Courier"/>
+              </a:rPr>
+              <a:t> </a:t>
+            </a:r>
+            <a:r>
+              <a:rPr lang="en-US" sz="2000" dirty="0" smtClean="0">
+                <a:solidFill>
+                  <a:srgbClr val="800080"/>
+                </a:solidFill>
+                <a:latin typeface="Courier"/>
+                <a:cs typeface="Courier"/>
+              </a:rPr>
+              <a:t>}</a:t>
+            </a:r>
+          </a:p>
+          <a:p>
+            <a:pPr marL="228600" indent="-228600">
+              <a:buSzPct val="60000"/>
+              <a:buFont typeface="Wingdings" charset="2"/>
+              <a:buAutoNum type="arabicPlain"/>
+            </a:pPr>
+            <a:r>
+              <a:rPr lang="en-US" sz="2000" dirty="0">
+                <a:latin typeface="Courier"/>
+                <a:cs typeface="Courier"/>
+              </a:rPr>
+              <a:t> </a:t>
+            </a:r>
+            <a:r>
+              <a:rPr lang="en-US" sz="2000" b="1" dirty="0" smtClean="0">
+                <a:solidFill>
+                  <a:srgbClr val="800000"/>
+                </a:solidFill>
+                <a:latin typeface="Courier"/>
+                <a:cs typeface="Courier"/>
+              </a:rPr>
+              <a:t>return</a:t>
+            </a:r>
+            <a:r>
+              <a:rPr lang="en-US" sz="2000" dirty="0" smtClean="0">
+                <a:latin typeface="Courier"/>
+                <a:cs typeface="Courier"/>
+              </a:rPr>
+              <a:t> </a:t>
+            </a:r>
+            <a:r>
+              <a:rPr lang="en-US" sz="2000" dirty="0" err="1">
+                <a:latin typeface="Courier"/>
+                <a:cs typeface="Courier"/>
+              </a:rPr>
+              <a:t>wordCount</a:t>
+            </a:r>
+            <a:r>
+              <a:rPr lang="en-US" sz="2000" dirty="0">
+                <a:solidFill>
+                  <a:srgbClr val="800080"/>
+                </a:solidFill>
+                <a:latin typeface="Courier"/>
+                <a:cs typeface="Courier"/>
+              </a:rPr>
+              <a:t>;</a:t>
+            </a:r>
+            <a:r>
+              <a:rPr lang="en-US" sz="2000" dirty="0">
+                <a:latin typeface="Courier"/>
+                <a:cs typeface="Courier"/>
+              </a:rPr>
+              <a:t> </a:t>
+            </a:r>
+            <a:endParaRPr kumimoji="0" lang="en-US" sz="2000" b="0" i="0" u="none" strike="noStrike" cap="none" spc="0" normalizeH="0" baseline="0" dirty="0">
+              <a:ln>
+                <a:noFill/>
+              </a:ln>
+              <a:solidFill>
+                <a:srgbClr val="000000"/>
+              </a:solidFill>
+              <a:effectLst/>
+              <a:uFillTx/>
+              <a:latin typeface="Courier"/>
+              <a:cs typeface="Courier"/>
+              <a:sym typeface="Arial"/>
+            </a:endParaRPr>
+          </a:p>
+        </p:txBody>
+      </p:sp>
+      <p:sp>
+        <p:nvSpPr>
+          <p:cNvPr id="22" name="TextBox 4"/>
+          <p:cNvSpPr txBox="1"/>
+          <p:nvPr/>
+        </p:nvSpPr>
+        <p:spPr>
+          <a:xfrm>
+            <a:off x="7213512" y="486232"/>
+            <a:ext cx="2247118" cy="707886"/>
+          </a:xfrm>
+          <a:prstGeom prst="rect">
+            <a:avLst/>
+          </a:prstGeom>
+          <a:ln w="12700">
+            <a:miter lim="400000"/>
+          </a:ln>
+          <a:extLst>
+            <a:ext uri="{C572A759-6A51-4108-AA02-DFA0A04FC94B}">
+              <ma14:wrappingTextBoxFlag xmlns:ma14="http://schemas.microsoft.com/office/mac/drawingml/2011/main" val="1"/>
+            </a:ext>
+          </a:extLst>
+        </p:spPr>
+        <p:txBody>
+          <a:bodyPr wrap="none" lIns="45719" rIns="45719">
+            <a:spAutoFit/>
+          </a:bodyPr>
+          <a:lstStyle/>
+          <a:p>
+            <a:pPr algn="ctr">
+              <a:defRPr sz="1800">
+                <a:latin typeface="Courier"/>
+                <a:ea typeface="Courier"/>
+                <a:cs typeface="Courier"/>
+                <a:sym typeface="Courier"/>
+              </a:defRPr>
+            </a:pPr>
+            <a:r>
+              <a:rPr sz="2000" dirty="0"/>
+              <a:t>List&lt;</a:t>
+            </a:r>
+            <a:r>
+              <a:rPr sz="2000" dirty="0">
+                <a:solidFill>
+                  <a:srgbClr val="20999D"/>
+                </a:solidFill>
+              </a:rPr>
+              <a:t>Integer</a:t>
+            </a:r>
+            <a:r>
+              <a:rPr sz="2000" dirty="0"/>
+              <a:t>&gt;.</a:t>
+            </a:r>
+            <a:endParaRPr sz="2000" dirty="0">
+              <a:latin typeface="+mn-lt"/>
+              <a:ea typeface="+mn-ea"/>
+              <a:cs typeface="+mn-cs"/>
+              <a:sym typeface="Tahoma"/>
+            </a:endParaRPr>
+          </a:p>
+          <a:p>
+            <a:pPr algn="ctr">
+              <a:defRPr sz="1800">
+                <a:latin typeface="Courier"/>
+                <a:ea typeface="Courier"/>
+                <a:cs typeface="Courier"/>
+                <a:sym typeface="Courier"/>
+              </a:defRPr>
+            </a:pPr>
+            <a:r>
+              <a:rPr sz="2000" dirty="0"/>
+              <a:t>get(i) </a:t>
+            </a:r>
+          </a:p>
+        </p:txBody>
+      </p:sp>
+      <p:sp>
+        <p:nvSpPr>
+          <p:cNvPr id="23" name="TextBox 9"/>
+          <p:cNvSpPr txBox="1"/>
+          <p:nvPr/>
+        </p:nvSpPr>
+        <p:spPr>
+          <a:xfrm>
+            <a:off x="5720693" y="1537817"/>
+            <a:ext cx="3016684" cy="707886"/>
+          </a:xfrm>
+          <a:prstGeom prst="rect">
+            <a:avLst/>
+          </a:prstGeom>
+          <a:ln w="12700">
+            <a:miter lim="400000"/>
+          </a:ln>
+          <a:extLst>
+            <a:ext uri="{C572A759-6A51-4108-AA02-DFA0A04FC94B}">
+              <ma14:wrappingTextBoxFlag xmlns:ma14="http://schemas.microsoft.com/office/mac/drawingml/2011/main" val="1"/>
+            </a:ext>
+          </a:extLst>
+        </p:spPr>
+        <p:txBody>
+          <a:bodyPr wrap="none" lIns="45719" rIns="45719">
+            <a:spAutoFit/>
+          </a:bodyPr>
+          <a:lstStyle/>
+          <a:p>
+            <a:pPr algn="ctr">
+              <a:defRPr sz="1800">
+                <a:latin typeface="Courier"/>
+                <a:ea typeface="Courier"/>
+                <a:cs typeface="Courier"/>
+                <a:sym typeface="Courier"/>
+              </a:defRPr>
+            </a:pPr>
+            <a:r>
+              <a:rPr sz="2000" dirty="0"/>
+              <a:t>ArrayList&lt;</a:t>
+            </a:r>
+            <a:r>
+              <a:rPr sz="2000" dirty="0">
+                <a:solidFill>
+                  <a:srgbClr val="20999D"/>
+                </a:solidFill>
+              </a:rPr>
+              <a:t>Integer</a:t>
+            </a:r>
+            <a:r>
+              <a:rPr sz="2000" dirty="0"/>
+              <a:t>&gt;.</a:t>
+            </a:r>
+            <a:endParaRPr sz="2000" dirty="0">
+              <a:latin typeface="+mn-lt"/>
+              <a:ea typeface="+mn-ea"/>
+              <a:cs typeface="+mn-cs"/>
+              <a:sym typeface="Tahoma"/>
+            </a:endParaRPr>
+          </a:p>
+          <a:p>
+            <a:pPr algn="ctr">
+              <a:defRPr sz="1800">
+                <a:latin typeface="Courier"/>
+                <a:ea typeface="Courier"/>
+                <a:cs typeface="Courier"/>
+                <a:sym typeface="Courier"/>
+              </a:defRPr>
+            </a:pPr>
+            <a:r>
+              <a:rPr sz="2000" dirty="0"/>
+              <a:t>get(i) </a:t>
+            </a:r>
+          </a:p>
+        </p:txBody>
+      </p:sp>
+      <p:sp>
+        <p:nvSpPr>
+          <p:cNvPr id="24" name="TextBox 11"/>
+          <p:cNvSpPr txBox="1"/>
+          <p:nvPr/>
+        </p:nvSpPr>
+        <p:spPr>
+          <a:xfrm>
+            <a:off x="6200378" y="2568432"/>
+            <a:ext cx="2093204" cy="707886"/>
+          </a:xfrm>
+          <a:prstGeom prst="rect">
+            <a:avLst/>
+          </a:prstGeom>
+          <a:ln w="12700">
+            <a:miter lim="400000"/>
+          </a:ln>
+          <a:extLst>
+            <a:ext uri="{C572A759-6A51-4108-AA02-DFA0A04FC94B}">
+              <ma14:wrappingTextBoxFlag xmlns:ma14="http://schemas.microsoft.com/office/mac/drawingml/2011/main" val="1"/>
+            </a:ext>
+          </a:extLst>
+        </p:spPr>
+        <p:txBody>
+          <a:bodyPr wrap="none" lIns="45719" rIns="45719">
+            <a:spAutoFit/>
+          </a:bodyPr>
+          <a:lstStyle/>
+          <a:p>
+            <a:pPr algn="ctr">
+              <a:defRPr sz="1800">
+                <a:latin typeface="Courier"/>
+                <a:ea typeface="Courier"/>
+                <a:cs typeface="Courier"/>
+                <a:sym typeface="Courier"/>
+              </a:defRPr>
+            </a:pPr>
+            <a:r>
+              <a:rPr sz="2000" dirty="0"/>
+              <a:t>ArrayList&lt;</a:t>
+            </a:r>
+            <a:r>
+              <a:rPr sz="2000" dirty="0">
+                <a:solidFill>
+                  <a:srgbClr val="20999D"/>
+                </a:solidFill>
+              </a:rPr>
+              <a:t>E</a:t>
+            </a:r>
+            <a:r>
+              <a:rPr sz="2000" dirty="0"/>
+              <a:t>&gt;.</a:t>
+            </a:r>
+            <a:endParaRPr sz="2000" dirty="0">
+              <a:latin typeface="+mn-lt"/>
+              <a:ea typeface="+mn-ea"/>
+              <a:cs typeface="+mn-cs"/>
+              <a:sym typeface="Tahoma"/>
+            </a:endParaRPr>
+          </a:p>
+          <a:p>
+            <a:pPr algn="ctr">
+              <a:defRPr sz="1800">
+                <a:latin typeface="Courier"/>
+                <a:ea typeface="Courier"/>
+                <a:cs typeface="Courier"/>
+                <a:sym typeface="Courier"/>
+              </a:defRPr>
+            </a:pPr>
+            <a:r>
+              <a:rPr sz="2000" dirty="0"/>
+              <a:t>rangeCheck(i)</a:t>
+            </a:r>
+          </a:p>
+        </p:txBody>
+      </p:sp>
+      <p:sp>
+        <p:nvSpPr>
+          <p:cNvPr id="25" name="TextBox 12"/>
+          <p:cNvSpPr txBox="1"/>
+          <p:nvPr/>
+        </p:nvSpPr>
+        <p:spPr>
+          <a:xfrm>
+            <a:off x="6123421" y="4065453"/>
+            <a:ext cx="2247118" cy="707886"/>
+          </a:xfrm>
+          <a:prstGeom prst="rect">
+            <a:avLst/>
+          </a:prstGeom>
+          <a:ln w="12700">
+            <a:miter lim="400000"/>
+          </a:ln>
+          <a:extLst>
+            <a:ext uri="{C572A759-6A51-4108-AA02-DFA0A04FC94B}">
+              <ma14:wrappingTextBoxFlag xmlns:ma14="http://schemas.microsoft.com/office/mac/drawingml/2011/main" val="1"/>
+            </a:ext>
+          </a:extLst>
+        </p:spPr>
+        <p:txBody>
+          <a:bodyPr wrap="none" lIns="45719" rIns="45719">
+            <a:spAutoFit/>
+          </a:bodyPr>
+          <a:lstStyle/>
+          <a:p>
+            <a:pPr algn="ctr">
+              <a:defRPr sz="1800">
+                <a:latin typeface="Courier"/>
+                <a:ea typeface="Courier"/>
+                <a:cs typeface="Courier"/>
+                <a:sym typeface="Courier"/>
+              </a:defRPr>
+            </a:pPr>
+            <a:r>
+              <a:rPr sz="2000" dirty="0"/>
+              <a:t>ArrayList&lt;</a:t>
+            </a:r>
+            <a:r>
+              <a:rPr sz="2000" dirty="0">
+                <a:solidFill>
+                  <a:srgbClr val="20999D"/>
+                </a:solidFill>
+              </a:rPr>
+              <a:t>E</a:t>
+            </a:r>
+            <a:r>
+              <a:rPr sz="2000" dirty="0"/>
+              <a:t>&gt;.</a:t>
+            </a:r>
+            <a:endParaRPr sz="2000" dirty="0">
+              <a:latin typeface="+mn-lt"/>
+              <a:ea typeface="+mn-ea"/>
+              <a:cs typeface="+mn-cs"/>
+              <a:sym typeface="Tahoma"/>
+            </a:endParaRPr>
+          </a:p>
+          <a:p>
+            <a:pPr algn="ctr">
+              <a:defRPr sz="1800">
+                <a:latin typeface="Courier"/>
+                <a:ea typeface="Courier"/>
+                <a:cs typeface="Courier"/>
+                <a:sym typeface="Courier"/>
+              </a:defRPr>
+            </a:pPr>
+            <a:r>
+              <a:rPr sz="2000" dirty="0"/>
+              <a:t>elementData(i)</a:t>
+            </a:r>
+          </a:p>
+        </p:txBody>
+      </p:sp>
+      <p:sp>
+        <p:nvSpPr>
+          <p:cNvPr id="26" name="TextBox 13"/>
+          <p:cNvSpPr txBox="1"/>
+          <p:nvPr/>
+        </p:nvSpPr>
+        <p:spPr>
+          <a:xfrm>
+            <a:off x="6123421" y="5078783"/>
+            <a:ext cx="2247118" cy="707886"/>
+          </a:xfrm>
+          <a:prstGeom prst="rect">
+            <a:avLst/>
+          </a:prstGeom>
+          <a:ln w="12700">
+            <a:miter lim="400000"/>
+          </a:ln>
+          <a:extLst>
+            <a:ext uri="{C572A759-6A51-4108-AA02-DFA0A04FC94B}">
+              <ma14:wrappingTextBoxFlag xmlns:ma14="http://schemas.microsoft.com/office/mac/drawingml/2011/main" val="1"/>
+            </a:ext>
+          </a:extLst>
+        </p:spPr>
+        <p:txBody>
+          <a:bodyPr wrap="none" lIns="45719" rIns="45719">
+            <a:spAutoFit/>
+          </a:bodyPr>
+          <a:lstStyle/>
+          <a:p>
+            <a:pPr algn="ctr">
+              <a:defRPr sz="1800">
+                <a:latin typeface="Courier"/>
+                <a:ea typeface="Courier"/>
+                <a:cs typeface="Courier"/>
+                <a:sym typeface="Courier"/>
+              </a:defRPr>
+            </a:pPr>
+            <a:r>
+              <a:rPr sz="2000" dirty="0"/>
+              <a:t>ArrayList&lt;</a:t>
+            </a:r>
+            <a:r>
+              <a:rPr sz="2000" dirty="0">
+                <a:solidFill>
+                  <a:srgbClr val="20999D"/>
+                </a:solidFill>
+              </a:rPr>
+              <a:t>E</a:t>
+            </a:r>
+            <a:r>
+              <a:rPr sz="2000" dirty="0"/>
+              <a:t>&gt;.</a:t>
+            </a:r>
+            <a:endParaRPr sz="2000" dirty="0">
+              <a:latin typeface="+mn-lt"/>
+              <a:ea typeface="+mn-ea"/>
+              <a:cs typeface="+mn-cs"/>
+              <a:sym typeface="Tahoma"/>
+            </a:endParaRPr>
+          </a:p>
+          <a:p>
+            <a:pPr algn="ctr">
+              <a:defRPr sz="1800" b="1">
+                <a:solidFill>
+                  <a:srgbClr val="660E7A"/>
+                </a:solidFill>
+                <a:latin typeface="Courier"/>
+                <a:ea typeface="Courier"/>
+                <a:cs typeface="Courier"/>
+                <a:sym typeface="Courier"/>
+              </a:defRPr>
+            </a:pPr>
+            <a:r>
+              <a:rPr sz="2000" dirty="0"/>
+              <a:t>elementData</a:t>
+            </a:r>
+            <a:r>
+              <a:rPr sz="2000" b="0" dirty="0">
+                <a:solidFill>
+                  <a:srgbClr val="000000"/>
+                </a:solidFill>
+              </a:rPr>
+              <a:t>[i]</a:t>
+            </a:r>
+          </a:p>
+        </p:txBody>
+      </p:sp>
+      <p:sp>
+        <p:nvSpPr>
+          <p:cNvPr id="27" name="TextBox 14"/>
+          <p:cNvSpPr txBox="1"/>
+          <p:nvPr/>
+        </p:nvSpPr>
+        <p:spPr>
+          <a:xfrm>
+            <a:off x="8621220" y="1537817"/>
+            <a:ext cx="1631464" cy="707886"/>
+          </a:xfrm>
+          <a:prstGeom prst="rect">
+            <a:avLst/>
+          </a:prstGeom>
+          <a:ln w="12700">
+            <a:miter lim="400000"/>
+          </a:ln>
+          <a:extLst>
+            <a:ext uri="{C572A759-6A51-4108-AA02-DFA0A04FC94B}">
+              <ma14:wrappingTextBoxFlag xmlns:ma14="http://schemas.microsoft.com/office/mac/drawingml/2011/main" val="1"/>
+            </a:ext>
+          </a:extLst>
+        </p:spPr>
+        <p:txBody>
+          <a:bodyPr wrap="none" lIns="45719" rIns="45719">
+            <a:spAutoFit/>
+          </a:bodyPr>
+          <a:lstStyle/>
+          <a:p>
+            <a:pPr algn="ctr">
+              <a:defRPr sz="1800">
+                <a:latin typeface="Courier"/>
+                <a:ea typeface="Courier"/>
+                <a:cs typeface="Courier"/>
+                <a:sym typeface="Courier"/>
+              </a:defRPr>
+            </a:pPr>
+            <a:r>
+              <a:rPr sz="2000"/>
+              <a:t>Integer.</a:t>
+            </a:r>
+            <a:endParaRPr sz="2000">
+              <a:latin typeface="+mn-lt"/>
+              <a:ea typeface="+mn-ea"/>
+              <a:cs typeface="+mn-cs"/>
+              <a:sym typeface="Tahoma"/>
+            </a:endParaRPr>
+          </a:p>
+          <a:p>
+            <a:pPr algn="ctr">
+              <a:defRPr sz="1800">
+                <a:latin typeface="Courier"/>
+                <a:ea typeface="Courier"/>
+                <a:cs typeface="Courier"/>
+                <a:sym typeface="Courier"/>
+              </a:defRPr>
+            </a:pPr>
+            <a:r>
+              <a:rPr sz="2000"/>
+              <a:t>intValue()</a:t>
+            </a:r>
+          </a:p>
+        </p:txBody>
+      </p:sp>
+      <p:sp>
+        <p:nvSpPr>
+          <p:cNvPr id="28" name="TextBox 15"/>
+          <p:cNvSpPr txBox="1"/>
+          <p:nvPr/>
+        </p:nvSpPr>
+        <p:spPr>
+          <a:xfrm>
+            <a:off x="8775133" y="2481773"/>
+            <a:ext cx="1323638" cy="707886"/>
+          </a:xfrm>
+          <a:prstGeom prst="rect">
+            <a:avLst/>
+          </a:prstGeom>
+          <a:ln w="12700">
+            <a:miter lim="400000"/>
+          </a:ln>
+          <a:extLst>
+            <a:ext uri="{C572A759-6A51-4108-AA02-DFA0A04FC94B}">
+              <ma14:wrappingTextBoxFlag xmlns:ma14="http://schemas.microsoft.com/office/mac/drawingml/2011/main" val="1"/>
+            </a:ext>
+          </a:extLst>
+        </p:spPr>
+        <p:txBody>
+          <a:bodyPr wrap="none" lIns="45719" rIns="45719">
+            <a:spAutoFit/>
+          </a:bodyPr>
+          <a:lstStyle/>
+          <a:p>
+            <a:pPr algn="ctr">
+              <a:defRPr sz="1800">
+                <a:latin typeface="Courier"/>
+                <a:ea typeface="Courier"/>
+                <a:cs typeface="Courier"/>
+                <a:sym typeface="Courier"/>
+              </a:defRPr>
+            </a:pPr>
+            <a:r>
+              <a:rPr sz="2000"/>
+              <a:t>Integer.</a:t>
+            </a:r>
+            <a:endParaRPr sz="2000">
+              <a:latin typeface="+mn-lt"/>
+              <a:ea typeface="+mn-ea"/>
+              <a:cs typeface="+mn-cs"/>
+              <a:sym typeface="Tahoma"/>
+            </a:endParaRPr>
+          </a:p>
+          <a:p>
+            <a:pPr algn="ctr">
+              <a:defRPr sz="1800" b="1">
+                <a:solidFill>
+                  <a:srgbClr val="660E7A"/>
+                </a:solidFill>
+                <a:latin typeface="Courier"/>
+                <a:ea typeface="Courier"/>
+                <a:cs typeface="Courier"/>
+                <a:sym typeface="Courier"/>
+              </a:defRPr>
+            </a:pPr>
+            <a:r>
+              <a:rPr sz="2000"/>
+              <a:t>value</a:t>
+            </a:r>
+          </a:p>
+        </p:txBody>
+      </p:sp>
+      <p:cxnSp>
+        <p:nvCxnSpPr>
+          <p:cNvPr id="29" name="Straight Arrow Connector 17"/>
+          <p:cNvCxnSpPr>
+            <a:stCxn id="22" idx="2"/>
+            <a:endCxn id="23" idx="0"/>
+          </p:cNvCxnSpPr>
+          <p:nvPr/>
+        </p:nvCxnSpPr>
+        <p:spPr>
+          <a:xfrm flipH="1">
+            <a:off x="7229035" y="1194118"/>
+            <a:ext cx="1108036" cy="343699"/>
+          </a:xfrm>
+          <a:prstGeom prst="straightConnector1">
+            <a:avLst/>
+          </a:prstGeom>
+          <a:ln w="6350">
+            <a:solidFill>
+              <a:srgbClr val="000000"/>
+            </a:solidFill>
+            <a:tailEnd type="triangle"/>
+          </a:ln>
+        </p:spPr>
+      </p:cxnSp>
+      <p:cxnSp>
+        <p:nvCxnSpPr>
+          <p:cNvPr id="30" name="Straight Arrow Connector 19"/>
+          <p:cNvCxnSpPr>
+            <a:stCxn id="23" idx="2"/>
+            <a:endCxn id="24" idx="0"/>
+          </p:cNvCxnSpPr>
+          <p:nvPr/>
+        </p:nvCxnSpPr>
+        <p:spPr>
+          <a:xfrm>
+            <a:off x="7229035" y="2245703"/>
+            <a:ext cx="17945" cy="322729"/>
+          </a:xfrm>
+          <a:prstGeom prst="straightConnector1">
+            <a:avLst/>
+          </a:prstGeom>
+          <a:ln w="6350">
+            <a:solidFill>
+              <a:srgbClr val="000000"/>
+            </a:solidFill>
+            <a:tailEnd type="triangle"/>
+          </a:ln>
+        </p:spPr>
+      </p:cxnSp>
+      <p:cxnSp>
+        <p:nvCxnSpPr>
+          <p:cNvPr id="31" name="Straight Arrow Connector 27"/>
+          <p:cNvCxnSpPr>
+            <a:stCxn id="25" idx="2"/>
+            <a:endCxn id="26" idx="0"/>
+          </p:cNvCxnSpPr>
+          <p:nvPr/>
+        </p:nvCxnSpPr>
+        <p:spPr>
+          <a:xfrm>
+            <a:off x="7246980" y="4773339"/>
+            <a:ext cx="0" cy="305444"/>
+          </a:xfrm>
+          <a:prstGeom prst="straightConnector1">
+            <a:avLst/>
+          </a:prstGeom>
+          <a:ln w="6350">
+            <a:solidFill>
+              <a:srgbClr val="000000"/>
+            </a:solidFill>
+            <a:tailEnd type="triangle"/>
+          </a:ln>
+        </p:spPr>
+      </p:cxnSp>
+      <p:cxnSp>
+        <p:nvCxnSpPr>
+          <p:cNvPr id="32" name="Straight Arrow Connector 31"/>
+          <p:cNvCxnSpPr>
+            <a:stCxn id="27" idx="2"/>
+            <a:endCxn id="28" idx="0"/>
+          </p:cNvCxnSpPr>
+          <p:nvPr/>
+        </p:nvCxnSpPr>
+        <p:spPr>
+          <a:xfrm>
+            <a:off x="9436952" y="2245703"/>
+            <a:ext cx="0" cy="236070"/>
+          </a:xfrm>
+          <a:prstGeom prst="straightConnector1">
+            <a:avLst/>
+          </a:prstGeom>
+          <a:ln w="6350">
+            <a:solidFill>
+              <a:srgbClr val="000000"/>
+            </a:solidFill>
+            <a:tailEnd type="triangle"/>
+          </a:ln>
+        </p:spPr>
+      </p:cxnSp>
+      <p:sp>
+        <p:nvSpPr>
+          <p:cNvPr id="33" name="Straight Arrow Connector 34"/>
+          <p:cNvSpPr/>
+          <p:nvPr/>
+        </p:nvSpPr>
+        <p:spPr>
+          <a:xfrm>
+            <a:off x="8337069" y="110086"/>
+            <a:ext cx="1" cy="376147"/>
+          </a:xfrm>
+          <a:prstGeom prst="line">
+            <a:avLst/>
+          </a:prstGeom>
+          <a:ln w="6350">
+            <a:solidFill>
+              <a:srgbClr val="000000"/>
+            </a:solidFill>
+            <a:tailEnd type="triangle"/>
+          </a:ln>
+        </p:spPr>
+        <p:txBody>
+          <a:bodyPr lIns="45719" rIns="45719"/>
+          <a:lstStyle/>
+          <a:p>
+            <a:endParaRPr sz="2000"/>
+          </a:p>
+        </p:txBody>
+      </p:sp>
+      <p:sp>
+        <p:nvSpPr>
+          <p:cNvPr id="34" name="Straight Arrow Connector 36"/>
+          <p:cNvSpPr/>
+          <p:nvPr/>
+        </p:nvSpPr>
+        <p:spPr>
+          <a:xfrm>
+            <a:off x="9436951" y="3128104"/>
+            <a:ext cx="1" cy="523955"/>
+          </a:xfrm>
+          <a:prstGeom prst="line">
+            <a:avLst/>
+          </a:prstGeom>
+          <a:ln w="6350">
+            <a:solidFill>
+              <a:srgbClr val="000000"/>
+            </a:solidFill>
+            <a:tailEnd type="triangle"/>
+          </a:ln>
+        </p:spPr>
+        <p:txBody>
+          <a:bodyPr lIns="45719" rIns="45719"/>
+          <a:lstStyle/>
+          <a:p>
+            <a:endParaRPr sz="2000"/>
+          </a:p>
+        </p:txBody>
+      </p:sp>
+      <p:sp>
+        <p:nvSpPr>
+          <p:cNvPr id="35" name="TextBox 45"/>
+          <p:cNvSpPr txBox="1"/>
+          <p:nvPr/>
+        </p:nvSpPr>
+        <p:spPr>
+          <a:xfrm>
+            <a:off x="6825079" y="2188058"/>
+            <a:ext cx="428711" cy="400110"/>
+          </a:xfrm>
+          <a:prstGeom prst="rect">
+            <a:avLst/>
+          </a:prstGeom>
+          <a:ln w="12700">
+            <a:miter lim="400000"/>
+          </a:ln>
+          <a:extLst>
+            <a:ext uri="{C572A759-6A51-4108-AA02-DFA0A04FC94B}">
+              <ma14:wrappingTextBoxFlag xmlns:ma14="http://schemas.microsoft.com/office/mac/drawingml/2011/main" val="1"/>
+            </a:ext>
+          </a:extLst>
+        </p:spPr>
+        <p:txBody>
+          <a:bodyPr wrap="none" lIns="45719" rIns="45719">
+            <a:spAutoFit/>
+          </a:bodyPr>
+          <a:lstStyle>
+            <a:lvl1pPr>
+              <a:defRPr sz="1800">
+                <a:solidFill>
+                  <a:srgbClr val="FF0000"/>
+                </a:solidFill>
+                <a:latin typeface="+mn-lt"/>
+                <a:ea typeface="+mn-ea"/>
+                <a:cs typeface="+mn-cs"/>
+                <a:sym typeface="Tahoma"/>
+              </a:defRPr>
+            </a:lvl1pPr>
+          </a:lstStyle>
+          <a:p>
+            <a:r>
+              <a:rPr sz="2000" dirty="0"/>
+              <a:t>(1)</a:t>
+            </a:r>
+          </a:p>
+        </p:txBody>
+      </p:sp>
+      <p:sp>
+        <p:nvSpPr>
+          <p:cNvPr id="36" name="TextBox 46"/>
+          <p:cNvSpPr txBox="1"/>
+          <p:nvPr/>
+        </p:nvSpPr>
+        <p:spPr>
+          <a:xfrm>
+            <a:off x="8041021" y="3231255"/>
+            <a:ext cx="428711" cy="400110"/>
+          </a:xfrm>
+          <a:prstGeom prst="rect">
+            <a:avLst/>
+          </a:prstGeom>
+          <a:ln w="12700">
+            <a:miter lim="400000"/>
+          </a:ln>
+          <a:extLst>
+            <a:ext uri="{C572A759-6A51-4108-AA02-DFA0A04FC94B}">
+              <ma14:wrappingTextBoxFlag xmlns:ma14="http://schemas.microsoft.com/office/mac/drawingml/2011/main" val="1"/>
+            </a:ext>
+          </a:extLst>
+        </p:spPr>
+        <p:txBody>
+          <a:bodyPr wrap="none" lIns="45719" rIns="45719">
+            <a:spAutoFit/>
+          </a:bodyPr>
+          <a:lstStyle>
+            <a:lvl1pPr>
+              <a:defRPr sz="1800">
+                <a:solidFill>
+                  <a:srgbClr val="FF0000"/>
+                </a:solidFill>
+                <a:latin typeface="+mn-lt"/>
+                <a:ea typeface="+mn-ea"/>
+                <a:cs typeface="+mn-cs"/>
+                <a:sym typeface="Tahoma"/>
+              </a:defRPr>
+            </a:lvl1pPr>
+          </a:lstStyle>
+          <a:p>
+            <a:r>
+              <a:rPr sz="2000" dirty="0"/>
+              <a:t>(2)</a:t>
+            </a:r>
+          </a:p>
+        </p:txBody>
+      </p:sp>
+      <p:sp>
+        <p:nvSpPr>
+          <p:cNvPr id="37" name="TextBox 47"/>
+          <p:cNvSpPr txBox="1"/>
+          <p:nvPr/>
+        </p:nvSpPr>
+        <p:spPr>
+          <a:xfrm>
+            <a:off x="9024037" y="1073753"/>
+            <a:ext cx="428711" cy="400110"/>
+          </a:xfrm>
+          <a:prstGeom prst="rect">
+            <a:avLst/>
+          </a:prstGeom>
+          <a:ln w="12700">
+            <a:miter lim="400000"/>
+          </a:ln>
+          <a:extLst>
+            <a:ext uri="{C572A759-6A51-4108-AA02-DFA0A04FC94B}">
+              <ma14:wrappingTextBoxFlag xmlns:ma14="http://schemas.microsoft.com/office/mac/drawingml/2011/main" val="1"/>
+            </a:ext>
+          </a:extLst>
+        </p:spPr>
+        <p:txBody>
+          <a:bodyPr wrap="none" lIns="45719" rIns="45719">
+            <a:spAutoFit/>
+          </a:bodyPr>
+          <a:lstStyle>
+            <a:lvl1pPr>
+              <a:defRPr sz="1800">
+                <a:solidFill>
+                  <a:srgbClr val="FF0000"/>
+                </a:solidFill>
+                <a:latin typeface="+mn-lt"/>
+                <a:ea typeface="+mn-ea"/>
+                <a:cs typeface="+mn-cs"/>
+                <a:sym typeface="Tahoma"/>
+              </a:defRPr>
+            </a:lvl1pPr>
+          </a:lstStyle>
+          <a:p>
+            <a:r>
+              <a:rPr sz="2000" dirty="0"/>
+              <a:t>(3)</a:t>
+            </a:r>
+          </a:p>
+        </p:txBody>
+      </p:sp>
+      <p:sp>
+        <p:nvSpPr>
+          <p:cNvPr id="38" name="Freeform 37"/>
+          <p:cNvSpPr/>
+          <p:nvPr/>
+        </p:nvSpPr>
+        <p:spPr>
+          <a:xfrm>
+            <a:off x="7241380" y="2171493"/>
+            <a:ext cx="1378676" cy="1893959"/>
+          </a:xfrm>
+          <a:custGeom>
+            <a:avLst/>
+            <a:gdLst>
+              <a:gd name="connsiteX0" fmla="*/ 903 w 1241169"/>
+              <a:gd name="connsiteY0" fmla="*/ 0 h 1379832"/>
+              <a:gd name="connsiteX1" fmla="*/ 1098339 w 1241169"/>
+              <a:gd name="connsiteY1" fmla="*/ 501757 h 1379832"/>
+              <a:gd name="connsiteX2" fmla="*/ 1192405 w 1241169"/>
+              <a:gd name="connsiteY2" fmla="*/ 925115 h 1379832"/>
+              <a:gd name="connsiteX3" fmla="*/ 769108 w 1241169"/>
+              <a:gd name="connsiteY3" fmla="*/ 1144634 h 1379832"/>
+              <a:gd name="connsiteX4" fmla="*/ 110646 w 1241169"/>
+              <a:gd name="connsiteY4" fmla="*/ 1113274 h 1379832"/>
+              <a:gd name="connsiteX5" fmla="*/ 903 w 1241169"/>
+              <a:gd name="connsiteY5" fmla="*/ 1379832 h 1379832"/>
+            </a:gdLst>
+            <a:ahLst/>
+            <a:cxnLst>
+              <a:cxn ang="0">
+                <a:pos x="connsiteX0" y="connsiteY0"/>
+              </a:cxn>
+              <a:cxn ang="0">
+                <a:pos x="connsiteX1" y="connsiteY1"/>
+              </a:cxn>
+              <a:cxn ang="0">
+                <a:pos x="connsiteX2" y="connsiteY2"/>
+              </a:cxn>
+              <a:cxn ang="0">
+                <a:pos x="connsiteX3" y="connsiteY3"/>
+              </a:cxn>
+              <a:cxn ang="0">
+                <a:pos x="connsiteX4" y="connsiteY4"/>
+              </a:cxn>
+              <a:cxn ang="0">
+                <a:pos x="connsiteX5" y="connsiteY5"/>
+              </a:cxn>
+            </a:cxnLst>
+            <a:rect l="l" t="t" r="r" b="b"/>
+            <a:pathLst>
+              <a:path w="1241169" h="1379832">
+                <a:moveTo>
+                  <a:pt x="903" y="0"/>
+                </a:moveTo>
+                <a:cubicBezTo>
+                  <a:pt x="450329" y="173785"/>
+                  <a:pt x="899755" y="347571"/>
+                  <a:pt x="1098339" y="501757"/>
+                </a:cubicBezTo>
+                <a:cubicBezTo>
+                  <a:pt x="1296923" y="655943"/>
+                  <a:pt x="1247277" y="817969"/>
+                  <a:pt x="1192405" y="925115"/>
+                </a:cubicBezTo>
+                <a:cubicBezTo>
+                  <a:pt x="1137533" y="1032261"/>
+                  <a:pt x="949401" y="1113274"/>
+                  <a:pt x="769108" y="1144634"/>
+                </a:cubicBezTo>
+                <a:cubicBezTo>
+                  <a:pt x="588815" y="1175994"/>
+                  <a:pt x="238680" y="1074074"/>
+                  <a:pt x="110646" y="1113274"/>
+                </a:cubicBezTo>
+                <a:cubicBezTo>
+                  <a:pt x="-17388" y="1152474"/>
+                  <a:pt x="903" y="1379832"/>
+                  <a:pt x="903" y="1379832"/>
+                </a:cubicBezTo>
+              </a:path>
+            </a:pathLst>
+          </a:custGeom>
+          <a:ln>
+            <a:solidFill>
+              <a:srgbClr val="000000"/>
+            </a:solidFill>
+            <a:tailEnd type="arrow"/>
+          </a:ln>
+        </p:spPr>
+        <p:style>
+          <a:lnRef idx="0">
+            <a:scrgbClr r="0" g="0" b="0"/>
+          </a:lnRef>
+          <a:fillRef idx="0">
+            <a:scrgbClr r="0" g="0" b="0"/>
+          </a:fillRef>
+          <a:effectRef idx="0">
+            <a:scrgbClr r="0" g="0" b="0"/>
+          </a:effectRef>
+          <a:fontRef idx="none"/>
+        </p:style>
+        <p:txBody>
+          <a:bodyPr rot="0" spcFirstLastPara="1" vertOverflow="overflow" horzOverflow="overflow" vert="horz" wrap="square" lIns="91439" tIns="45719" rIns="91439" bIns="45719" numCol="1" spcCol="38100" rtlCol="0" anchor="t">
+            <a:noAutofit/>
+          </a:bodyPr>
+          <a:lstStyle/>
+          <a:p>
+            <a:pPr marL="0" marR="0" indent="0" algn="l" defTabSz="914400" rtl="0" fontAlgn="auto" latinLnBrk="1" hangingPunct="0">
+              <a:lnSpc>
+                <a:spcPct val="100000"/>
+              </a:lnSpc>
+              <a:spcBef>
+                <a:spcPts val="0"/>
+              </a:spcBef>
+              <a:spcAft>
+                <a:spcPts val="0"/>
+              </a:spcAft>
+              <a:buClrTx/>
+              <a:buSzTx/>
+              <a:buFontTx/>
+              <a:buNone/>
+              <a:tabLst/>
+            </a:pPr>
+            <a:endParaRPr kumimoji="0" lang="en-US" sz="2000" b="0" i="0" u="none" strike="noStrike" cap="none" spc="0" normalizeH="0" baseline="0">
+              <a:ln>
+                <a:noFill/>
+              </a:ln>
+              <a:solidFill>
+                <a:srgbClr val="000000"/>
+              </a:solidFill>
+              <a:effectLst/>
+              <a:uFillTx/>
+            </a:endParaRPr>
+          </a:p>
+        </p:txBody>
+      </p:sp>
+      <p:cxnSp>
+        <p:nvCxnSpPr>
+          <p:cNvPr id="39" name="Straight Arrow Connector 17"/>
+          <p:cNvCxnSpPr>
+            <a:stCxn id="22" idx="2"/>
+            <a:endCxn id="27" idx="0"/>
+          </p:cNvCxnSpPr>
+          <p:nvPr/>
+        </p:nvCxnSpPr>
+        <p:spPr>
+          <a:xfrm>
+            <a:off x="8337071" y="1194118"/>
+            <a:ext cx="1099881" cy="343699"/>
+          </a:xfrm>
+          <a:prstGeom prst="straightConnector1">
+            <a:avLst/>
+          </a:prstGeom>
+          <a:ln w="6350">
+            <a:solidFill>
+              <a:srgbClr val="000000"/>
+            </a:solidFill>
+            <a:tailEnd type="triangle"/>
+          </a:ln>
+        </p:spPr>
+      </p:cxnSp>
+      <p:sp>
+        <p:nvSpPr>
+          <p:cNvPr id="40" name="Rectangle 39"/>
+          <p:cNvSpPr/>
+          <p:nvPr/>
+        </p:nvSpPr>
+        <p:spPr>
+          <a:xfrm>
+            <a:off x="5753347" y="76868"/>
+            <a:ext cx="4561875" cy="5840316"/>
+          </a:xfrm>
+          <a:prstGeom prst="rect">
+            <a:avLst/>
+          </a:prstGeom>
+          <a:noFill/>
+          <a:ln w="6350" cap="flat">
+            <a:solidFill>
+              <a:schemeClr val="accent6"/>
+            </a:solidFill>
+            <a:prstDash val="solid"/>
+            <a:round/>
+          </a:ln>
+          <a:effectLst/>
+          <a:sp3d/>
+        </p:spPr>
+        <p:style>
+          <a:lnRef idx="0">
+            <a:scrgbClr r="0" g="0" b="0"/>
+          </a:lnRef>
+          <a:fillRef idx="0">
+            <a:scrgbClr r="0" g="0" b="0"/>
+          </a:fillRef>
+          <a:effectRef idx="0">
+            <a:scrgbClr r="0" g="0" b="0"/>
+          </a:effectRef>
+          <a:fontRef idx="none"/>
+        </p:style>
+        <p:txBody>
+          <a:bodyPr rot="0" spcFirstLastPara="1" vertOverflow="overflow" horzOverflow="overflow" vert="horz" wrap="square" lIns="45719" tIns="45719" rIns="45719" bIns="45719" numCol="1" spcCol="38100" rtlCol="0" anchor="t">
+            <a:noAutofit/>
+          </a:bodyPr>
+          <a:lstStyle/>
+          <a:p>
+            <a:pPr marL="0" marR="0" indent="0" algn="l" defTabSz="914400" rtl="0" fontAlgn="auto" latinLnBrk="0" hangingPunct="0">
+              <a:lnSpc>
+                <a:spcPct val="100000"/>
+              </a:lnSpc>
+              <a:spcBef>
+                <a:spcPts val="0"/>
+              </a:spcBef>
+              <a:spcAft>
+                <a:spcPts val="0"/>
+              </a:spcAft>
+              <a:buClrTx/>
+              <a:buSzTx/>
+              <a:buFontTx/>
+              <a:buNone/>
+              <a:tabLst/>
+            </a:pPr>
+            <a:endParaRPr kumimoji="0" lang="en-US" sz="2000" b="0" i="0" u="none" strike="noStrike" cap="none" spc="0" normalizeH="0" baseline="0">
+              <a:ln>
+                <a:noFill/>
+              </a:ln>
+              <a:solidFill>
+                <a:srgbClr val="000000"/>
+              </a:solidFill>
+              <a:effectLst/>
+              <a:uFillTx/>
+              <a:latin typeface="Arial"/>
+              <a:ea typeface="Arial"/>
+              <a:cs typeface="Arial"/>
+              <a:sym typeface="Arial"/>
+            </a:endParaRPr>
+          </a:p>
+        </p:txBody>
+      </p:sp>
+      <p:sp>
+        <p:nvSpPr>
+          <p:cNvPr id="41" name="Rectangle 40"/>
+          <p:cNvSpPr/>
+          <p:nvPr/>
+        </p:nvSpPr>
+        <p:spPr>
+          <a:xfrm>
+            <a:off x="1986363" y="4733745"/>
+            <a:ext cx="1710747" cy="345038"/>
+          </a:xfrm>
+          <a:prstGeom prst="rect">
+            <a:avLst/>
+          </a:prstGeom>
+          <a:noFill/>
+          <a:ln w="6350" cap="flat">
+            <a:solidFill>
+              <a:srgbClr val="C00000"/>
+            </a:solidFill>
+            <a:prstDash val="solid"/>
+            <a:round/>
+          </a:ln>
+          <a:effectLst/>
+          <a:sp3d/>
+        </p:spPr>
+        <p:style>
+          <a:lnRef idx="0">
+            <a:scrgbClr r="0" g="0" b="0"/>
+          </a:lnRef>
+          <a:fillRef idx="0">
+            <a:scrgbClr r="0" g="0" b="0"/>
+          </a:fillRef>
+          <a:effectRef idx="0">
+            <a:scrgbClr r="0" g="0" b="0"/>
+          </a:effectRef>
+          <a:fontRef idx="none"/>
+        </p:style>
+        <p:txBody>
+          <a:bodyPr rot="0" spcFirstLastPara="1" vertOverflow="overflow" horzOverflow="overflow" vert="horz" wrap="square" lIns="45719" tIns="45719" rIns="45719" bIns="45719" numCol="1" spcCol="38100" rtlCol="0" anchor="t">
+            <a:spAutoFit/>
+          </a:bodyPr>
+          <a:lstStyle/>
+          <a:p>
+            <a:pPr marL="0" marR="0" indent="0" algn="l" defTabSz="914400" rtl="0" fontAlgn="auto" latinLnBrk="0" hangingPunct="0">
+              <a:lnSpc>
+                <a:spcPct val="100000"/>
+              </a:lnSpc>
+              <a:spcBef>
+                <a:spcPts val="0"/>
+              </a:spcBef>
+              <a:spcAft>
+                <a:spcPts val="0"/>
+              </a:spcAft>
+              <a:buClrTx/>
+              <a:buSzTx/>
+              <a:buFontTx/>
+              <a:buNone/>
+              <a:tabLst/>
+            </a:pPr>
+            <a:endParaRPr kumimoji="0" lang="en-US" sz="1200" b="0" i="0" u="none" strike="noStrike" cap="none" spc="0" normalizeH="0" baseline="0">
+              <a:ln>
+                <a:noFill/>
+              </a:ln>
+              <a:solidFill>
+                <a:srgbClr val="000000"/>
+              </a:solidFill>
+              <a:effectLst/>
+              <a:uFillTx/>
+              <a:latin typeface="Arial"/>
+              <a:ea typeface="Arial"/>
+              <a:cs typeface="Arial"/>
+              <a:sym typeface="Arial"/>
+            </a:endParaRPr>
+          </a:p>
+        </p:txBody>
+      </p:sp>
+      <p:cxnSp>
+        <p:nvCxnSpPr>
+          <p:cNvPr id="43" name="Straight Arrow Connector 42"/>
+          <p:cNvCxnSpPr/>
+          <p:nvPr/>
+        </p:nvCxnSpPr>
+        <p:spPr>
+          <a:xfrm flipV="1">
+            <a:off x="3697110" y="110086"/>
+            <a:ext cx="2056237" cy="4623660"/>
+          </a:xfrm>
+          <a:prstGeom prst="straightConnector1">
+            <a:avLst/>
+          </a:prstGeom>
+          <a:noFill/>
+          <a:ln w="6350" cap="flat">
+            <a:solidFill>
+              <a:srgbClr val="C00000"/>
+            </a:solidFill>
+            <a:prstDash val="solid"/>
+            <a:round/>
+            <a:tailEnd type="arrow"/>
+          </a:ln>
+          <a:effectLst/>
+          <a:sp3d/>
+        </p:spPr>
+        <p:style>
+          <a:lnRef idx="0">
+            <a:scrgbClr r="0" g="0" b="0"/>
+          </a:lnRef>
+          <a:fillRef idx="0">
+            <a:scrgbClr r="0" g="0" b="0"/>
+          </a:fillRef>
+          <a:effectRef idx="0">
+            <a:scrgbClr r="0" g="0" b="0"/>
+          </a:effectRef>
+          <a:fontRef idx="none"/>
+        </p:style>
+      </p:cxnSp>
+      <p:cxnSp>
+        <p:nvCxnSpPr>
+          <p:cNvPr id="44" name="Straight Arrow Connector 43"/>
+          <p:cNvCxnSpPr/>
+          <p:nvPr/>
+        </p:nvCxnSpPr>
+        <p:spPr>
+          <a:xfrm>
+            <a:off x="3697110" y="5078783"/>
+            <a:ext cx="2056237" cy="838401"/>
+          </a:xfrm>
+          <a:prstGeom prst="straightConnector1">
+            <a:avLst/>
+          </a:prstGeom>
+          <a:noFill/>
+          <a:ln w="6350" cap="flat">
+            <a:solidFill>
+              <a:srgbClr val="C00000"/>
+            </a:solidFill>
+            <a:prstDash val="solid"/>
+            <a:round/>
+            <a:tailEnd type="arrow"/>
+          </a:ln>
+          <a:effectLst/>
+          <a:sp3d/>
+        </p:spPr>
+        <p:style>
+          <a:lnRef idx="0">
+            <a:scrgbClr r="0" g="0" b="0"/>
+          </a:lnRef>
+          <a:fillRef idx="0">
+            <a:scrgbClr r="0" g="0" b="0"/>
+          </a:fillRef>
+          <a:effectRef idx="0">
+            <a:scrgbClr r="0" g="0" b="0"/>
+          </a:effectRef>
+          <a:fontRef idx="none"/>
+        </p:style>
+      </p:cxnSp>
+    </p:spTree>
+    <p:extLst>
+      <p:ext uri="{BB962C8B-B14F-4D97-AF65-F5344CB8AC3E}">
+        <p14:creationId xmlns:p14="http://schemas.microsoft.com/office/powerpoint/2010/main" val="2465562059"/>
+      </p:ext>
+    </p:extLst>
+  </p:cSld>
+  <p:clrMapOvr>
+    <a:masterClrMapping/>
+  </p:clrMapOvr>
+  <p:transition xmlns:p14="http://schemas.microsoft.com/office/powerpoint/2010/main" spd="med"/>
+</p:sld>
+</file>
+
+<file path=ppt/slides/slide5.xml><?xml version="1.0" encoding="utf-8"?>
+<p:sld xmlns:a="http://schemas.openxmlformats.org/drawingml/2006/main" xmlns:r="http://schemas.openxmlformats.org/officeDocument/2006/relationships" xmlns:p="http://schemas.openxmlformats.org/presentationml/2006/main">
+  <p:cSld>
+    <p:spTree>
+      <p:nvGrpSpPr>
+        <p:cNvPr id="1" name=""/>
+        <p:cNvGrpSpPr/>
+        <p:nvPr/>
+      </p:nvGrpSpPr>
+      <p:grpSpPr>
+        <a:xfrm>
+          <a:off x="0" y="0"/>
+          <a:ext cx="0" cy="0"/>
+          <a:chOff x="0" y="0"/>
+          <a:chExt cx="0" cy="0"/>
+        </a:xfrm>
+      </p:grpSpPr>
+      <p:sp>
+        <p:nvSpPr>
+          <p:cNvPr id="2" name="TextBox 4"/>
+          <p:cNvSpPr txBox="1"/>
+          <p:nvPr/>
+        </p:nvSpPr>
+        <p:spPr>
+          <a:xfrm>
+            <a:off x="3605579" y="1027362"/>
+            <a:ext cx="2096131" cy="650241"/>
+          </a:xfrm>
+          <a:prstGeom prst="rect">
+            <a:avLst/>
+          </a:prstGeom>
+          <a:ln w="12700">
+            <a:miter lim="400000"/>
+          </a:ln>
+          <a:extLst>
+            <a:ext uri="{C572A759-6A51-4108-AA02-DFA0A04FC94B}">
+              <ma14:wrappingTextBoxFlag xmlns:ma14="http://schemas.microsoft.com/office/mac/drawingml/2011/main" val="1"/>
+            </a:ext>
+          </a:extLst>
+        </p:spPr>
+        <p:txBody>
+          <a:bodyPr wrap="none" lIns="45719" rIns="45719">
+            <a:spAutoFit/>
+          </a:bodyPr>
+          <a:lstStyle/>
+          <a:p>
+            <a:pPr algn="ctr">
+              <a:defRPr sz="1800">
+                <a:latin typeface="Courier"/>
+                <a:ea typeface="Courier"/>
+                <a:cs typeface="Courier"/>
+                <a:sym typeface="Courier"/>
+              </a:defRPr>
+            </a:pPr>
+            <a:r>
+              <a:rPr dirty="0"/>
+              <a:t>List&lt;</a:t>
+            </a:r>
+            <a:r>
+              <a:rPr dirty="0">
+                <a:solidFill>
+                  <a:srgbClr val="20999D"/>
+                </a:solidFill>
+              </a:rPr>
+              <a:t>Integer</a:t>
+            </a:r>
+            <a:r>
+              <a:rPr dirty="0"/>
+              <a:t>&gt;.</a:t>
+            </a:r>
+            <a:endParaRPr dirty="0">
+              <a:latin typeface="+mn-lt"/>
+              <a:ea typeface="+mn-ea"/>
+              <a:cs typeface="+mn-cs"/>
+              <a:sym typeface="Tahoma"/>
+            </a:endParaRPr>
+          </a:p>
+          <a:p>
+            <a:pPr algn="ctr">
+              <a:defRPr sz="1800">
+                <a:latin typeface="Courier"/>
+                <a:ea typeface="Courier"/>
+                <a:cs typeface="Courier"/>
+                <a:sym typeface="Courier"/>
+              </a:defRPr>
+            </a:pPr>
+            <a:r>
+              <a:rPr dirty="0"/>
+              <a:t>get(i) </a:t>
+            </a:r>
+          </a:p>
+        </p:txBody>
+      </p:sp>
+      <p:sp>
+        <p:nvSpPr>
+          <p:cNvPr id="3" name="TextBox 9"/>
+          <p:cNvSpPr txBox="1"/>
+          <p:nvPr/>
+        </p:nvSpPr>
+        <p:spPr>
+          <a:xfrm>
+            <a:off x="2013486" y="2078947"/>
+            <a:ext cx="2782042" cy="650241"/>
+          </a:xfrm>
+          <a:prstGeom prst="rect">
+            <a:avLst/>
+          </a:prstGeom>
+          <a:ln w="12700">
+            <a:miter lim="400000"/>
+          </a:ln>
+          <a:extLst>
+            <a:ext uri="{C572A759-6A51-4108-AA02-DFA0A04FC94B}">
+              <ma14:wrappingTextBoxFlag xmlns:ma14="http://schemas.microsoft.com/office/mac/drawingml/2011/main" val="1"/>
+            </a:ext>
+          </a:extLst>
+        </p:spPr>
+        <p:txBody>
+          <a:bodyPr wrap="none" lIns="45719" rIns="45719">
+            <a:spAutoFit/>
+          </a:bodyPr>
+          <a:lstStyle/>
+          <a:p>
+            <a:pPr algn="ctr">
+              <a:defRPr sz="1800">
+                <a:latin typeface="Courier"/>
+                <a:ea typeface="Courier"/>
+                <a:cs typeface="Courier"/>
+                <a:sym typeface="Courier"/>
+              </a:defRPr>
+            </a:pPr>
+            <a:r>
+              <a:rPr dirty="0"/>
+              <a:t>ArrayList&lt;</a:t>
+            </a:r>
+            <a:r>
+              <a:rPr dirty="0">
+                <a:solidFill>
+                  <a:srgbClr val="20999D"/>
+                </a:solidFill>
+              </a:rPr>
+              <a:t>Integer</a:t>
+            </a:r>
+            <a:r>
+              <a:rPr dirty="0"/>
+              <a:t>&gt;.</a:t>
+            </a:r>
+            <a:endParaRPr dirty="0">
+              <a:latin typeface="+mn-lt"/>
+              <a:ea typeface="+mn-ea"/>
+              <a:cs typeface="+mn-cs"/>
+              <a:sym typeface="Tahoma"/>
+            </a:endParaRPr>
+          </a:p>
+          <a:p>
+            <a:pPr algn="ctr">
+              <a:defRPr sz="1800">
+                <a:latin typeface="Courier"/>
+                <a:ea typeface="Courier"/>
+                <a:cs typeface="Courier"/>
+                <a:sym typeface="Courier"/>
+              </a:defRPr>
+            </a:pPr>
+            <a:r>
+              <a:rPr dirty="0"/>
+              <a:t>get(i) </a:t>
+            </a:r>
+          </a:p>
+        </p:txBody>
+      </p:sp>
+      <p:sp>
+        <p:nvSpPr>
+          <p:cNvPr id="4" name="TextBox 11"/>
+          <p:cNvSpPr txBox="1"/>
+          <p:nvPr/>
+        </p:nvSpPr>
+        <p:spPr>
+          <a:xfrm>
+            <a:off x="2442978" y="3109562"/>
+            <a:ext cx="1958948" cy="650241"/>
+          </a:xfrm>
+          <a:prstGeom prst="rect">
+            <a:avLst/>
+          </a:prstGeom>
+          <a:ln w="12700">
+            <a:miter lim="400000"/>
+          </a:ln>
+          <a:extLst>
+            <a:ext uri="{C572A759-6A51-4108-AA02-DFA0A04FC94B}">
+              <ma14:wrappingTextBoxFlag xmlns:ma14="http://schemas.microsoft.com/office/mac/drawingml/2011/main" val="1"/>
+            </a:ext>
+          </a:extLst>
+        </p:spPr>
+        <p:txBody>
+          <a:bodyPr wrap="none" lIns="45719" rIns="45719">
+            <a:spAutoFit/>
+          </a:bodyPr>
+          <a:lstStyle/>
+          <a:p>
+            <a:pPr algn="ctr">
+              <a:defRPr sz="1800">
+                <a:latin typeface="Courier"/>
+                <a:ea typeface="Courier"/>
+                <a:cs typeface="Courier"/>
+                <a:sym typeface="Courier"/>
+              </a:defRPr>
+            </a:pPr>
+            <a:r>
+              <a:rPr dirty="0"/>
+              <a:t>ArrayList&lt;</a:t>
+            </a:r>
+            <a:r>
+              <a:rPr dirty="0">
+                <a:solidFill>
+                  <a:srgbClr val="20999D"/>
+                </a:solidFill>
+              </a:rPr>
+              <a:t>E</a:t>
+            </a:r>
+            <a:r>
+              <a:rPr dirty="0"/>
+              <a:t>&gt;.</a:t>
+            </a:r>
+            <a:endParaRPr dirty="0">
+              <a:latin typeface="+mn-lt"/>
+              <a:ea typeface="+mn-ea"/>
+              <a:cs typeface="+mn-cs"/>
+              <a:sym typeface="Tahoma"/>
+            </a:endParaRPr>
+          </a:p>
+          <a:p>
+            <a:pPr algn="ctr">
+              <a:defRPr sz="1800">
+                <a:latin typeface="Courier"/>
+                <a:ea typeface="Courier"/>
+                <a:cs typeface="Courier"/>
+                <a:sym typeface="Courier"/>
+              </a:defRPr>
+            </a:pPr>
+            <a:r>
+              <a:rPr dirty="0"/>
+              <a:t>rangeCheck(i)</a:t>
+            </a:r>
+          </a:p>
+        </p:txBody>
+      </p:sp>
+      <p:sp>
+        <p:nvSpPr>
+          <p:cNvPr id="5" name="TextBox 12"/>
+          <p:cNvSpPr txBox="1"/>
+          <p:nvPr/>
+        </p:nvSpPr>
+        <p:spPr>
+          <a:xfrm>
+            <a:off x="2410105" y="3995063"/>
+            <a:ext cx="2024694" cy="650241"/>
+          </a:xfrm>
+          <a:prstGeom prst="rect">
+            <a:avLst/>
+          </a:prstGeom>
+          <a:ln w="12700">
+            <a:miter lim="400000"/>
+          </a:ln>
+          <a:extLst>
+            <a:ext uri="{C572A759-6A51-4108-AA02-DFA0A04FC94B}">
+              <ma14:wrappingTextBoxFlag xmlns:ma14="http://schemas.microsoft.com/office/mac/drawingml/2011/main" val="1"/>
+            </a:ext>
+          </a:extLst>
+        </p:spPr>
+        <p:txBody>
+          <a:bodyPr wrap="none" lIns="45719" rIns="45719">
+            <a:spAutoFit/>
+          </a:bodyPr>
+          <a:lstStyle/>
+          <a:p>
+            <a:pPr algn="ctr">
+              <a:defRPr sz="1800">
+                <a:latin typeface="Courier"/>
+                <a:ea typeface="Courier"/>
+                <a:cs typeface="Courier"/>
+                <a:sym typeface="Courier"/>
+              </a:defRPr>
+            </a:pPr>
+            <a:r>
+              <a:t>ArrayList&lt;</a:t>
+            </a:r>
+            <a:r>
+              <a:rPr>
+                <a:solidFill>
+                  <a:srgbClr val="20999D"/>
+                </a:solidFill>
+              </a:rPr>
+              <a:t>E</a:t>
+            </a:r>
+            <a:r>
+              <a:t>&gt;.</a:t>
+            </a:r>
+            <a:endParaRPr>
+              <a:latin typeface="+mn-lt"/>
+              <a:ea typeface="+mn-ea"/>
+              <a:cs typeface="+mn-cs"/>
+              <a:sym typeface="Tahoma"/>
+            </a:endParaRPr>
+          </a:p>
+          <a:p>
+            <a:pPr algn="ctr">
+              <a:defRPr sz="1800">
+                <a:latin typeface="Courier"/>
+                <a:ea typeface="Courier"/>
+                <a:cs typeface="Courier"/>
+                <a:sym typeface="Courier"/>
+              </a:defRPr>
+            </a:pPr>
+            <a:r>
+              <a:t>elementData(i)</a:t>
+            </a:r>
+          </a:p>
+        </p:txBody>
+      </p:sp>
+      <p:sp>
+        <p:nvSpPr>
+          <p:cNvPr id="6" name="TextBox 13"/>
+          <p:cNvSpPr txBox="1"/>
+          <p:nvPr/>
+        </p:nvSpPr>
+        <p:spPr>
+          <a:xfrm>
+            <a:off x="2410105" y="5008393"/>
+            <a:ext cx="2024694" cy="650241"/>
+          </a:xfrm>
+          <a:prstGeom prst="rect">
+            <a:avLst/>
+          </a:prstGeom>
+          <a:ln w="12700">
+            <a:miter lim="400000"/>
+          </a:ln>
+          <a:extLst>
+            <a:ext uri="{C572A759-6A51-4108-AA02-DFA0A04FC94B}">
+              <ma14:wrappingTextBoxFlag xmlns:ma14="http://schemas.microsoft.com/office/mac/drawingml/2011/main" val="1"/>
+            </a:ext>
+          </a:extLst>
+        </p:spPr>
+        <p:txBody>
+          <a:bodyPr wrap="none" lIns="45719" rIns="45719">
+            <a:spAutoFit/>
+          </a:bodyPr>
+          <a:lstStyle/>
+          <a:p>
+            <a:pPr algn="ctr">
+              <a:defRPr sz="1800">
+                <a:latin typeface="Courier"/>
+                <a:ea typeface="Courier"/>
+                <a:cs typeface="Courier"/>
+                <a:sym typeface="Courier"/>
+              </a:defRPr>
+            </a:pPr>
+            <a:r>
+              <a:t>ArrayList&lt;</a:t>
+            </a:r>
+            <a:r>
+              <a:rPr>
+                <a:solidFill>
+                  <a:srgbClr val="20999D"/>
+                </a:solidFill>
+              </a:rPr>
+              <a:t>E</a:t>
+            </a:r>
+            <a:r>
+              <a:t>&gt;.</a:t>
+            </a:r>
+            <a:endParaRPr>
+              <a:latin typeface="+mn-lt"/>
+              <a:ea typeface="+mn-ea"/>
+              <a:cs typeface="+mn-cs"/>
+              <a:sym typeface="Tahoma"/>
+            </a:endParaRPr>
+          </a:p>
+          <a:p>
+            <a:pPr algn="ctr">
+              <a:defRPr sz="1800" b="1">
+                <a:solidFill>
+                  <a:srgbClr val="660E7A"/>
+                </a:solidFill>
+                <a:latin typeface="Courier"/>
+                <a:ea typeface="Courier"/>
+                <a:cs typeface="Courier"/>
+                <a:sym typeface="Courier"/>
+              </a:defRPr>
+            </a:pPr>
+            <a:r>
+              <a:t>elementData</a:t>
+            </a:r>
+            <a:r>
+              <a:rPr b="0">
+                <a:solidFill>
+                  <a:srgbClr val="000000"/>
+                </a:solidFill>
+              </a:rPr>
+              <a:t>[i]</a:t>
+            </a:r>
+          </a:p>
+        </p:txBody>
+      </p:sp>
+      <p:sp>
+        <p:nvSpPr>
+          <p:cNvPr id="7" name="TextBox 14"/>
+          <p:cNvSpPr txBox="1"/>
+          <p:nvPr/>
+        </p:nvSpPr>
+        <p:spPr>
+          <a:xfrm>
+            <a:off x="5015544" y="2078947"/>
+            <a:ext cx="1475964" cy="650241"/>
+          </a:xfrm>
+          <a:prstGeom prst="rect">
+            <a:avLst/>
+          </a:prstGeom>
+          <a:ln w="12700">
+            <a:miter lim="400000"/>
+          </a:ln>
+          <a:extLst>
+            <a:ext uri="{C572A759-6A51-4108-AA02-DFA0A04FC94B}">
+              <ma14:wrappingTextBoxFlag xmlns:ma14="http://schemas.microsoft.com/office/mac/drawingml/2011/main" val="1"/>
+            </a:ext>
+          </a:extLst>
+        </p:spPr>
+        <p:txBody>
+          <a:bodyPr wrap="none" lIns="45719" rIns="45719">
+            <a:spAutoFit/>
+          </a:bodyPr>
+          <a:lstStyle/>
+          <a:p>
+            <a:pPr algn="ctr">
+              <a:defRPr sz="1800">
+                <a:latin typeface="Courier"/>
+                <a:ea typeface="Courier"/>
+                <a:cs typeface="Courier"/>
+                <a:sym typeface="Courier"/>
+              </a:defRPr>
+            </a:pPr>
+            <a:r>
+              <a:t>Integer.</a:t>
+            </a:r>
+            <a:endParaRPr>
+              <a:latin typeface="+mn-lt"/>
+              <a:ea typeface="+mn-ea"/>
+              <a:cs typeface="+mn-cs"/>
+              <a:sym typeface="Tahoma"/>
+            </a:endParaRPr>
+          </a:p>
+          <a:p>
+            <a:pPr algn="ctr">
+              <a:defRPr sz="1800">
+                <a:latin typeface="Courier"/>
+                <a:ea typeface="Courier"/>
+                <a:cs typeface="Courier"/>
+                <a:sym typeface="Courier"/>
+              </a:defRPr>
+            </a:pPr>
+            <a:r>
+              <a:t>intValue()</a:t>
+            </a:r>
+          </a:p>
+        </p:txBody>
+      </p:sp>
+      <p:sp>
+        <p:nvSpPr>
+          <p:cNvPr id="8" name="TextBox 15"/>
+          <p:cNvSpPr txBox="1"/>
+          <p:nvPr/>
+        </p:nvSpPr>
+        <p:spPr>
+          <a:xfrm>
+            <a:off x="5117007" y="3022903"/>
+            <a:ext cx="1273037" cy="650241"/>
+          </a:xfrm>
+          <a:prstGeom prst="rect">
+            <a:avLst/>
+          </a:prstGeom>
+          <a:ln w="12700">
+            <a:miter lim="400000"/>
+          </a:ln>
+          <a:extLst>
+            <a:ext uri="{C572A759-6A51-4108-AA02-DFA0A04FC94B}">
+              <ma14:wrappingTextBoxFlag xmlns:ma14="http://schemas.microsoft.com/office/mac/drawingml/2011/main" val="1"/>
+            </a:ext>
+          </a:extLst>
+        </p:spPr>
+        <p:txBody>
+          <a:bodyPr wrap="none" lIns="45719" rIns="45719">
+            <a:spAutoFit/>
+          </a:bodyPr>
+          <a:lstStyle/>
+          <a:p>
+            <a:pPr algn="ctr">
+              <a:defRPr sz="1800">
+                <a:latin typeface="Courier"/>
+                <a:ea typeface="Courier"/>
+                <a:cs typeface="Courier"/>
+                <a:sym typeface="Courier"/>
+              </a:defRPr>
+            </a:pPr>
+            <a:r>
+              <a:t>Integer.</a:t>
+            </a:r>
+            <a:endParaRPr>
+              <a:latin typeface="+mn-lt"/>
+              <a:ea typeface="+mn-ea"/>
+              <a:cs typeface="+mn-cs"/>
+              <a:sym typeface="Tahoma"/>
+            </a:endParaRPr>
+          </a:p>
+          <a:p>
+            <a:pPr algn="ctr">
+              <a:defRPr sz="1800" b="1">
+                <a:solidFill>
+                  <a:srgbClr val="660E7A"/>
+                </a:solidFill>
+                <a:latin typeface="Courier"/>
+                <a:ea typeface="Courier"/>
+                <a:cs typeface="Courier"/>
+                <a:sym typeface="Courier"/>
+              </a:defRPr>
+            </a:pPr>
+            <a:r>
+              <a:t>value</a:t>
+            </a:r>
+          </a:p>
+        </p:txBody>
+      </p:sp>
+      <p:cxnSp>
+        <p:nvCxnSpPr>
+          <p:cNvPr id="9" name="Straight Arrow Connector 17"/>
+          <p:cNvCxnSpPr>
+            <a:stCxn id="2" idx="2"/>
+            <a:endCxn id="3" idx="0"/>
+          </p:cNvCxnSpPr>
+          <p:nvPr/>
+        </p:nvCxnSpPr>
+        <p:spPr>
+          <a:xfrm flipH="1">
+            <a:off x="3404507" y="1677603"/>
+            <a:ext cx="1249138" cy="401344"/>
+          </a:xfrm>
+          <a:prstGeom prst="straightConnector1">
+            <a:avLst/>
+          </a:prstGeom>
+          <a:ln w="6350">
+            <a:solidFill>
+              <a:srgbClr val="000000"/>
+            </a:solidFill>
+            <a:tailEnd type="triangle"/>
+          </a:ln>
+        </p:spPr>
+      </p:cxnSp>
+      <p:cxnSp>
+        <p:nvCxnSpPr>
+          <p:cNvPr id="10" name="Straight Arrow Connector 19"/>
+          <p:cNvCxnSpPr>
+            <a:stCxn id="3" idx="2"/>
+            <a:endCxn id="4" idx="0"/>
+          </p:cNvCxnSpPr>
+          <p:nvPr/>
+        </p:nvCxnSpPr>
+        <p:spPr>
+          <a:xfrm>
+            <a:off x="3404507" y="2729188"/>
+            <a:ext cx="17945" cy="380374"/>
+          </a:xfrm>
+          <a:prstGeom prst="straightConnector1">
+            <a:avLst/>
+          </a:prstGeom>
+          <a:ln w="6350">
+            <a:solidFill>
+              <a:srgbClr val="000000"/>
+            </a:solidFill>
+            <a:tailEnd type="triangle"/>
+          </a:ln>
+        </p:spPr>
+      </p:cxnSp>
+      <p:cxnSp>
+        <p:nvCxnSpPr>
+          <p:cNvPr id="11" name="Straight Arrow Connector 27"/>
+          <p:cNvCxnSpPr>
+            <a:stCxn id="5" idx="2"/>
+            <a:endCxn id="6" idx="0"/>
+          </p:cNvCxnSpPr>
+          <p:nvPr/>
+        </p:nvCxnSpPr>
+        <p:spPr>
+          <a:xfrm>
+            <a:off x="3422452" y="4645304"/>
+            <a:ext cx="0" cy="363089"/>
+          </a:xfrm>
+          <a:prstGeom prst="straightConnector1">
+            <a:avLst/>
+          </a:prstGeom>
+          <a:ln w="6350">
+            <a:solidFill>
+              <a:srgbClr val="000000"/>
+            </a:solidFill>
+            <a:tailEnd type="triangle"/>
+          </a:ln>
+        </p:spPr>
+      </p:cxnSp>
+      <p:cxnSp>
+        <p:nvCxnSpPr>
+          <p:cNvPr id="12" name="Straight Arrow Connector 31"/>
+          <p:cNvCxnSpPr>
+            <a:stCxn id="7" idx="2"/>
+            <a:endCxn id="8" idx="0"/>
+          </p:cNvCxnSpPr>
+          <p:nvPr/>
+        </p:nvCxnSpPr>
+        <p:spPr>
+          <a:xfrm>
+            <a:off x="5753526" y="2729188"/>
+            <a:ext cx="0" cy="293715"/>
+          </a:xfrm>
+          <a:prstGeom prst="straightConnector1">
+            <a:avLst/>
+          </a:prstGeom>
+          <a:ln w="6350">
+            <a:solidFill>
+              <a:srgbClr val="000000"/>
+            </a:solidFill>
+            <a:tailEnd type="triangle"/>
+          </a:ln>
+        </p:spPr>
+      </p:cxnSp>
+      <p:sp>
+        <p:nvSpPr>
+          <p:cNvPr id="13" name="Straight Arrow Connector 34"/>
+          <p:cNvSpPr/>
+          <p:nvPr/>
+        </p:nvSpPr>
+        <p:spPr>
+          <a:xfrm>
+            <a:off x="4653643" y="651216"/>
+            <a:ext cx="1" cy="376147"/>
+          </a:xfrm>
+          <a:prstGeom prst="line">
+            <a:avLst/>
+          </a:prstGeom>
+          <a:ln w="6350">
+            <a:solidFill>
+              <a:srgbClr val="000000"/>
+            </a:solidFill>
+            <a:tailEnd type="triangle"/>
+          </a:ln>
+        </p:spPr>
+        <p:txBody>
+          <a:bodyPr lIns="45719" rIns="45719"/>
+          <a:lstStyle/>
+          <a:p>
+            <a:endParaRPr/>
+          </a:p>
+        </p:txBody>
+      </p:sp>
+      <p:sp>
+        <p:nvSpPr>
+          <p:cNvPr id="14" name="Straight Arrow Connector 36"/>
+          <p:cNvSpPr/>
+          <p:nvPr/>
+        </p:nvSpPr>
+        <p:spPr>
+          <a:xfrm>
+            <a:off x="5753525" y="3669234"/>
+            <a:ext cx="1" cy="523955"/>
+          </a:xfrm>
+          <a:prstGeom prst="line">
+            <a:avLst/>
+          </a:prstGeom>
+          <a:ln w="6350">
+            <a:solidFill>
+              <a:srgbClr val="000000"/>
+            </a:solidFill>
+            <a:tailEnd type="triangle"/>
+          </a:ln>
+        </p:spPr>
+        <p:txBody>
+          <a:bodyPr lIns="45719" rIns="45719"/>
+          <a:lstStyle/>
+          <a:p>
+            <a:endParaRPr/>
+          </a:p>
+        </p:txBody>
+      </p:sp>
+      <p:sp>
+        <p:nvSpPr>
+          <p:cNvPr id="17" name="TextBox 45"/>
+          <p:cNvSpPr txBox="1"/>
+          <p:nvPr/>
+        </p:nvSpPr>
+        <p:spPr>
+          <a:xfrm>
+            <a:off x="3000551" y="2729188"/>
+            <a:ext cx="403956" cy="370841"/>
+          </a:xfrm>
+          <a:prstGeom prst="rect">
+            <a:avLst/>
+          </a:prstGeom>
+          <a:ln w="12700">
+            <a:miter lim="400000"/>
+          </a:ln>
+          <a:extLst>
+            <a:ext uri="{C572A759-6A51-4108-AA02-DFA0A04FC94B}">
+              <ma14:wrappingTextBoxFlag xmlns:ma14="http://schemas.microsoft.com/office/mac/drawingml/2011/main" val="1"/>
+            </a:ext>
+          </a:extLst>
+        </p:spPr>
+        <p:txBody>
+          <a:bodyPr wrap="none" lIns="45719" rIns="45719">
+            <a:spAutoFit/>
+          </a:bodyPr>
+          <a:lstStyle>
+            <a:lvl1pPr>
+              <a:defRPr sz="1800">
+                <a:solidFill>
+                  <a:srgbClr val="FF0000"/>
+                </a:solidFill>
+                <a:latin typeface="+mn-lt"/>
+                <a:ea typeface="+mn-ea"/>
+                <a:cs typeface="+mn-cs"/>
+                <a:sym typeface="Tahoma"/>
+              </a:defRPr>
+            </a:lvl1pPr>
+          </a:lstStyle>
+          <a:p>
+            <a:r>
+              <a:rPr dirty="0"/>
+              <a:t>(1)</a:t>
+            </a:r>
+          </a:p>
+        </p:txBody>
+      </p:sp>
+      <p:sp>
+        <p:nvSpPr>
+          <p:cNvPr id="18" name="TextBox 46"/>
+          <p:cNvSpPr txBox="1"/>
+          <p:nvPr/>
+        </p:nvSpPr>
+        <p:spPr>
+          <a:xfrm>
+            <a:off x="4357595" y="3678305"/>
+            <a:ext cx="403955" cy="370841"/>
+          </a:xfrm>
+          <a:prstGeom prst="rect">
+            <a:avLst/>
+          </a:prstGeom>
+          <a:ln w="12700">
+            <a:miter lim="400000"/>
+          </a:ln>
+          <a:extLst>
+            <a:ext uri="{C572A759-6A51-4108-AA02-DFA0A04FC94B}">
+              <ma14:wrappingTextBoxFlag xmlns:ma14="http://schemas.microsoft.com/office/mac/drawingml/2011/main" val="1"/>
+            </a:ext>
+          </a:extLst>
+        </p:spPr>
+        <p:txBody>
+          <a:bodyPr wrap="none" lIns="45719" rIns="45719">
+            <a:spAutoFit/>
+          </a:bodyPr>
+          <a:lstStyle>
+            <a:lvl1pPr>
+              <a:defRPr sz="1800">
+                <a:solidFill>
+                  <a:srgbClr val="FF0000"/>
+                </a:solidFill>
+                <a:latin typeface="+mn-lt"/>
+                <a:ea typeface="+mn-ea"/>
+                <a:cs typeface="+mn-cs"/>
+                <a:sym typeface="Tahoma"/>
+              </a:defRPr>
+            </a:lvl1pPr>
+          </a:lstStyle>
+          <a:p>
+            <a:r>
+              <a:rPr dirty="0"/>
+              <a:t>(2)</a:t>
+            </a:r>
+          </a:p>
+        </p:txBody>
+      </p:sp>
+      <p:sp>
+        <p:nvSpPr>
+          <p:cNvPr id="19" name="TextBox 47"/>
+          <p:cNvSpPr txBox="1"/>
+          <p:nvPr/>
+        </p:nvSpPr>
+        <p:spPr>
+          <a:xfrm>
+            <a:off x="5340611" y="1614883"/>
+            <a:ext cx="403955" cy="370841"/>
+          </a:xfrm>
+          <a:prstGeom prst="rect">
+            <a:avLst/>
+          </a:prstGeom>
+          <a:ln w="12700">
+            <a:miter lim="400000"/>
+          </a:ln>
+          <a:extLst>
+            <a:ext uri="{C572A759-6A51-4108-AA02-DFA0A04FC94B}">
+              <ma14:wrappingTextBoxFlag xmlns:ma14="http://schemas.microsoft.com/office/mac/drawingml/2011/main" val="1"/>
+            </a:ext>
+          </a:extLst>
+        </p:spPr>
+        <p:txBody>
+          <a:bodyPr wrap="none" lIns="45719" rIns="45719">
+            <a:spAutoFit/>
+          </a:bodyPr>
+          <a:lstStyle>
+            <a:lvl1pPr>
+              <a:defRPr sz="1800">
+                <a:solidFill>
+                  <a:srgbClr val="FF0000"/>
+                </a:solidFill>
+                <a:latin typeface="+mn-lt"/>
+                <a:ea typeface="+mn-ea"/>
+                <a:cs typeface="+mn-cs"/>
+                <a:sym typeface="Tahoma"/>
+              </a:defRPr>
+            </a:lvl1pPr>
+          </a:lstStyle>
+          <a:p>
+            <a:r>
+              <a:rPr dirty="0"/>
+              <a:t>(3)</a:t>
+            </a:r>
+          </a:p>
+        </p:txBody>
+      </p:sp>
+      <p:sp>
+        <p:nvSpPr>
+          <p:cNvPr id="27" name="Freeform 26"/>
+          <p:cNvSpPr/>
+          <p:nvPr/>
+        </p:nvSpPr>
+        <p:spPr>
+          <a:xfrm>
+            <a:off x="3416852" y="2712624"/>
+            <a:ext cx="1241169" cy="1379832"/>
+          </a:xfrm>
+          <a:custGeom>
+            <a:avLst/>
+            <a:gdLst>
+              <a:gd name="connsiteX0" fmla="*/ 903 w 1241169"/>
+              <a:gd name="connsiteY0" fmla="*/ 0 h 1379832"/>
+              <a:gd name="connsiteX1" fmla="*/ 1098339 w 1241169"/>
+              <a:gd name="connsiteY1" fmla="*/ 501757 h 1379832"/>
+              <a:gd name="connsiteX2" fmla="*/ 1192405 w 1241169"/>
+              <a:gd name="connsiteY2" fmla="*/ 925115 h 1379832"/>
+              <a:gd name="connsiteX3" fmla="*/ 769108 w 1241169"/>
+              <a:gd name="connsiteY3" fmla="*/ 1144634 h 1379832"/>
+              <a:gd name="connsiteX4" fmla="*/ 110646 w 1241169"/>
+              <a:gd name="connsiteY4" fmla="*/ 1113274 h 1379832"/>
+              <a:gd name="connsiteX5" fmla="*/ 903 w 1241169"/>
+              <a:gd name="connsiteY5" fmla="*/ 1379832 h 1379832"/>
+            </a:gdLst>
+            <a:ahLst/>
+            <a:cxnLst>
+              <a:cxn ang="0">
+                <a:pos x="connsiteX0" y="connsiteY0"/>
+              </a:cxn>
+              <a:cxn ang="0">
+                <a:pos x="connsiteX1" y="connsiteY1"/>
+              </a:cxn>
+              <a:cxn ang="0">
+                <a:pos x="connsiteX2" y="connsiteY2"/>
+              </a:cxn>
+              <a:cxn ang="0">
+                <a:pos x="connsiteX3" y="connsiteY3"/>
+              </a:cxn>
+              <a:cxn ang="0">
+                <a:pos x="connsiteX4" y="connsiteY4"/>
+              </a:cxn>
+              <a:cxn ang="0">
+                <a:pos x="connsiteX5" y="connsiteY5"/>
+              </a:cxn>
+            </a:cxnLst>
+            <a:rect l="l" t="t" r="r" b="b"/>
+            <a:pathLst>
+              <a:path w="1241169" h="1379832">
+                <a:moveTo>
+                  <a:pt x="903" y="0"/>
+                </a:moveTo>
+                <a:cubicBezTo>
+                  <a:pt x="450329" y="173785"/>
+                  <a:pt x="899755" y="347571"/>
+                  <a:pt x="1098339" y="501757"/>
+                </a:cubicBezTo>
+                <a:cubicBezTo>
+                  <a:pt x="1296923" y="655943"/>
+                  <a:pt x="1247277" y="817969"/>
+                  <a:pt x="1192405" y="925115"/>
+                </a:cubicBezTo>
+                <a:cubicBezTo>
+                  <a:pt x="1137533" y="1032261"/>
+                  <a:pt x="949401" y="1113274"/>
+                  <a:pt x="769108" y="1144634"/>
+                </a:cubicBezTo>
+                <a:cubicBezTo>
+                  <a:pt x="588815" y="1175994"/>
+                  <a:pt x="238680" y="1074074"/>
+                  <a:pt x="110646" y="1113274"/>
+                </a:cubicBezTo>
+                <a:cubicBezTo>
+                  <a:pt x="-17388" y="1152474"/>
+                  <a:pt x="903" y="1379832"/>
+                  <a:pt x="903" y="1379832"/>
+                </a:cubicBezTo>
+              </a:path>
+            </a:pathLst>
+          </a:custGeom>
+          <a:ln>
+            <a:solidFill>
+              <a:srgbClr val="000000"/>
+            </a:solidFill>
+            <a:tailEnd type="arrow"/>
+          </a:ln>
+        </p:spPr>
+        <p:style>
+          <a:lnRef idx="0">
+            <a:scrgbClr r="0" g="0" b="0"/>
+          </a:lnRef>
+          <a:fillRef idx="0">
+            <a:scrgbClr r="0" g="0" b="0"/>
+          </a:fillRef>
+          <a:effectRef idx="0">
+            <a:scrgbClr r="0" g="0" b="0"/>
+          </a:effectRef>
+          <a:fontRef idx="none"/>
+        </p:style>
+        <p:txBody>
+          <a:bodyPr rot="0" spcFirstLastPara="1" vertOverflow="overflow" horzOverflow="overflow" vert="horz" wrap="square" lIns="91439" tIns="45719" rIns="91439" bIns="45719" numCol="1" spcCol="38100" rtlCol="0" anchor="t">
+            <a:noAutofit/>
+          </a:bodyPr>
+          <a:lstStyle/>
+          <a:p>
+            <a:pPr marL="0" marR="0" indent="0" algn="l" defTabSz="914400" rtl="0" fontAlgn="auto" latinLnBrk="1" hangingPunct="0">
+              <a:lnSpc>
+                <a:spcPct val="100000"/>
+              </a:lnSpc>
+              <a:spcBef>
+                <a:spcPts val="0"/>
+              </a:spcBef>
+              <a:spcAft>
+                <a:spcPts val="0"/>
+              </a:spcAft>
+              <a:buClrTx/>
+              <a:buSzTx/>
+              <a:buFontTx/>
+              <a:buNone/>
+              <a:tabLst/>
+            </a:pPr>
+            <a:endParaRPr kumimoji="0" lang="en-US" sz="1800" b="0" i="0" u="none" strike="noStrike" cap="none" spc="0" normalizeH="0" baseline="0">
+              <a:ln>
+                <a:noFill/>
+              </a:ln>
+              <a:solidFill>
+                <a:srgbClr val="000000"/>
+              </a:solidFill>
+              <a:effectLst/>
+              <a:uFillTx/>
+            </a:endParaRPr>
+          </a:p>
+        </p:txBody>
+      </p:sp>
+      <p:cxnSp>
+        <p:nvCxnSpPr>
+          <p:cNvPr id="28" name="Straight Arrow Connector 17"/>
+          <p:cNvCxnSpPr>
+            <a:stCxn id="2" idx="2"/>
+            <a:endCxn id="7" idx="0"/>
+          </p:cNvCxnSpPr>
+          <p:nvPr/>
+        </p:nvCxnSpPr>
+        <p:spPr>
+          <a:xfrm>
+            <a:off x="4653645" y="1677603"/>
+            <a:ext cx="1099881" cy="401344"/>
+          </a:xfrm>
+          <a:prstGeom prst="straightConnector1">
+            <a:avLst/>
+          </a:prstGeom>
+          <a:ln w="6350">
+            <a:solidFill>
+              <a:srgbClr val="000000"/>
+            </a:solidFill>
+            <a:tailEnd type="triangle"/>
+          </a:ln>
+        </p:spPr>
+      </p:cxnSp>
+    </p:spTree>
+    <p:extLst>
+      <p:ext uri="{BB962C8B-B14F-4D97-AF65-F5344CB8AC3E}">
+        <p14:creationId xmlns:p14="http://schemas.microsoft.com/office/powerpoint/2010/main" val="848928261"/>
+      </p:ext>
+    </p:extLst>
+  </p:cSld>
+  <p:clrMapOvr>
+    <a:masterClrMapping/>
+  </p:clrMapOvr>
+  <p:transition xmlns:p14="http://schemas.microsoft.com/office/powerpoint/2010/main" spd="med"/>
+</p:sld>
+</file>
+
+<file path=ppt/slides/slide6.xml><?xml version="1.0" encoding="utf-8"?>
+<p:sld xmlns:a="http://schemas.openxmlformats.org/drawingml/2006/main" xmlns:r="http://schemas.openxmlformats.org/officeDocument/2006/relationships" xmlns:p="http://schemas.openxmlformats.org/presentationml/2006/main">
   <p:cSld>
     <p:spTree>
       <p:nvGrpSpPr>
@@ -5734,7 +10396,9 @@
       <p:sp>
         <p:nvSpPr>
           <p:cNvPr id="190" name="Slide Number Placeholder 3"/>
-          <p:cNvSpPr txBox="1"/>
+          <p:cNvSpPr txBox="1">
+            <a:spLocks noGrp="1"/>
+          </p:cNvSpPr>
           <p:nvPr>
             <p:ph type="sldNum" sz="quarter" idx="2"/>
           </p:nvPr>
@@ -5757,8 +10421,10 @@
           <a:bodyPr/>
           <a:lstStyle/>
           <a:p>
-            <a:pPr/>
-            <a:fld id="{86CB4B4D-7CA3-9044-876B-883B54F8677D}" type="slidenum"/>
+            <a:fld id="{86CB4B4D-7CA3-9044-876B-883B54F8677D}" type="slidenum">
+              <a:t>6</a:t>
+            </a:fld>
+            <a:endParaRPr/>
           </a:p>
         </p:txBody>
       </p:sp>
@@ -5799,7 +10465,7 @@
                 <a:srgbClr val="000000"/>
               </a:buClr>
               <a:buSzPct val="90000"/>
-              <a:buAutoNum type="arabicPeriod" startAt="1"/>
+              <a:buAutoNum type="arabicPeriod"/>
               <a:tabLst>
                 <a:tab pos="571500" algn="l"/>
                 <a:tab pos="1155700" algn="l"/>
@@ -5851,7 +10517,7 @@
                 <a:srgbClr val="000000"/>
               </a:buClr>
               <a:buSzPct val="90000"/>
-              <a:buAutoNum type="arabicPeriod" startAt="1"/>
+              <a:buAutoNum type="arabicPeriod"/>
               <a:tabLst>
                 <a:tab pos="571500" algn="l"/>
                 <a:tab pos="1155700" algn="l"/>
@@ -5897,7 +10563,7 @@
                 <a:srgbClr val="000000"/>
               </a:buClr>
               <a:buSzPct val="90000"/>
-              <a:buAutoNum type="arabicPeriod" startAt="1"/>
+              <a:buAutoNum type="arabicPeriod"/>
               <a:tabLst>
                 <a:tab pos="571500" algn="l"/>
                 <a:tab pos="1155700" algn="l"/>
@@ -5936,7 +10602,7 @@
                 <a:srgbClr val="000000"/>
               </a:buClr>
               <a:buSzPct val="90000"/>
-              <a:buAutoNum type="arabicPeriod" startAt="1"/>
+              <a:buAutoNum type="arabicPeriod"/>
               <a:tabLst>
                 <a:tab pos="571500" algn="l"/>
                 <a:tab pos="1155700" algn="l"/>
@@ -6007,7 +10673,7 @@
                 <a:srgbClr val="000000"/>
               </a:buClr>
               <a:buSzPct val="90000"/>
-              <a:buAutoNum type="arabicPeriod" startAt="1"/>
+              <a:buAutoNum type="arabicPeriod"/>
               <a:tabLst>
                 <a:tab pos="571500" algn="l"/>
                 <a:tab pos="1155700" algn="l"/>
@@ -6052,7 +10718,7 @@
                 <a:srgbClr val="000000"/>
               </a:buClr>
               <a:buSzPct val="90000"/>
-              <a:buAutoNum type="arabicPeriod" startAt="1"/>
+              <a:buAutoNum type="arabicPeriod"/>
               <a:tabLst>
                 <a:tab pos="571500" algn="l"/>
                 <a:tab pos="1155700" algn="l"/>
@@ -6124,7 +10790,7 @@
                 <a:srgbClr val="000000"/>
               </a:buClr>
               <a:buSzPct val="90000"/>
-              <a:buAutoNum type="arabicPeriod" startAt="1"/>
+              <a:buAutoNum type="arabicPeriod"/>
               <a:tabLst>
                 <a:tab pos="571500" algn="l"/>
                 <a:tab pos="1155700" algn="l"/>
@@ -6163,7 +10829,7 @@
                 <a:srgbClr val="000000"/>
               </a:buClr>
               <a:buSzPct val="90000"/>
-              <a:buAutoNum type="arabicPeriod" startAt="1"/>
+              <a:buAutoNum type="arabicPeriod"/>
               <a:tabLst>
                 <a:tab pos="571500" algn="l"/>
                 <a:tab pos="1155700" algn="l"/>
@@ -6208,7 +10874,7 @@
                 <a:srgbClr val="000000"/>
               </a:buClr>
               <a:buSzPct val="90000"/>
-              <a:buAutoNum type="arabicPeriod" startAt="1"/>
+              <a:buAutoNum type="arabicPeriod"/>
               <a:tabLst>
                 <a:tab pos="571500" algn="l"/>
                 <a:tab pos="1155700" algn="l"/>
@@ -6260,7 +10926,7 @@
                 <a:srgbClr val="000000"/>
               </a:buClr>
               <a:buSzPct val="90000"/>
-              <a:buAutoNum type="arabicPeriod" startAt="1"/>
+              <a:buAutoNum type="arabicPeriod"/>
               <a:tabLst>
                 <a:tab pos="571500" algn="l"/>
                 <a:tab pos="1155700" algn="l"/>
@@ -6306,7 +10972,7 @@
                 <a:srgbClr val="000000"/>
               </a:buClr>
               <a:buSzPct val="90000"/>
-              <a:buAutoNum type="arabicPeriod" startAt="1"/>
+              <a:buAutoNum type="arabicPeriod"/>
               <a:tabLst>
                 <a:tab pos="571500" algn="l"/>
                 <a:tab pos="1155700" algn="l"/>
@@ -6378,7 +11044,7 @@
                 <a:srgbClr val="000000"/>
               </a:buClr>
               <a:buSzPct val="90000"/>
-              <a:buAutoNum type="arabicPeriod" startAt="1"/>
+              <a:buAutoNum type="arabicPeriod"/>
               <a:tabLst>
                 <a:tab pos="571500" algn="l"/>
                 <a:tab pos="1155700" algn="l"/>
@@ -6434,7 +11100,7 @@
                 <a:srgbClr val="000000"/>
               </a:buClr>
               <a:buSzPct val="90000"/>
-              <a:buAutoNum type="arabicPeriod" startAt="1"/>
+              <a:buAutoNum type="arabicPeriod"/>
               <a:tabLst>
                 <a:tab pos="571500" algn="l"/>
                 <a:tab pos="1155700" algn="l"/>
@@ -6490,7 +11156,7 @@
                 <a:srgbClr val="000000"/>
               </a:buClr>
               <a:buSzPct val="90000"/>
-              <a:buAutoNum type="arabicPeriod" startAt="1"/>
+              <a:buAutoNum type="arabicPeriod"/>
               <a:tabLst>
                 <a:tab pos="571500" algn="l"/>
                 <a:tab pos="1155700" algn="l"/>
@@ -6535,7 +11201,7 @@
                 <a:srgbClr val="000000"/>
               </a:buClr>
               <a:buSzPct val="90000"/>
-              <a:buAutoNum type="arabicPeriod" startAt="1"/>
+              <a:buAutoNum type="arabicPeriod"/>
               <a:tabLst>
                 <a:tab pos="571500" algn="l"/>
                 <a:tab pos="1155700" algn="l"/>
@@ -6580,7 +11246,7 @@
                 <a:srgbClr val="000000"/>
               </a:buClr>
               <a:buSzPct val="90000"/>
-              <a:buAutoNum type="arabicPeriod" startAt="1"/>
+              <a:buAutoNum type="arabicPeriod"/>
               <a:tabLst>
                 <a:tab pos="571500" algn="l"/>
                 <a:tab pos="1155700" algn="l"/>
@@ -6672,7 +11338,7 @@
                 <a:srgbClr val="000000"/>
               </a:buClr>
               <a:buSzPct val="90000"/>
-              <a:buAutoNum type="arabicPeriod" startAt="1"/>
+              <a:buAutoNum type="arabicPeriod"/>
               <a:tabLst>
                 <a:tab pos="571500" algn="l"/>
                 <a:tab pos="1155700" algn="l"/>
@@ -6725,7 +11391,7 @@
                 <a:srgbClr val="000000"/>
               </a:buClr>
               <a:buSzPct val="90000"/>
-              <a:buAutoNum type="arabicPeriod" startAt="1"/>
+              <a:buAutoNum type="arabicPeriod"/>
               <a:tabLst>
                 <a:tab pos="571500" algn="l"/>
                 <a:tab pos="1155700" algn="l"/>
@@ -7001,7 +11667,7 @@
           </a:p>
           <a:p>
             <a:pPr algn="ctr">
-              <a:defRPr b="1" sz="1800">
+              <a:defRPr sz="1800" b="1">
                 <a:solidFill>
                   <a:srgbClr val="000080"/>
                 </a:solidFill>
@@ -7193,7 +11859,7 @@
           </a:p>
           <a:p>
             <a:pPr algn="ctr">
-              <a:defRPr b="1" sz="1800">
+              <a:defRPr sz="1800" b="1">
                 <a:solidFill>
                   <a:srgbClr val="660E7A"/>
                 </a:solidFill>
@@ -7344,7 +12010,7 @@
           </a:p>
           <a:p>
             <a:pPr algn="ctr">
-              <a:defRPr b="1" sz="1800">
+              <a:defRPr sz="1800" b="1">
                 <a:solidFill>
                   <a:srgbClr val="660E7A"/>
                 </a:solidFill>
@@ -7435,7 +12101,7 @@
           <a:bodyPr lIns="45719" rIns="45719"/>
           <a:lstStyle/>
           <a:p>
-            <a:pPr/>
+            <a:endParaRPr/>
           </a:p>
         </p:txBody>
       </p:sp>
@@ -7530,7 +12196,6 @@
             </a:lvl1pPr>
           </a:lstStyle>
           <a:p>
-            <a:pPr/>
             <a:r>
               <a:t>(1)</a:t>
             </a:r>
@@ -7578,7 +12243,6 @@
             </a:lvl1pPr>
           </a:lstStyle>
           <a:p>
-            <a:pPr/>
             <a:r>
               <a:t>(2)</a:t>
             </a:r>
@@ -7626,7 +12290,6 @@
             </a:lvl1pPr>
           </a:lstStyle>
           <a:p>
-            <a:pPr/>
             <a:r>
               <a:t>(3)</a:t>
             </a:r>
@@ -7668,6 +12331,7 @@
                 <a:sym typeface="Tahoma"/>
               </a:defRPr>
             </a:pPr>
+            <a:endParaRPr/>
           </a:p>
         </p:txBody>
       </p:sp>
@@ -7706,6 +12370,7 @@
                 <a:sym typeface="Tahoma"/>
               </a:defRPr>
             </a:pPr>
+            <a:endParaRPr/>
           </a:p>
         </p:txBody>
       </p:sp>
@@ -7734,7 +12399,7 @@
           <a:bodyPr lIns="45719" rIns="45719"/>
           <a:lstStyle/>
           <a:p>
-            <a:pPr/>
+            <a:endParaRPr/>
           </a:p>
         </p:txBody>
       </p:sp>
@@ -7763,7 +12428,7 @@
           <a:bodyPr lIns="45719" rIns="45719"/>
           <a:lstStyle/>
           <a:p>
-            <a:pPr/>
+            <a:endParaRPr/>
           </a:p>
         </p:txBody>
       </p:sp>
@@ -7797,12 +12462,12 @@
   <p:clrMapOvr>
     <a:masterClrMapping/>
   </p:clrMapOvr>
-  <p:transition xmlns:p14="http://schemas.microsoft.com/office/powerpoint/2010/main" spd="med" advClick="1"/>
+  <p:transition xmlns:p14="http://schemas.microsoft.com/office/powerpoint/2010/main" spd="med"/>
 </p:sld>
 </file>
 
-<file path=ppt/slides/slide5.xml><?xml version="1.0" encoding="utf-8"?>
-<p:sld xmlns:a="http://schemas.openxmlformats.org/drawingml/2006/main" xmlns:r="http://schemas.openxmlformats.org/officeDocument/2006/relationships" xmlns:p="http://schemas.openxmlformats.org/presentationml/2006/main" xmlns:m="http://schemas.openxmlformats.org/officeDocument/2006/math" xmlns:a14="http://schemas.microsoft.com/office/drawing/2010/main" showMasterSp="1" showMasterPhAnim="1">
+<file path=ppt/slides/slide7.xml><?xml version="1.0" encoding="utf-8"?>
+<p:sld xmlns:a="http://schemas.openxmlformats.org/drawingml/2006/main" xmlns:r="http://schemas.openxmlformats.org/officeDocument/2006/relationships" xmlns:p="http://schemas.openxmlformats.org/presentationml/2006/main">
   <p:cSld>
     <p:spTree>
       <p:nvGrpSpPr>
@@ -7821,7 +12486,9 @@
       <p:sp>
         <p:nvSpPr>
           <p:cNvPr id="213" name="Slide Number Placeholder 3"/>
-          <p:cNvSpPr txBox="1"/>
+          <p:cNvSpPr txBox="1">
+            <a:spLocks noGrp="1"/>
+          </p:cNvSpPr>
           <p:nvPr>
             <p:ph type="sldNum" sz="quarter" idx="2"/>
           </p:nvPr>
@@ -7844,8 +12511,10 @@
           <a:bodyPr/>
           <a:lstStyle/>
           <a:p>
-            <a:pPr/>
-            <a:fld id="{86CB4B4D-7CA3-9044-876B-883B54F8677D}" type="slidenum"/>
+            <a:fld id="{86CB4B4D-7CA3-9044-876B-883B54F8677D}" type="slidenum">
+              <a:t>7</a:t>
+            </a:fld>
+            <a:endParaRPr/>
           </a:p>
         </p:txBody>
       </p:sp>
@@ -8606,7 +13275,6 @@
             </a:lvl1pPr>
           </a:lstStyle>
           <a:p>
-            <a:pPr/>
             <a:r>
               <a:t>linearization</a:t>
             </a:r>
@@ -8712,7 +13380,7 @@
           <a:bodyPr lIns="45719" rIns="45719"/>
           <a:lstStyle/>
           <a:p>
-            <a:pPr/>
+            <a:endParaRPr/>
           </a:p>
         </p:txBody>
       </p:sp>
@@ -8868,7 +13536,7 @@
           <a:bodyPr lIns="45719" rIns="45719"/>
           <a:lstStyle/>
           <a:p>
-            <a:pPr/>
+            <a:endParaRPr/>
           </a:p>
         </p:txBody>
       </p:sp>
@@ -9049,7 +13717,7 @@
           <a:bodyPr lIns="45719" rIns="45719"/>
           <a:lstStyle/>
           <a:p>
-            <a:pPr/>
+            <a:endParaRPr/>
           </a:p>
         </p:txBody>
       </p:sp>
@@ -9058,13 +13726,13 @@
   <p:clrMapOvr>
     <a:masterClrMapping/>
   </p:clrMapOvr>
-  <mc:AlternateContent xmlns:mc="http://schemas.openxmlformats.org/markup-compatibility/2006">
-    <mc:Choice xmlns:p14="http://schemas.microsoft.com/office/powerpoint/2010/main" Requires="p14">
-      <p:transition spd="med" advClick="1" p14:dur="1000">
+  <mc:AlternateContent xmlns:mc="http://schemas.openxmlformats.org/markup-compatibility/2006" xmlns:p14="http://schemas.microsoft.com/office/powerpoint/2010/main">
+    <mc:Choice Requires="p14">
+      <p:transition spd="slow">
         <p:dissolve/>
       </p:transition>
     </mc:Choice>
-    <mc:Fallback>
+    <mc:Fallback xmlns:a14="http://schemas.microsoft.com/office/drawing/2010/main" xmlns:m="http://schemas.openxmlformats.org/officeDocument/2006/math" xmlns="">
       <p:transition spd="med">
         <p:fade/>
       </p:transition>
@@ -9074,7 +13742,7 @@
 </file>
 
 <file path=ppt/theme/theme1.xml><?xml version="1.0" encoding="utf-8"?>
-<a:theme xmlns:a="http://schemas.openxmlformats.org/drawingml/2006/main" xmlns:r="http://schemas.openxmlformats.org/officeDocument/2006/relationships" name="UMN_spacy_template">
+<a:theme xmlns:a="http://schemas.openxmlformats.org/drawingml/2006/main" name="UMN_spacy_template">
   <a:themeElements>
     <a:clrScheme name="UMN_spacy_template">
       <a:dk1>
@@ -9206,7 +13874,7 @@
         </a:effectStyle>
         <a:effectStyle>
           <a:effectLst>
-            <a:outerShdw sx="100000" sy="100000" kx="0" ky="0" algn="b" rotWithShape="0" blurRad="38100" dist="20000" dir="5400000">
+            <a:outerShdw blurRad="38100" dist="20000" dir="5400000" rotWithShape="0">
               <a:srgbClr val="000000">
                 <a:alpha val="38000"/>
               </a:srgbClr>
@@ -9282,7 +13950,7 @@
         <a:effectLst/>
         <a:sp3d/>
       </a:spPr>
-      <a:bodyPr rot="0" spcFirstLastPara="1" vertOverflow="overflow" horzOverflow="overflow" vert="horz" wrap="square" lIns="45719" tIns="45719" rIns="45719" bIns="45719" numCol="1" spcCol="38100" rtlCol="0" anchor="t" upright="0">
+      <a:bodyPr rot="0" spcFirstLastPara="1" vertOverflow="overflow" horzOverflow="overflow" vert="horz" wrap="square" lIns="45719" tIns="45719" rIns="45719" bIns="45719" numCol="1" spcCol="38100" rtlCol="0" anchor="t">
         <a:spAutoFit/>
       </a:bodyPr>
       <a:lstStyle>
@@ -9301,7 +13969,7 @@
           <a:buFontTx/>
           <a:buNone/>
           <a:tabLst/>
-          <a:defRPr b="0" baseline="0" cap="none" i="0" spc="0" strike="noStrike" sz="1200" u="none" kumimoji="0" normalizeH="0">
+          <a:defRPr kumimoji="0" sz="1200" b="0" i="0" u="none" strike="noStrike" cap="none" spc="0" normalizeH="0" baseline="0">
             <a:ln>
               <a:noFill/>
             </a:ln>
@@ -9331,7 +13999,7 @@
           <a:buFontTx/>
           <a:buNone/>
           <a:tabLst/>
-          <a:defRPr b="0" baseline="0" cap="none" i="0" spc="0" strike="noStrike" sz="1800" u="none" kumimoji="0" normalizeH="0">
+          <a:defRPr kumimoji="0" sz="1800" b="0" i="0" u="none" strike="noStrike" cap="none" spc="0" normalizeH="0" baseline="0">
             <a:ln>
               <a:noFill/>
             </a:ln>
@@ -9357,7 +14025,7 @@
           <a:buFontTx/>
           <a:buNone/>
           <a:tabLst/>
-          <a:defRPr b="0" baseline="0" cap="none" i="0" spc="0" strike="noStrike" sz="1800" u="none" kumimoji="0" normalizeH="0">
+          <a:defRPr kumimoji="0" sz="1800" b="0" i="0" u="none" strike="noStrike" cap="none" spc="0" normalizeH="0" baseline="0">
             <a:ln>
               <a:noFill/>
             </a:ln>
@@ -9383,7 +14051,7 @@
           <a:buFontTx/>
           <a:buNone/>
           <a:tabLst/>
-          <a:defRPr b="0" baseline="0" cap="none" i="0" spc="0" strike="noStrike" sz="1800" u="none" kumimoji="0" normalizeH="0">
+          <a:defRPr kumimoji="0" sz="1800" b="0" i="0" u="none" strike="noStrike" cap="none" spc="0" normalizeH="0" baseline="0">
             <a:ln>
               <a:noFill/>
             </a:ln>
@@ -9409,7 +14077,7 @@
           <a:buFontTx/>
           <a:buNone/>
           <a:tabLst/>
-          <a:defRPr b="0" baseline="0" cap="none" i="0" spc="0" strike="noStrike" sz="1800" u="none" kumimoji="0" normalizeH="0">
+          <a:defRPr kumimoji="0" sz="1800" b="0" i="0" u="none" strike="noStrike" cap="none" spc="0" normalizeH="0" baseline="0">
             <a:ln>
               <a:noFill/>
             </a:ln>
@@ -9435,7 +14103,7 @@
           <a:buFontTx/>
           <a:buNone/>
           <a:tabLst/>
-          <a:defRPr b="0" baseline="0" cap="none" i="0" spc="0" strike="noStrike" sz="1800" u="none" kumimoji="0" normalizeH="0">
+          <a:defRPr kumimoji="0" sz="1800" b="0" i="0" u="none" strike="noStrike" cap="none" spc="0" normalizeH="0" baseline="0">
             <a:ln>
               <a:noFill/>
             </a:ln>
@@ -9461,7 +14129,7 @@
           <a:buFontTx/>
           <a:buNone/>
           <a:tabLst/>
-          <a:defRPr b="0" baseline="0" cap="none" i="0" spc="0" strike="noStrike" sz="1800" u="none" kumimoji="0" normalizeH="0">
+          <a:defRPr kumimoji="0" sz="1800" b="0" i="0" u="none" strike="noStrike" cap="none" spc="0" normalizeH="0" baseline="0">
             <a:ln>
               <a:noFill/>
             </a:ln>
@@ -9487,7 +14155,7 @@
           <a:buFontTx/>
           <a:buNone/>
           <a:tabLst/>
-          <a:defRPr b="0" baseline="0" cap="none" i="0" spc="0" strike="noStrike" sz="1800" u="none" kumimoji="0" normalizeH="0">
+          <a:defRPr kumimoji="0" sz="1800" b="0" i="0" u="none" strike="noStrike" cap="none" spc="0" normalizeH="0" baseline="0">
             <a:ln>
               <a:noFill/>
             </a:ln>
@@ -9513,7 +14181,7 @@
           <a:buFontTx/>
           <a:buNone/>
           <a:tabLst/>
-          <a:defRPr b="0" baseline="0" cap="none" i="0" spc="0" strike="noStrike" sz="1800" u="none" kumimoji="0" normalizeH="0">
+          <a:defRPr kumimoji="0" sz="1800" b="0" i="0" u="none" strike="noStrike" cap="none" spc="0" normalizeH="0" baseline="0">
             <a:ln>
               <a:noFill/>
             </a:ln>
@@ -9539,7 +14207,7 @@
           <a:buFontTx/>
           <a:buNone/>
           <a:tabLst/>
-          <a:defRPr b="0" baseline="0" cap="none" i="0" spc="0" strike="noStrike" sz="1800" u="none" kumimoji="0" normalizeH="0">
+          <a:defRPr kumimoji="0" sz="1800" b="0" i="0" u="none" strike="noStrike" cap="none" spc="0" normalizeH="0" baseline="0">
             <a:ln>
               <a:noFill/>
             </a:ln>
@@ -9552,9 +14220,15 @@
         </a:lvl9pPr>
       </a:lstStyle>
       <a:style>
-        <a:lnRef idx="0"/>
-        <a:fillRef idx="0"/>
-        <a:effectRef idx="0"/>
+        <a:lnRef idx="0">
+          <a:scrgbClr r="0" g="0" b="0"/>
+        </a:lnRef>
+        <a:fillRef idx="0">
+          <a:scrgbClr r="0" g="0" b="0"/>
+        </a:fillRef>
+        <a:effectRef idx="0">
+          <a:scrgbClr r="0" g="0" b="0"/>
+        </a:effectRef>
         <a:fontRef idx="none"/>
       </a:style>
     </a:spDef>
@@ -9569,7 +14243,7 @@
           <a:round/>
         </a:ln>
         <a:effectLst>
-          <a:outerShdw sx="100000" sy="100000" kx="0" ky="0" algn="b" rotWithShape="0" blurRad="38100" dist="20000" dir="5400000">
+          <a:outerShdw blurRad="38100" dist="20000" dir="5400000" rotWithShape="0">
             <a:srgbClr val="000000">
               <a:alpha val="38000"/>
             </a:srgbClr>
@@ -9577,7 +14251,7 @@
         </a:effectLst>
         <a:sp3d/>
       </a:spPr>
-      <a:bodyPr rot="0" spcFirstLastPara="1" vertOverflow="overflow" horzOverflow="overflow" vert="horz" wrap="square" lIns="91439" tIns="45719" rIns="91439" bIns="45719" numCol="1" spcCol="38100" rtlCol="0" anchor="t" upright="0">
+      <a:bodyPr rot="0" spcFirstLastPara="1" vertOverflow="overflow" horzOverflow="overflow" vert="horz" wrap="square" lIns="91439" tIns="45719" rIns="91439" bIns="45719" numCol="1" spcCol="38100" rtlCol="0" anchor="t">
         <a:noAutofit/>
       </a:bodyPr>
       <a:lstStyle>
@@ -9596,7 +14270,7 @@
           <a:buFontTx/>
           <a:buNone/>
           <a:tabLst/>
-          <a:defRPr b="0" baseline="0" cap="none" i="0" spc="0" strike="noStrike" sz="1800" u="none" kumimoji="0" normalizeH="0">
+          <a:defRPr kumimoji="0" sz="1800" b="0" i="0" u="none" strike="noStrike" cap="none" spc="0" normalizeH="0" baseline="0">
             <a:ln>
               <a:noFill/>
             </a:ln>
@@ -9622,7 +14296,7 @@
           <a:buFontTx/>
           <a:buNone/>
           <a:tabLst/>
-          <a:defRPr b="0" baseline="0" cap="none" i="0" spc="0" strike="noStrike" sz="1800" u="none" kumimoji="0" normalizeH="0">
+          <a:defRPr kumimoji="0" sz="1800" b="0" i="0" u="none" strike="noStrike" cap="none" spc="0" normalizeH="0" baseline="0">
             <a:ln>
               <a:noFill/>
             </a:ln>
@@ -9648,7 +14322,7 @@
           <a:buFontTx/>
           <a:buNone/>
           <a:tabLst/>
-          <a:defRPr b="0" baseline="0" cap="none" i="0" spc="0" strike="noStrike" sz="1800" u="none" kumimoji="0" normalizeH="0">
+          <a:defRPr kumimoji="0" sz="1800" b="0" i="0" u="none" strike="noStrike" cap="none" spc="0" normalizeH="0" baseline="0">
             <a:ln>
               <a:noFill/>
             </a:ln>
@@ -9674,7 +14348,7 @@
           <a:buFontTx/>
           <a:buNone/>
           <a:tabLst/>
-          <a:defRPr b="0" baseline="0" cap="none" i="0" spc="0" strike="noStrike" sz="1800" u="none" kumimoji="0" normalizeH="0">
+          <a:defRPr kumimoji="0" sz="1800" b="0" i="0" u="none" strike="noStrike" cap="none" spc="0" normalizeH="0" baseline="0">
             <a:ln>
               <a:noFill/>
             </a:ln>
@@ -9700,7 +14374,7 @@
           <a:buFontTx/>
           <a:buNone/>
           <a:tabLst/>
-          <a:defRPr b="0" baseline="0" cap="none" i="0" spc="0" strike="noStrike" sz="1800" u="none" kumimoji="0" normalizeH="0">
+          <a:defRPr kumimoji="0" sz="1800" b="0" i="0" u="none" strike="noStrike" cap="none" spc="0" normalizeH="0" baseline="0">
             <a:ln>
               <a:noFill/>
             </a:ln>
@@ -9726,7 +14400,7 @@
           <a:buFontTx/>
           <a:buNone/>
           <a:tabLst/>
-          <a:defRPr b="0" baseline="0" cap="none" i="0" spc="0" strike="noStrike" sz="1800" u="none" kumimoji="0" normalizeH="0">
+          <a:defRPr kumimoji="0" sz="1800" b="0" i="0" u="none" strike="noStrike" cap="none" spc="0" normalizeH="0" baseline="0">
             <a:ln>
               <a:noFill/>
             </a:ln>
@@ -9752,7 +14426,7 @@
           <a:buFontTx/>
           <a:buNone/>
           <a:tabLst/>
-          <a:defRPr b="0" baseline="0" cap="none" i="0" spc="0" strike="noStrike" sz="1800" u="none" kumimoji="0" normalizeH="0">
+          <a:defRPr kumimoji="0" sz="1800" b="0" i="0" u="none" strike="noStrike" cap="none" spc="0" normalizeH="0" baseline="0">
             <a:ln>
               <a:noFill/>
             </a:ln>
@@ -9778,7 +14452,7 @@
           <a:buFontTx/>
           <a:buNone/>
           <a:tabLst/>
-          <a:defRPr b="0" baseline="0" cap="none" i="0" spc="0" strike="noStrike" sz="1800" u="none" kumimoji="0" normalizeH="0">
+          <a:defRPr kumimoji="0" sz="1800" b="0" i="0" u="none" strike="noStrike" cap="none" spc="0" normalizeH="0" baseline="0">
             <a:ln>
               <a:noFill/>
             </a:ln>
@@ -9804,7 +14478,7 @@
           <a:buFontTx/>
           <a:buNone/>
           <a:tabLst/>
-          <a:defRPr b="0" baseline="0" cap="none" i="0" spc="0" strike="noStrike" sz="1800" u="none" kumimoji="0" normalizeH="0">
+          <a:defRPr kumimoji="0" sz="1800" b="0" i="0" u="none" strike="noStrike" cap="none" spc="0" normalizeH="0" baseline="0">
             <a:ln>
               <a:noFill/>
             </a:ln>
@@ -9830,7 +14504,7 @@
           <a:buFontTx/>
           <a:buNone/>
           <a:tabLst/>
-          <a:defRPr b="0" baseline="0" cap="none" i="0" spc="0" strike="noStrike" sz="1800" u="none" kumimoji="0" normalizeH="0">
+          <a:defRPr kumimoji="0" sz="1800" b="0" i="0" u="none" strike="noStrike" cap="none" spc="0" normalizeH="0" baseline="0">
             <a:ln>
               <a:noFill/>
             </a:ln>
@@ -9843,9 +14517,15 @@
         </a:lvl9pPr>
       </a:lstStyle>
       <a:style>
-        <a:lnRef idx="0"/>
-        <a:fillRef idx="0"/>
-        <a:effectRef idx="0"/>
+        <a:lnRef idx="0">
+          <a:scrgbClr r="0" g="0" b="0"/>
+        </a:lnRef>
+        <a:fillRef idx="0">
+          <a:scrgbClr r="0" g="0" b="0"/>
+        </a:fillRef>
+        <a:effectRef idx="0">
+          <a:scrgbClr r="0" g="0" b="0"/>
+        </a:effectRef>
         <a:fontRef idx="none"/>
       </a:style>
     </a:lnDef>
@@ -9859,7 +14539,7 @@
         <a:effectLst/>
         <a:sp3d/>
       </a:spPr>
-      <a:bodyPr rot="0" spcFirstLastPara="1" vertOverflow="overflow" horzOverflow="overflow" vert="horz" wrap="square" lIns="45719" tIns="45719" rIns="45719" bIns="45719" numCol="1" spcCol="38100" rtlCol="0" anchor="t" upright="0">
+      <a:bodyPr rot="0" spcFirstLastPara="1" vertOverflow="overflow" horzOverflow="overflow" vert="horz" wrap="square" lIns="45719" tIns="45719" rIns="45719" bIns="45719" numCol="1" spcCol="38100" rtlCol="0" anchor="t">
         <a:spAutoFit/>
       </a:bodyPr>
       <a:lstStyle>
@@ -9878,7 +14558,7 @@
           <a:buFontTx/>
           <a:buNone/>
           <a:tabLst/>
-          <a:defRPr b="0" baseline="0" cap="none" i="0" spc="0" strike="noStrike" sz="1200" u="none" kumimoji="0" normalizeH="0">
+          <a:defRPr kumimoji="0" sz="1200" b="0" i="0" u="none" strike="noStrike" cap="none" spc="0" normalizeH="0" baseline="0">
             <a:ln>
               <a:noFill/>
             </a:ln>
@@ -9908,7 +14588,7 @@
           <a:buFontTx/>
           <a:buNone/>
           <a:tabLst/>
-          <a:defRPr b="0" baseline="0" cap="none" i="0" spc="0" strike="noStrike" sz="1800" u="none" kumimoji="0" normalizeH="0">
+          <a:defRPr kumimoji="0" sz="1800" b="0" i="0" u="none" strike="noStrike" cap="none" spc="0" normalizeH="0" baseline="0">
             <a:ln>
               <a:noFill/>
             </a:ln>
@@ -9934,7 +14614,7 @@
           <a:buFontTx/>
           <a:buNone/>
           <a:tabLst/>
-          <a:defRPr b="0" baseline="0" cap="none" i="0" spc="0" strike="noStrike" sz="1800" u="none" kumimoji="0" normalizeH="0">
+          <a:defRPr kumimoji="0" sz="1800" b="0" i="0" u="none" strike="noStrike" cap="none" spc="0" normalizeH="0" baseline="0">
             <a:ln>
               <a:noFill/>
             </a:ln>
@@ -9960,7 +14640,7 @@
           <a:buFontTx/>
           <a:buNone/>
           <a:tabLst/>
-          <a:defRPr b="0" baseline="0" cap="none" i="0" spc="0" strike="noStrike" sz="1800" u="none" kumimoji="0" normalizeH="0">
+          <a:defRPr kumimoji="0" sz="1800" b="0" i="0" u="none" strike="noStrike" cap="none" spc="0" normalizeH="0" baseline="0">
             <a:ln>
               <a:noFill/>
             </a:ln>
@@ -9986,7 +14666,7 @@
           <a:buFontTx/>
           <a:buNone/>
           <a:tabLst/>
-          <a:defRPr b="0" baseline="0" cap="none" i="0" spc="0" strike="noStrike" sz="1800" u="none" kumimoji="0" normalizeH="0">
+          <a:defRPr kumimoji="0" sz="1800" b="0" i="0" u="none" strike="noStrike" cap="none" spc="0" normalizeH="0" baseline="0">
             <a:ln>
               <a:noFill/>
             </a:ln>
@@ -10012,7 +14692,7 @@
           <a:buFontTx/>
           <a:buNone/>
           <a:tabLst/>
-          <a:defRPr b="0" baseline="0" cap="none" i="0" spc="0" strike="noStrike" sz="1800" u="none" kumimoji="0" normalizeH="0">
+          <a:defRPr kumimoji="0" sz="1800" b="0" i="0" u="none" strike="noStrike" cap="none" spc="0" normalizeH="0" baseline="0">
             <a:ln>
               <a:noFill/>
             </a:ln>
@@ -10038,7 +14718,7 @@
           <a:buFontTx/>
           <a:buNone/>
           <a:tabLst/>
-          <a:defRPr b="0" baseline="0" cap="none" i="0" spc="0" strike="noStrike" sz="1800" u="none" kumimoji="0" normalizeH="0">
+          <a:defRPr kumimoji="0" sz="1800" b="0" i="0" u="none" strike="noStrike" cap="none" spc="0" normalizeH="0" baseline="0">
             <a:ln>
               <a:noFill/>
             </a:ln>
@@ -10064,7 +14744,7 @@
           <a:buFontTx/>
           <a:buNone/>
           <a:tabLst/>
-          <a:defRPr b="0" baseline="0" cap="none" i="0" spc="0" strike="noStrike" sz="1800" u="none" kumimoji="0" normalizeH="0">
+          <a:defRPr kumimoji="0" sz="1800" b="0" i="0" u="none" strike="noStrike" cap="none" spc="0" normalizeH="0" baseline="0">
             <a:ln>
               <a:noFill/>
             </a:ln>
@@ -10090,7 +14770,7 @@
           <a:buFontTx/>
           <a:buNone/>
           <a:tabLst/>
-          <a:defRPr b="0" baseline="0" cap="none" i="0" spc="0" strike="noStrike" sz="1800" u="none" kumimoji="0" normalizeH="0">
+          <a:defRPr kumimoji="0" sz="1800" b="0" i="0" u="none" strike="noStrike" cap="none" spc="0" normalizeH="0" baseline="0">
             <a:ln>
               <a:noFill/>
             </a:ln>
@@ -10116,7 +14796,7 @@
           <a:buFontTx/>
           <a:buNone/>
           <a:tabLst/>
-          <a:defRPr b="0" baseline="0" cap="none" i="0" spc="0" strike="noStrike" sz="1800" u="none" kumimoji="0" normalizeH="0">
+          <a:defRPr kumimoji="0" sz="1800" b="0" i="0" u="none" strike="noStrike" cap="none" spc="0" normalizeH="0" baseline="0">
             <a:ln>
               <a:noFill/>
             </a:ln>
@@ -10129,18 +14809,25 @@
         </a:lvl9pPr>
       </a:lstStyle>
       <a:style>
-        <a:lnRef idx="0"/>
-        <a:fillRef idx="0"/>
-        <a:effectRef idx="0"/>
+        <a:lnRef idx="0">
+          <a:scrgbClr r="0" g="0" b="0"/>
+        </a:lnRef>
+        <a:fillRef idx="0">
+          <a:scrgbClr r="0" g="0" b="0"/>
+        </a:fillRef>
+        <a:effectRef idx="0">
+          <a:scrgbClr r="0" g="0" b="0"/>
+        </a:effectRef>
         <a:fontRef idx="none"/>
       </a:style>
     </a:txDef>
   </a:objectDefaults>
+  <a:extraClrSchemeLst/>
 </a:theme>
 </file>
 
 <file path=ppt/theme/theme2.xml><?xml version="1.0" encoding="utf-8"?>
-<a:theme xmlns:a="http://schemas.openxmlformats.org/drawingml/2006/main" xmlns:r="http://schemas.openxmlformats.org/officeDocument/2006/relationships" name="UMN_spacy_template">
+<a:theme xmlns:a="http://schemas.openxmlformats.org/drawingml/2006/main" name="UMN_spacy_template">
   <a:themeElements>
     <a:clrScheme name="UMN_spacy_template">
       <a:dk1>
@@ -10272,7 +14959,7 @@
         </a:effectStyle>
         <a:effectStyle>
           <a:effectLst>
-            <a:outerShdw sx="100000" sy="100000" kx="0" ky="0" algn="b" rotWithShape="0" blurRad="38100" dist="20000" dir="5400000">
+            <a:outerShdw blurRad="38100" dist="20000" dir="5400000" rotWithShape="0">
               <a:srgbClr val="000000">
                 <a:alpha val="38000"/>
               </a:srgbClr>
@@ -10348,7 +15035,7 @@
         <a:effectLst/>
         <a:sp3d/>
       </a:spPr>
-      <a:bodyPr rot="0" spcFirstLastPara="1" vertOverflow="overflow" horzOverflow="overflow" vert="horz" wrap="square" lIns="45719" tIns="45719" rIns="45719" bIns="45719" numCol="1" spcCol="38100" rtlCol="0" anchor="t" upright="0">
+      <a:bodyPr rot="0" spcFirstLastPara="1" vertOverflow="overflow" horzOverflow="overflow" vert="horz" wrap="square" lIns="45719" tIns="45719" rIns="45719" bIns="45719" numCol="1" spcCol="38100" rtlCol="0" anchor="t">
         <a:spAutoFit/>
       </a:bodyPr>
       <a:lstStyle>
@@ -10367,7 +15054,7 @@
           <a:buFontTx/>
           <a:buNone/>
           <a:tabLst/>
-          <a:defRPr b="0" baseline="0" cap="none" i="0" spc="0" strike="noStrike" sz="1200" u="none" kumimoji="0" normalizeH="0">
+          <a:defRPr kumimoji="0" sz="1200" b="0" i="0" u="none" strike="noStrike" cap="none" spc="0" normalizeH="0" baseline="0">
             <a:ln>
               <a:noFill/>
             </a:ln>
@@ -10397,7 +15084,7 @@
           <a:buFontTx/>
           <a:buNone/>
           <a:tabLst/>
-          <a:defRPr b="0" baseline="0" cap="none" i="0" spc="0" strike="noStrike" sz="1800" u="none" kumimoji="0" normalizeH="0">
+          <a:defRPr kumimoji="0" sz="1800" b="0" i="0" u="none" strike="noStrike" cap="none" spc="0" normalizeH="0" baseline="0">
             <a:ln>
               <a:noFill/>
             </a:ln>
@@ -10423,7 +15110,7 @@
           <a:buFontTx/>
           <a:buNone/>
           <a:tabLst/>
-          <a:defRPr b="0" baseline="0" cap="none" i="0" spc="0" strike="noStrike" sz="1800" u="none" kumimoji="0" normalizeH="0">
+          <a:defRPr kumimoji="0" sz="1800" b="0" i="0" u="none" strike="noStrike" cap="none" spc="0" normalizeH="0" baseline="0">
             <a:ln>
               <a:noFill/>
             </a:ln>
@@ -10449,7 +15136,7 @@
           <a:buFontTx/>
           <a:buNone/>
           <a:tabLst/>
-          <a:defRPr b="0" baseline="0" cap="none" i="0" spc="0" strike="noStrike" sz="1800" u="none" kumimoji="0" normalizeH="0">
+          <a:defRPr kumimoji="0" sz="1800" b="0" i="0" u="none" strike="noStrike" cap="none" spc="0" normalizeH="0" baseline="0">
             <a:ln>
               <a:noFill/>
             </a:ln>
@@ -10475,7 +15162,7 @@
           <a:buFontTx/>
           <a:buNone/>
           <a:tabLst/>
-          <a:defRPr b="0" baseline="0" cap="none" i="0" spc="0" strike="noStrike" sz="1800" u="none" kumimoji="0" normalizeH="0">
+          <a:defRPr kumimoji="0" sz="1800" b="0" i="0" u="none" strike="noStrike" cap="none" spc="0" normalizeH="0" baseline="0">
             <a:ln>
               <a:noFill/>
             </a:ln>
@@ -10501,7 +15188,7 @@
           <a:buFontTx/>
           <a:buNone/>
           <a:tabLst/>
-          <a:defRPr b="0" baseline="0" cap="none" i="0" spc="0" strike="noStrike" sz="1800" u="none" kumimoji="0" normalizeH="0">
+          <a:defRPr kumimoji="0" sz="1800" b="0" i="0" u="none" strike="noStrike" cap="none" spc="0" normalizeH="0" baseline="0">
             <a:ln>
               <a:noFill/>
             </a:ln>
@@ -10527,7 +15214,7 @@
           <a:buFontTx/>
           <a:buNone/>
           <a:tabLst/>
-          <a:defRPr b="0" baseline="0" cap="none" i="0" spc="0" strike="noStrike" sz="1800" u="none" kumimoji="0" normalizeH="0">
+          <a:defRPr kumimoji="0" sz="1800" b="0" i="0" u="none" strike="noStrike" cap="none" spc="0" normalizeH="0" baseline="0">
             <a:ln>
               <a:noFill/>
             </a:ln>
@@ -10553,7 +15240,7 @@
           <a:buFontTx/>
           <a:buNone/>
           <a:tabLst/>
-          <a:defRPr b="0" baseline="0" cap="none" i="0" spc="0" strike="noStrike" sz="1800" u="none" kumimoji="0" normalizeH="0">
+          <a:defRPr kumimoji="0" sz="1800" b="0" i="0" u="none" strike="noStrike" cap="none" spc="0" normalizeH="0" baseline="0">
             <a:ln>
               <a:noFill/>
             </a:ln>
@@ -10579,7 +15266,7 @@
           <a:buFontTx/>
           <a:buNone/>
           <a:tabLst/>
-          <a:defRPr b="0" baseline="0" cap="none" i="0" spc="0" strike="noStrike" sz="1800" u="none" kumimoji="0" normalizeH="0">
+          <a:defRPr kumimoji="0" sz="1800" b="0" i="0" u="none" strike="noStrike" cap="none" spc="0" normalizeH="0" baseline="0">
             <a:ln>
               <a:noFill/>
             </a:ln>
@@ -10605,7 +15292,7 @@
           <a:buFontTx/>
           <a:buNone/>
           <a:tabLst/>
-          <a:defRPr b="0" baseline="0" cap="none" i="0" spc="0" strike="noStrike" sz="1800" u="none" kumimoji="0" normalizeH="0">
+          <a:defRPr kumimoji="0" sz="1800" b="0" i="0" u="none" strike="noStrike" cap="none" spc="0" normalizeH="0" baseline="0">
             <a:ln>
               <a:noFill/>
             </a:ln>
@@ -10618,9 +15305,15 @@
         </a:lvl9pPr>
       </a:lstStyle>
       <a:style>
-        <a:lnRef idx="0"/>
-        <a:fillRef idx="0"/>
-        <a:effectRef idx="0"/>
+        <a:lnRef idx="0">
+          <a:scrgbClr r="0" g="0" b="0"/>
+        </a:lnRef>
+        <a:fillRef idx="0">
+          <a:scrgbClr r="0" g="0" b="0"/>
+        </a:fillRef>
+        <a:effectRef idx="0">
+          <a:scrgbClr r="0" g="0" b="0"/>
+        </a:effectRef>
         <a:fontRef idx="none"/>
       </a:style>
     </a:spDef>
@@ -10635,7 +15328,7 @@
           <a:round/>
         </a:ln>
         <a:effectLst>
-          <a:outerShdw sx="100000" sy="100000" kx="0" ky="0" algn="b" rotWithShape="0" blurRad="38100" dist="20000" dir="5400000">
+          <a:outerShdw blurRad="38100" dist="20000" dir="5400000" rotWithShape="0">
             <a:srgbClr val="000000">
               <a:alpha val="38000"/>
             </a:srgbClr>
@@ -10643,7 +15336,7 @@
         </a:effectLst>
         <a:sp3d/>
       </a:spPr>
-      <a:bodyPr rot="0" spcFirstLastPara="1" vertOverflow="overflow" horzOverflow="overflow" vert="horz" wrap="square" lIns="91439" tIns="45719" rIns="91439" bIns="45719" numCol="1" spcCol="38100" rtlCol="0" anchor="t" upright="0">
+      <a:bodyPr rot="0" spcFirstLastPara="1" vertOverflow="overflow" horzOverflow="overflow" vert="horz" wrap="square" lIns="91439" tIns="45719" rIns="91439" bIns="45719" numCol="1" spcCol="38100" rtlCol="0" anchor="t">
         <a:noAutofit/>
       </a:bodyPr>
       <a:lstStyle>
@@ -10662,7 +15355,7 @@
           <a:buFontTx/>
           <a:buNone/>
           <a:tabLst/>
-          <a:defRPr b="0" baseline="0" cap="none" i="0" spc="0" strike="noStrike" sz="1800" u="none" kumimoji="0" normalizeH="0">
+          <a:defRPr kumimoji="0" sz="1800" b="0" i="0" u="none" strike="noStrike" cap="none" spc="0" normalizeH="0" baseline="0">
             <a:ln>
               <a:noFill/>
             </a:ln>
@@ -10688,7 +15381,7 @@
           <a:buFontTx/>
           <a:buNone/>
           <a:tabLst/>
-          <a:defRPr b="0" baseline="0" cap="none" i="0" spc="0" strike="noStrike" sz="1800" u="none" kumimoji="0" normalizeH="0">
+          <a:defRPr kumimoji="0" sz="1800" b="0" i="0" u="none" strike="noStrike" cap="none" spc="0" normalizeH="0" baseline="0">
             <a:ln>
               <a:noFill/>
             </a:ln>
@@ -10714,7 +15407,7 @@
           <a:buFontTx/>
           <a:buNone/>
           <a:tabLst/>
-          <a:defRPr b="0" baseline="0" cap="none" i="0" spc="0" strike="noStrike" sz="1800" u="none" kumimoji="0" normalizeH="0">
+          <a:defRPr kumimoji="0" sz="1800" b="0" i="0" u="none" strike="noStrike" cap="none" spc="0" normalizeH="0" baseline="0">
             <a:ln>
               <a:noFill/>
             </a:ln>
@@ -10740,7 +15433,7 @@
           <a:buFontTx/>
           <a:buNone/>
           <a:tabLst/>
-          <a:defRPr b="0" baseline="0" cap="none" i="0" spc="0" strike="noStrike" sz="1800" u="none" kumimoji="0" normalizeH="0">
+          <a:defRPr kumimoji="0" sz="1800" b="0" i="0" u="none" strike="noStrike" cap="none" spc="0" normalizeH="0" baseline="0">
             <a:ln>
               <a:noFill/>
             </a:ln>
@@ -10766,7 +15459,7 @@
           <a:buFontTx/>
           <a:buNone/>
           <a:tabLst/>
-          <a:defRPr b="0" baseline="0" cap="none" i="0" spc="0" strike="noStrike" sz="1800" u="none" kumimoji="0" normalizeH="0">
+          <a:defRPr kumimoji="0" sz="1800" b="0" i="0" u="none" strike="noStrike" cap="none" spc="0" normalizeH="0" baseline="0">
             <a:ln>
               <a:noFill/>
             </a:ln>
@@ -10792,7 +15485,7 @@
           <a:buFontTx/>
           <a:buNone/>
           <a:tabLst/>
-          <a:defRPr b="0" baseline="0" cap="none" i="0" spc="0" strike="noStrike" sz="1800" u="none" kumimoji="0" normalizeH="0">
+          <a:defRPr kumimoji="0" sz="1800" b="0" i="0" u="none" strike="noStrike" cap="none" spc="0" normalizeH="0" baseline="0">
             <a:ln>
               <a:noFill/>
             </a:ln>
@@ -10818,7 +15511,7 @@
           <a:buFontTx/>
           <a:buNone/>
           <a:tabLst/>
-          <a:defRPr b="0" baseline="0" cap="none" i="0" spc="0" strike="noStrike" sz="1800" u="none" kumimoji="0" normalizeH="0">
+          <a:defRPr kumimoji="0" sz="1800" b="0" i="0" u="none" strike="noStrike" cap="none" spc="0" normalizeH="0" baseline="0">
             <a:ln>
               <a:noFill/>
             </a:ln>
@@ -10844,7 +15537,7 @@
           <a:buFontTx/>
           <a:buNone/>
           <a:tabLst/>
-          <a:defRPr b="0" baseline="0" cap="none" i="0" spc="0" strike="noStrike" sz="1800" u="none" kumimoji="0" normalizeH="0">
+          <a:defRPr kumimoji="0" sz="1800" b="0" i="0" u="none" strike="noStrike" cap="none" spc="0" normalizeH="0" baseline="0">
             <a:ln>
               <a:noFill/>
             </a:ln>
@@ -10870,7 +15563,7 @@
           <a:buFontTx/>
           <a:buNone/>
           <a:tabLst/>
-          <a:defRPr b="0" baseline="0" cap="none" i="0" spc="0" strike="noStrike" sz="1800" u="none" kumimoji="0" normalizeH="0">
+          <a:defRPr kumimoji="0" sz="1800" b="0" i="0" u="none" strike="noStrike" cap="none" spc="0" normalizeH="0" baseline="0">
             <a:ln>
               <a:noFill/>
             </a:ln>
@@ -10896,7 +15589,7 @@
           <a:buFontTx/>
           <a:buNone/>
           <a:tabLst/>
-          <a:defRPr b="0" baseline="0" cap="none" i="0" spc="0" strike="noStrike" sz="1800" u="none" kumimoji="0" normalizeH="0">
+          <a:defRPr kumimoji="0" sz="1800" b="0" i="0" u="none" strike="noStrike" cap="none" spc="0" normalizeH="0" baseline="0">
             <a:ln>
               <a:noFill/>
             </a:ln>
@@ -10909,9 +15602,15 @@
         </a:lvl9pPr>
       </a:lstStyle>
       <a:style>
-        <a:lnRef idx="0"/>
-        <a:fillRef idx="0"/>
-        <a:effectRef idx="0"/>
+        <a:lnRef idx="0">
+          <a:scrgbClr r="0" g="0" b="0"/>
+        </a:lnRef>
+        <a:fillRef idx="0">
+          <a:scrgbClr r="0" g="0" b="0"/>
+        </a:fillRef>
+        <a:effectRef idx="0">
+          <a:scrgbClr r="0" g="0" b="0"/>
+        </a:effectRef>
         <a:fontRef idx="none"/>
       </a:style>
     </a:lnDef>
@@ -10925,7 +15624,7 @@
         <a:effectLst/>
         <a:sp3d/>
       </a:spPr>
-      <a:bodyPr rot="0" spcFirstLastPara="1" vertOverflow="overflow" horzOverflow="overflow" vert="horz" wrap="square" lIns="45719" tIns="45719" rIns="45719" bIns="45719" numCol="1" spcCol="38100" rtlCol="0" anchor="t" upright="0">
+      <a:bodyPr rot="0" spcFirstLastPara="1" vertOverflow="overflow" horzOverflow="overflow" vert="horz" wrap="square" lIns="45719" tIns="45719" rIns="45719" bIns="45719" numCol="1" spcCol="38100" rtlCol="0" anchor="t">
         <a:spAutoFit/>
       </a:bodyPr>
       <a:lstStyle>
@@ -10944,7 +15643,7 @@
           <a:buFontTx/>
           <a:buNone/>
           <a:tabLst/>
-          <a:defRPr b="0" baseline="0" cap="none" i="0" spc="0" strike="noStrike" sz="1200" u="none" kumimoji="0" normalizeH="0">
+          <a:defRPr kumimoji="0" sz="1200" b="0" i="0" u="none" strike="noStrike" cap="none" spc="0" normalizeH="0" baseline="0">
             <a:ln>
               <a:noFill/>
             </a:ln>
@@ -10974,7 +15673,7 @@
           <a:buFontTx/>
           <a:buNone/>
           <a:tabLst/>
-          <a:defRPr b="0" baseline="0" cap="none" i="0" spc="0" strike="noStrike" sz="1800" u="none" kumimoji="0" normalizeH="0">
+          <a:defRPr kumimoji="0" sz="1800" b="0" i="0" u="none" strike="noStrike" cap="none" spc="0" normalizeH="0" baseline="0">
             <a:ln>
               <a:noFill/>
             </a:ln>
@@ -11000,7 +15699,7 @@
           <a:buFontTx/>
           <a:buNone/>
           <a:tabLst/>
-          <a:defRPr b="0" baseline="0" cap="none" i="0" spc="0" strike="noStrike" sz="1800" u="none" kumimoji="0" normalizeH="0">
+          <a:defRPr kumimoji="0" sz="1800" b="0" i="0" u="none" strike="noStrike" cap="none" spc="0" normalizeH="0" baseline="0">
             <a:ln>
               <a:noFill/>
             </a:ln>
@@ -11026,7 +15725,7 @@
           <a:buFontTx/>
           <a:buNone/>
           <a:tabLst/>
-          <a:defRPr b="0" baseline="0" cap="none" i="0" spc="0" strike="noStrike" sz="1800" u="none" kumimoji="0" normalizeH="0">
+          <a:defRPr kumimoji="0" sz="1800" b="0" i="0" u="none" strike="noStrike" cap="none" spc="0" normalizeH="0" baseline="0">
             <a:ln>
               <a:noFill/>
             </a:ln>
@@ -11052,7 +15751,7 @@
           <a:buFontTx/>
           <a:buNone/>
           <a:tabLst/>
-          <a:defRPr b="0" baseline="0" cap="none" i="0" spc="0" strike="noStrike" sz="1800" u="none" kumimoji="0" normalizeH="0">
+          <a:defRPr kumimoji="0" sz="1800" b="0" i="0" u="none" strike="noStrike" cap="none" spc="0" normalizeH="0" baseline="0">
             <a:ln>
               <a:noFill/>
             </a:ln>
@@ -11078,7 +15777,7 @@
           <a:buFontTx/>
           <a:buNone/>
           <a:tabLst/>
-          <a:defRPr b="0" baseline="0" cap="none" i="0" spc="0" strike="noStrike" sz="1800" u="none" kumimoji="0" normalizeH="0">
+          <a:defRPr kumimoji="0" sz="1800" b="0" i="0" u="none" strike="noStrike" cap="none" spc="0" normalizeH="0" baseline="0">
             <a:ln>
               <a:noFill/>
             </a:ln>
@@ -11104,7 +15803,7 @@
           <a:buFontTx/>
           <a:buNone/>
           <a:tabLst/>
-          <a:defRPr b="0" baseline="0" cap="none" i="0" spc="0" strike="noStrike" sz="1800" u="none" kumimoji="0" normalizeH="0">
+          <a:defRPr kumimoji="0" sz="1800" b="0" i="0" u="none" strike="noStrike" cap="none" spc="0" normalizeH="0" baseline="0">
             <a:ln>
               <a:noFill/>
             </a:ln>
@@ -11130,7 +15829,7 @@
           <a:buFontTx/>
           <a:buNone/>
           <a:tabLst/>
-          <a:defRPr b="0" baseline="0" cap="none" i="0" spc="0" strike="noStrike" sz="1800" u="none" kumimoji="0" normalizeH="0">
+          <a:defRPr kumimoji="0" sz="1800" b="0" i="0" u="none" strike="noStrike" cap="none" spc="0" normalizeH="0" baseline="0">
             <a:ln>
               <a:noFill/>
             </a:ln>
@@ -11156,7 +15855,7 @@
           <a:buFontTx/>
           <a:buNone/>
           <a:tabLst/>
-          <a:defRPr b="0" baseline="0" cap="none" i="0" spc="0" strike="noStrike" sz="1800" u="none" kumimoji="0" normalizeH="0">
+          <a:defRPr kumimoji="0" sz="1800" b="0" i="0" u="none" strike="noStrike" cap="none" spc="0" normalizeH="0" baseline="0">
             <a:ln>
               <a:noFill/>
             </a:ln>
@@ -11182,7 +15881,7 @@
           <a:buFontTx/>
           <a:buNone/>
           <a:tabLst/>
-          <a:defRPr b="0" baseline="0" cap="none" i="0" spc="0" strike="noStrike" sz="1800" u="none" kumimoji="0" normalizeH="0">
+          <a:defRPr kumimoji="0" sz="1800" b="0" i="0" u="none" strike="noStrike" cap="none" spc="0" normalizeH="0" baseline="0">
             <a:ln>
               <a:noFill/>
             </a:ln>
@@ -11195,12 +15894,19 @@
         </a:lvl9pPr>
       </a:lstStyle>
       <a:style>
-        <a:lnRef idx="0"/>
-        <a:fillRef idx="0"/>
-        <a:effectRef idx="0"/>
+        <a:lnRef idx="0">
+          <a:scrgbClr r="0" g="0" b="0"/>
+        </a:lnRef>
+        <a:fillRef idx="0">
+          <a:scrgbClr r="0" g="0" b="0"/>
+        </a:fillRef>
+        <a:effectRef idx="0">
+          <a:scrgbClr r="0" g="0" b="0"/>
+        </a:effectRef>
         <a:fontRef idx="none"/>
       </a:style>
     </a:txDef>
   </a:objectDefaults>
+  <a:extraClrSchemeLst/>
 </a:theme>
 </file>
--- a/figures/Figures.pptx
+++ b/figures/Figures.pptx
@@ -5612,7 +5612,7 @@
         <p:dissolve/>
       </p:transition>
     </mc:Choice>
-    <mc:Fallback xmlns:a14="http://schemas.microsoft.com/office/drawing/2010/main" xmlns:m="http://schemas.openxmlformats.org/officeDocument/2006/math" xmlns="">
+    <mc:Fallback xmlns="" xmlns:m="http://schemas.openxmlformats.org/officeDocument/2006/math" xmlns:a14="http://schemas.microsoft.com/office/drawing/2010/main">
       <p:transition spd="med">
         <p:fade/>
       </p:transition>
@@ -5869,7 +5869,7 @@
         <p:dissolve/>
       </p:transition>
     </mc:Choice>
-    <mc:Fallback xmlns:a14="http://schemas.microsoft.com/office/drawing/2010/main" xmlns:m="http://schemas.openxmlformats.org/officeDocument/2006/math" xmlns="">
+    <mc:Fallback xmlns="" xmlns:m="http://schemas.openxmlformats.org/officeDocument/2006/math" xmlns:a14="http://schemas.microsoft.com/office/drawing/2010/main">
       <p:transition spd="med">
         <p:fade/>
       </p:transition>
@@ -5941,21 +5941,21 @@
               <a:buAutoNum type="arabicPlain"/>
             </a:pPr>
             <a:r>
-              <a:rPr lang="en-US" sz="2000" dirty="0">
+              <a:rPr lang="en-US" sz="2000">
                 <a:latin typeface="Courier"/>
                 <a:cs typeface="Courier"/>
               </a:rPr>
               <a:t> </a:t>
             </a:r>
             <a:r>
-              <a:rPr lang="en-US" sz="2000" b="1" dirty="0" err="1" smtClean="0">
+              <a:rPr lang="en-US" sz="2000" b="1" smtClean="0">
                 <a:solidFill>
                   <a:srgbClr val="BB7977"/>
                 </a:solidFill>
                 <a:latin typeface="Courier"/>
                 <a:cs typeface="Courier"/>
               </a:rPr>
-              <a:t>ArrayList</a:t>
+              <a:t>List</a:t>
             </a:r>
             <a:r>
               <a:rPr lang="en-US" sz="2000" dirty="0">
@@ -13732,7 +13732,7 @@
         <p:dissolve/>
       </p:transition>
     </mc:Choice>
-    <mc:Fallback xmlns:a14="http://schemas.microsoft.com/office/drawing/2010/main" xmlns:m="http://schemas.openxmlformats.org/officeDocument/2006/math" xmlns="">
+    <mc:Fallback xmlns="" xmlns:m="http://schemas.openxmlformats.org/officeDocument/2006/math" xmlns:a14="http://schemas.microsoft.com/office/drawing/2010/main">
       <p:transition spd="med">
         <p:fade/>
       </p:transition>

--- a/figures/Figures.pptx
+++ b/figures/Figures.pptx
@@ -5612,7 +5612,7 @@
         <p:dissolve/>
       </p:transition>
     </mc:Choice>
-    <mc:Fallback xmlns="" xmlns:m="http://schemas.openxmlformats.org/officeDocument/2006/math" xmlns:a14="http://schemas.microsoft.com/office/drawing/2010/main">
+    <mc:Fallback xmlns:a14="http://schemas.microsoft.com/office/drawing/2010/main" xmlns:m="http://schemas.openxmlformats.org/officeDocument/2006/math" xmlns="">
       <p:transition spd="med">
         <p:fade/>
       </p:transition>
@@ -5869,7 +5869,7 @@
         <p:dissolve/>
       </p:transition>
     </mc:Choice>
-    <mc:Fallback xmlns="" xmlns:m="http://schemas.openxmlformats.org/officeDocument/2006/math" xmlns:a14="http://schemas.microsoft.com/office/drawing/2010/main">
+    <mc:Fallback xmlns:a14="http://schemas.microsoft.com/office/drawing/2010/main" xmlns:m="http://schemas.openxmlformats.org/officeDocument/2006/math" xmlns="">
       <p:transition spd="med">
         <p:fade/>
       </p:transition>
@@ -5941,14 +5941,14 @@
               <a:buAutoNum type="arabicPlain"/>
             </a:pPr>
             <a:r>
-              <a:rPr lang="en-US" sz="2000">
+              <a:rPr lang="en-US" sz="2000" dirty="0">
                 <a:latin typeface="Courier"/>
                 <a:cs typeface="Courier"/>
               </a:rPr>
               <a:t> </a:t>
             </a:r>
             <a:r>
-              <a:rPr lang="en-US" sz="2000" b="1" smtClean="0">
+              <a:rPr lang="en-US" sz="2000" b="1" dirty="0" smtClean="0">
                 <a:solidFill>
                   <a:srgbClr val="BB7977"/>
                 </a:solidFill>
@@ -9356,6 +9356,370 @@
           <a:fontRef idx="none"/>
         </p:style>
       </p:cxnSp>
+      <p:sp>
+        <p:nvSpPr>
+          <p:cNvPr id="4" name="Rectangle 3"/>
+          <p:cNvSpPr/>
+          <p:nvPr/>
+        </p:nvSpPr>
+        <p:spPr>
+          <a:xfrm>
+            <a:off x="606777" y="2288036"/>
+            <a:ext cx="3598334" cy="943956"/>
+          </a:xfrm>
+          <a:prstGeom prst="rect">
+            <a:avLst/>
+          </a:prstGeom>
+          <a:noFill/>
+          <a:ln w="25400" cap="flat">
+            <a:solidFill>
+              <a:srgbClr val="008000"/>
+            </a:solidFill>
+            <a:prstDash val="sysDash"/>
+            <a:round/>
+          </a:ln>
+          <a:effectLst/>
+          <a:sp3d/>
+        </p:spPr>
+        <p:style>
+          <a:lnRef idx="0">
+            <a:scrgbClr r="0" g="0" b="0"/>
+          </a:lnRef>
+          <a:fillRef idx="0">
+            <a:scrgbClr r="0" g="0" b="0"/>
+          </a:fillRef>
+          <a:effectRef idx="0">
+            <a:scrgbClr r="0" g="0" b="0"/>
+          </a:effectRef>
+          <a:fontRef idx="none"/>
+        </p:style>
+        <p:txBody>
+          <a:bodyPr rot="0" spcFirstLastPara="1" vertOverflow="overflow" horzOverflow="overflow" vert="horz" wrap="square" lIns="45719" tIns="45719" rIns="45719" bIns="45719" numCol="1" spcCol="38100" rtlCol="0" anchor="t">
+            <a:spAutoFit/>
+          </a:bodyPr>
+          <a:lstStyle/>
+          <a:p>
+            <a:pPr marL="0" marR="0" indent="0" algn="l" defTabSz="914400" rtl="0" fontAlgn="auto" latinLnBrk="0" hangingPunct="0">
+              <a:lnSpc>
+                <a:spcPct val="100000"/>
+              </a:lnSpc>
+              <a:spcBef>
+                <a:spcPts val="0"/>
+              </a:spcBef>
+              <a:spcAft>
+                <a:spcPts val="0"/>
+              </a:spcAft>
+              <a:buClrTx/>
+              <a:buSzTx/>
+              <a:buFontTx/>
+              <a:buNone/>
+              <a:tabLst/>
+            </a:pPr>
+            <a:endParaRPr kumimoji="0" lang="en-US" sz="1200" b="0" i="0" u="none" strike="noStrike" cap="none" spc="0" normalizeH="0" baseline="0">
+              <a:ln>
+                <a:noFill/>
+              </a:ln>
+              <a:solidFill>
+                <a:srgbClr val="000000"/>
+              </a:solidFill>
+              <a:effectLst/>
+              <a:uFillTx/>
+              <a:latin typeface="Arial"/>
+              <a:ea typeface="Arial"/>
+              <a:cs typeface="Arial"/>
+              <a:sym typeface="Arial"/>
+            </a:endParaRPr>
+          </a:p>
+        </p:txBody>
+      </p:sp>
+      <p:sp>
+        <p:nvSpPr>
+          <p:cNvPr id="42" name="Rectangle 41"/>
+          <p:cNvSpPr/>
+          <p:nvPr/>
+        </p:nvSpPr>
+        <p:spPr>
+          <a:xfrm>
+            <a:off x="909872" y="4134827"/>
+            <a:ext cx="4680779" cy="3075624"/>
+          </a:xfrm>
+          <a:prstGeom prst="rect">
+            <a:avLst/>
+          </a:prstGeom>
+          <a:noFill/>
+          <a:ln w="25400" cap="flat">
+            <a:solidFill>
+              <a:srgbClr val="008000"/>
+            </a:solidFill>
+            <a:prstDash val="dashDot"/>
+            <a:round/>
+          </a:ln>
+          <a:effectLst/>
+          <a:sp3d/>
+        </p:spPr>
+        <p:style>
+          <a:lnRef idx="0">
+            <a:scrgbClr r="0" g="0" b="0"/>
+          </a:lnRef>
+          <a:fillRef idx="0">
+            <a:scrgbClr r="0" g="0" b="0"/>
+          </a:fillRef>
+          <a:effectRef idx="0">
+            <a:scrgbClr r="0" g="0" b="0"/>
+          </a:effectRef>
+          <a:fontRef idx="none"/>
+        </p:style>
+        <p:txBody>
+          <a:bodyPr rot="0" spcFirstLastPara="1" vertOverflow="overflow" horzOverflow="overflow" vert="horz" wrap="square" lIns="45719" tIns="45719" rIns="45719" bIns="45719" numCol="1" spcCol="38100" rtlCol="0" anchor="t">
+            <a:spAutoFit/>
+          </a:bodyPr>
+          <a:lstStyle/>
+          <a:p>
+            <a:pPr marL="0" marR="0" indent="0" algn="l" defTabSz="914400" rtl="0" fontAlgn="auto" latinLnBrk="0" hangingPunct="0">
+              <a:lnSpc>
+                <a:spcPct val="100000"/>
+              </a:lnSpc>
+              <a:spcBef>
+                <a:spcPts val="0"/>
+              </a:spcBef>
+              <a:spcAft>
+                <a:spcPts val="0"/>
+              </a:spcAft>
+              <a:buClrTx/>
+              <a:buSzTx/>
+              <a:buFontTx/>
+              <a:buNone/>
+              <a:tabLst/>
+            </a:pPr>
+            <a:endParaRPr kumimoji="0" lang="en-US" sz="1200" b="0" i="0" u="none" strike="noStrike" cap="none" spc="0" normalizeH="0" baseline="0">
+              <a:ln>
+                <a:noFill/>
+              </a:ln>
+              <a:solidFill>
+                <a:srgbClr val="000000"/>
+              </a:solidFill>
+              <a:effectLst/>
+              <a:uFillTx/>
+              <a:latin typeface="Arial"/>
+              <a:ea typeface="Arial"/>
+              <a:cs typeface="Arial"/>
+              <a:sym typeface="Arial"/>
+            </a:endParaRPr>
+          </a:p>
+        </p:txBody>
+      </p:sp>
+      <p:sp>
+        <p:nvSpPr>
+          <p:cNvPr id="5" name="TextBox 4"/>
+          <p:cNvSpPr txBox="1"/>
+          <p:nvPr/>
+        </p:nvSpPr>
+        <p:spPr>
+          <a:xfrm>
+            <a:off x="6968330" y="6371026"/>
+            <a:ext cx="1325252" cy="707884"/>
+          </a:xfrm>
+          <a:prstGeom prst="rect">
+            <a:avLst/>
+          </a:prstGeom>
+          <a:noFill/>
+          <a:ln w="12700" cap="flat">
+            <a:noFill/>
+            <a:miter lim="400000"/>
+          </a:ln>
+          <a:effectLst/>
+          <a:sp3d/>
+        </p:spPr>
+        <p:style>
+          <a:lnRef idx="0">
+            <a:scrgbClr r="0" g="0" b="0"/>
+          </a:lnRef>
+          <a:fillRef idx="0">
+            <a:scrgbClr r="0" g="0" b="0"/>
+          </a:fillRef>
+          <a:effectRef idx="0">
+            <a:scrgbClr r="0" g="0" b="0"/>
+          </a:effectRef>
+          <a:fontRef idx="none"/>
+        </p:style>
+        <p:txBody>
+          <a:bodyPr rot="0" spcFirstLastPara="1" vertOverflow="overflow" horzOverflow="overflow" vert="horz" wrap="square" lIns="45719" tIns="45719" rIns="45719" bIns="45719" numCol="1" spcCol="38100" rtlCol="0" anchor="t">
+            <a:spAutoFit/>
+          </a:bodyPr>
+          <a:lstStyle/>
+          <a:p>
+            <a:pPr marL="0" marR="0" indent="0" algn="l" defTabSz="914400" rtl="0" fontAlgn="auto" latinLnBrk="0" hangingPunct="0">
+              <a:lnSpc>
+                <a:spcPct val="100000"/>
+              </a:lnSpc>
+              <a:spcBef>
+                <a:spcPts val="0"/>
+              </a:spcBef>
+              <a:spcAft>
+                <a:spcPts val="0"/>
+              </a:spcAft>
+              <a:buClrTx/>
+              <a:buSzTx/>
+              <a:buFontTx/>
+              <a:buNone/>
+              <a:tabLst/>
+            </a:pPr>
+            <a:r>
+              <a:rPr kumimoji="0" lang="en-US" sz="2000" b="0" i="0" u="none" strike="noStrike" cap="none" spc="0" normalizeH="0" baseline="0" dirty="0" smtClean="0">
+                <a:ln>
+                  <a:noFill/>
+                </a:ln>
+                <a:solidFill>
+                  <a:srgbClr val="000000"/>
+                </a:solidFill>
+                <a:effectLst/>
+                <a:uFillTx/>
+                <a:sym typeface="Arial"/>
+              </a:rPr>
+              <a:t>region</a:t>
+            </a:r>
+            <a:r>
+              <a:rPr kumimoji="0" lang="en-US" sz="2000" b="0" i="0" u="none" strike="noStrike" cap="none" spc="0" normalizeH="0" dirty="0" smtClean="0">
+                <a:ln>
+                  <a:noFill/>
+                </a:ln>
+                <a:solidFill>
+                  <a:srgbClr val="000000"/>
+                </a:solidFill>
+                <a:effectLst/>
+                <a:uFillTx/>
+                <a:sym typeface="Arial"/>
+              </a:rPr>
+              <a:t> 1</a:t>
+            </a:r>
+          </a:p>
+          <a:p>
+            <a:pPr marL="0" marR="0" indent="0" algn="l" defTabSz="914400" rtl="0" fontAlgn="auto" latinLnBrk="0" hangingPunct="0">
+              <a:lnSpc>
+                <a:spcPct val="100000"/>
+              </a:lnSpc>
+              <a:spcBef>
+                <a:spcPts val="0"/>
+              </a:spcBef>
+              <a:spcAft>
+                <a:spcPts val="0"/>
+              </a:spcAft>
+              <a:buClrTx/>
+              <a:buSzTx/>
+              <a:buFontTx/>
+              <a:buNone/>
+              <a:tabLst/>
+            </a:pPr>
+            <a:r>
+              <a:rPr lang="en-US" sz="2000" baseline="0" dirty="0" smtClean="0"/>
+              <a:t>region</a:t>
+            </a:r>
+            <a:r>
+              <a:rPr lang="en-US" sz="2000" dirty="0" smtClean="0"/>
+              <a:t> 2</a:t>
+            </a:r>
+            <a:endParaRPr kumimoji="0" lang="en-US" sz="2000" b="0" i="0" u="none" strike="noStrike" cap="none" spc="0" normalizeH="0" baseline="0" dirty="0">
+              <a:ln>
+                <a:noFill/>
+              </a:ln>
+              <a:solidFill>
+                <a:srgbClr val="000000"/>
+              </a:solidFill>
+              <a:effectLst/>
+              <a:uFillTx/>
+              <a:sym typeface="Arial"/>
+            </a:endParaRPr>
+          </a:p>
+        </p:txBody>
+      </p:sp>
+      <p:cxnSp>
+        <p:nvCxnSpPr>
+          <p:cNvPr id="7" name="Straight Connector 6"/>
+          <p:cNvCxnSpPr/>
+          <p:nvPr/>
+        </p:nvCxnSpPr>
+        <p:spPr>
+          <a:xfrm>
+            <a:off x="6200378" y="6564739"/>
+            <a:ext cx="624701" cy="0"/>
+          </a:xfrm>
+          <a:prstGeom prst="line">
+            <a:avLst/>
+          </a:prstGeom>
+          <a:noFill/>
+          <a:ln w="25400" cap="flat">
+            <a:solidFill>
+              <a:srgbClr val="008000"/>
+            </a:solidFill>
+            <a:prstDash val="sysDash"/>
+            <a:round/>
+          </a:ln>
+          <a:effectLst>
+            <a:outerShdw blurRad="38100" dist="20000" dir="5400000" rotWithShape="0">
+              <a:srgbClr val="000000">
+                <a:alpha val="38000"/>
+              </a:srgbClr>
+            </a:outerShdw>
+          </a:effectLst>
+          <a:sp3d/>
+        </p:spPr>
+        <p:style>
+          <a:lnRef idx="0">
+            <a:scrgbClr r="0" g="0" b="0"/>
+          </a:lnRef>
+          <a:fillRef idx="0">
+            <a:scrgbClr r="0" g="0" b="0"/>
+          </a:fillRef>
+          <a:effectRef idx="0">
+            <a:scrgbClr r="0" g="0" b="0"/>
+          </a:effectRef>
+          <a:fontRef idx="none"/>
+        </p:style>
+      </p:cxnSp>
+      <p:cxnSp>
+        <p:nvCxnSpPr>
+          <p:cNvPr id="45" name="Straight Connector 44"/>
+          <p:cNvCxnSpPr/>
+          <p:nvPr/>
+        </p:nvCxnSpPr>
+        <p:spPr>
+          <a:xfrm>
+            <a:off x="6200378" y="6858000"/>
+            <a:ext cx="624701" cy="0"/>
+          </a:xfrm>
+          <a:prstGeom prst="line">
+            <a:avLst/>
+          </a:prstGeom>
+          <a:noFill/>
+          <a:ln w="25400" cap="flat">
+            <a:solidFill>
+              <a:srgbClr val="008000"/>
+            </a:solidFill>
+            <a:prstDash val="dashDot"/>
+            <a:round/>
+          </a:ln>
+          <a:effectLst>
+            <a:outerShdw blurRad="38100" dist="20000" dir="5400000" rotWithShape="0">
+              <a:srgbClr val="000000">
+                <a:alpha val="38000"/>
+              </a:srgbClr>
+            </a:outerShdw>
+          </a:effectLst>
+          <a:sp3d/>
+        </p:spPr>
+        <p:style>
+          <a:lnRef idx="0">
+            <a:scrgbClr r="0" g="0" b="0"/>
+          </a:lnRef>
+          <a:fillRef idx="0">
+            <a:scrgbClr r="0" g="0" b="0"/>
+          </a:fillRef>
+          <a:effectRef idx="0">
+            <a:scrgbClr r="0" g="0" b="0"/>
+          </a:effectRef>
+          <a:fontRef idx="none"/>
+        </p:style>
+      </p:cxnSp>
     </p:spTree>
     <p:extLst>
       <p:ext uri="{BB962C8B-B14F-4D97-AF65-F5344CB8AC3E}">
@@ -13732,7 +14096,7 @@
         <p:dissolve/>
       </p:transition>
     </mc:Choice>
-    <mc:Fallback xmlns="" xmlns:m="http://schemas.openxmlformats.org/officeDocument/2006/math" xmlns:a14="http://schemas.microsoft.com/office/drawing/2010/main">
+    <mc:Fallback xmlns:a14="http://schemas.microsoft.com/office/drawing/2010/main" xmlns:m="http://schemas.openxmlformats.org/officeDocument/2006/math" xmlns="">
       <p:transition spd="med">
         <p:fade/>
       </p:transition>

--- a/figures/Figures.pptx
+++ b/figures/Figures.pptx
@@ -5,7 +5,7 @@
     <p:sldMasterId id="2147483648" r:id="rId1"/>
   </p:sldMasterIdLst>
   <p:notesMasterIdLst>
-    <p:notesMasterId r:id="rId9"/>
+    <p:notesMasterId r:id="rId10"/>
   </p:notesMasterIdLst>
   <p:sldIdLst>
     <p:sldId id="256" r:id="rId2"/>
@@ -15,6 +15,7 @@
     <p:sldId id="262" r:id="rId6"/>
     <p:sldId id="259" r:id="rId7"/>
     <p:sldId id="260" r:id="rId8"/>
+    <p:sldId id="263" r:id="rId9"/>
   </p:sldIdLst>
   <p:sldSz cx="9144000" cy="6858000" type="screen4x3"/>
   <p:notesSz cx="6858000" cy="9144000"/>
@@ -5612,7 +5613,7 @@
         <p:dissolve/>
       </p:transition>
     </mc:Choice>
-    <mc:Fallback xmlns:a14="http://schemas.microsoft.com/office/drawing/2010/main" xmlns:m="http://schemas.openxmlformats.org/officeDocument/2006/math" xmlns="">
+    <mc:Fallback xmlns="" xmlns:m="http://schemas.openxmlformats.org/officeDocument/2006/math" xmlns:a14="http://schemas.microsoft.com/office/drawing/2010/main">
       <p:transition spd="med">
         <p:fade/>
       </p:transition>
@@ -5869,7 +5870,7 @@
         <p:dissolve/>
       </p:transition>
     </mc:Choice>
-    <mc:Fallback xmlns:a14="http://schemas.microsoft.com/office/drawing/2010/main" xmlns:m="http://schemas.openxmlformats.org/officeDocument/2006/math" xmlns="">
+    <mc:Fallback xmlns="" xmlns:m="http://schemas.openxmlformats.org/officeDocument/2006/math" xmlns:a14="http://schemas.microsoft.com/office/drawing/2010/main">
       <p:transition spd="med">
         <p:fade/>
       </p:transition>
@@ -14096,12 +14097,918 @@
         <p:dissolve/>
       </p:transition>
     </mc:Choice>
-    <mc:Fallback xmlns:a14="http://schemas.microsoft.com/office/drawing/2010/main" xmlns:m="http://schemas.openxmlformats.org/officeDocument/2006/math" xmlns="">
+    <mc:Fallback xmlns="" xmlns:m="http://schemas.openxmlformats.org/officeDocument/2006/math" xmlns:a14="http://schemas.microsoft.com/office/drawing/2010/main">
       <p:transition spd="med">
         <p:fade/>
       </p:transition>
     </mc:Fallback>
   </mc:AlternateContent>
+</p:sld>
+</file>
+
+<file path=ppt/slides/slide8.xml><?xml version="1.0" encoding="utf-8"?>
+<p:sld xmlns:a="http://schemas.openxmlformats.org/drawingml/2006/main" xmlns:r="http://schemas.openxmlformats.org/officeDocument/2006/relationships" xmlns:p="http://schemas.openxmlformats.org/presentationml/2006/main">
+  <p:cSld>
+    <p:spTree>
+      <p:nvGrpSpPr>
+        <p:cNvPr id="1" name=""/>
+        <p:cNvGrpSpPr/>
+        <p:nvPr/>
+      </p:nvGrpSpPr>
+      <p:grpSpPr>
+        <a:xfrm>
+          <a:off x="0" y="0"/>
+          <a:ext cx="0" cy="0"/>
+          <a:chOff x="0" y="0"/>
+          <a:chExt cx="0" cy="0"/>
+        </a:xfrm>
+      </p:grpSpPr>
+      <p:sp>
+        <p:nvSpPr>
+          <p:cNvPr id="4" name="Rectangle 3"/>
+          <p:cNvSpPr/>
+          <p:nvPr/>
+        </p:nvSpPr>
+        <p:spPr>
+          <a:xfrm>
+            <a:off x="1249521" y="2088773"/>
+            <a:ext cx="4572000" cy="646331"/>
+          </a:xfrm>
+          <a:prstGeom prst="rect">
+            <a:avLst/>
+          </a:prstGeom>
+        </p:spPr>
+        <p:txBody>
+          <a:bodyPr>
+            <a:spAutoFit/>
+          </a:bodyPr>
+          <a:lstStyle/>
+          <a:p>
+            <a:pPr>
+              <a:tabLst>
+                <a:tab pos="581660" algn="l"/>
+                <a:tab pos="1163320" algn="l"/>
+                <a:tab pos="1744980" algn="l"/>
+                <a:tab pos="2326640" algn="l"/>
+                <a:tab pos="2908300" algn="l"/>
+                <a:tab pos="3489960" algn="l"/>
+                <a:tab pos="4071620" algn="l"/>
+                <a:tab pos="4653280" algn="l"/>
+                <a:tab pos="5234940" algn="l"/>
+                <a:tab pos="5816600" algn="l"/>
+                <a:tab pos="6398260" algn="l"/>
+                <a:tab pos="6979920" algn="l"/>
+                <a:tab pos="7561580" algn="l"/>
+                <a:tab pos="8143240" algn="l"/>
+                <a:tab pos="8724900" algn="l"/>
+                <a:tab pos="9306560" algn="l"/>
+              </a:tabLst>
+            </a:pPr>
+            <a:r>
+              <a:rPr lang="en-US" dirty="0" err="1">
+                <a:solidFill>
+                  <a:srgbClr val="BB7977"/>
+                </a:solidFill>
+                <a:latin typeface="Courier"/>
+                <a:ea typeface="ＭＳ 明朝"/>
+                <a:cs typeface="Courier"/>
+              </a:rPr>
+              <a:t>boolean</a:t>
+            </a:r>
+            <a:r>
+              <a:rPr lang="en-US" dirty="0">
+                <a:latin typeface="Courier"/>
+                <a:ea typeface="ＭＳ 明朝"/>
+                <a:cs typeface="Courier"/>
+              </a:rPr>
+              <a:t> </a:t>
+            </a:r>
+            <a:r>
+              <a:rPr lang="en-US" dirty="0" err="1">
+                <a:latin typeface="Courier"/>
+                <a:ea typeface="ＭＳ 明朝"/>
+                <a:cs typeface="Courier"/>
+              </a:rPr>
+              <a:t>inWord</a:t>
+            </a:r>
+            <a:r>
+              <a:rPr lang="en-US" dirty="0">
+                <a:solidFill>
+                  <a:srgbClr val="800080"/>
+                </a:solidFill>
+                <a:latin typeface="Courier"/>
+                <a:ea typeface="ＭＳ 明朝"/>
+                <a:cs typeface="Courier"/>
+              </a:rPr>
+              <a:t>;</a:t>
+            </a:r>
+            <a:r>
+              <a:rPr lang="en-US" dirty="0">
+                <a:latin typeface="Courier"/>
+                <a:ea typeface="ＭＳ 明朝"/>
+                <a:cs typeface="Courier"/>
+              </a:rPr>
+              <a:t> </a:t>
+            </a:r>
+            <a:endParaRPr lang="en-US" dirty="0" smtClean="0">
+              <a:latin typeface="Courier"/>
+              <a:ea typeface="ＭＳ 明朝"/>
+              <a:cs typeface="Courier"/>
+            </a:endParaRPr>
+          </a:p>
+          <a:p>
+            <a:pPr>
+              <a:tabLst>
+                <a:tab pos="581660" algn="l"/>
+                <a:tab pos="1163320" algn="l"/>
+                <a:tab pos="1744980" algn="l"/>
+                <a:tab pos="2326640" algn="l"/>
+                <a:tab pos="2908300" algn="l"/>
+                <a:tab pos="3489960" algn="l"/>
+                <a:tab pos="4071620" algn="l"/>
+                <a:tab pos="4653280" algn="l"/>
+                <a:tab pos="5234940" algn="l"/>
+                <a:tab pos="5816600" algn="l"/>
+                <a:tab pos="6398260" algn="l"/>
+                <a:tab pos="6979920" algn="l"/>
+                <a:tab pos="7561580" algn="l"/>
+                <a:tab pos="8143240" algn="l"/>
+                <a:tab pos="8724900" algn="l"/>
+                <a:tab pos="9306560" algn="l"/>
+              </a:tabLst>
+            </a:pPr>
+            <a:r>
+              <a:rPr lang="en-US" b="1" dirty="0" smtClean="0">
+                <a:solidFill>
+                  <a:srgbClr val="800000"/>
+                </a:solidFill>
+                <a:latin typeface="Courier"/>
+                <a:ea typeface="ＭＳ 明朝"/>
+                <a:cs typeface="Courier"/>
+              </a:rPr>
+              <a:t>if</a:t>
+            </a:r>
+            <a:r>
+              <a:rPr lang="en-US" dirty="0" smtClean="0">
+                <a:latin typeface="Courier"/>
+                <a:ea typeface="ＭＳ 明朝"/>
+                <a:cs typeface="Courier"/>
+              </a:rPr>
+              <a:t> </a:t>
+            </a:r>
+            <a:r>
+              <a:rPr lang="en-US" dirty="0">
+                <a:solidFill>
+                  <a:srgbClr val="808030"/>
+                </a:solidFill>
+                <a:latin typeface="Courier"/>
+                <a:ea typeface="ＭＳ 明朝"/>
+                <a:cs typeface="Courier"/>
+              </a:rPr>
+              <a:t>(</a:t>
+            </a:r>
+            <a:r>
+              <a:rPr lang="en-US" dirty="0" err="1">
+                <a:latin typeface="Courier"/>
+                <a:ea typeface="ＭＳ 明朝"/>
+                <a:cs typeface="Courier"/>
+              </a:rPr>
+              <a:t>firstElement</a:t>
+            </a:r>
+            <a:r>
+              <a:rPr lang="en-US" dirty="0">
+                <a:latin typeface="Courier"/>
+                <a:ea typeface="ＭＳ 明朝"/>
+                <a:cs typeface="Courier"/>
+              </a:rPr>
+              <a:t> </a:t>
+            </a:r>
+            <a:r>
+              <a:rPr lang="en-US" dirty="0">
+                <a:solidFill>
+                  <a:srgbClr val="808030"/>
+                </a:solidFill>
+                <a:latin typeface="Courier"/>
+                <a:ea typeface="ＭＳ 明朝"/>
+                <a:cs typeface="Courier"/>
+              </a:rPr>
+              <a:t>==</a:t>
+            </a:r>
+            <a:r>
+              <a:rPr lang="en-US" dirty="0">
+                <a:latin typeface="Courier"/>
+                <a:ea typeface="ＭＳ 明朝"/>
+                <a:cs typeface="Courier"/>
+              </a:rPr>
+              <a:t> </a:t>
+            </a:r>
+            <a:r>
+              <a:rPr lang="en-US" dirty="0">
+                <a:solidFill>
+                  <a:srgbClr val="008C00"/>
+                </a:solidFill>
+                <a:latin typeface="Courier"/>
+                <a:ea typeface="ＭＳ 明朝"/>
+                <a:cs typeface="Courier"/>
+              </a:rPr>
+              <a:t>0</a:t>
+            </a:r>
+            <a:r>
+              <a:rPr lang="en-US" dirty="0">
+                <a:solidFill>
+                  <a:srgbClr val="808030"/>
+                </a:solidFill>
+                <a:latin typeface="Courier"/>
+                <a:ea typeface="ＭＳ 明朝"/>
+                <a:cs typeface="Courier"/>
+              </a:rPr>
+              <a:t>)</a:t>
+            </a:r>
+            <a:r>
+              <a:rPr lang="en-US" dirty="0">
+                <a:latin typeface="Courier"/>
+                <a:ea typeface="ＭＳ 明朝"/>
+                <a:cs typeface="Courier"/>
+              </a:rPr>
+              <a:t> </a:t>
+            </a:r>
+            <a:r>
+              <a:rPr lang="en-US" dirty="0" err="1">
+                <a:latin typeface="Courier"/>
+                <a:ea typeface="ＭＳ 明朝"/>
+                <a:cs typeface="Courier"/>
+              </a:rPr>
+              <a:t>inWord</a:t>
+            </a:r>
+            <a:r>
+              <a:rPr lang="en-US" dirty="0">
+                <a:latin typeface="Courier"/>
+                <a:ea typeface="ＭＳ 明朝"/>
+                <a:cs typeface="Courier"/>
+              </a:rPr>
+              <a:t> </a:t>
+            </a:r>
+            <a:r>
+              <a:rPr lang="en-US" dirty="0">
+                <a:solidFill>
+                  <a:srgbClr val="808030"/>
+                </a:solidFill>
+                <a:latin typeface="Courier"/>
+                <a:ea typeface="ＭＳ 明朝"/>
+                <a:cs typeface="Courier"/>
+              </a:rPr>
+              <a:t>=</a:t>
+            </a:r>
+            <a:r>
+              <a:rPr lang="en-US" dirty="0">
+                <a:latin typeface="Courier"/>
+                <a:ea typeface="ＭＳ 明朝"/>
+                <a:cs typeface="Courier"/>
+              </a:rPr>
+              <a:t> </a:t>
+            </a:r>
+            <a:r>
+              <a:rPr lang="en-US" b="1" dirty="0">
+                <a:solidFill>
+                  <a:srgbClr val="800000"/>
+                </a:solidFill>
+                <a:latin typeface="Courier"/>
+                <a:ea typeface="ＭＳ 明朝"/>
+                <a:cs typeface="Courier"/>
+              </a:rPr>
+              <a:t>false</a:t>
+            </a:r>
+            <a:r>
+              <a:rPr lang="en-US" dirty="0">
+                <a:solidFill>
+                  <a:srgbClr val="800080"/>
+                </a:solidFill>
+                <a:latin typeface="Courier"/>
+                <a:ea typeface="ＭＳ 明朝"/>
+                <a:cs typeface="Courier"/>
+              </a:rPr>
+              <a:t>;</a:t>
+            </a:r>
+            <a:r>
+              <a:rPr lang="en-US" dirty="0">
+                <a:latin typeface="Courier"/>
+                <a:ea typeface="ＭＳ 明朝"/>
+                <a:cs typeface="Courier"/>
+              </a:rPr>
+              <a:t> </a:t>
+            </a:r>
+            <a:endParaRPr lang="en-US" dirty="0" smtClean="0">
+              <a:latin typeface="Courier"/>
+              <a:ea typeface="ＭＳ 明朝"/>
+              <a:cs typeface="Courier"/>
+            </a:endParaRPr>
+          </a:p>
+          <a:p>
+            <a:pPr>
+              <a:tabLst>
+                <a:tab pos="581660" algn="l"/>
+                <a:tab pos="1163320" algn="l"/>
+                <a:tab pos="1744980" algn="l"/>
+                <a:tab pos="2326640" algn="l"/>
+                <a:tab pos="2908300" algn="l"/>
+                <a:tab pos="3489960" algn="l"/>
+                <a:tab pos="4071620" algn="l"/>
+                <a:tab pos="4653280" algn="l"/>
+                <a:tab pos="5234940" algn="l"/>
+                <a:tab pos="5816600" algn="l"/>
+                <a:tab pos="6398260" algn="l"/>
+                <a:tab pos="6979920" algn="l"/>
+                <a:tab pos="7561580" algn="l"/>
+                <a:tab pos="8143240" algn="l"/>
+                <a:tab pos="8724900" algn="l"/>
+                <a:tab pos="9306560" algn="l"/>
+              </a:tabLst>
+            </a:pPr>
+            <a:r>
+              <a:rPr lang="en-US" b="1" dirty="0" smtClean="0">
+                <a:solidFill>
+                  <a:srgbClr val="800000"/>
+                </a:solidFill>
+                <a:latin typeface="Courier"/>
+                <a:ea typeface="ＭＳ 明朝"/>
+                <a:cs typeface="Courier"/>
+              </a:rPr>
+              <a:t>else</a:t>
+            </a:r>
+            <a:r>
+              <a:rPr lang="en-US" dirty="0" smtClean="0">
+                <a:latin typeface="Courier"/>
+                <a:ea typeface="ＭＳ 明朝"/>
+                <a:cs typeface="Courier"/>
+              </a:rPr>
+              <a:t> </a:t>
+            </a:r>
+            <a:r>
+              <a:rPr lang="en-US" dirty="0" err="1">
+                <a:latin typeface="Courier"/>
+                <a:ea typeface="ＭＳ 明朝"/>
+                <a:cs typeface="Courier"/>
+              </a:rPr>
+              <a:t>inWord</a:t>
+            </a:r>
+            <a:r>
+              <a:rPr lang="en-US" dirty="0">
+                <a:latin typeface="Courier"/>
+                <a:ea typeface="ＭＳ 明朝"/>
+                <a:cs typeface="Courier"/>
+              </a:rPr>
+              <a:t> </a:t>
+            </a:r>
+            <a:r>
+              <a:rPr lang="en-US" dirty="0">
+                <a:solidFill>
+                  <a:srgbClr val="808030"/>
+                </a:solidFill>
+                <a:latin typeface="Courier"/>
+                <a:ea typeface="ＭＳ 明朝"/>
+                <a:cs typeface="Courier"/>
+              </a:rPr>
+              <a:t>=</a:t>
+            </a:r>
+            <a:r>
+              <a:rPr lang="en-US" dirty="0">
+                <a:latin typeface="Courier"/>
+                <a:ea typeface="ＭＳ 明朝"/>
+                <a:cs typeface="Courier"/>
+              </a:rPr>
+              <a:t> </a:t>
+            </a:r>
+            <a:r>
+              <a:rPr lang="en-US" b="1" dirty="0">
+                <a:solidFill>
+                  <a:srgbClr val="800000"/>
+                </a:solidFill>
+                <a:latin typeface="Courier"/>
+                <a:ea typeface="ＭＳ 明朝"/>
+                <a:cs typeface="Courier"/>
+              </a:rPr>
+              <a:t>true</a:t>
+            </a:r>
+            <a:r>
+              <a:rPr lang="en-US" dirty="0">
+                <a:solidFill>
+                  <a:srgbClr val="800080"/>
+                </a:solidFill>
+                <a:latin typeface="Courier"/>
+                <a:ea typeface="ＭＳ 明朝"/>
+                <a:cs typeface="Courier"/>
+              </a:rPr>
+              <a:t>;</a:t>
+            </a:r>
+            <a:endParaRPr lang="en-US" sz="1800" dirty="0">
+              <a:latin typeface="Cambria"/>
+              <a:ea typeface="ＭＳ 明朝"/>
+              <a:cs typeface="Times New Roman"/>
+            </a:endParaRPr>
+          </a:p>
+        </p:txBody>
+      </p:sp>
+      <p:sp>
+        <p:nvSpPr>
+          <p:cNvPr id="5" name="TextBox 4"/>
+          <p:cNvSpPr txBox="1"/>
+          <p:nvPr/>
+        </p:nvSpPr>
+        <p:spPr>
+          <a:xfrm>
+            <a:off x="1703959" y="3226006"/>
+            <a:ext cx="3730647" cy="461663"/>
+          </a:xfrm>
+          <a:prstGeom prst="rect">
+            <a:avLst/>
+          </a:prstGeom>
+          <a:ln w="6350"/>
+        </p:spPr>
+        <p:style>
+          <a:lnRef idx="2">
+            <a:schemeClr val="dk1"/>
+          </a:lnRef>
+          <a:fillRef idx="1">
+            <a:schemeClr val="lt1"/>
+          </a:fillRef>
+          <a:effectRef idx="0">
+            <a:schemeClr val="dk1"/>
+          </a:effectRef>
+          <a:fontRef idx="minor">
+            <a:schemeClr val="dk1"/>
+          </a:fontRef>
+        </p:style>
+        <p:txBody>
+          <a:bodyPr rot="0" spcFirstLastPara="1" vertOverflow="overflow" horzOverflow="overflow" vert="horz" wrap="none" lIns="45719" tIns="45719" rIns="45719" bIns="45719" numCol="1" spcCol="38100" rtlCol="0" anchor="t">
+            <a:spAutoFit/>
+          </a:bodyPr>
+          <a:lstStyle/>
+          <a:p>
+            <a:pPr algn="ctr"/>
+            <a:r>
+              <a:rPr lang="en-US" dirty="0"/>
+              <a:t>BB22</a:t>
+            </a:r>
+            <a:br>
+              <a:rPr lang="en-US" dirty="0"/>
+            </a:br>
+            <a:r>
+              <a:rPr lang="en-US" dirty="0" smtClean="0"/>
+              <a:t> 51: conditional </a:t>
+            </a:r>
+            <a:r>
+              <a:rPr lang="en-US" dirty="0"/>
+              <a:t>branch(ne, to </a:t>
+            </a:r>
+            <a:r>
+              <a:rPr lang="en-US" dirty="0" err="1"/>
+              <a:t>iindex</a:t>
+            </a:r>
+            <a:r>
+              <a:rPr lang="en-US" dirty="0"/>
+              <a:t>=55) v39,v12:#0 </a:t>
+            </a:r>
+            <a:endParaRPr lang="en-US" dirty="0"/>
+          </a:p>
+        </p:txBody>
+      </p:sp>
+      <p:sp>
+        <p:nvSpPr>
+          <p:cNvPr id="6" name="TextBox 5"/>
+          <p:cNvSpPr txBox="1"/>
+          <p:nvPr/>
+        </p:nvSpPr>
+        <p:spPr>
+          <a:xfrm>
+            <a:off x="1757392" y="4086376"/>
+            <a:ext cx="468786" cy="276997"/>
+          </a:xfrm>
+          <a:prstGeom prst="rect">
+            <a:avLst/>
+          </a:prstGeom>
+          <a:ln w="6350"/>
+        </p:spPr>
+        <p:style>
+          <a:lnRef idx="2">
+            <a:schemeClr val="dk1"/>
+          </a:lnRef>
+          <a:fillRef idx="1">
+            <a:schemeClr val="lt1"/>
+          </a:fillRef>
+          <a:effectRef idx="0">
+            <a:schemeClr val="dk1"/>
+          </a:effectRef>
+          <a:fontRef idx="minor">
+            <a:schemeClr val="dk1"/>
+          </a:fontRef>
+        </p:style>
+        <p:txBody>
+          <a:bodyPr rot="0" spcFirstLastPara="1" vertOverflow="overflow" horzOverflow="overflow" vert="horz" wrap="none" lIns="45719" tIns="45719" rIns="45719" bIns="45719" numCol="1" spcCol="38100" rtlCol="0" anchor="t">
+            <a:spAutoFit/>
+          </a:bodyPr>
+          <a:lstStyle/>
+          <a:p>
+            <a:pPr algn="ctr"/>
+            <a:r>
+              <a:rPr lang="en-US" dirty="0" smtClean="0"/>
+              <a:t>BB24</a:t>
+            </a:r>
+            <a:endParaRPr lang="en-US" dirty="0"/>
+          </a:p>
+        </p:txBody>
+      </p:sp>
+      <p:sp>
+        <p:nvSpPr>
+          <p:cNvPr id="7" name="TextBox 6"/>
+          <p:cNvSpPr txBox="1"/>
+          <p:nvPr/>
+        </p:nvSpPr>
+        <p:spPr>
+          <a:xfrm>
+            <a:off x="3625921" y="4086376"/>
+            <a:ext cx="2978037" cy="461663"/>
+          </a:xfrm>
+          <a:prstGeom prst="rect">
+            <a:avLst/>
+          </a:prstGeom>
+          <a:ln w="6350"/>
+        </p:spPr>
+        <p:style>
+          <a:lnRef idx="2">
+            <a:schemeClr val="dk1"/>
+          </a:lnRef>
+          <a:fillRef idx="1">
+            <a:schemeClr val="lt1"/>
+          </a:fillRef>
+          <a:effectRef idx="0">
+            <a:schemeClr val="dk1"/>
+          </a:effectRef>
+          <a:fontRef idx="minor">
+            <a:schemeClr val="dk1"/>
+          </a:fontRef>
+        </p:style>
+        <p:txBody>
+          <a:bodyPr rot="0" spcFirstLastPara="1" vertOverflow="overflow" horzOverflow="overflow" vert="horz" wrap="none" lIns="45719" tIns="45719" rIns="45719" bIns="45719" numCol="1" spcCol="38100" rtlCol="0" anchor="t">
+            <a:spAutoFit/>
+          </a:bodyPr>
+          <a:lstStyle/>
+          <a:p>
+            <a:pPr algn="ctr"/>
+            <a:r>
+              <a:rPr lang="en-US" dirty="0" smtClean="0"/>
+              <a:t>BB23</a:t>
+            </a:r>
+          </a:p>
+          <a:p>
+            <a:pPr algn="ctr"/>
+            <a:r>
+              <a:rPr lang="en-US" dirty="0" smtClean="0"/>
+              <a:t> 54: </a:t>
+            </a:r>
+            <a:r>
+              <a:rPr lang="en-US" dirty="0" err="1" smtClean="0"/>
+              <a:t>goto</a:t>
+            </a:r>
+            <a:r>
+              <a:rPr lang="en-US" dirty="0" smtClean="0"/>
+              <a:t> </a:t>
+            </a:r>
+            <a:r>
+              <a:rPr lang="en-US" dirty="0"/>
+              <a:t>(from </a:t>
+            </a:r>
+            <a:r>
+              <a:rPr lang="en-US" dirty="0" err="1"/>
+              <a:t>iindex</a:t>
+            </a:r>
+            <a:r>
+              <a:rPr lang="en-US" dirty="0"/>
+              <a:t>= 54 to </a:t>
+            </a:r>
+            <a:r>
+              <a:rPr lang="en-US" dirty="0" err="1"/>
+              <a:t>iindex</a:t>
+            </a:r>
+            <a:r>
+              <a:rPr lang="en-US" dirty="0"/>
+              <a:t> = 57) </a:t>
+            </a:r>
+            <a:endParaRPr lang="en-US" dirty="0"/>
+          </a:p>
+        </p:txBody>
+      </p:sp>
+      <p:sp>
+        <p:nvSpPr>
+          <p:cNvPr id="8" name="TextBox 7"/>
+          <p:cNvSpPr txBox="1"/>
+          <p:nvPr/>
+        </p:nvSpPr>
+        <p:spPr>
+          <a:xfrm>
+            <a:off x="2735215" y="4735085"/>
+            <a:ext cx="1604464" cy="461663"/>
+          </a:xfrm>
+          <a:prstGeom prst="rect">
+            <a:avLst/>
+          </a:prstGeom>
+          <a:ln w="6350"/>
+        </p:spPr>
+        <p:style>
+          <a:lnRef idx="2">
+            <a:schemeClr val="dk1"/>
+          </a:lnRef>
+          <a:fillRef idx="1">
+            <a:schemeClr val="lt1"/>
+          </a:fillRef>
+          <a:effectRef idx="0">
+            <a:schemeClr val="dk1"/>
+          </a:effectRef>
+          <a:fontRef idx="minor">
+            <a:schemeClr val="dk1"/>
+          </a:fontRef>
+        </p:style>
+        <p:txBody>
+          <a:bodyPr rot="0" spcFirstLastPara="1" vertOverflow="overflow" horzOverflow="overflow" vert="horz" wrap="none" lIns="45719" tIns="45719" rIns="45719" bIns="45719" numCol="1" spcCol="38100" rtlCol="0" anchor="t">
+            <a:spAutoFit/>
+          </a:bodyPr>
+          <a:lstStyle/>
+          <a:p>
+            <a:pPr algn="ctr"/>
+            <a:r>
+              <a:rPr lang="en-US" dirty="0" smtClean="0"/>
+              <a:t>BB25</a:t>
+            </a:r>
+          </a:p>
+          <a:p>
+            <a:pPr algn="ctr"/>
+            <a:r>
+              <a:rPr lang="en-US" dirty="0" smtClean="0"/>
+              <a:t> 57: v40 = phi #0, #1</a:t>
+            </a:r>
+          </a:p>
+        </p:txBody>
+      </p:sp>
+      <p:cxnSp>
+        <p:nvCxnSpPr>
+          <p:cNvPr id="12" name="Straight Arrow Connector 11"/>
+          <p:cNvCxnSpPr>
+            <a:endCxn id="5" idx="0"/>
+          </p:cNvCxnSpPr>
+          <p:nvPr/>
+        </p:nvCxnSpPr>
+        <p:spPr>
+          <a:xfrm>
+            <a:off x="3569283" y="2882969"/>
+            <a:ext cx="0" cy="343037"/>
+          </a:xfrm>
+          <a:prstGeom prst="straightConnector1">
+            <a:avLst/>
+          </a:prstGeom>
+          <a:noFill/>
+          <a:ln w="6350" cap="flat">
+            <a:solidFill>
+              <a:schemeClr val="tx1"/>
+            </a:solidFill>
+            <a:prstDash val="solid"/>
+            <a:round/>
+            <a:tailEnd type="arrow"/>
+          </a:ln>
+          <a:effectLst/>
+          <a:sp3d/>
+        </p:spPr>
+        <p:style>
+          <a:lnRef idx="0">
+            <a:scrgbClr r="0" g="0" b="0"/>
+          </a:lnRef>
+          <a:fillRef idx="0">
+            <a:scrgbClr r="0" g="0" b="0"/>
+          </a:fillRef>
+          <a:effectRef idx="0">
+            <a:scrgbClr r="0" g="0" b="0"/>
+          </a:effectRef>
+          <a:fontRef idx="none"/>
+        </p:style>
+      </p:cxnSp>
+      <p:cxnSp>
+        <p:nvCxnSpPr>
+          <p:cNvPr id="15" name="Straight Arrow Connector 14"/>
+          <p:cNvCxnSpPr>
+            <a:stCxn id="5" idx="2"/>
+            <a:endCxn id="6" idx="0"/>
+          </p:cNvCxnSpPr>
+          <p:nvPr/>
+        </p:nvCxnSpPr>
+        <p:spPr>
+          <a:xfrm flipH="1">
+            <a:off x="1991785" y="3687669"/>
+            <a:ext cx="1577498" cy="398707"/>
+          </a:xfrm>
+          <a:prstGeom prst="straightConnector1">
+            <a:avLst/>
+          </a:prstGeom>
+          <a:noFill/>
+          <a:ln w="6350" cap="flat">
+            <a:solidFill>
+              <a:schemeClr val="tx1"/>
+            </a:solidFill>
+            <a:prstDash val="solid"/>
+            <a:round/>
+            <a:tailEnd type="arrow"/>
+          </a:ln>
+          <a:effectLst/>
+          <a:sp3d/>
+        </p:spPr>
+        <p:style>
+          <a:lnRef idx="0">
+            <a:scrgbClr r="0" g="0" b="0"/>
+          </a:lnRef>
+          <a:fillRef idx="0">
+            <a:scrgbClr r="0" g="0" b="0"/>
+          </a:fillRef>
+          <a:effectRef idx="0">
+            <a:scrgbClr r="0" g="0" b="0"/>
+          </a:effectRef>
+          <a:fontRef idx="none"/>
+        </p:style>
+      </p:cxnSp>
+      <p:cxnSp>
+        <p:nvCxnSpPr>
+          <p:cNvPr id="17" name="Straight Arrow Connector 16"/>
+          <p:cNvCxnSpPr>
+            <a:stCxn id="5" idx="2"/>
+            <a:endCxn id="7" idx="0"/>
+          </p:cNvCxnSpPr>
+          <p:nvPr/>
+        </p:nvCxnSpPr>
+        <p:spPr>
+          <a:xfrm>
+            <a:off x="3569283" y="3687669"/>
+            <a:ext cx="1545657" cy="398707"/>
+          </a:xfrm>
+          <a:prstGeom prst="straightConnector1">
+            <a:avLst/>
+          </a:prstGeom>
+          <a:noFill/>
+          <a:ln w="6350" cap="flat">
+            <a:solidFill>
+              <a:schemeClr val="tx1"/>
+            </a:solidFill>
+            <a:prstDash val="solid"/>
+            <a:round/>
+            <a:tailEnd type="arrow"/>
+          </a:ln>
+          <a:effectLst/>
+          <a:sp3d/>
+        </p:spPr>
+        <p:style>
+          <a:lnRef idx="0">
+            <a:scrgbClr r="0" g="0" b="0"/>
+          </a:lnRef>
+          <a:fillRef idx="0">
+            <a:scrgbClr r="0" g="0" b="0"/>
+          </a:fillRef>
+          <a:effectRef idx="0">
+            <a:scrgbClr r="0" g="0" b="0"/>
+          </a:effectRef>
+          <a:fontRef idx="none"/>
+        </p:style>
+      </p:cxnSp>
+      <p:cxnSp>
+        <p:nvCxnSpPr>
+          <p:cNvPr id="19" name="Straight Arrow Connector 18"/>
+          <p:cNvCxnSpPr>
+            <a:stCxn id="7" idx="2"/>
+            <a:endCxn id="8" idx="0"/>
+          </p:cNvCxnSpPr>
+          <p:nvPr/>
+        </p:nvCxnSpPr>
+        <p:spPr>
+          <a:xfrm flipH="1">
+            <a:off x="3537447" y="4548039"/>
+            <a:ext cx="1577493" cy="187046"/>
+          </a:xfrm>
+          <a:prstGeom prst="straightConnector1">
+            <a:avLst/>
+          </a:prstGeom>
+          <a:noFill/>
+          <a:ln w="6350" cap="flat">
+            <a:solidFill>
+              <a:schemeClr val="tx1"/>
+            </a:solidFill>
+            <a:prstDash val="solid"/>
+            <a:round/>
+            <a:tailEnd type="arrow"/>
+          </a:ln>
+          <a:effectLst/>
+          <a:sp3d/>
+        </p:spPr>
+        <p:style>
+          <a:lnRef idx="0">
+            <a:scrgbClr r="0" g="0" b="0"/>
+          </a:lnRef>
+          <a:fillRef idx="0">
+            <a:scrgbClr r="0" g="0" b="0"/>
+          </a:fillRef>
+          <a:effectRef idx="0">
+            <a:scrgbClr r="0" g="0" b="0"/>
+          </a:effectRef>
+          <a:fontRef idx="none"/>
+        </p:style>
+      </p:cxnSp>
+      <p:cxnSp>
+        <p:nvCxnSpPr>
+          <p:cNvPr id="21" name="Straight Arrow Connector 20"/>
+          <p:cNvCxnSpPr>
+            <a:stCxn id="6" idx="2"/>
+            <a:endCxn id="8" idx="0"/>
+          </p:cNvCxnSpPr>
+          <p:nvPr/>
+        </p:nvCxnSpPr>
+        <p:spPr>
+          <a:xfrm>
+            <a:off x="1991785" y="4363373"/>
+            <a:ext cx="1545662" cy="371712"/>
+          </a:xfrm>
+          <a:prstGeom prst="straightConnector1">
+            <a:avLst/>
+          </a:prstGeom>
+          <a:noFill/>
+          <a:ln w="6350" cap="flat">
+            <a:solidFill>
+              <a:schemeClr val="tx1"/>
+            </a:solidFill>
+            <a:prstDash val="solid"/>
+            <a:round/>
+            <a:tailEnd type="arrow"/>
+          </a:ln>
+          <a:effectLst/>
+          <a:sp3d/>
+        </p:spPr>
+        <p:style>
+          <a:lnRef idx="0">
+            <a:scrgbClr r="0" g="0" b="0"/>
+          </a:lnRef>
+          <a:fillRef idx="0">
+            <a:scrgbClr r="0" g="0" b="0"/>
+          </a:fillRef>
+          <a:effectRef idx="0">
+            <a:scrgbClr r="0" g="0" b="0"/>
+          </a:effectRef>
+          <a:fontRef idx="none"/>
+        </p:style>
+      </p:cxnSp>
+      <p:cxnSp>
+        <p:nvCxnSpPr>
+          <p:cNvPr id="23" name="Straight Arrow Connector 22"/>
+          <p:cNvCxnSpPr>
+            <a:stCxn id="8" idx="2"/>
+          </p:cNvCxnSpPr>
+          <p:nvPr/>
+        </p:nvCxnSpPr>
+        <p:spPr>
+          <a:xfrm>
+            <a:off x="3537447" y="5196748"/>
+            <a:ext cx="0" cy="299140"/>
+          </a:xfrm>
+          <a:prstGeom prst="straightConnector1">
+            <a:avLst/>
+          </a:prstGeom>
+          <a:noFill/>
+          <a:ln w="6350" cap="flat">
+            <a:solidFill>
+              <a:schemeClr val="tx1"/>
+            </a:solidFill>
+            <a:prstDash val="solid"/>
+            <a:round/>
+            <a:tailEnd type="arrow"/>
+          </a:ln>
+          <a:effectLst/>
+          <a:sp3d/>
+        </p:spPr>
+        <p:style>
+          <a:lnRef idx="0">
+            <a:scrgbClr r="0" g="0" b="0"/>
+          </a:lnRef>
+          <a:fillRef idx="0">
+            <a:scrgbClr r="0" g="0" b="0"/>
+          </a:fillRef>
+          <a:effectRef idx="0">
+            <a:scrgbClr r="0" g="0" b="0"/>
+          </a:effectRef>
+          <a:fontRef idx="none"/>
+        </p:style>
+      </p:cxnSp>
+    </p:spTree>
+    <p:extLst>
+      <p:ext uri="{BB962C8B-B14F-4D97-AF65-F5344CB8AC3E}">
+        <p14:creationId xmlns:p14="http://schemas.microsoft.com/office/powerpoint/2010/main" val="832355576"/>
+      </p:ext>
+    </p:extLst>
+  </p:cSld>
+  <p:clrMapOvr>
+    <a:masterClrMapping/>
+  </p:clrMapOvr>
+  <p:transition xmlns:p14="http://schemas.microsoft.com/office/powerpoint/2010/main" spd="med"/>
 </p:sld>
 </file>
 
@@ -14599,287 +15506,19 @@
     <a:lnDef>
       <a:spPr>
         <a:noFill/>
-        <a:ln w="25400" cap="flat">
+        <a:ln w="6350" cap="flat">
           <a:solidFill>
-            <a:schemeClr val="accent1"/>
+            <a:schemeClr val="tx1"/>
           </a:solidFill>
           <a:prstDash val="solid"/>
           <a:round/>
+          <a:tailEnd type="arrow"/>
         </a:ln>
-        <a:effectLst>
-          <a:outerShdw blurRad="38100" dist="20000" dir="5400000" rotWithShape="0">
-            <a:srgbClr val="000000">
-              <a:alpha val="38000"/>
-            </a:srgbClr>
-          </a:outerShdw>
-        </a:effectLst>
+        <a:effectLst/>
         <a:sp3d/>
       </a:spPr>
-      <a:bodyPr rot="0" spcFirstLastPara="1" vertOverflow="overflow" horzOverflow="overflow" vert="horz" wrap="square" lIns="91439" tIns="45719" rIns="91439" bIns="45719" numCol="1" spcCol="38100" rtlCol="0" anchor="t">
-        <a:noAutofit/>
-      </a:bodyPr>
-      <a:lstStyle>
-        <a:defPPr marL="0" marR="0" indent="0" algn="l" defTabSz="914400" rtl="0" fontAlgn="auto" latinLnBrk="1" hangingPunct="0">
-          <a:lnSpc>
-            <a:spcPct val="100000"/>
-          </a:lnSpc>
-          <a:spcBef>
-            <a:spcPts val="0"/>
-          </a:spcBef>
-          <a:spcAft>
-            <a:spcPts val="0"/>
-          </a:spcAft>
-          <a:buClrTx/>
-          <a:buSzTx/>
-          <a:buFontTx/>
-          <a:buNone/>
-          <a:tabLst/>
-          <a:defRPr kumimoji="0" sz="1800" b="0" i="0" u="none" strike="noStrike" cap="none" spc="0" normalizeH="0" baseline="0">
-            <a:ln>
-              <a:noFill/>
-            </a:ln>
-            <a:solidFill>
-              <a:srgbClr val="000000"/>
-            </a:solidFill>
-            <a:effectLst/>
-            <a:uFillTx/>
-          </a:defRPr>
-        </a:defPPr>
-        <a:lvl1pPr marL="0" marR="0" indent="0" algn="l" defTabSz="914400" rtl="0" fontAlgn="auto" latinLnBrk="1" hangingPunct="0">
-          <a:lnSpc>
-            <a:spcPct val="100000"/>
-          </a:lnSpc>
-          <a:spcBef>
-            <a:spcPts val="0"/>
-          </a:spcBef>
-          <a:spcAft>
-            <a:spcPts val="0"/>
-          </a:spcAft>
-          <a:buClrTx/>
-          <a:buSzTx/>
-          <a:buFontTx/>
-          <a:buNone/>
-          <a:tabLst/>
-          <a:defRPr kumimoji="0" sz="1800" b="0" i="0" u="none" strike="noStrike" cap="none" spc="0" normalizeH="0" baseline="0">
-            <a:ln>
-              <a:noFill/>
-            </a:ln>
-            <a:solidFill>
-              <a:srgbClr val="000000"/>
-            </a:solidFill>
-            <a:effectLst/>
-            <a:uFillTx/>
-          </a:defRPr>
-        </a:lvl1pPr>
-        <a:lvl2pPr marL="0" marR="0" indent="0" algn="l" defTabSz="914400" rtl="0" fontAlgn="auto" latinLnBrk="1" hangingPunct="0">
-          <a:lnSpc>
-            <a:spcPct val="100000"/>
-          </a:lnSpc>
-          <a:spcBef>
-            <a:spcPts val="0"/>
-          </a:spcBef>
-          <a:spcAft>
-            <a:spcPts val="0"/>
-          </a:spcAft>
-          <a:buClrTx/>
-          <a:buSzTx/>
-          <a:buFontTx/>
-          <a:buNone/>
-          <a:tabLst/>
-          <a:defRPr kumimoji="0" sz="1800" b="0" i="0" u="none" strike="noStrike" cap="none" spc="0" normalizeH="0" baseline="0">
-            <a:ln>
-              <a:noFill/>
-            </a:ln>
-            <a:solidFill>
-              <a:srgbClr val="000000"/>
-            </a:solidFill>
-            <a:effectLst/>
-            <a:uFillTx/>
-          </a:defRPr>
-        </a:lvl2pPr>
-        <a:lvl3pPr marL="0" marR="0" indent="0" algn="l" defTabSz="914400" rtl="0" fontAlgn="auto" latinLnBrk="1" hangingPunct="0">
-          <a:lnSpc>
-            <a:spcPct val="100000"/>
-          </a:lnSpc>
-          <a:spcBef>
-            <a:spcPts val="0"/>
-          </a:spcBef>
-          <a:spcAft>
-            <a:spcPts val="0"/>
-          </a:spcAft>
-          <a:buClrTx/>
-          <a:buSzTx/>
-          <a:buFontTx/>
-          <a:buNone/>
-          <a:tabLst/>
-          <a:defRPr kumimoji="0" sz="1800" b="0" i="0" u="none" strike="noStrike" cap="none" spc="0" normalizeH="0" baseline="0">
-            <a:ln>
-              <a:noFill/>
-            </a:ln>
-            <a:solidFill>
-              <a:srgbClr val="000000"/>
-            </a:solidFill>
-            <a:effectLst/>
-            <a:uFillTx/>
-          </a:defRPr>
-        </a:lvl3pPr>
-        <a:lvl4pPr marL="0" marR="0" indent="0" algn="l" defTabSz="914400" rtl="0" fontAlgn="auto" latinLnBrk="1" hangingPunct="0">
-          <a:lnSpc>
-            <a:spcPct val="100000"/>
-          </a:lnSpc>
-          <a:spcBef>
-            <a:spcPts val="0"/>
-          </a:spcBef>
-          <a:spcAft>
-            <a:spcPts val="0"/>
-          </a:spcAft>
-          <a:buClrTx/>
-          <a:buSzTx/>
-          <a:buFontTx/>
-          <a:buNone/>
-          <a:tabLst/>
-          <a:defRPr kumimoji="0" sz="1800" b="0" i="0" u="none" strike="noStrike" cap="none" spc="0" normalizeH="0" baseline="0">
-            <a:ln>
-              <a:noFill/>
-            </a:ln>
-            <a:solidFill>
-              <a:srgbClr val="000000"/>
-            </a:solidFill>
-            <a:effectLst/>
-            <a:uFillTx/>
-          </a:defRPr>
-        </a:lvl4pPr>
-        <a:lvl5pPr marL="0" marR="0" indent="0" algn="l" defTabSz="914400" rtl="0" fontAlgn="auto" latinLnBrk="1" hangingPunct="0">
-          <a:lnSpc>
-            <a:spcPct val="100000"/>
-          </a:lnSpc>
-          <a:spcBef>
-            <a:spcPts val="0"/>
-          </a:spcBef>
-          <a:spcAft>
-            <a:spcPts val="0"/>
-          </a:spcAft>
-          <a:buClrTx/>
-          <a:buSzTx/>
-          <a:buFontTx/>
-          <a:buNone/>
-          <a:tabLst/>
-          <a:defRPr kumimoji="0" sz="1800" b="0" i="0" u="none" strike="noStrike" cap="none" spc="0" normalizeH="0" baseline="0">
-            <a:ln>
-              <a:noFill/>
-            </a:ln>
-            <a:solidFill>
-              <a:srgbClr val="000000"/>
-            </a:solidFill>
-            <a:effectLst/>
-            <a:uFillTx/>
-          </a:defRPr>
-        </a:lvl5pPr>
-        <a:lvl6pPr marL="0" marR="0" indent="0" algn="l" defTabSz="914400" rtl="0" fontAlgn="auto" latinLnBrk="1" hangingPunct="0">
-          <a:lnSpc>
-            <a:spcPct val="100000"/>
-          </a:lnSpc>
-          <a:spcBef>
-            <a:spcPts val="0"/>
-          </a:spcBef>
-          <a:spcAft>
-            <a:spcPts val="0"/>
-          </a:spcAft>
-          <a:buClrTx/>
-          <a:buSzTx/>
-          <a:buFontTx/>
-          <a:buNone/>
-          <a:tabLst/>
-          <a:defRPr kumimoji="0" sz="1800" b="0" i="0" u="none" strike="noStrike" cap="none" spc="0" normalizeH="0" baseline="0">
-            <a:ln>
-              <a:noFill/>
-            </a:ln>
-            <a:solidFill>
-              <a:srgbClr val="000000"/>
-            </a:solidFill>
-            <a:effectLst/>
-            <a:uFillTx/>
-          </a:defRPr>
-        </a:lvl6pPr>
-        <a:lvl7pPr marL="0" marR="0" indent="0" algn="l" defTabSz="914400" rtl="0" fontAlgn="auto" latinLnBrk="1" hangingPunct="0">
-          <a:lnSpc>
-            <a:spcPct val="100000"/>
-          </a:lnSpc>
-          <a:spcBef>
-            <a:spcPts val="0"/>
-          </a:spcBef>
-          <a:spcAft>
-            <a:spcPts val="0"/>
-          </a:spcAft>
-          <a:buClrTx/>
-          <a:buSzTx/>
-          <a:buFontTx/>
-          <a:buNone/>
-          <a:tabLst/>
-          <a:defRPr kumimoji="0" sz="1800" b="0" i="0" u="none" strike="noStrike" cap="none" spc="0" normalizeH="0" baseline="0">
-            <a:ln>
-              <a:noFill/>
-            </a:ln>
-            <a:solidFill>
-              <a:srgbClr val="000000"/>
-            </a:solidFill>
-            <a:effectLst/>
-            <a:uFillTx/>
-          </a:defRPr>
-        </a:lvl7pPr>
-        <a:lvl8pPr marL="0" marR="0" indent="0" algn="l" defTabSz="914400" rtl="0" fontAlgn="auto" latinLnBrk="1" hangingPunct="0">
-          <a:lnSpc>
-            <a:spcPct val="100000"/>
-          </a:lnSpc>
-          <a:spcBef>
-            <a:spcPts val="0"/>
-          </a:spcBef>
-          <a:spcAft>
-            <a:spcPts val="0"/>
-          </a:spcAft>
-          <a:buClrTx/>
-          <a:buSzTx/>
-          <a:buFontTx/>
-          <a:buNone/>
-          <a:tabLst/>
-          <a:defRPr kumimoji="0" sz="1800" b="0" i="0" u="none" strike="noStrike" cap="none" spc="0" normalizeH="0" baseline="0">
-            <a:ln>
-              <a:noFill/>
-            </a:ln>
-            <a:solidFill>
-              <a:srgbClr val="000000"/>
-            </a:solidFill>
-            <a:effectLst/>
-            <a:uFillTx/>
-          </a:defRPr>
-        </a:lvl8pPr>
-        <a:lvl9pPr marL="0" marR="0" indent="0" algn="l" defTabSz="914400" rtl="0" fontAlgn="auto" latinLnBrk="1" hangingPunct="0">
-          <a:lnSpc>
-            <a:spcPct val="100000"/>
-          </a:lnSpc>
-          <a:spcBef>
-            <a:spcPts val="0"/>
-          </a:spcBef>
-          <a:spcAft>
-            <a:spcPts val="0"/>
-          </a:spcAft>
-          <a:buClrTx/>
-          <a:buSzTx/>
-          <a:buFontTx/>
-          <a:buNone/>
-          <a:tabLst/>
-          <a:defRPr kumimoji="0" sz="1800" b="0" i="0" u="none" strike="noStrike" cap="none" spc="0" normalizeH="0" baseline="0">
-            <a:ln>
-              <a:noFill/>
-            </a:ln>
-            <a:solidFill>
-              <a:srgbClr val="000000"/>
-            </a:solidFill>
-            <a:effectLst/>
-            <a:uFillTx/>
-          </a:defRPr>
-        </a:lvl9pPr>
-      </a:lstStyle>
+      <a:bodyPr/>
+      <a:lstStyle/>
       <a:style>
         <a:lnRef idx="0">
           <a:scrgbClr r="0" g="0" b="0"/>
